--- a/Cosmos_DB_Payments_Tech_Scenario_Attendee_Coach_Deck.pptx
+++ b/Cosmos_DB_Payments_Tech_Scenario_Attendee_Coach_Deck.pptx
@@ -5,10 +5,10 @@
     <p:sldMasterId id="2147483878" r:id="rId4"/>
   </p:sldMasterIdLst>
   <p:notesMasterIdLst>
-    <p:notesMasterId r:id="rId25"/>
+    <p:notesMasterId r:id="rId27"/>
   </p:notesMasterIdLst>
   <p:handoutMasterIdLst>
-    <p:handoutMasterId r:id="rId26"/>
+    <p:handoutMasterId r:id="rId28"/>
   </p:handoutMasterIdLst>
   <p:sldIdLst>
     <p:sldId id="2076136285" r:id="rId5"/>
@@ -18,19 +18,21 @@
     <p:sldId id="2076136298" r:id="rId9"/>
     <p:sldId id="2076136299" r:id="rId10"/>
     <p:sldId id="4669" r:id="rId11"/>
-    <p:sldId id="4670" r:id="rId12"/>
+    <p:sldId id="2147469941" r:id="rId12"/>
     <p:sldId id="2076136300" r:id="rId13"/>
-    <p:sldId id="2147469940" r:id="rId14"/>
-    <p:sldId id="2147469970" r:id="rId15"/>
-    <p:sldId id="2076136275" r:id="rId16"/>
-    <p:sldId id="2076136279" r:id="rId17"/>
-    <p:sldId id="2076136286" r:id="rId18"/>
-    <p:sldId id="2076136287" r:id="rId19"/>
-    <p:sldId id="2076136288" r:id="rId20"/>
-    <p:sldId id="2076136289" r:id="rId21"/>
-    <p:sldId id="2076136290" r:id="rId22"/>
-    <p:sldId id="2076136280" r:id="rId23"/>
-    <p:sldId id="2076136284" r:id="rId24"/>
+    <p:sldId id="2147469942" r:id="rId14"/>
+    <p:sldId id="2147469943" r:id="rId15"/>
+    <p:sldId id="2147469940" r:id="rId16"/>
+    <p:sldId id="2147469970" r:id="rId17"/>
+    <p:sldId id="2076136275" r:id="rId18"/>
+    <p:sldId id="2076136279" r:id="rId19"/>
+    <p:sldId id="2076136286" r:id="rId20"/>
+    <p:sldId id="2076136287" r:id="rId21"/>
+    <p:sldId id="2076136288" r:id="rId22"/>
+    <p:sldId id="2076136289" r:id="rId23"/>
+    <p:sldId id="2076136290" r:id="rId24"/>
+    <p:sldId id="2076136280" r:id="rId25"/>
+    <p:sldId id="2076136284" r:id="rId26"/>
   </p:sldIdLst>
   <p:sldSz cx="12192000" cy="6858000"/>
   <p:notesSz cx="6858000" cy="9144000"/>
@@ -145,8 +147,10 @@
             <p14:sldId id="2076136298"/>
             <p14:sldId id="2076136299"/>
             <p14:sldId id="4669"/>
-            <p14:sldId id="4670"/>
+            <p14:sldId id="2147469941"/>
             <p14:sldId id="2076136300"/>
+            <p14:sldId id="2147469942"/>
+            <p14:sldId id="2147469943"/>
             <p14:sldId id="2147469940"/>
             <p14:sldId id="2147469970"/>
             <p14:sldId id="2076136275"/>
@@ -197,12 +201,108 @@
 </p:presentation>
 </file>
 
+<file path=ppt/authors.xml><?xml version="1.0" encoding="utf-8"?>
+<p188:authorLst xmlns:a="http://schemas.openxmlformats.org/drawingml/2006/main" xmlns:r="http://schemas.openxmlformats.org/officeDocument/2006/relationships" xmlns:p188="http://schemas.microsoft.com/office/powerpoint/2018/8/main">
+  <p188:author id="{C5996416-E04C-FF10-E8CC-95CB951866E0}" name="Marcelo Fonseca" initials="MF" userId="S::marcrod@microsoft.com::e173044e-7948-42e5-9d11-3514f6c3c640" providerId="AD"/>
+</p188:authorLst>
+</file>
+
 <file path=ppt/revisionInfo.xml><?xml version="1.0" encoding="utf-8"?>
 <p1510:revInfo xmlns:a="http://schemas.openxmlformats.org/drawingml/2006/main" xmlns:r="http://schemas.openxmlformats.org/officeDocument/2006/relationships" xmlns:p1510="http://schemas.microsoft.com/office/powerpoint/2015/10/main">
   <p1510:revLst>
     <p1510:client id="{78982E6D-EC91-4767-A262-D8D5173EA498}" v="36" dt="2021-06-22T23:31:37.713"/>
   </p1510:revLst>
 </p1510:revInfo>
+</file>
+
+<file path=ppt/comments/modernComment_123D_D363D14F.xml><?xml version="1.0" encoding="utf-8"?>
+<p188:cmLst xmlns:a="http://schemas.openxmlformats.org/drawingml/2006/main" xmlns:r="http://schemas.openxmlformats.org/officeDocument/2006/relationships" xmlns:p188="http://schemas.microsoft.com/office/powerpoint/2018/8/main">
+  <p188:cm id="{E4BFFFF1-D317-4F7C-A462-79E2A5EB56B1}" authorId="{C5996416-E04C-FF10-E8CC-95CB951866E0}" status="resolved" created="2023-10-09T13:29:44.457">
+    <pc:sldMkLst xmlns:pc="http://schemas.microsoft.com/office/powerpoint/2013/main/command">
+      <pc:docMk/>
+      <pc:sldMk cId="3546534223" sldId="4669"/>
+    </pc:sldMkLst>
+    <p188:txBody>
+      <a:bodyPr/>
+      <a:lstStyle/>
+      <a:p>
+        <a:r>
+          <a:rPr lang="en-US"/>
+          <a:t>Strong consistency guarantees also global majority on writes, which means RPO = 0.</a:t>
+        </a:r>
+      </a:p>
+    </p188:txBody>
+  </p188:cm>
+</p188:cmLst>
+</file>
+
+<file path=ppt/comments/modernComment_7BBF5369_61D5CB72.xml><?xml version="1.0" encoding="utf-8"?>
+<p188:cmLst xmlns:a="http://schemas.openxmlformats.org/drawingml/2006/main" xmlns:r="http://schemas.openxmlformats.org/officeDocument/2006/relationships" xmlns:p188="http://schemas.microsoft.com/office/powerpoint/2018/8/main">
+  <p188:cm id="{07D0A546-713E-45B2-BDB4-9ED1CF8F1D79}" authorId="{C5996416-E04C-FF10-E8CC-95CB951866E0}" status="resolved" created="2023-10-09T13:26:46.554">
+    <ac:txMkLst xmlns:ac="http://schemas.microsoft.com/office/drawing/2013/main/command">
+      <pc:docMk xmlns:pc="http://schemas.microsoft.com/office/powerpoint/2013/main/command"/>
+      <pc:sldMk xmlns:pc="http://schemas.microsoft.com/office/powerpoint/2013/main/command" cId="1641401202" sldId="2076136297"/>
+      <ac:spMk id="5" creationId="{6F33E021-3047-07E5-4CC6-1F3BF72FAFB4}"/>
+      <ac:txMk cp="307" len="53">
+        <ac:context len="572" hash="3282097457"/>
+      </ac:txMk>
+    </ac:txMkLst>
+    <p188:pos x="10809197" y="2203565"/>
+    <p188:txBody>
+      <a:bodyPr/>
+      <a:lstStyle/>
+      <a:p>
+        <a:r>
+          <a:rPr lang="en-US"/>
+          <a:t>Also mention ACID guarantee since payments require this behavior.</a:t>
+        </a:r>
+      </a:p>
+    </p188:txBody>
+  </p188:cm>
+</p188:cmLst>
+</file>
+
+<file path=ppt/comments/modernComment_7BBF536A_47A62D84.xml><?xml version="1.0" encoding="utf-8"?>
+<p188:cmLst xmlns:a="http://schemas.openxmlformats.org/drawingml/2006/main" xmlns:r="http://schemas.openxmlformats.org/officeDocument/2006/relationships" xmlns:p188="http://schemas.microsoft.com/office/powerpoint/2018/8/main">
+  <p188:cm id="{D3655589-9A21-4E9A-83C0-F02EDD0F1598}" authorId="{C5996416-E04C-FF10-E8CC-95CB951866E0}" status="resolved" created="2023-10-09T13:27:14.911">
+    <ac:deMkLst xmlns:ac="http://schemas.microsoft.com/office/drawing/2013/main/command">
+      <pc:docMk xmlns:pc="http://schemas.microsoft.com/office/powerpoint/2013/main/command"/>
+      <pc:sldMk xmlns:pc="http://schemas.microsoft.com/office/powerpoint/2013/main/command" cId="1202072964" sldId="2076136298"/>
+      <ac:spMk id="194" creationId="{8B06A9E3-D750-F888-719B-4940E3CFC0F2}"/>
+    </ac:deMkLst>
+    <p188:txBody>
+      <a:bodyPr/>
+      <a:lstStyle/>
+      <a:p>
+        <a:r>
+          <a:rPr lang="en-US"/>
+          <a:t>Icons seem to have a watermark.</a:t>
+        </a:r>
+      </a:p>
+    </p188:txBody>
+  </p188:cm>
+</p188:cmLst>
+</file>
+
+<file path=ppt/comments/modernComment_7BBF536C_78ACC619.xml><?xml version="1.0" encoding="utf-8"?>
+<p188:cmLst xmlns:a="http://schemas.openxmlformats.org/drawingml/2006/main" xmlns:r="http://schemas.openxmlformats.org/officeDocument/2006/relationships" xmlns:p188="http://schemas.microsoft.com/office/powerpoint/2018/8/main">
+  <p188:cm id="{31254DDD-D30C-40B0-B43F-FF0DEF78D9D2}" authorId="{C5996416-E04C-FF10-E8CC-95CB951866E0}" status="resolved" created="2023-10-09T13:34:44.337">
+    <pc:sldMkLst xmlns:pc="http://schemas.microsoft.com/office/powerpoint/2013/main/command">
+      <pc:docMk/>
+      <pc:sldMk cId="2024588825" sldId="2076136300"/>
+    </pc:sldMkLst>
+    <p188:txBody>
+      <a:bodyPr/>
+      <a:lstStyle/>
+      <a:p>
+        <a:r>
+          <a:rPr lang="en-US"/>
+          <a:t>Notes added. Partial update offers a more granular conflict resolution.</a:t>
+        </a:r>
+      </a:p>
+    </p188:txBody>
+  </p188:cm>
+</p188:cmLst>
 </file>
 
 <file path=ppt/handoutMasters/handoutMaster1.xml><?xml version="1.0" encoding="utf-8"?>
@@ -299,7 +399,7 @@
           <a:p>
             <a:fld id="{5DC6FE6B-C416-4AB4-9C30-FB2A7099CAC6}" type="datetimeFigureOut">
               <a:rPr lang="en-US" smtClean="0"/>
-              <a:t>6/28/2023</a:t>
+              <a:t>11/14/2023</a:t>
             </a:fld>
             <a:endParaRPr lang="en-US"/>
           </a:p>
@@ -476,7 +576,7 @@
           <a:p>
             <a:fld id="{CFF76AD5-84B7-47FE-802A-FFAE792CDC84}" type="datetimeFigureOut">
               <a:rPr lang="en-US" smtClean="0"/>
-              <a:t>6/28/2023</a:t>
+              <a:t>11/14/2023</a:t>
             </a:fld>
             <a:endParaRPr lang="en-US"/>
           </a:p>
@@ -787,6 +887,41 @@
           <a:bodyPr/>
           <a:lstStyle/>
           <a:p>
+            <a:pPr marL="0" marR="0" lvl="0" indent="0" algn="l" defTabSz="914400" rtl="0" eaLnBrk="1" fontAlgn="auto" latinLnBrk="0" hangingPunct="1">
+              <a:lnSpc>
+                <a:spcPct val="100000"/>
+              </a:lnSpc>
+              <a:spcBef>
+                <a:spcPts val="0"/>
+              </a:spcBef>
+              <a:spcAft>
+                <a:spcPts val="0"/>
+              </a:spcAft>
+              <a:buClrTx/>
+              <a:buSzTx/>
+              <a:buFontTx/>
+              <a:buNone/>
+              <a:tabLst/>
+              <a:defRPr/>
+            </a:pPr>
+            <a:r>
+              <a:rPr lang="en-US" sz="1800" dirty="0">
+                <a:effectLst/>
+                <a:latin typeface="Aptos" panose="020B0004020202020204" pitchFamily="34" charset="0"/>
+                <a:ea typeface="Aptos" panose="020B0004020202020204" pitchFamily="34" charset="0"/>
+                <a:cs typeface="Times New Roman" panose="02020603050405020304" pitchFamily="18" charset="0"/>
+              </a:rPr>
+              <a:t>In this solution, members manage their accounts, engage with transaction histories, and set overdraft limits to navigate their financial activities. The system assures that all transaction data is dependably replicated across multiple geographic regions, ensuring data consistency and reliable updates through efficient patch operations. Business rules are in place to validate each transaction, ensuring transactions do not exceed overdraft limits and Azure Cosmos DB Transactional Batch ensures ACID scope between new transactions and balance changes . We've incorporated an AI co-pilot to assist our agents by providing them with a live, detailed view into every transaction, enabling robust analysis and decision-making support. As we walk through the demo, we will explore how these features work cohesively to manage member and account transaction data in a scalable and reliable </a:t>
+            </a:r>
+            <a:r>
+              <a:rPr lang="en-US" sz="1800">
+                <a:effectLst/>
+                <a:latin typeface="Aptos" panose="020B0004020202020204" pitchFamily="34" charset="0"/>
+                <a:ea typeface="Aptos" panose="020B0004020202020204" pitchFamily="34" charset="0"/>
+                <a:cs typeface="Times New Roman" panose="02020603050405020304" pitchFamily="18" charset="0"/>
+              </a:rPr>
+              <a:t>way.</a:t>
+            </a:r>
             <a:endParaRPr lang="en-US" dirty="0"/>
           </a:p>
         </p:txBody>
@@ -808,7 +943,7 @@
           <a:p>
             <a:fld id="{CCB0B7A7-645F-45EF-A82D-25C8E51FB344}" type="slidenum">
               <a:rPr lang="en-US" smtClean="0"/>
-              <a:t>5</a:t>
+              <a:t>4</a:t>
             </a:fld>
             <a:endParaRPr lang="en-US"/>
           </a:p>
@@ -817,7 +952,7 @@
     </p:spTree>
     <p:extLst>
       <p:ext uri="{BB962C8B-B14F-4D97-AF65-F5344CB8AC3E}">
-        <p14:creationId xmlns:p14="http://schemas.microsoft.com/office/powerpoint/2010/main" val="525907913"/>
+        <p14:creationId xmlns:p14="http://schemas.microsoft.com/office/powerpoint/2010/main" val="133997704"/>
       </p:ext>
     </p:extLst>
   </p:cSld>
@@ -871,7 +1006,10 @@
           <a:bodyPr/>
           <a:lstStyle/>
           <a:p>
-            <a:endParaRPr lang="en-US" dirty="0"/>
+            <a:r>
+              <a:rPr lang="en-US" dirty="0"/>
+              <a:t>It always starts with an Ask.  A user has a goal they want to achieve.  We have seen how the Kernel orchestrates the ask to the planner.  The Planner finds the right AI skills that can be used to solve that need.  Some skills are enhanced with memories and with live data connections.  The steps to complete the users ask are executed as part of the plan and the results are returned to the user, resulting in productivity gains and ideally the goal reached.</a:t>
+            </a:r>
           </a:p>
         </p:txBody>
       </p:sp>
@@ -890,9 +1028,9 @@
           <a:bodyPr/>
           <a:lstStyle/>
           <a:p>
-            <a:fld id="{CCB0B7A7-645F-45EF-A82D-25C8E51FB344}" type="slidenum">
+            <a:fld id="{FB75EBB8-D7E4-4048-A244-754319938B9C}" type="slidenum">
               <a:rPr lang="en-US" smtClean="0"/>
-              <a:t>15</a:t>
+              <a:t>13</a:t>
             </a:fld>
             <a:endParaRPr lang="en-US"/>
           </a:p>
@@ -901,7 +1039,7 @@
     </p:spTree>
     <p:extLst>
       <p:ext uri="{BB962C8B-B14F-4D97-AF65-F5344CB8AC3E}">
-        <p14:creationId xmlns:p14="http://schemas.microsoft.com/office/powerpoint/2010/main" val="3706595812"/>
+        <p14:creationId xmlns:p14="http://schemas.microsoft.com/office/powerpoint/2010/main" val="1741912625"/>
       </p:ext>
     </p:extLst>
   </p:cSld>
@@ -955,7 +1093,43 @@
           <a:bodyPr/>
           <a:lstStyle/>
           <a:p>
-            <a:endParaRPr lang="en-US" dirty="0"/>
+            <a:pPr marL="0" marR="0" lvl="0" indent="0" algn="l" defTabSz="914400" rtl="0" eaLnBrk="1" fontAlgn="auto" latinLnBrk="0" hangingPunct="1">
+              <a:lnSpc>
+                <a:spcPct val="100000"/>
+              </a:lnSpc>
+              <a:spcBef>
+                <a:spcPts val="0"/>
+              </a:spcBef>
+              <a:spcAft>
+                <a:spcPts val="0"/>
+              </a:spcAft>
+              <a:buClrTx/>
+              <a:buSzTx/>
+              <a:buFontTx/>
+              <a:buNone/>
+              <a:tabLst/>
+              <a:defRPr/>
+            </a:pPr>
+            <a:r>
+              <a:rPr kumimoji="0" lang="en-US" sz="1200" b="0" i="0" u="none" strike="noStrike" kern="1200" cap="none" spc="0" normalizeH="0" baseline="0" noProof="0">
+                <a:ln>
+                  <a:noFill/>
+                </a:ln>
+                <a:solidFill>
+                  <a:srgbClr val="FFFFFF"/>
+                </a:solidFill>
+                <a:effectLst/>
+                <a:uLnTx/>
+                <a:uFillTx/>
+                <a:latin typeface="Segoe UI" panose="020B0502040204020203" pitchFamily="34" charset="0"/>
+                <a:ea typeface="+mn-ea"/>
+                <a:cs typeface="Segoe UI" panose="020B0502040204020203" pitchFamily="34" charset="0"/>
+              </a:rPr>
+              <a:t>To get started, visit the OpenHack portal:</a:t>
+            </a:r>
+          </a:p>
+          <a:p>
+            <a:endParaRPr lang="en-US"/>
           </a:p>
         </p:txBody>
       </p:sp>
@@ -974,18 +1148,78 @@
           <a:bodyPr/>
           <a:lstStyle/>
           <a:p>
-            <a:fld id="{CCB0B7A7-645F-45EF-A82D-25C8E51FB344}" type="slidenum">
-              <a:rPr lang="en-US" smtClean="0"/>
-              <a:t>16</a:t>
+            <a:pPr marL="0" marR="0" lvl="0" indent="0" algn="r" defTabSz="914400" rtl="0" eaLnBrk="1" fontAlgn="auto" latinLnBrk="0" hangingPunct="1">
+              <a:lnSpc>
+                <a:spcPct val="100000"/>
+              </a:lnSpc>
+              <a:spcBef>
+                <a:spcPts val="0"/>
+              </a:spcBef>
+              <a:spcAft>
+                <a:spcPts val="0"/>
+              </a:spcAft>
+              <a:buClrTx/>
+              <a:buSzTx/>
+              <a:buFontTx/>
+              <a:buNone/>
+              <a:tabLst/>
+              <a:defRPr/>
+            </a:pPr>
+            <a:fld id="{96C4A558-2D39-4963-801C-D8D0AB93CA23}" type="slidenum">
+              <a:rPr kumimoji="0" lang="en-NZ" sz="1200" b="0" i="0" u="none" strike="noStrike" kern="1200" cap="none" spc="0" normalizeH="0" baseline="0" noProof="0" smtClean="0">
+                <a:ln>
+                  <a:noFill/>
+                </a:ln>
+                <a:solidFill>
+                  <a:prstClr val="black"/>
+                </a:solidFill>
+                <a:effectLst/>
+                <a:uLnTx/>
+                <a:uFillTx/>
+                <a:latin typeface="Calibri" panose="020F0502020204030204"/>
+                <a:ea typeface="+mn-ea"/>
+                <a:cs typeface="+mn-cs"/>
+              </a:rPr>
+              <a:pPr marL="0" marR="0" lvl="0" indent="0" algn="r" defTabSz="914400" rtl="0" eaLnBrk="1" fontAlgn="auto" latinLnBrk="0" hangingPunct="1">
+                <a:lnSpc>
+                  <a:spcPct val="100000"/>
+                </a:lnSpc>
+                <a:spcBef>
+                  <a:spcPts val="0"/>
+                </a:spcBef>
+                <a:spcAft>
+                  <a:spcPts val="0"/>
+                </a:spcAft>
+                <a:buClrTx/>
+                <a:buSzTx/>
+                <a:buFontTx/>
+                <a:buNone/>
+                <a:tabLst/>
+                <a:defRPr/>
+              </a:pPr>
+              <a:t>14</a:t>
             </a:fld>
-            <a:endParaRPr lang="en-US"/>
+            <a:endParaRPr kumimoji="0" lang="en-NZ" sz="1200" b="0" i="0" u="none" strike="noStrike" kern="1200" cap="none" spc="0" normalizeH="0" baseline="0" noProof="0">
+              <a:ln>
+                <a:noFill/>
+              </a:ln>
+              <a:solidFill>
+                <a:prstClr val="black"/>
+              </a:solidFill>
+              <a:effectLst/>
+              <a:uLnTx/>
+              <a:uFillTx/>
+              <a:latin typeface="Calibri" panose="020F0502020204030204"/>
+              <a:ea typeface="+mn-ea"/>
+              <a:cs typeface="+mn-cs"/>
+            </a:endParaRPr>
           </a:p>
         </p:txBody>
       </p:sp>
     </p:spTree>
     <p:extLst>
       <p:ext uri="{BB962C8B-B14F-4D97-AF65-F5344CB8AC3E}">
-        <p14:creationId xmlns:p14="http://schemas.microsoft.com/office/powerpoint/2010/main" val="3706595812"/>
+        <p14:creationId xmlns:p14="http://schemas.microsoft.com/office/powerpoint/2010/main" val="380937796"/>
       </p:ext>
     </p:extLst>
   </p:cSld>
@@ -1039,7 +1273,10 @@
           <a:bodyPr/>
           <a:lstStyle/>
           <a:p>
-            <a:endParaRPr lang="en-US" dirty="0"/>
+            <a:r>
+              <a:rPr lang="en-US"/>
+              <a:t>This guide is only meant to be a reference. Please do not rely on this guide in place of completing the challenges before coaching. </a:t>
+            </a:r>
           </a:p>
         </p:txBody>
       </p:sp>
@@ -1058,9 +1295,9 @@
           <a:bodyPr/>
           <a:lstStyle/>
           <a:p>
-            <a:fld id="{CCB0B7A7-645F-45EF-A82D-25C8E51FB344}" type="slidenum">
+            <a:fld id="{B14F9875-39BF-4C18-A21D-3E04A24EDC12}" type="slidenum">
               <a:rPr lang="en-US" smtClean="0"/>
-              <a:t>17</a:t>
+              <a:t>15</a:t>
             </a:fld>
             <a:endParaRPr lang="en-US"/>
           </a:p>
@@ -1069,7 +1306,7 @@
     </p:spTree>
     <p:extLst>
       <p:ext uri="{BB962C8B-B14F-4D97-AF65-F5344CB8AC3E}">
-        <p14:creationId xmlns:p14="http://schemas.microsoft.com/office/powerpoint/2010/main" val="3706595812"/>
+        <p14:creationId xmlns:p14="http://schemas.microsoft.com/office/powerpoint/2010/main" val="1691727235"/>
       </p:ext>
     </p:extLst>
   </p:cSld>
@@ -1144,7 +1381,343 @@
           <a:p>
             <a:fld id="{CCB0B7A7-645F-45EF-A82D-25C8E51FB344}" type="slidenum">
               <a:rPr lang="en-US" smtClean="0"/>
+              <a:t>16</a:t>
+            </a:fld>
+            <a:endParaRPr lang="en-US"/>
+          </a:p>
+        </p:txBody>
+      </p:sp>
+    </p:spTree>
+    <p:extLst>
+      <p:ext uri="{BB962C8B-B14F-4D97-AF65-F5344CB8AC3E}">
+        <p14:creationId xmlns:p14="http://schemas.microsoft.com/office/powerpoint/2010/main" val="3706595812"/>
+      </p:ext>
+    </p:extLst>
+  </p:cSld>
+  <p:clrMapOvr>
+    <a:masterClrMapping/>
+  </p:clrMapOvr>
+</p:notes>
+</file>
+
+<file path=ppt/notesSlides/notesSlide14.xml><?xml version="1.0" encoding="utf-8"?>
+<p:notes xmlns:a="http://schemas.openxmlformats.org/drawingml/2006/main" xmlns:r="http://schemas.openxmlformats.org/officeDocument/2006/relationships" xmlns:p="http://schemas.openxmlformats.org/presentationml/2006/main">
+  <p:cSld>
+    <p:spTree>
+      <p:nvGrpSpPr>
+        <p:cNvPr id="1" name=""/>
+        <p:cNvGrpSpPr/>
+        <p:nvPr/>
+      </p:nvGrpSpPr>
+      <p:grpSpPr>
+        <a:xfrm>
+          <a:off x="0" y="0"/>
+          <a:ext cx="0" cy="0"/>
+          <a:chOff x="0" y="0"/>
+          <a:chExt cx="0" cy="0"/>
+        </a:xfrm>
+      </p:grpSpPr>
+      <p:sp>
+        <p:nvSpPr>
+          <p:cNvPr id="2" name="Slide Image Placeholder 1"/>
+          <p:cNvSpPr>
+            <a:spLocks noGrp="1" noRot="1" noChangeAspect="1"/>
+          </p:cNvSpPr>
+          <p:nvPr>
+            <p:ph type="sldImg"/>
+          </p:nvPr>
+        </p:nvSpPr>
+        <p:spPr/>
+      </p:sp>
+      <p:sp>
+        <p:nvSpPr>
+          <p:cNvPr id="3" name="Notes Placeholder 2"/>
+          <p:cNvSpPr>
+            <a:spLocks noGrp="1"/>
+          </p:cNvSpPr>
+          <p:nvPr>
+            <p:ph type="body" idx="1"/>
+          </p:nvPr>
+        </p:nvSpPr>
+        <p:spPr/>
+        <p:txBody>
+          <a:bodyPr/>
+          <a:lstStyle/>
+          <a:p>
+            <a:endParaRPr lang="en-US" dirty="0"/>
+          </a:p>
+        </p:txBody>
+      </p:sp>
+      <p:sp>
+        <p:nvSpPr>
+          <p:cNvPr id="4" name="Slide Number Placeholder 3"/>
+          <p:cNvSpPr>
+            <a:spLocks noGrp="1"/>
+          </p:cNvSpPr>
+          <p:nvPr>
+            <p:ph type="sldNum" sz="quarter" idx="5"/>
+          </p:nvPr>
+        </p:nvSpPr>
+        <p:spPr/>
+        <p:txBody>
+          <a:bodyPr/>
+          <a:lstStyle/>
+          <a:p>
+            <a:fld id="{CCB0B7A7-645F-45EF-A82D-25C8E51FB344}" type="slidenum">
+              <a:rPr lang="en-US" smtClean="0"/>
+              <a:t>17</a:t>
+            </a:fld>
+            <a:endParaRPr lang="en-US"/>
+          </a:p>
+        </p:txBody>
+      </p:sp>
+    </p:spTree>
+    <p:extLst>
+      <p:ext uri="{BB962C8B-B14F-4D97-AF65-F5344CB8AC3E}">
+        <p14:creationId xmlns:p14="http://schemas.microsoft.com/office/powerpoint/2010/main" val="3706595812"/>
+      </p:ext>
+    </p:extLst>
+  </p:cSld>
+  <p:clrMapOvr>
+    <a:masterClrMapping/>
+  </p:clrMapOvr>
+</p:notes>
+</file>
+
+<file path=ppt/notesSlides/notesSlide15.xml><?xml version="1.0" encoding="utf-8"?>
+<p:notes xmlns:a="http://schemas.openxmlformats.org/drawingml/2006/main" xmlns:r="http://schemas.openxmlformats.org/officeDocument/2006/relationships" xmlns:p="http://schemas.openxmlformats.org/presentationml/2006/main">
+  <p:cSld>
+    <p:spTree>
+      <p:nvGrpSpPr>
+        <p:cNvPr id="1" name=""/>
+        <p:cNvGrpSpPr/>
+        <p:nvPr/>
+      </p:nvGrpSpPr>
+      <p:grpSpPr>
+        <a:xfrm>
+          <a:off x="0" y="0"/>
+          <a:ext cx="0" cy="0"/>
+          <a:chOff x="0" y="0"/>
+          <a:chExt cx="0" cy="0"/>
+        </a:xfrm>
+      </p:grpSpPr>
+      <p:sp>
+        <p:nvSpPr>
+          <p:cNvPr id="2" name="Slide Image Placeholder 1"/>
+          <p:cNvSpPr>
+            <a:spLocks noGrp="1" noRot="1" noChangeAspect="1"/>
+          </p:cNvSpPr>
+          <p:nvPr>
+            <p:ph type="sldImg"/>
+          </p:nvPr>
+        </p:nvSpPr>
+        <p:spPr/>
+      </p:sp>
+      <p:sp>
+        <p:nvSpPr>
+          <p:cNvPr id="3" name="Notes Placeholder 2"/>
+          <p:cNvSpPr>
+            <a:spLocks noGrp="1"/>
+          </p:cNvSpPr>
+          <p:nvPr>
+            <p:ph type="body" idx="1"/>
+          </p:nvPr>
+        </p:nvSpPr>
+        <p:spPr/>
+        <p:txBody>
+          <a:bodyPr/>
+          <a:lstStyle/>
+          <a:p>
+            <a:endParaRPr lang="en-US" dirty="0"/>
+          </a:p>
+        </p:txBody>
+      </p:sp>
+      <p:sp>
+        <p:nvSpPr>
+          <p:cNvPr id="4" name="Slide Number Placeholder 3"/>
+          <p:cNvSpPr>
+            <a:spLocks noGrp="1"/>
+          </p:cNvSpPr>
+          <p:nvPr>
+            <p:ph type="sldNum" sz="quarter" idx="5"/>
+          </p:nvPr>
+        </p:nvSpPr>
+        <p:spPr/>
+        <p:txBody>
+          <a:bodyPr/>
+          <a:lstStyle/>
+          <a:p>
+            <a:fld id="{CCB0B7A7-645F-45EF-A82D-25C8E51FB344}" type="slidenum">
+              <a:rPr lang="en-US" smtClean="0"/>
               <a:t>18</a:t>
+            </a:fld>
+            <a:endParaRPr lang="en-US"/>
+          </a:p>
+        </p:txBody>
+      </p:sp>
+    </p:spTree>
+    <p:extLst>
+      <p:ext uri="{BB962C8B-B14F-4D97-AF65-F5344CB8AC3E}">
+        <p14:creationId xmlns:p14="http://schemas.microsoft.com/office/powerpoint/2010/main" val="3706595812"/>
+      </p:ext>
+    </p:extLst>
+  </p:cSld>
+  <p:clrMapOvr>
+    <a:masterClrMapping/>
+  </p:clrMapOvr>
+</p:notes>
+</file>
+
+<file path=ppt/notesSlides/notesSlide16.xml><?xml version="1.0" encoding="utf-8"?>
+<p:notes xmlns:a="http://schemas.openxmlformats.org/drawingml/2006/main" xmlns:r="http://schemas.openxmlformats.org/officeDocument/2006/relationships" xmlns:p="http://schemas.openxmlformats.org/presentationml/2006/main">
+  <p:cSld>
+    <p:spTree>
+      <p:nvGrpSpPr>
+        <p:cNvPr id="1" name=""/>
+        <p:cNvGrpSpPr/>
+        <p:nvPr/>
+      </p:nvGrpSpPr>
+      <p:grpSpPr>
+        <a:xfrm>
+          <a:off x="0" y="0"/>
+          <a:ext cx="0" cy="0"/>
+          <a:chOff x="0" y="0"/>
+          <a:chExt cx="0" cy="0"/>
+        </a:xfrm>
+      </p:grpSpPr>
+      <p:sp>
+        <p:nvSpPr>
+          <p:cNvPr id="2" name="Slide Image Placeholder 1"/>
+          <p:cNvSpPr>
+            <a:spLocks noGrp="1" noRot="1" noChangeAspect="1"/>
+          </p:cNvSpPr>
+          <p:nvPr>
+            <p:ph type="sldImg"/>
+          </p:nvPr>
+        </p:nvSpPr>
+        <p:spPr/>
+      </p:sp>
+      <p:sp>
+        <p:nvSpPr>
+          <p:cNvPr id="3" name="Notes Placeholder 2"/>
+          <p:cNvSpPr>
+            <a:spLocks noGrp="1"/>
+          </p:cNvSpPr>
+          <p:nvPr>
+            <p:ph type="body" idx="1"/>
+          </p:nvPr>
+        </p:nvSpPr>
+        <p:spPr/>
+        <p:txBody>
+          <a:bodyPr/>
+          <a:lstStyle/>
+          <a:p>
+            <a:endParaRPr lang="en-US" dirty="0"/>
+          </a:p>
+        </p:txBody>
+      </p:sp>
+      <p:sp>
+        <p:nvSpPr>
+          <p:cNvPr id="4" name="Slide Number Placeholder 3"/>
+          <p:cNvSpPr>
+            <a:spLocks noGrp="1"/>
+          </p:cNvSpPr>
+          <p:nvPr>
+            <p:ph type="sldNum" sz="quarter" idx="5"/>
+          </p:nvPr>
+        </p:nvSpPr>
+        <p:spPr/>
+        <p:txBody>
+          <a:bodyPr/>
+          <a:lstStyle/>
+          <a:p>
+            <a:fld id="{CCB0B7A7-645F-45EF-A82D-25C8E51FB344}" type="slidenum">
+              <a:rPr lang="en-US" smtClean="0"/>
+              <a:t>19</a:t>
+            </a:fld>
+            <a:endParaRPr lang="en-US"/>
+          </a:p>
+        </p:txBody>
+      </p:sp>
+    </p:spTree>
+    <p:extLst>
+      <p:ext uri="{BB962C8B-B14F-4D97-AF65-F5344CB8AC3E}">
+        <p14:creationId xmlns:p14="http://schemas.microsoft.com/office/powerpoint/2010/main" val="3706595812"/>
+      </p:ext>
+    </p:extLst>
+  </p:cSld>
+  <p:clrMapOvr>
+    <a:masterClrMapping/>
+  </p:clrMapOvr>
+</p:notes>
+</file>
+
+<file path=ppt/notesSlides/notesSlide17.xml><?xml version="1.0" encoding="utf-8"?>
+<p:notes xmlns:a="http://schemas.openxmlformats.org/drawingml/2006/main" xmlns:r="http://schemas.openxmlformats.org/officeDocument/2006/relationships" xmlns:p="http://schemas.openxmlformats.org/presentationml/2006/main">
+  <p:cSld>
+    <p:spTree>
+      <p:nvGrpSpPr>
+        <p:cNvPr id="1" name=""/>
+        <p:cNvGrpSpPr/>
+        <p:nvPr/>
+      </p:nvGrpSpPr>
+      <p:grpSpPr>
+        <a:xfrm>
+          <a:off x="0" y="0"/>
+          <a:ext cx="0" cy="0"/>
+          <a:chOff x="0" y="0"/>
+          <a:chExt cx="0" cy="0"/>
+        </a:xfrm>
+      </p:grpSpPr>
+      <p:sp>
+        <p:nvSpPr>
+          <p:cNvPr id="2" name="Slide Image Placeholder 1"/>
+          <p:cNvSpPr>
+            <a:spLocks noGrp="1" noRot="1" noChangeAspect="1"/>
+          </p:cNvSpPr>
+          <p:nvPr>
+            <p:ph type="sldImg"/>
+          </p:nvPr>
+        </p:nvSpPr>
+        <p:spPr/>
+      </p:sp>
+      <p:sp>
+        <p:nvSpPr>
+          <p:cNvPr id="3" name="Notes Placeholder 2"/>
+          <p:cNvSpPr>
+            <a:spLocks noGrp="1"/>
+          </p:cNvSpPr>
+          <p:nvPr>
+            <p:ph type="body" idx="1"/>
+          </p:nvPr>
+        </p:nvSpPr>
+        <p:spPr/>
+        <p:txBody>
+          <a:bodyPr/>
+          <a:lstStyle/>
+          <a:p>
+            <a:endParaRPr lang="en-US" dirty="0"/>
+          </a:p>
+        </p:txBody>
+      </p:sp>
+      <p:sp>
+        <p:nvSpPr>
+          <p:cNvPr id="4" name="Slide Number Placeholder 3"/>
+          <p:cNvSpPr>
+            <a:spLocks noGrp="1"/>
+          </p:cNvSpPr>
+          <p:nvPr>
+            <p:ph type="sldNum" sz="quarter" idx="5"/>
+          </p:nvPr>
+        </p:nvSpPr>
+        <p:spPr/>
+        <p:txBody>
+          <a:bodyPr/>
+          <a:lstStyle/>
+          <a:p>
+            <a:fld id="{CCB0B7A7-645F-45EF-A82D-25C8E51FB344}" type="slidenum">
+              <a:rPr lang="en-US" smtClean="0"/>
+              <a:t>20</a:t>
             </a:fld>
             <a:endParaRPr lang="en-US"/>
           </a:p>
@@ -1207,36 +1780,352 @@
           <a:bodyPr/>
           <a:lstStyle/>
           <a:p>
-            <a:r>
-              <a:rPr lang="en-US" b="0" i="0" dirty="0">
-                <a:solidFill>
-                  <a:srgbClr val="1F2328"/>
-                </a:solidFill>
+            <a:pPr marL="0" marR="0">
+              <a:lnSpc>
+                <a:spcPct val="107000"/>
+              </a:lnSpc>
+              <a:spcBef>
+                <a:spcPts val="0"/>
+              </a:spcBef>
+              <a:spcAft>
+                <a:spcPts val="800"/>
+              </a:spcAft>
+            </a:pPr>
+            <a:r>
+              <a:rPr lang="en-US" sz="1100" kern="100" dirty="0">
                 <a:effectLst/>
-                <a:latin typeface="-apple-system"/>
+                <a:latin typeface="Aptos" panose="020B0004020202020204" pitchFamily="34" charset="0"/>
+                <a:ea typeface="Aptos" panose="020B0004020202020204" pitchFamily="34" charset="0"/>
+                <a:cs typeface="Times New Roman" panose="02020603050405020304" pitchFamily="18" charset="0"/>
               </a:rPr>
-              <a:t>The application frontend is a </a:t>
-            </a:r>
-            <a:r>
-              <a:rPr lang="en-US" b="0" i="0" dirty="0" err="1">
-                <a:solidFill>
-                  <a:srgbClr val="1F2328"/>
-                </a:solidFill>
+              <a:t>(Display the architecture diagram while speaking to the below points)</a:t>
+            </a:r>
+          </a:p>
+          <a:p>
+            <a:pPr marL="0" marR="0">
+              <a:lnSpc>
+                <a:spcPct val="107000"/>
+              </a:lnSpc>
+              <a:spcBef>
+                <a:spcPts val="0"/>
+              </a:spcBef>
+              <a:spcAft>
+                <a:spcPts val="800"/>
+              </a:spcAft>
+            </a:pPr>
+            <a:endParaRPr lang="en-US" sz="1100" kern="100" dirty="0">
+              <a:effectLst/>
+              <a:latin typeface="Aptos" panose="020B0004020202020204" pitchFamily="34" charset="0"/>
+              <a:ea typeface="Aptos" panose="020B0004020202020204" pitchFamily="34" charset="0"/>
+              <a:cs typeface="Times New Roman" panose="02020603050405020304" pitchFamily="18" charset="0"/>
+            </a:endParaRPr>
+          </a:p>
+          <a:p>
+            <a:pPr marL="0" marR="0">
+              <a:lnSpc>
+                <a:spcPct val="107000"/>
+              </a:lnSpc>
+              <a:spcBef>
+                <a:spcPts val="0"/>
+              </a:spcBef>
+              <a:spcAft>
+                <a:spcPts val="800"/>
+              </a:spcAft>
+            </a:pPr>
+            <a:r>
+              <a:rPr lang="en-US" sz="1100" kern="100" dirty="0">
                 <a:effectLst/>
-                <a:latin typeface="-apple-system"/>
+                <a:latin typeface="Aptos" panose="020B0004020202020204" pitchFamily="34" charset="0"/>
+                <a:ea typeface="Aptos" panose="020B0004020202020204" pitchFamily="34" charset="0"/>
+                <a:cs typeface="Times New Roman" panose="02020603050405020304" pitchFamily="18" charset="0"/>
               </a:rPr>
-              <a:t>Blazor</a:t>
-            </a:r>
-            <a:r>
-              <a:rPr lang="en-US" b="0" i="0" dirty="0">
-                <a:solidFill>
-                  <a:srgbClr val="1F2328"/>
-                </a:solidFill>
+              <a:t>This is a very high-level overview of the architecture:</a:t>
+            </a:r>
+          </a:p>
+          <a:p>
+            <a:pPr marL="0" marR="0">
+              <a:lnSpc>
+                <a:spcPct val="107000"/>
+              </a:lnSpc>
+              <a:spcBef>
+                <a:spcPts val="0"/>
+              </a:spcBef>
+              <a:spcAft>
+                <a:spcPts val="800"/>
+              </a:spcAft>
+            </a:pPr>
+            <a:endParaRPr lang="en-US" sz="1100" kern="100" dirty="0">
+              <a:effectLst/>
+              <a:latin typeface="Aptos" panose="020B0004020202020204" pitchFamily="34" charset="0"/>
+              <a:ea typeface="Aptos" panose="020B0004020202020204" pitchFamily="34" charset="0"/>
+              <a:cs typeface="Times New Roman" panose="02020603050405020304" pitchFamily="18" charset="0"/>
+            </a:endParaRPr>
+          </a:p>
+          <a:p>
+            <a:pPr marL="742950" marR="0" lvl="1" indent="-285750">
+              <a:lnSpc>
+                <a:spcPct val="107000"/>
+              </a:lnSpc>
+              <a:spcBef>
+                <a:spcPts val="0"/>
+              </a:spcBef>
+              <a:spcAft>
+                <a:spcPts val="0"/>
+              </a:spcAft>
+              <a:buSzPts val="1000"/>
+              <a:buFont typeface="Symbol" panose="05050102010706020507" pitchFamily="18" charset="2"/>
+              <a:buChar char=""/>
+              <a:tabLst>
+                <a:tab pos="914400" algn="l"/>
+              </a:tabLst>
+            </a:pPr>
+            <a:r>
+              <a:rPr lang="en-US" sz="1100" kern="100" dirty="0">
                 <a:effectLst/>
-                <a:latin typeface="-apple-system"/>
+                <a:latin typeface="Aptos" panose="020B0004020202020204" pitchFamily="34" charset="0"/>
+                <a:ea typeface="Aptos" panose="020B0004020202020204" pitchFamily="34" charset="0"/>
+                <a:cs typeface="Times New Roman" panose="02020603050405020304" pitchFamily="18" charset="0"/>
               </a:rPr>
-              <a:t> application with Intelligent Agent UI functionality.</a:t>
-            </a:r>
+              <a:t>All services are deployed across three regions to ensure high availability and to demonstrate Azure Cosmos DB replication and concurrency features.</a:t>
+            </a:r>
+          </a:p>
+          <a:p>
+            <a:pPr marL="742950" marR="0" lvl="1" indent="-285750">
+              <a:lnSpc>
+                <a:spcPct val="107000"/>
+              </a:lnSpc>
+              <a:spcBef>
+                <a:spcPts val="0"/>
+              </a:spcBef>
+              <a:spcAft>
+                <a:spcPts val="0"/>
+              </a:spcAft>
+              <a:buSzPts val="1000"/>
+              <a:buFont typeface="Symbol" panose="05050102010706020507" pitchFamily="18" charset="2"/>
+              <a:buChar char=""/>
+              <a:tabLst>
+                <a:tab pos="914400" algn="l"/>
+              </a:tabLst>
+            </a:pPr>
+            <a:r>
+              <a:rPr lang="en-US" sz="1100" kern="100" dirty="0">
+                <a:effectLst/>
+                <a:latin typeface="Aptos" panose="020B0004020202020204" pitchFamily="34" charset="0"/>
+                <a:ea typeface="Aptos" panose="020B0004020202020204" pitchFamily="34" charset="0"/>
+                <a:cs typeface="Times New Roman" panose="02020603050405020304" pitchFamily="18" charset="0"/>
+              </a:rPr>
+              <a:t>The front end is a React web application deployed to an Azure Static Web app. This is how users interact with the solution.</a:t>
+            </a:r>
+          </a:p>
+          <a:p>
+            <a:pPr marL="742950" marR="0" lvl="1" indent="-285750">
+              <a:lnSpc>
+                <a:spcPct val="107000"/>
+              </a:lnSpc>
+              <a:spcBef>
+                <a:spcPts val="0"/>
+              </a:spcBef>
+              <a:spcAft>
+                <a:spcPts val="0"/>
+              </a:spcAft>
+              <a:buSzPts val="1000"/>
+              <a:buFont typeface="Symbol" panose="05050102010706020507" pitchFamily="18" charset="2"/>
+              <a:buChar char=""/>
+              <a:tabLst>
+                <a:tab pos="914400" algn="l"/>
+              </a:tabLst>
+            </a:pPr>
+            <a:r>
+              <a:rPr lang="en-US" sz="1100" kern="100" dirty="0">
+                <a:effectLst/>
+                <a:latin typeface="Aptos" panose="020B0004020202020204" pitchFamily="34" charset="0"/>
+                <a:ea typeface="Aptos" panose="020B0004020202020204" pitchFamily="34" charset="0"/>
+                <a:cs typeface="Times New Roman" panose="02020603050405020304" pitchFamily="18" charset="0"/>
+              </a:rPr>
+              <a:t>The static web app sends all requests through Azure Front Door, which routes the requests to a Payments API instance, according to routing rules.</a:t>
+            </a:r>
+          </a:p>
+          <a:p>
+            <a:pPr marL="742950" marR="0" lvl="1" indent="-285750">
+              <a:lnSpc>
+                <a:spcPct val="107000"/>
+              </a:lnSpc>
+              <a:spcBef>
+                <a:spcPts val="0"/>
+              </a:spcBef>
+              <a:spcAft>
+                <a:spcPts val="0"/>
+              </a:spcAft>
+              <a:buSzPts val="1000"/>
+              <a:buFont typeface="Symbol" panose="05050102010706020507" pitchFamily="18" charset="2"/>
+              <a:buChar char=""/>
+              <a:tabLst>
+                <a:tab pos="914400" algn="l"/>
+              </a:tabLst>
+            </a:pPr>
+            <a:r>
+              <a:rPr lang="en-US" sz="1100" kern="100" dirty="0">
+                <a:effectLst/>
+                <a:latin typeface="Aptos" panose="020B0004020202020204" pitchFamily="34" charset="0"/>
+                <a:ea typeface="Aptos" panose="020B0004020202020204" pitchFamily="34" charset="0"/>
+                <a:cs typeface="Times New Roman" panose="02020603050405020304" pitchFamily="18" charset="0"/>
+              </a:rPr>
+              <a:t>The API is an ASP.NET Core API app that serves as a lightweight layer for the business logic that lives inside of a .NET 7 class library. It is containerized in Docker and deployed to an Azure Container App (ACA) or Azure Kubernetes Service (AKS).</a:t>
+            </a:r>
+          </a:p>
+          <a:p>
+            <a:pPr marL="742950" marR="0" lvl="1" indent="-285750">
+              <a:lnSpc>
+                <a:spcPct val="107000"/>
+              </a:lnSpc>
+              <a:spcBef>
+                <a:spcPts val="0"/>
+              </a:spcBef>
+              <a:spcAft>
+                <a:spcPts val="0"/>
+              </a:spcAft>
+              <a:buSzPts val="1000"/>
+              <a:buFont typeface="Symbol" panose="05050102010706020507" pitchFamily="18" charset="2"/>
+              <a:buChar char=""/>
+              <a:tabLst>
+                <a:tab pos="914400" algn="l"/>
+              </a:tabLst>
+            </a:pPr>
+            <a:r>
+              <a:rPr lang="en-US" sz="1100" kern="100" dirty="0">
+                <a:effectLst/>
+                <a:latin typeface="Aptos" panose="020B0004020202020204" pitchFamily="34" charset="0"/>
+                <a:ea typeface="Aptos" panose="020B0004020202020204" pitchFamily="34" charset="0"/>
+                <a:cs typeface="Times New Roman" panose="02020603050405020304" pitchFamily="18" charset="0"/>
+              </a:rPr>
+              <a:t>The background worker service is a </a:t>
+            </a:r>
+            <a:r>
+              <a:rPr lang="en-US" sz="1100" kern="100" dirty="0" err="1">
+                <a:effectLst/>
+                <a:latin typeface="Aptos" panose="020B0004020202020204" pitchFamily="34" charset="0"/>
+                <a:ea typeface="Aptos" panose="020B0004020202020204" pitchFamily="34" charset="0"/>
+                <a:cs typeface="Times New Roman" panose="02020603050405020304" pitchFamily="18" charset="0"/>
+              </a:rPr>
+              <a:t>Microsoft.NET.Sdk.Worker</a:t>
+            </a:r>
+            <a:r>
+              <a:rPr lang="en-US" sz="1100" kern="100" dirty="0">
+                <a:effectLst/>
+                <a:latin typeface="Aptos" panose="020B0004020202020204" pitchFamily="34" charset="0"/>
+                <a:ea typeface="Aptos" panose="020B0004020202020204" pitchFamily="34" charset="0"/>
+                <a:cs typeface="Times New Roman" panose="02020603050405020304" pitchFamily="18" charset="0"/>
+              </a:rPr>
+              <a:t> project that also references the .NET 7 class library and is deployed into a different Docker container within the same AKS service or a dedicated ACA instance.</a:t>
+            </a:r>
+          </a:p>
+          <a:p>
+            <a:pPr marL="742950" marR="0" lvl="1" indent="-285750">
+              <a:lnSpc>
+                <a:spcPct val="107000"/>
+              </a:lnSpc>
+              <a:spcBef>
+                <a:spcPts val="0"/>
+              </a:spcBef>
+              <a:spcAft>
+                <a:spcPts val="0"/>
+              </a:spcAft>
+              <a:buSzPts val="1000"/>
+              <a:buFont typeface="Symbol" panose="05050102010706020507" pitchFamily="18" charset="2"/>
+              <a:buChar char=""/>
+              <a:tabLst>
+                <a:tab pos="914400" algn="l"/>
+              </a:tabLst>
+            </a:pPr>
+            <a:r>
+              <a:rPr lang="en-US" sz="1100" kern="100" dirty="0">
+                <a:effectLst/>
+                <a:latin typeface="Aptos" panose="020B0004020202020204" pitchFamily="34" charset="0"/>
+                <a:ea typeface="Aptos" panose="020B0004020202020204" pitchFamily="34" charset="0"/>
+                <a:cs typeface="Times New Roman" panose="02020603050405020304" pitchFamily="18" charset="0"/>
+              </a:rPr>
+              <a:t>All data is stored in Azure Cosmos DB. The background worker service acts as the Azure Cosmos DB change feed processor, which executes as data within the monitored Cosmos DB containers are inserted or updated, allowing for the application of business rules and automated updating of data within various containers. For this architecture, a CQRS pattern is in place to allow independent scalability between writes (new transactions) and reads (balances or statement queries) and Azure Cosmos DB change feed is the key to replicate data between containers.</a:t>
+            </a:r>
+            <a:r>
+              <a:rPr lang="en-US" sz="800" kern="100" dirty="0">
+                <a:effectLst/>
+                <a:latin typeface="Aptos" panose="020B0004020202020204" pitchFamily="34" charset="0"/>
+                <a:ea typeface="Aptos" panose="020B0004020202020204" pitchFamily="34" charset="0"/>
+                <a:cs typeface="Times New Roman" panose="02020603050405020304" pitchFamily="18" charset="0"/>
+              </a:rPr>
+              <a:t> </a:t>
+            </a:r>
+            <a:endParaRPr lang="en-US" sz="1100" kern="100" dirty="0">
+              <a:effectLst/>
+              <a:latin typeface="Aptos" panose="020B0004020202020204" pitchFamily="34" charset="0"/>
+              <a:ea typeface="Aptos" panose="020B0004020202020204" pitchFamily="34" charset="0"/>
+              <a:cs typeface="Times New Roman" panose="02020603050405020304" pitchFamily="18" charset="0"/>
+            </a:endParaRPr>
+          </a:p>
+          <a:p>
+            <a:pPr marL="742950" marR="0" lvl="1" indent="-285750">
+              <a:lnSpc>
+                <a:spcPct val="107000"/>
+              </a:lnSpc>
+              <a:spcBef>
+                <a:spcPts val="0"/>
+              </a:spcBef>
+              <a:spcAft>
+                <a:spcPts val="800"/>
+              </a:spcAft>
+              <a:buSzPts val="1000"/>
+              <a:buFont typeface="Symbol" panose="05050102010706020507" pitchFamily="18" charset="2"/>
+              <a:buChar char=""/>
+              <a:tabLst>
+                <a:tab pos="914400" algn="l"/>
+              </a:tabLst>
+            </a:pPr>
+            <a:r>
+              <a:rPr lang="en-US" sz="1100" kern="100" dirty="0">
+                <a:effectLst/>
+                <a:latin typeface="Aptos" panose="020B0004020202020204" pitchFamily="34" charset="0"/>
+                <a:ea typeface="Aptos" panose="020B0004020202020204" pitchFamily="34" charset="0"/>
+                <a:cs typeface="Times New Roman" panose="02020603050405020304" pitchFamily="18" charset="0"/>
+              </a:rPr>
+              <a:t>There is an Azure OpenAI deployment that provides a completion model, orchestrated by Semantic Kernel. This enables users to ask questions about transactions in an account.</a:t>
+            </a:r>
+          </a:p>
+          <a:p>
+            <a:pPr marL="0" marR="0">
+              <a:spcBef>
+                <a:spcPts val="0"/>
+              </a:spcBef>
+              <a:spcAft>
+                <a:spcPts val="800"/>
+              </a:spcAft>
+            </a:pPr>
+            <a:endParaRPr lang="en-US" sz="1000" kern="100" dirty="0">
+              <a:effectLst/>
+              <a:latin typeface="Aptos" panose="020B0004020202020204" pitchFamily="34" charset="0"/>
+              <a:ea typeface="Aptos" panose="020B0004020202020204" pitchFamily="34" charset="0"/>
+              <a:cs typeface="Times New Roman" panose="02020603050405020304" pitchFamily="18" charset="0"/>
+            </a:endParaRPr>
+          </a:p>
+          <a:p>
+            <a:pPr marL="0" marR="0">
+              <a:spcBef>
+                <a:spcPts val="0"/>
+              </a:spcBef>
+              <a:spcAft>
+                <a:spcPts val="800"/>
+              </a:spcAft>
+            </a:pPr>
+            <a:r>
+              <a:rPr lang="en-US" sz="1000" kern="100" dirty="0">
+                <a:effectLst/>
+                <a:latin typeface="Aptos" panose="020B0004020202020204" pitchFamily="34" charset="0"/>
+                <a:ea typeface="Aptos" panose="020B0004020202020204" pitchFamily="34" charset="0"/>
+                <a:cs typeface="Times New Roman" panose="02020603050405020304" pitchFamily="18" charset="0"/>
+              </a:rPr>
+              <a:t>CQRS pattern is also important to mention to explain why there are 2 containers storing transactions and why change feed is the key.</a:t>
+            </a:r>
+          </a:p>
+          <a:p>
             <a:endParaRPr lang="en-US" dirty="0"/>
           </a:p>
         </p:txBody>
@@ -1258,7 +2147,7 @@
           <a:p>
             <a:fld id="{CCB0B7A7-645F-45EF-A82D-25C8E51FB344}" type="slidenum">
               <a:rPr lang="en-US" smtClean="0"/>
-              <a:t>6</a:t>
+              <a:t>5</a:t>
             </a:fld>
             <a:endParaRPr lang="en-US"/>
           </a:p>
@@ -1267,7 +2156,7 @@
     </p:spTree>
     <p:extLst>
       <p:ext uri="{BB962C8B-B14F-4D97-AF65-F5344CB8AC3E}">
-        <p14:creationId xmlns:p14="http://schemas.microsoft.com/office/powerpoint/2010/main" val="270736968"/>
+        <p14:creationId xmlns:p14="http://schemas.microsoft.com/office/powerpoint/2010/main" val="525907913"/>
       </p:ext>
     </p:extLst>
   </p:cSld>
@@ -1321,86 +2210,23 @@
           <a:bodyPr/>
           <a:lstStyle/>
           <a:p>
+            <a:r>
+              <a:rPr lang="en-US" b="0" i="0" dirty="0">
+                <a:solidFill>
+                  <a:srgbClr val="1F2328"/>
+                </a:solidFill>
+                <a:effectLst/>
+                <a:latin typeface="-apple-system"/>
+              </a:rPr>
+              <a:t>The application frontend is a React single-page application with Intelligent Agent UI functionality.</a:t>
+            </a:r>
             <a:endParaRPr lang="en-US" dirty="0"/>
           </a:p>
         </p:txBody>
       </p:sp>
       <p:sp>
         <p:nvSpPr>
-          <p:cNvPr id="4" name="Header Placeholder 3"/>
-          <p:cNvSpPr>
-            <a:spLocks noGrp="1"/>
-          </p:cNvSpPr>
-          <p:nvPr>
-            <p:ph type="hdr" sz="quarter"/>
-          </p:nvPr>
-        </p:nvSpPr>
-        <p:spPr/>
-        <p:txBody>
-          <a:bodyPr/>
-          <a:lstStyle/>
-          <a:p>
-            <a:endParaRPr lang="en-US" dirty="0"/>
-          </a:p>
-        </p:txBody>
-      </p:sp>
-      <p:sp>
-        <p:nvSpPr>
-          <p:cNvPr id="5" name="Footer Placeholder 4"/>
-          <p:cNvSpPr>
-            <a:spLocks noGrp="1"/>
-          </p:cNvSpPr>
-          <p:nvPr>
-            <p:ph type="ftr" sz="quarter" idx="4"/>
-          </p:nvPr>
-        </p:nvSpPr>
-        <p:spPr/>
-        <p:txBody>
-          <a:bodyPr/>
-          <a:lstStyle/>
-          <a:p>
-            <a:pPr defTabSz="914099" eaLnBrk="0" hangingPunct="0"/>
-            <a:r>
-              <a:rPr lang="en-US" sz="400">
-                <a:gradFill>
-                  <a:gsLst>
-                    <a:gs pos="0">
-                      <a:prstClr val="black"/>
-                    </a:gs>
-                    <a:gs pos="100000">
-                      <a:prstClr val="black"/>
-                    </a:gs>
-                  </a:gsLst>
-                  <a:lin ang="5400000" scaled="0"/>
-                </a:gradFill>
-                <a:latin typeface="Segoe UI" pitchFamily="34" charset="0"/>
-                <a:ea typeface="Segoe UI" pitchFamily="34" charset="0"/>
-                <a:cs typeface="Segoe UI" pitchFamily="34" charset="0"/>
-              </a:rPr>
-              <a:t>© Microsoft Corporation</a:t>
-            </a:r>
-            <a:endParaRPr lang="en-US" sz="400" dirty="0">
-              <a:gradFill>
-                <a:gsLst>
-                  <a:gs pos="0">
-                    <a:prstClr val="black"/>
-                  </a:gs>
-                  <a:gs pos="100000">
-                    <a:prstClr val="black"/>
-                  </a:gs>
-                </a:gsLst>
-                <a:lin ang="5400000" scaled="0"/>
-              </a:gradFill>
-              <a:latin typeface="Segoe UI" pitchFamily="34" charset="0"/>
-              <a:ea typeface="Segoe UI" pitchFamily="34" charset="0"/>
-              <a:cs typeface="Segoe UI" pitchFamily="34" charset="0"/>
-            </a:endParaRPr>
-          </a:p>
-        </p:txBody>
-      </p:sp>
-      <p:sp>
-        <p:nvSpPr>
-          <p:cNvPr id="6" name="Slide Number Placeholder 5"/>
+          <p:cNvPr id="4" name="Slide Number Placeholder 3"/>
           <p:cNvSpPr>
             <a:spLocks noGrp="1"/>
           </p:cNvSpPr>
@@ -1413,19 +2239,18 @@
           <a:bodyPr/>
           <a:lstStyle/>
           <a:p>
-            <a:fld id="{B4008EB6-D09E-4580-8CD6-DDB14511944F}" type="slidenum">
+            <a:fld id="{CCB0B7A7-645F-45EF-A82D-25C8E51FB344}" type="slidenum">
               <a:rPr lang="en-US" smtClean="0"/>
-              <a:pPr/>
-              <a:t>7</a:t>
+              <a:t>6</a:t>
             </a:fld>
-            <a:endParaRPr lang="en-US" dirty="0"/>
+            <a:endParaRPr lang="en-US"/>
           </a:p>
         </p:txBody>
       </p:sp>
     </p:spTree>
     <p:extLst>
       <p:ext uri="{BB962C8B-B14F-4D97-AF65-F5344CB8AC3E}">
-        <p14:creationId xmlns:p14="http://schemas.microsoft.com/office/powerpoint/2010/main" val="2767647561"/>
+        <p14:creationId xmlns:p14="http://schemas.microsoft.com/office/powerpoint/2010/main" val="270736968"/>
       </p:ext>
     </p:extLst>
   </p:cSld>
@@ -1479,6 +2304,128 @@
           <a:bodyPr/>
           <a:lstStyle/>
           <a:p>
+            <a:pPr algn="l"/>
+            <a:r>
+              <a:rPr lang="en-US" b="0" i="0" dirty="0">
+                <a:solidFill>
+                  <a:srgbClr val="E6E6E6"/>
+                </a:solidFill>
+                <a:effectLst/>
+                <a:latin typeface="Segoe UI" panose="020B0502040204020203" pitchFamily="34" charset="0"/>
+              </a:rPr>
+              <a:t>Cosmos DB provides consistency levels on a spectrum. Each level provides availability and performance tradeoffs.</a:t>
+            </a:r>
+          </a:p>
+          <a:p>
+            <a:pPr algn="l"/>
+            <a:endParaRPr lang="en-US" b="0" i="0" dirty="0">
+              <a:solidFill>
+                <a:srgbClr val="E6E6E6"/>
+              </a:solidFill>
+              <a:effectLst/>
+              <a:latin typeface="Segoe UI" panose="020B0502040204020203" pitchFamily="34" charset="0"/>
+            </a:endParaRPr>
+          </a:p>
+          <a:p>
+            <a:pPr algn="l"/>
+            <a:r>
+              <a:rPr lang="en-US" b="0" i="0" dirty="0">
+                <a:solidFill>
+                  <a:srgbClr val="E6E6E6"/>
+                </a:solidFill>
+                <a:effectLst/>
+                <a:latin typeface="Segoe UI" panose="020B0502040204020203" pitchFamily="34" charset="0"/>
+              </a:rPr>
+              <a:t>In our solution, we are using a single write region and two additional read regions for global distribution, with the default consistency level set to Strong.</a:t>
+            </a:r>
+          </a:p>
+          <a:p>
+            <a:pPr algn="l"/>
+            <a:endParaRPr lang="en-US" b="0" i="0" dirty="0">
+              <a:solidFill>
+                <a:srgbClr val="E6E6E6"/>
+              </a:solidFill>
+              <a:effectLst/>
+              <a:latin typeface="Segoe UI" panose="020B0502040204020203" pitchFamily="34" charset="0"/>
+            </a:endParaRPr>
+          </a:p>
+          <a:p>
+            <a:pPr algn="l"/>
+            <a:r>
+              <a:rPr lang="en-US" b="0" i="0" dirty="0">
+                <a:solidFill>
+                  <a:srgbClr val="E6E6E6"/>
+                </a:solidFill>
+                <a:effectLst/>
+                <a:latin typeface="Segoe UI" panose="020B0502040204020203" pitchFamily="34" charset="0"/>
+              </a:rPr>
+              <a:t>Strong Consistency </a:t>
+            </a:r>
+            <a:r>
+              <a:rPr lang="en-US" b="0" i="0" dirty="0">
+                <a:solidFill>
+                  <a:srgbClr val="252525"/>
+                </a:solidFill>
+                <a:effectLst/>
+                <a:latin typeface="wf_segoe-ui_normal"/>
+              </a:rPr>
+              <a:t>means that reads are guaranteed to see the most recent write. This offers the simplest programming model out of the five consistency levels and is also ideal for applications where seeing the latest version of data that in the correct chronological order is critically important.</a:t>
+            </a:r>
+            <a:endParaRPr lang="en-US" b="0" i="0" dirty="0">
+              <a:solidFill>
+                <a:srgbClr val="E6E6E6"/>
+              </a:solidFill>
+              <a:effectLst/>
+              <a:latin typeface="Segoe UI" panose="020B0502040204020203" pitchFamily="34" charset="0"/>
+            </a:endParaRPr>
+          </a:p>
+          <a:p>
+            <a:pPr algn="l"/>
+            <a:endParaRPr lang="en-US" b="0" i="0" dirty="0">
+              <a:solidFill>
+                <a:srgbClr val="E6E6E6"/>
+              </a:solidFill>
+              <a:effectLst/>
+              <a:latin typeface="Segoe UI" panose="020B0502040204020203" pitchFamily="34" charset="0"/>
+            </a:endParaRPr>
+          </a:p>
+          <a:p>
+            <a:pPr algn="l"/>
+            <a:r>
+              <a:rPr lang="en-US" b="0" i="0" dirty="0">
+                <a:solidFill>
+                  <a:srgbClr val="E6E6E6"/>
+                </a:solidFill>
+                <a:effectLst/>
+                <a:latin typeface="Segoe UI" panose="020B0502040204020203" pitchFamily="34" charset="0"/>
+              </a:rPr>
+              <a:t>Strong consistency offers a linearizability guarantee. Linearizability refers to serving requests concurrently. The reads are guaranteed to return the most recent committed version of an item. A client never sees an uncommitted or partial write. Users are always guaranteed to read the latest committed write. Since we are using a single write region, our solution benefits from a recovery point objective (RPO) of zero, because strong consistency guarantees a global majority on writes.</a:t>
+            </a:r>
+          </a:p>
+          <a:p>
+            <a:pPr algn="l"/>
+            <a:endParaRPr lang="en-US" b="0" i="0" dirty="0">
+              <a:solidFill>
+                <a:srgbClr val="E6E6E6"/>
+              </a:solidFill>
+              <a:effectLst/>
+              <a:latin typeface="Segoe UI" panose="020B0502040204020203" pitchFamily="34" charset="0"/>
+            </a:endParaRPr>
+          </a:p>
+          <a:p>
+            <a:pPr algn="l"/>
+            <a:r>
+              <a:rPr lang="en-US" b="0" i="0" dirty="0">
+                <a:solidFill>
+                  <a:srgbClr val="E6E6E6"/>
+                </a:solidFill>
+                <a:effectLst/>
+                <a:latin typeface="Segoe UI" panose="020B0502040204020203" pitchFamily="34" charset="0"/>
+              </a:rPr>
+              <a:t>The following graphic illustrates the strong consistency with musical notes. After the data is written to the "West US 2" region, when you read the data from other regions, you get the most recent value:</a:t>
+            </a:r>
+          </a:p>
+          <a:p>
             <a:endParaRPr lang="en-US" dirty="0"/>
           </a:p>
         </p:txBody>
@@ -1574,7 +2521,7 @@
             <a:fld id="{B4008EB6-D09E-4580-8CD6-DDB14511944F}" type="slidenum">
               <a:rPr lang="en-US" smtClean="0"/>
               <a:pPr/>
-              <a:t>8</a:t>
+              <a:t>7</a:t>
             </a:fld>
             <a:endParaRPr lang="en-US" dirty="0"/>
           </a:p>
@@ -1583,7 +2530,7 @@
     </p:spTree>
     <p:extLst>
       <p:ext uri="{BB962C8B-B14F-4D97-AF65-F5344CB8AC3E}">
-        <p14:creationId xmlns:p14="http://schemas.microsoft.com/office/powerpoint/2010/main" val="3602701292"/>
+        <p14:creationId xmlns:p14="http://schemas.microsoft.com/office/powerpoint/2010/main" val="2767647561"/>
       </p:ext>
     </p:extLst>
   </p:cSld>
@@ -1637,16 +2584,109 @@
           <a:bodyPr/>
           <a:lstStyle/>
           <a:p>
-            <a:r>
-              <a:rPr lang="en-US" dirty="0"/>
-              <a:t>It all starts from an Ask.  The user has a need that needs to be filled.  Kernel, in Semantic Kernel, is the orchestrator for the Ask.  It sends the Ask over to the Planner to the right skills can be found and the right steps can be created from the Ask and Skills.</a:t>
+            <a:pPr algn="l"/>
+            <a:r>
+              <a:rPr lang="en-US" b="0" i="0" dirty="0">
+                <a:solidFill>
+                  <a:srgbClr val="E6E6E6"/>
+                </a:solidFill>
+                <a:effectLst/>
+                <a:latin typeface="Segoe UI" panose="020B0502040204020203" pitchFamily="34" charset="0"/>
+              </a:rPr>
+              <a:t>In Eventual consistency, the client issues read requests against any one of the four replicas in the specified region. This replica may be lagging and could return stale or no data.</a:t>
+            </a:r>
+          </a:p>
+          <a:p>
+            <a:pPr algn="l"/>
+            <a:r>
+              <a:rPr lang="en-US" b="0" i="0" dirty="0">
+                <a:solidFill>
+                  <a:srgbClr val="E6E6E6"/>
+                </a:solidFill>
+                <a:effectLst/>
+                <a:latin typeface="Segoe UI" panose="020B0502040204020203" pitchFamily="34" charset="0"/>
+              </a:rPr>
+              <a:t>Eventual consistency is the weakest form of consistency because a client may read the values that are older than the ones it read in the past. Eventual consistency is ideal where the application doesn't require any ordering guarantees. Examples include count of Retweets, Likes, or non-threaded comments. The following graphic illustrates the eventual consistency with musical notes.</a:t>
             </a:r>
           </a:p>
         </p:txBody>
       </p:sp>
       <p:sp>
         <p:nvSpPr>
-          <p:cNvPr id="4" name="Slide Number Placeholder 3"/>
+          <p:cNvPr id="4" name="Header Placeholder 3"/>
+          <p:cNvSpPr>
+            <a:spLocks noGrp="1"/>
+          </p:cNvSpPr>
+          <p:nvPr>
+            <p:ph type="hdr" sz="quarter"/>
+          </p:nvPr>
+        </p:nvSpPr>
+        <p:spPr/>
+        <p:txBody>
+          <a:bodyPr/>
+          <a:lstStyle/>
+          <a:p>
+            <a:endParaRPr lang="en-US" dirty="0"/>
+          </a:p>
+        </p:txBody>
+      </p:sp>
+      <p:sp>
+        <p:nvSpPr>
+          <p:cNvPr id="5" name="Footer Placeholder 4"/>
+          <p:cNvSpPr>
+            <a:spLocks noGrp="1"/>
+          </p:cNvSpPr>
+          <p:nvPr>
+            <p:ph type="ftr" sz="quarter" idx="4"/>
+          </p:nvPr>
+        </p:nvSpPr>
+        <p:spPr/>
+        <p:txBody>
+          <a:bodyPr/>
+          <a:lstStyle/>
+          <a:p>
+            <a:pPr defTabSz="914099" eaLnBrk="0" hangingPunct="0"/>
+            <a:r>
+              <a:rPr lang="en-US" sz="400">
+                <a:gradFill>
+                  <a:gsLst>
+                    <a:gs pos="0">
+                      <a:prstClr val="black"/>
+                    </a:gs>
+                    <a:gs pos="100000">
+                      <a:prstClr val="black"/>
+                    </a:gs>
+                  </a:gsLst>
+                  <a:lin ang="5400000" scaled="0"/>
+                </a:gradFill>
+                <a:latin typeface="Segoe UI" pitchFamily="34" charset="0"/>
+                <a:ea typeface="Segoe UI" pitchFamily="34" charset="0"/>
+                <a:cs typeface="Segoe UI" pitchFamily="34" charset="0"/>
+              </a:rPr>
+              <a:t>© Microsoft Corporation</a:t>
+            </a:r>
+            <a:endParaRPr lang="en-US" sz="400" dirty="0">
+              <a:gradFill>
+                <a:gsLst>
+                  <a:gs pos="0">
+                    <a:prstClr val="black"/>
+                  </a:gs>
+                  <a:gs pos="100000">
+                    <a:prstClr val="black"/>
+                  </a:gs>
+                </a:gsLst>
+                <a:lin ang="5400000" scaled="0"/>
+              </a:gradFill>
+              <a:latin typeface="Segoe UI" pitchFamily="34" charset="0"/>
+              <a:ea typeface="Segoe UI" pitchFamily="34" charset="0"/>
+              <a:cs typeface="Segoe UI" pitchFamily="34" charset="0"/>
+            </a:endParaRPr>
+          </a:p>
+        </p:txBody>
+      </p:sp>
+      <p:sp>
+        <p:nvSpPr>
+          <p:cNvPr id="6" name="Slide Number Placeholder 5"/>
           <p:cNvSpPr>
             <a:spLocks noGrp="1"/>
           </p:cNvSpPr>
@@ -1659,18 +2699,19 @@
           <a:bodyPr/>
           <a:lstStyle/>
           <a:p>
-            <a:fld id="{FB75EBB8-D7E4-4048-A244-754319938B9C}" type="slidenum">
+            <a:fld id="{B4008EB6-D09E-4580-8CD6-DDB14511944F}" type="slidenum">
               <a:rPr lang="en-US" smtClean="0"/>
-              <a:t>10</a:t>
+              <a:pPr/>
+              <a:t>8</a:t>
             </a:fld>
-            <a:endParaRPr lang="en-US"/>
+            <a:endParaRPr lang="en-US" dirty="0"/>
           </a:p>
         </p:txBody>
       </p:sp>
     </p:spTree>
     <p:extLst>
       <p:ext uri="{BB962C8B-B14F-4D97-AF65-F5344CB8AC3E}">
-        <p14:creationId xmlns:p14="http://schemas.microsoft.com/office/powerpoint/2010/main" val="2185004753"/>
+        <p14:creationId xmlns:p14="http://schemas.microsoft.com/office/powerpoint/2010/main" val="6174784"/>
       </p:ext>
     </p:extLst>
   </p:cSld>
@@ -1724,10 +2765,124 @@
           <a:bodyPr/>
           <a:lstStyle/>
           <a:p>
+            <a:pPr algn="l"/>
+            <a:r>
+              <a:rPr lang="en-US" b="0" i="0" dirty="0">
+                <a:solidFill>
+                  <a:srgbClr val="E6E6E6"/>
+                </a:solidFill>
+                <a:effectLst/>
+                <a:latin typeface="Segoe UI" panose="020B0502040204020203" pitchFamily="34" charset="0"/>
+              </a:rPr>
+              <a:t>Partial document update feature improves this experience significantly. The client can only send the modified properties/fields in a document without doing a full document replace operation. Key benefits of this feature include:</a:t>
+            </a:r>
+          </a:p>
+          <a:p>
+            <a:pPr algn="l">
+              <a:buFont typeface="Arial" panose="020B0604020202020204" pitchFamily="34" charset="0"/>
+              <a:buChar char="•"/>
+            </a:pPr>
+            <a:endParaRPr lang="en-US" b="1" i="0" dirty="0">
+              <a:solidFill>
+                <a:srgbClr val="E6E6E6"/>
+              </a:solidFill>
+              <a:effectLst/>
+              <a:latin typeface="Segoe UI" panose="020B0502040204020203" pitchFamily="34" charset="0"/>
+            </a:endParaRPr>
+          </a:p>
+          <a:p>
+            <a:pPr algn="l">
+              <a:buFont typeface="Arial" panose="020B0604020202020204" pitchFamily="34" charset="0"/>
+              <a:buChar char="•"/>
+            </a:pPr>
+            <a:r>
+              <a:rPr lang="en-US" b="1" i="0" dirty="0">
+                <a:solidFill>
+                  <a:srgbClr val="E6E6E6"/>
+                </a:solidFill>
+                <a:effectLst/>
+                <a:latin typeface="Segoe UI" panose="020B0502040204020203" pitchFamily="34" charset="0"/>
+              </a:rPr>
+              <a:t>Improved developer productivity</a:t>
+            </a:r>
+            <a:r>
+              <a:rPr lang="en-US" b="0" i="0" dirty="0">
+                <a:solidFill>
+                  <a:srgbClr val="E6E6E6"/>
+                </a:solidFill>
+                <a:effectLst/>
+                <a:latin typeface="Segoe UI" panose="020B0502040204020203" pitchFamily="34" charset="0"/>
+              </a:rPr>
+              <a:t>: Provides a convenient API for ease of use and the ability to conditionally update the document.</a:t>
+            </a:r>
+          </a:p>
+          <a:p>
+            <a:pPr algn="l">
+              <a:buFont typeface="Arial" panose="020B0604020202020204" pitchFamily="34" charset="0"/>
+              <a:buChar char="•"/>
+            </a:pPr>
+            <a:r>
+              <a:rPr lang="en-US" b="1" i="0" dirty="0">
+                <a:solidFill>
+                  <a:srgbClr val="E6E6E6"/>
+                </a:solidFill>
+                <a:effectLst/>
+                <a:latin typeface="Segoe UI" panose="020B0502040204020203" pitchFamily="34" charset="0"/>
+              </a:rPr>
+              <a:t>Performance improvements</a:t>
+            </a:r>
+            <a:r>
+              <a:rPr lang="en-US" b="0" i="0" dirty="0">
+                <a:solidFill>
+                  <a:srgbClr val="E6E6E6"/>
+                </a:solidFill>
+                <a:effectLst/>
+                <a:latin typeface="Segoe UI" panose="020B0502040204020203" pitchFamily="34" charset="0"/>
+              </a:rPr>
+              <a:t>: Avoids extra CPU cycles on the client side, reduces end-to-end latency and network bandwidth.</a:t>
+            </a:r>
+          </a:p>
+          <a:p>
+            <a:pPr algn="l">
+              <a:buFont typeface="Arial" panose="020B0604020202020204" pitchFamily="34" charset="0"/>
+              <a:buChar char="•"/>
+            </a:pPr>
+            <a:r>
+              <a:rPr lang="en-US" b="1" i="0" dirty="0">
+                <a:solidFill>
+                  <a:srgbClr val="E6E6E6"/>
+                </a:solidFill>
+                <a:effectLst/>
+                <a:latin typeface="Segoe UI" panose="020B0502040204020203" pitchFamily="34" charset="0"/>
+              </a:rPr>
+              <a:t>Multi-region writes</a:t>
+            </a:r>
+            <a:r>
+              <a:rPr lang="en-US" b="0" i="0" dirty="0">
+                <a:solidFill>
+                  <a:srgbClr val="E6E6E6"/>
+                </a:solidFill>
+                <a:effectLst/>
+                <a:latin typeface="Segoe UI" panose="020B0502040204020203" pitchFamily="34" charset="0"/>
+              </a:rPr>
+              <a:t>: Supports automatic and transparent conflict resolution with partial updates on discrete paths within the same document.</a:t>
+            </a:r>
+          </a:p>
+          <a:p>
+            <a:endParaRPr lang="en-US" dirty="0"/>
+          </a:p>
+          <a:p>
             <a:r>
               <a:rPr lang="en-US" dirty="0"/>
-              <a:t>It always starts with an Ask.  A user has a goal they want to achieve.  We have seen how the Kernel orchestrates the ask to the planner.  The Planner finds the right AI skills that can be used to solve that need.  Some skills are enhanced with memories and with live data connections.  The steps to complete the users ask are executed as part of the plan and the results are returned to the user, resulting in productivity gains and ideally the goal reached.</a:t>
-            </a:r>
+              <a:t>Ref.: </a:t>
+            </a:r>
+            <a:r>
+              <a:rPr lang="en-US" dirty="0">
+                <a:hlinkClick r:id="rId3"/>
+              </a:rPr>
+              <a:t>Partial document update - Azure Cosmos DB for NoSQL | Microsoft Learn</a:t>
+            </a:r>
+            <a:endParaRPr lang="en-US" dirty="0"/>
           </a:p>
         </p:txBody>
       </p:sp>
@@ -1746,9 +2901,9 @@
           <a:bodyPr/>
           <a:lstStyle/>
           <a:p>
-            <a:fld id="{FB75EBB8-D7E4-4048-A244-754319938B9C}" type="slidenum">
+            <a:fld id="{CCB0B7A7-645F-45EF-A82D-25C8E51FB344}" type="slidenum">
               <a:rPr lang="en-US" smtClean="0"/>
-              <a:t>11</a:t>
+              <a:t>9</a:t>
             </a:fld>
             <a:endParaRPr lang="en-US"/>
           </a:p>
@@ -1757,7 +2912,7 @@
     </p:spTree>
     <p:extLst>
       <p:ext uri="{BB962C8B-B14F-4D97-AF65-F5344CB8AC3E}">
-        <p14:creationId xmlns:p14="http://schemas.microsoft.com/office/powerpoint/2010/main" val="1741912625"/>
+        <p14:creationId xmlns:p14="http://schemas.microsoft.com/office/powerpoint/2010/main" val="2627500076"/>
       </p:ext>
     </p:extLst>
   </p:cSld>
@@ -1811,43 +2966,28 @@
           <a:bodyPr/>
           <a:lstStyle/>
           <a:p>
-            <a:pPr marL="0" marR="0" lvl="0" indent="0" algn="l" defTabSz="914400" rtl="0" eaLnBrk="1" fontAlgn="auto" latinLnBrk="0" hangingPunct="1">
-              <a:lnSpc>
-                <a:spcPct val="100000"/>
-              </a:lnSpc>
-              <a:spcBef>
-                <a:spcPts val="0"/>
-              </a:spcBef>
-              <a:spcAft>
-                <a:spcPts val="0"/>
-              </a:spcAft>
-              <a:buClrTx/>
-              <a:buSzTx/>
-              <a:buFontTx/>
-              <a:buNone/>
-              <a:tabLst/>
-              <a:defRPr/>
-            </a:pPr>
-            <a:r>
-              <a:rPr kumimoji="0" lang="en-US" sz="1200" b="0" i="0" u="none" strike="noStrike" kern="1200" cap="none" spc="0" normalizeH="0" baseline="0" noProof="0">
-                <a:ln>
-                  <a:noFill/>
-                </a:ln>
-                <a:solidFill>
-                  <a:srgbClr val="FFFFFF"/>
-                </a:solidFill>
-                <a:effectLst/>
-                <a:uLnTx/>
-                <a:uFillTx/>
-                <a:latin typeface="Segoe UI" panose="020B0502040204020203" pitchFamily="34" charset="0"/>
-                <a:ea typeface="+mn-ea"/>
-                <a:cs typeface="Segoe UI" panose="020B0502040204020203" pitchFamily="34" charset="0"/>
-              </a:rPr>
-              <a:t>To get started, visit the OpenHack portal:</a:t>
-            </a:r>
-          </a:p>
-          <a:p>
-            <a:endParaRPr lang="en-US"/>
+            <a:r>
+              <a:rPr lang="en-US" dirty="0"/>
+              <a:t>The other thing that we'd like to highlight is the notion of a global index. Remember, we're using the NoSQL API. That means that we do not have an enforced schema within the database or containers. And we're also not dealing with a traditional relational database system. The global index container we looked at earlier is used to map different entity relationships based on the partition key, ID, and target doc type. This gives us the ability to have flexible lookups and pseudo joins in NoSQL for one-to-few and one-to-one relationships.</a:t>
+            </a:r>
+          </a:p>
+          <a:p>
+            <a:endParaRPr lang="en-US" dirty="0"/>
+          </a:p>
+          <a:p>
+            <a:r>
+              <a:rPr lang="en-US" dirty="0"/>
+              <a:t>You can see here some of the sample queries that you can run using the global index. On the grid to the right, we can see the target doc type. In this example, we have member, card, and account doc types.</a:t>
+            </a:r>
+          </a:p>
+          <a:p>
+            <a:endParaRPr lang="en-US" dirty="0"/>
+          </a:p>
+          <a:p>
+            <a:r>
+              <a:rPr lang="en-US" dirty="0"/>
+              <a:t>Looking at the top, the partition key for this member is member1, and that also is the ID of that member. We also have two cards associated with this same member. They're in the same partition key, but the card has its own ID. We can search the global index if we want to be able to find all the cards for a member within the containers for where the member document lives and the card documents live. They could very well have different partition keys. Maybe they're not even in the same container. Without a global index, we would need to execute several cross-partition queries to locate all of the related documents. The global index gives us a quick way to look up that relationship and get the IDs for the item that we're looking for.</a:t>
+            </a:r>
           </a:p>
         </p:txBody>
       </p:sp>
@@ -1866,78 +3006,18 @@
           <a:bodyPr/>
           <a:lstStyle/>
           <a:p>
-            <a:pPr marL="0" marR="0" lvl="0" indent="0" algn="r" defTabSz="914400" rtl="0" eaLnBrk="1" fontAlgn="auto" latinLnBrk="0" hangingPunct="1">
-              <a:lnSpc>
-                <a:spcPct val="100000"/>
-              </a:lnSpc>
-              <a:spcBef>
-                <a:spcPts val="0"/>
-              </a:spcBef>
-              <a:spcAft>
-                <a:spcPts val="0"/>
-              </a:spcAft>
-              <a:buClrTx/>
-              <a:buSzTx/>
-              <a:buFontTx/>
-              <a:buNone/>
-              <a:tabLst/>
-              <a:defRPr/>
-            </a:pPr>
-            <a:fld id="{96C4A558-2D39-4963-801C-D8D0AB93CA23}" type="slidenum">
-              <a:rPr kumimoji="0" lang="en-NZ" sz="1200" b="0" i="0" u="none" strike="noStrike" kern="1200" cap="none" spc="0" normalizeH="0" baseline="0" noProof="0" smtClean="0">
-                <a:ln>
-                  <a:noFill/>
-                </a:ln>
-                <a:solidFill>
-                  <a:prstClr val="black"/>
-                </a:solidFill>
-                <a:effectLst/>
-                <a:uLnTx/>
-                <a:uFillTx/>
-                <a:latin typeface="Calibri" panose="020F0502020204030204"/>
-                <a:ea typeface="+mn-ea"/>
-                <a:cs typeface="+mn-cs"/>
-              </a:rPr>
-              <a:pPr marL="0" marR="0" lvl="0" indent="0" algn="r" defTabSz="914400" rtl="0" eaLnBrk="1" fontAlgn="auto" latinLnBrk="0" hangingPunct="1">
-                <a:lnSpc>
-                  <a:spcPct val="100000"/>
-                </a:lnSpc>
-                <a:spcBef>
-                  <a:spcPts val="0"/>
-                </a:spcBef>
-                <a:spcAft>
-                  <a:spcPts val="0"/>
-                </a:spcAft>
-                <a:buClrTx/>
-                <a:buSzTx/>
-                <a:buFontTx/>
-                <a:buNone/>
-                <a:tabLst/>
-                <a:defRPr/>
-              </a:pPr>
-              <a:t>12</a:t>
+            <a:fld id="{CCB0B7A7-645F-45EF-A82D-25C8E51FB344}" type="slidenum">
+              <a:rPr lang="en-US" smtClean="0"/>
+              <a:t>10</a:t>
             </a:fld>
-            <a:endParaRPr kumimoji="0" lang="en-NZ" sz="1200" b="0" i="0" u="none" strike="noStrike" kern="1200" cap="none" spc="0" normalizeH="0" baseline="0" noProof="0">
-              <a:ln>
-                <a:noFill/>
-              </a:ln>
-              <a:solidFill>
-                <a:prstClr val="black"/>
-              </a:solidFill>
-              <a:effectLst/>
-              <a:uLnTx/>
-              <a:uFillTx/>
-              <a:latin typeface="Calibri" panose="020F0502020204030204"/>
-              <a:ea typeface="+mn-ea"/>
-              <a:cs typeface="+mn-cs"/>
-            </a:endParaRPr>
+            <a:endParaRPr lang="en-US"/>
           </a:p>
         </p:txBody>
       </p:sp>
     </p:spTree>
     <p:extLst>
       <p:ext uri="{BB962C8B-B14F-4D97-AF65-F5344CB8AC3E}">
-        <p14:creationId xmlns:p14="http://schemas.microsoft.com/office/powerpoint/2010/main" val="380937796"/>
+        <p14:creationId xmlns:p14="http://schemas.microsoft.com/office/powerpoint/2010/main" val="107897630"/>
       </p:ext>
     </p:extLst>
   </p:cSld>
@@ -1992,8 +3072,218 @@
           <a:lstStyle/>
           <a:p>
             <a:r>
-              <a:rPr lang="en-US"/>
-              <a:t>This guide is only meant to be a reference. Please do not rely on this guide in place of completing the challenges before coaching. </a:t>
+              <a:rPr lang="en-US" b="0" i="0" dirty="0">
+                <a:solidFill>
+                  <a:srgbClr val="E6E6E6"/>
+                </a:solidFill>
+                <a:effectLst/>
+                <a:latin typeface="Segoe UI" panose="020B0502040204020203" pitchFamily="34" charset="0"/>
+              </a:rPr>
+              <a:t>Transactional batch describes a group of point operations that need to either succeed or fail together with the same partition key in a container.</a:t>
+            </a:r>
+          </a:p>
+          <a:p>
+            <a:endParaRPr lang="en-US" b="0" i="0" dirty="0">
+              <a:solidFill>
+                <a:srgbClr val="E6E6E6"/>
+              </a:solidFill>
+              <a:effectLst/>
+              <a:latin typeface="Segoe UI" panose="020B0502040204020203" pitchFamily="34" charset="0"/>
+            </a:endParaRPr>
+          </a:p>
+          <a:p>
+            <a:pPr algn="l"/>
+            <a:r>
+              <a:rPr lang="en-US" b="0" i="0" dirty="0">
+                <a:solidFill>
+                  <a:srgbClr val="E6E6E6"/>
+                </a:solidFill>
+                <a:effectLst/>
+                <a:latin typeface="Segoe UI" panose="020B0502040204020203" pitchFamily="34" charset="0"/>
+              </a:rPr>
+              <a:t>A transaction in a typical database can be defined as a sequence of operations performed as a single logical unit of work. Each transaction provides ACID (Atomicity, Consistency, Isolation, Durability) property guarantees.</a:t>
+            </a:r>
+          </a:p>
+          <a:p>
+            <a:pPr algn="l"/>
+            <a:endParaRPr lang="en-US" b="0" i="0" dirty="0">
+              <a:solidFill>
+                <a:srgbClr val="E6E6E6"/>
+              </a:solidFill>
+              <a:effectLst/>
+              <a:latin typeface="Segoe UI" panose="020B0502040204020203" pitchFamily="34" charset="0"/>
+            </a:endParaRPr>
+          </a:p>
+          <a:p>
+            <a:pPr algn="l">
+              <a:buFont typeface="Arial" panose="020B0604020202020204" pitchFamily="34" charset="0"/>
+              <a:buChar char="•"/>
+            </a:pPr>
+            <a:r>
+              <a:rPr lang="en-US" b="1" i="0" dirty="0">
+                <a:solidFill>
+                  <a:srgbClr val="E6E6E6"/>
+                </a:solidFill>
+                <a:effectLst/>
+                <a:latin typeface="Segoe UI" panose="020B0502040204020203" pitchFamily="34" charset="0"/>
+              </a:rPr>
+              <a:t>Atomicity</a:t>
+            </a:r>
+            <a:r>
+              <a:rPr lang="en-US" b="0" i="0" dirty="0">
+                <a:solidFill>
+                  <a:srgbClr val="E6E6E6"/>
+                </a:solidFill>
+                <a:effectLst/>
+                <a:latin typeface="Segoe UI" panose="020B0502040204020203" pitchFamily="34" charset="0"/>
+              </a:rPr>
+              <a:t> guarantees that all the operations done inside a transaction are treated as a single unit, and either all of them are committed or none of them are.</a:t>
+            </a:r>
+          </a:p>
+          <a:p>
+            <a:pPr algn="l">
+              <a:buFont typeface="Arial" panose="020B0604020202020204" pitchFamily="34" charset="0"/>
+              <a:buChar char="•"/>
+            </a:pPr>
+            <a:r>
+              <a:rPr lang="en-US" b="1" i="0" dirty="0">
+                <a:solidFill>
+                  <a:srgbClr val="E6E6E6"/>
+                </a:solidFill>
+                <a:effectLst/>
+                <a:latin typeface="Segoe UI" panose="020B0502040204020203" pitchFamily="34" charset="0"/>
+              </a:rPr>
+              <a:t>Consistency</a:t>
+            </a:r>
+            <a:r>
+              <a:rPr lang="en-US" b="0" i="0" dirty="0">
+                <a:solidFill>
+                  <a:srgbClr val="E6E6E6"/>
+                </a:solidFill>
+                <a:effectLst/>
+                <a:latin typeface="Segoe UI" panose="020B0502040204020203" pitchFamily="34" charset="0"/>
+              </a:rPr>
+              <a:t> makes sure that the data is always in a valid state across transactions.</a:t>
+            </a:r>
+          </a:p>
+          <a:p>
+            <a:pPr algn="l">
+              <a:buFont typeface="Arial" panose="020B0604020202020204" pitchFamily="34" charset="0"/>
+              <a:buChar char="•"/>
+            </a:pPr>
+            <a:r>
+              <a:rPr lang="en-US" b="1" i="0" dirty="0">
+                <a:solidFill>
+                  <a:srgbClr val="E6E6E6"/>
+                </a:solidFill>
+                <a:effectLst/>
+                <a:latin typeface="Segoe UI" panose="020B0502040204020203" pitchFamily="34" charset="0"/>
+              </a:rPr>
+              <a:t>Isolation</a:t>
+            </a:r>
+            <a:r>
+              <a:rPr lang="en-US" b="0" i="0" dirty="0">
+                <a:solidFill>
+                  <a:srgbClr val="E6E6E6"/>
+                </a:solidFill>
+                <a:effectLst/>
+                <a:latin typeface="Segoe UI" panose="020B0502040204020203" pitchFamily="34" charset="0"/>
+              </a:rPr>
+              <a:t> guarantees that no two transactions interfere with each other – many commercial systems provide multiple isolation levels that can be used based on the application needs.</a:t>
+            </a:r>
+          </a:p>
+          <a:p>
+            <a:pPr algn="l">
+              <a:buFont typeface="Arial" panose="020B0604020202020204" pitchFamily="34" charset="0"/>
+              <a:buChar char="•"/>
+            </a:pPr>
+            <a:r>
+              <a:rPr lang="en-US" b="1" i="0" dirty="0">
+                <a:solidFill>
+                  <a:srgbClr val="E6E6E6"/>
+                </a:solidFill>
+                <a:effectLst/>
+                <a:latin typeface="Segoe UI" panose="020B0502040204020203" pitchFamily="34" charset="0"/>
+              </a:rPr>
+              <a:t>Durability</a:t>
+            </a:r>
+            <a:r>
+              <a:rPr lang="en-US" b="0" i="0" dirty="0">
+                <a:solidFill>
+                  <a:srgbClr val="E6E6E6"/>
+                </a:solidFill>
+                <a:effectLst/>
+                <a:latin typeface="Segoe UI" panose="020B0502040204020203" pitchFamily="34" charset="0"/>
+              </a:rPr>
+              <a:t> ensures that any change that is committed in a database will always be present. Azure Cosmos DB supports </a:t>
+            </a:r>
+            <a:r>
+              <a:rPr lang="en-US" b="0" i="0" u="none" strike="noStrike" dirty="0">
+                <a:solidFill>
+                  <a:srgbClr val="E6E6E6"/>
+                </a:solidFill>
+                <a:effectLst/>
+                <a:latin typeface="Segoe UI" panose="020B0502040204020203" pitchFamily="34" charset="0"/>
+                <a:hlinkClick r:id="rId3"/>
+              </a:rPr>
+              <a:t>full ACID compliant transactions with snapshot isolation</a:t>
+            </a:r>
+            <a:r>
+              <a:rPr lang="en-US" b="0" i="0" dirty="0">
+                <a:solidFill>
+                  <a:srgbClr val="E6E6E6"/>
+                </a:solidFill>
+                <a:effectLst/>
+                <a:latin typeface="Segoe UI" panose="020B0502040204020203" pitchFamily="34" charset="0"/>
+              </a:rPr>
+              <a:t> for operations within the same </a:t>
+            </a:r>
+            <a:r>
+              <a:rPr lang="en-US" b="0" i="0" u="none" strike="noStrike" dirty="0">
+                <a:solidFill>
+                  <a:srgbClr val="E6E6E6"/>
+                </a:solidFill>
+                <a:effectLst/>
+                <a:latin typeface="Segoe UI" panose="020B0502040204020203" pitchFamily="34" charset="0"/>
+                <a:hlinkClick r:id="rId4"/>
+              </a:rPr>
+              <a:t>logical partition key</a:t>
+            </a:r>
+            <a:r>
+              <a:rPr lang="en-US" b="0" i="0" dirty="0">
+                <a:solidFill>
+                  <a:srgbClr val="E6E6E6"/>
+                </a:solidFill>
+                <a:effectLst/>
+                <a:latin typeface="Segoe UI" panose="020B0502040204020203" pitchFamily="34" charset="0"/>
+              </a:rPr>
+              <a:t>.</a:t>
+            </a:r>
+          </a:p>
+          <a:p>
+            <a:endParaRPr lang="en-US" dirty="0"/>
+          </a:p>
+          <a:p>
+            <a:r>
+              <a:rPr lang="en-US" dirty="0"/>
+              <a:t>Within the </a:t>
+            </a:r>
+            <a:r>
+              <a:rPr lang="en-US" dirty="0" err="1"/>
+              <a:t>TransactionRepository</a:t>
+            </a:r>
+            <a:r>
+              <a:rPr lang="en-US" dirty="0"/>
+              <a:t> class of our application, we create a transactional batch to update the account balance using a Patch Increment operation on the Account document, then insert the new Transaction record. Notice that the Transactional Batch operation is scoped to the same Partition Key. All batch operations must occur on the same partition.</a:t>
+            </a:r>
+          </a:p>
+          <a:p>
+            <a:endParaRPr lang="en-US" dirty="0"/>
+          </a:p>
+          <a:p>
+            <a:r>
+              <a:rPr lang="en-US" dirty="0"/>
+              <a:t>* ETags (Entity Tags) are used for concurrency checking when updating resources.</a:t>
             </a:r>
           </a:p>
         </p:txBody>
@@ -2013,9 +3303,9 @@
           <a:bodyPr/>
           <a:lstStyle/>
           <a:p>
-            <a:fld id="{B14F9875-39BF-4C18-A21D-3E04A24EDC12}" type="slidenum">
+            <a:fld id="{CCB0B7A7-645F-45EF-A82D-25C8E51FB344}" type="slidenum">
               <a:rPr lang="en-US" smtClean="0"/>
-              <a:t>13</a:t>
+              <a:t>11</a:t>
             </a:fld>
             <a:endParaRPr lang="en-US"/>
           </a:p>
@@ -2024,7 +3314,7 @@
     </p:spTree>
     <p:extLst>
       <p:ext uri="{BB962C8B-B14F-4D97-AF65-F5344CB8AC3E}">
-        <p14:creationId xmlns:p14="http://schemas.microsoft.com/office/powerpoint/2010/main" val="1691727235"/>
+        <p14:creationId xmlns:p14="http://schemas.microsoft.com/office/powerpoint/2010/main" val="3014839913"/>
       </p:ext>
     </p:extLst>
   </p:cSld>
@@ -2078,7 +3368,10 @@
           <a:bodyPr/>
           <a:lstStyle/>
           <a:p>
-            <a:endParaRPr lang="en-US" dirty="0"/>
+            <a:r>
+              <a:rPr lang="en-US" dirty="0"/>
+              <a:t>It all starts from an Ask.  The user has a need that needs to be filled.  Kernel, in Semantic Kernel, is the orchestrator for the Ask.  It sends the Ask over to the Planner to the right skills can be found and the right steps can be created from the Ask and Skills.</a:t>
+            </a:r>
           </a:p>
         </p:txBody>
       </p:sp>
@@ -2097,9 +3390,9 @@
           <a:bodyPr/>
           <a:lstStyle/>
           <a:p>
-            <a:fld id="{CCB0B7A7-645F-45EF-A82D-25C8E51FB344}" type="slidenum">
+            <a:fld id="{FB75EBB8-D7E4-4048-A244-754319938B9C}" type="slidenum">
               <a:rPr lang="en-US" smtClean="0"/>
-              <a:t>14</a:t>
+              <a:t>12</a:t>
             </a:fld>
             <a:endParaRPr lang="en-US"/>
           </a:p>
@@ -2108,7 +3401,7 @@
     </p:spTree>
     <p:extLst>
       <p:ext uri="{BB962C8B-B14F-4D97-AF65-F5344CB8AC3E}">
-        <p14:creationId xmlns:p14="http://schemas.microsoft.com/office/powerpoint/2010/main" val="3706595812"/>
+        <p14:creationId xmlns:p14="http://schemas.microsoft.com/office/powerpoint/2010/main" val="2185004753"/>
       </p:ext>
     </p:extLst>
   </p:cSld>
@@ -12886,7 +14179,7 @@
           <a:p>
             <a:fld id="{E99080E2-161E-4461-9006-6F8BF1776BE3}" type="datetime1">
               <a:rPr lang="en-US" smtClean="0"/>
-              <a:t>6/28/2023</a:t>
+              <a:t>11/14/2023</a:t>
             </a:fld>
             <a:endParaRPr lang="en-US"/>
           </a:p>
@@ -12999,7 +14292,7 @@
           <a:p>
             <a:fld id="{643E9E83-8A79-40C0-9FE5-E30ED9EDC2DE}" type="datetime1">
               <a:rPr lang="en-US" smtClean="0"/>
-              <a:t>6/28/2023</a:t>
+              <a:t>11/14/2023</a:t>
             </a:fld>
             <a:endParaRPr lang="en-US"/>
           </a:p>
@@ -17410,6 +18703,606 @@
 </file>
 
 <file path=ppt/slides/slide10.xml><?xml version="1.0" encoding="utf-8"?>
+<p:sld xmlns:a="http://schemas.openxmlformats.org/drawingml/2006/main" xmlns:r="http://schemas.openxmlformats.org/officeDocument/2006/relationships" xmlns:p="http://schemas.openxmlformats.org/presentationml/2006/main">
+  <p:cSld>
+    <p:spTree>
+      <p:nvGrpSpPr>
+        <p:cNvPr id="1" name=""/>
+        <p:cNvGrpSpPr/>
+        <p:nvPr/>
+      </p:nvGrpSpPr>
+      <p:grpSpPr>
+        <a:xfrm>
+          <a:off x="0" y="0"/>
+          <a:ext cx="0" cy="0"/>
+          <a:chOff x="0" y="0"/>
+          <a:chExt cx="0" cy="0"/>
+        </a:xfrm>
+      </p:grpSpPr>
+      <p:sp>
+        <p:nvSpPr>
+          <p:cNvPr id="2" name="Title 1">
+            <a:extLst>
+              <a:ext uri="{FF2B5EF4-FFF2-40B4-BE49-F238E27FC236}">
+                <a16:creationId xmlns:a16="http://schemas.microsoft.com/office/drawing/2014/main" id="{B95C9173-FD67-4819-017D-C3054597EE7F}"/>
+              </a:ext>
+            </a:extLst>
+          </p:cNvPr>
+          <p:cNvSpPr>
+            <a:spLocks noGrp="1"/>
+          </p:cNvSpPr>
+          <p:nvPr>
+            <p:ph type="title"/>
+          </p:nvPr>
+        </p:nvSpPr>
+        <p:spPr/>
+        <p:txBody>
+          <a:bodyPr/>
+          <a:lstStyle/>
+          <a:p>
+            <a:r>
+              <a:rPr lang="en-US" dirty="0"/>
+              <a:t>Reverse Lookups With Global Index</a:t>
+            </a:r>
+          </a:p>
+        </p:txBody>
+      </p:sp>
+      <p:pic>
+        <p:nvPicPr>
+          <p:cNvPr id="2050" name="Picture 2" descr="Global Index — NoSQL data modeling &#10;use Global Index container to map different entities &#10;relationships based on &quot;pk/id&quot; and the &quot;targetDocType&quot; &#10;for flexible lookups and pseudo-joins in NoSQL for l:few &#10;relationships &#10;Select • fr-æ c *ere c. &#10;and &#10;Select • c c . &#10;Select • from c *ere c .pk='menberl' &#10;and &#10;c. account • &#10;Select c *ere c. and &#10;C . Type • • &#10;Select • c c ' and &#10;c . targetDocType= ' ' ">
+            <a:extLst>
+              <a:ext uri="{FF2B5EF4-FFF2-40B4-BE49-F238E27FC236}">
+                <a16:creationId xmlns:a16="http://schemas.microsoft.com/office/drawing/2014/main" id="{3B68F539-BCC9-3893-C3DF-19DC8CEFF3BE}"/>
+              </a:ext>
+            </a:extLst>
+          </p:cNvPr>
+          <p:cNvPicPr>
+            <a:picLocks noChangeAspect="1" noChangeArrowheads="1"/>
+          </p:cNvPicPr>
+          <p:nvPr/>
+        </p:nvPicPr>
+        <p:blipFill>
+          <a:blip r:embed="rId3">
+            <a:extLst>
+              <a:ext uri="{28A0092B-C50C-407E-A947-70E740481C1C}">
+                <a14:useLocalDpi xmlns:a14="http://schemas.microsoft.com/office/drawing/2010/main" val="0"/>
+              </a:ext>
+            </a:extLst>
+          </a:blip>
+          <a:srcRect/>
+          <a:stretch>
+            <a:fillRect/>
+          </a:stretch>
+        </p:blipFill>
+        <p:spPr bwMode="auto">
+          <a:xfrm>
+            <a:off x="1428160" y="1104997"/>
+            <a:ext cx="9959419" cy="5602173"/>
+          </a:xfrm>
+          <a:prstGeom prst="rect">
+            <a:avLst/>
+          </a:prstGeom>
+          <a:noFill/>
+          <a:extLst>
+            <a:ext uri="{909E8E84-426E-40DD-AFC4-6F175D3DCCD1}">
+              <a14:hiddenFill xmlns:a14="http://schemas.microsoft.com/office/drawing/2010/main">
+                <a:solidFill>
+                  <a:srgbClr val="FFFFFF"/>
+                </a:solidFill>
+              </a14:hiddenFill>
+            </a:ext>
+          </a:extLst>
+        </p:spPr>
+      </p:pic>
+    </p:spTree>
+    <p:extLst>
+      <p:ext uri="{BB962C8B-B14F-4D97-AF65-F5344CB8AC3E}">
+        <p14:creationId xmlns:p14="http://schemas.microsoft.com/office/powerpoint/2010/main" val="3812575296"/>
+      </p:ext>
+    </p:extLst>
+  </p:cSld>
+  <p:clrMapOvr>
+    <a:masterClrMapping/>
+  </p:clrMapOvr>
+  <p:transition>
+    <p:fade/>
+  </p:transition>
+</p:sld>
+</file>
+
+<file path=ppt/slides/slide11.xml><?xml version="1.0" encoding="utf-8"?>
+<p:sld xmlns:a="http://schemas.openxmlformats.org/drawingml/2006/main" xmlns:r="http://schemas.openxmlformats.org/officeDocument/2006/relationships" xmlns:p="http://schemas.openxmlformats.org/presentationml/2006/main">
+  <p:cSld>
+    <p:spTree>
+      <p:nvGrpSpPr>
+        <p:cNvPr id="1" name=""/>
+        <p:cNvGrpSpPr/>
+        <p:nvPr/>
+      </p:nvGrpSpPr>
+      <p:grpSpPr>
+        <a:xfrm>
+          <a:off x="0" y="0"/>
+          <a:ext cx="0" cy="0"/>
+          <a:chOff x="0" y="0"/>
+          <a:chExt cx="0" cy="0"/>
+        </a:xfrm>
+      </p:grpSpPr>
+      <p:sp>
+        <p:nvSpPr>
+          <p:cNvPr id="2" name="Title 1">
+            <a:extLst>
+              <a:ext uri="{FF2B5EF4-FFF2-40B4-BE49-F238E27FC236}">
+                <a16:creationId xmlns:a16="http://schemas.microsoft.com/office/drawing/2014/main" id="{97545445-CAD6-57D7-E527-84AE85F2B56E}"/>
+              </a:ext>
+            </a:extLst>
+          </p:cNvPr>
+          <p:cNvSpPr>
+            <a:spLocks noGrp="1"/>
+          </p:cNvSpPr>
+          <p:nvPr>
+            <p:ph type="title"/>
+          </p:nvPr>
+        </p:nvSpPr>
+        <p:spPr/>
+        <p:txBody>
+          <a:bodyPr/>
+          <a:lstStyle/>
+          <a:p>
+            <a:r>
+              <a:rPr lang="en-US" dirty="0"/>
+              <a:t>ACID Guarantees With Cosmos DB Transactional Batch</a:t>
+            </a:r>
+          </a:p>
+        </p:txBody>
+      </p:sp>
+      <p:sp>
+        <p:nvSpPr>
+          <p:cNvPr id="3" name="Text Placeholder 2">
+            <a:extLst>
+              <a:ext uri="{FF2B5EF4-FFF2-40B4-BE49-F238E27FC236}">
+                <a16:creationId xmlns:a16="http://schemas.microsoft.com/office/drawing/2014/main" id="{EB0A5B00-63AA-6AAC-FE94-757211EF682D}"/>
+              </a:ext>
+            </a:extLst>
+          </p:cNvPr>
+          <p:cNvSpPr>
+            <a:spLocks noGrp="1"/>
+          </p:cNvSpPr>
+          <p:nvPr>
+            <p:ph type="body" sz="quarter" idx="10"/>
+          </p:nvPr>
+        </p:nvSpPr>
+        <p:spPr>
+          <a:xfrm>
+            <a:off x="586390" y="1434370"/>
+            <a:ext cx="11018520" cy="5152180"/>
+          </a:xfrm>
+        </p:spPr>
+        <p:txBody>
+          <a:bodyPr/>
+          <a:lstStyle/>
+          <a:p>
+            <a:r>
+              <a:rPr lang="en-US" sz="1800" dirty="0">
+                <a:latin typeface="Cascadia Mono" panose="020B0609020000020004" pitchFamily="49" charset="0"/>
+              </a:rPr>
+              <a:t>var </a:t>
+            </a:r>
+            <a:r>
+              <a:rPr lang="en-US" sz="1800" dirty="0">
+                <a:solidFill>
+                  <a:srgbClr val="FFFF00"/>
+                </a:solidFill>
+                <a:latin typeface="Cascadia Mono" panose="020B0609020000020004" pitchFamily="49" charset="0"/>
+              </a:rPr>
+              <a:t>batch</a:t>
+            </a:r>
+            <a:r>
+              <a:rPr lang="en-US" sz="1800" dirty="0">
+                <a:latin typeface="Cascadia Mono" panose="020B0609020000020004" pitchFamily="49" charset="0"/>
+              </a:rPr>
+              <a:t> = </a:t>
+            </a:r>
+            <a:r>
+              <a:rPr lang="en-US" sz="1800" dirty="0" err="1">
+                <a:latin typeface="Cascadia Mono" panose="020B0609020000020004" pitchFamily="49" charset="0"/>
+              </a:rPr>
+              <a:t>Container.</a:t>
+            </a:r>
+            <a:r>
+              <a:rPr lang="en-US" sz="1800" dirty="0" err="1">
+                <a:solidFill>
+                  <a:schemeClr val="accent4"/>
+                </a:solidFill>
+                <a:latin typeface="Cascadia Mono" panose="020B0609020000020004" pitchFamily="49" charset="0"/>
+              </a:rPr>
+              <a:t>CreateTransactionalBatch</a:t>
+            </a:r>
+            <a:r>
+              <a:rPr lang="en-US" sz="1800" dirty="0">
+                <a:latin typeface="Cascadia Mono" panose="020B0609020000020004" pitchFamily="49" charset="0"/>
+              </a:rPr>
+              <a:t>(pk);</a:t>
+            </a:r>
+          </a:p>
+          <a:p>
+            <a:endParaRPr lang="en-US" sz="1800" dirty="0">
+              <a:latin typeface="Cascadia Mono" panose="020B0609020000020004" pitchFamily="49" charset="0"/>
+            </a:endParaRPr>
+          </a:p>
+          <a:p>
+            <a:r>
+              <a:rPr lang="en-US" sz="1800" dirty="0" err="1">
+                <a:solidFill>
+                  <a:srgbClr val="FFFF00"/>
+                </a:solidFill>
+                <a:latin typeface="Cascadia Mono" panose="020B0609020000020004" pitchFamily="49" charset="0"/>
+              </a:rPr>
+              <a:t>batch</a:t>
+            </a:r>
+            <a:r>
+              <a:rPr lang="en-US" sz="1800" dirty="0" err="1">
+                <a:latin typeface="Cascadia Mono" panose="020B0609020000020004" pitchFamily="49" charset="0"/>
+              </a:rPr>
+              <a:t>.</a:t>
+            </a:r>
+            <a:r>
+              <a:rPr lang="en-US" sz="1800" dirty="0" err="1">
+                <a:solidFill>
+                  <a:schemeClr val="accent4"/>
+                </a:solidFill>
+                <a:latin typeface="Cascadia Mono" panose="020B0609020000020004" pitchFamily="49" charset="0"/>
+              </a:rPr>
+              <a:t>PatchItem</a:t>
+            </a:r>
+            <a:r>
+              <a:rPr lang="en-US" sz="1800" dirty="0">
+                <a:latin typeface="Cascadia Mono" panose="020B0609020000020004" pitchFamily="49" charset="0"/>
+              </a:rPr>
+              <a:t>(</a:t>
+            </a:r>
+            <a:r>
+              <a:rPr lang="en-US" sz="1800" b="1" dirty="0">
+                <a:latin typeface="Cascadia Mono" panose="020B0609020000020004" pitchFamily="49" charset="0"/>
+              </a:rPr>
+              <a:t>account</a:t>
+            </a:r>
+            <a:r>
+              <a:rPr lang="en-US" sz="1800" dirty="0">
+                <a:latin typeface="Cascadia Mono" panose="020B0609020000020004" pitchFamily="49" charset="0"/>
+              </a:rPr>
+              <a:t>.id, new List&lt;</a:t>
+            </a:r>
+            <a:r>
+              <a:rPr lang="en-US" sz="1800" dirty="0" err="1">
+                <a:solidFill>
+                  <a:schemeClr val="accent1"/>
+                </a:solidFill>
+                <a:latin typeface="Cascadia Mono" panose="020B0609020000020004" pitchFamily="49" charset="0"/>
+              </a:rPr>
+              <a:t>PatchOperation</a:t>
+            </a:r>
+            <a:r>
+              <a:rPr lang="en-US" sz="1800" dirty="0">
+                <a:latin typeface="Cascadia Mono" panose="020B0609020000020004" pitchFamily="49" charset="0"/>
+              </a:rPr>
+              <a:t>&gt;()</a:t>
+            </a:r>
+          </a:p>
+          <a:p>
+            <a:r>
+              <a:rPr lang="en-US" sz="1800" dirty="0">
+                <a:latin typeface="Cascadia Mono" panose="020B0609020000020004" pitchFamily="49" charset="0"/>
+              </a:rPr>
+              <a:t>    {</a:t>
+            </a:r>
+          </a:p>
+          <a:p>
+            <a:r>
+              <a:rPr lang="en-US" sz="1800" dirty="0">
+                <a:latin typeface="Cascadia Mono" panose="020B0609020000020004" pitchFamily="49" charset="0"/>
+              </a:rPr>
+              <a:t>        </a:t>
+            </a:r>
+            <a:r>
+              <a:rPr lang="en-US" sz="1800" dirty="0" err="1">
+                <a:latin typeface="Cascadia Mono" panose="020B0609020000020004" pitchFamily="49" charset="0"/>
+              </a:rPr>
+              <a:t>PatchOperation.</a:t>
+            </a:r>
+            <a:r>
+              <a:rPr lang="en-US" sz="1800" dirty="0" err="1">
+                <a:solidFill>
+                  <a:schemeClr val="accent4"/>
+                </a:solidFill>
+                <a:latin typeface="Cascadia Mono" panose="020B0609020000020004" pitchFamily="49" charset="0"/>
+              </a:rPr>
+              <a:t>Increment</a:t>
+            </a:r>
+            <a:r>
+              <a:rPr lang="en-US" sz="1800" dirty="0">
+                <a:latin typeface="Cascadia Mono" panose="020B0609020000020004" pitchFamily="49" charset="0"/>
+              </a:rPr>
+              <a:t>("/balance", </a:t>
+            </a:r>
+            <a:r>
+              <a:rPr lang="en-US" sz="1800" dirty="0" err="1">
+                <a:latin typeface="Cascadia Mono" panose="020B0609020000020004" pitchFamily="49" charset="0"/>
+              </a:rPr>
+              <a:t>transaction.type.ToLowerInvariant</a:t>
+            </a:r>
+            <a:r>
+              <a:rPr lang="en-US" sz="1800" dirty="0">
+                <a:latin typeface="Cascadia Mono" panose="020B0609020000020004" pitchFamily="49" charset="0"/>
+              </a:rPr>
+              <a:t>() == </a:t>
+            </a:r>
+            <a:r>
+              <a:rPr lang="en-US" sz="1800" dirty="0" err="1">
+                <a:latin typeface="Cascadia Mono" panose="020B0609020000020004" pitchFamily="49" charset="0"/>
+              </a:rPr>
+              <a:t>Constants.DocumentTypes.TransactionDebit</a:t>
+            </a:r>
+            <a:r>
+              <a:rPr lang="en-US" sz="1800" dirty="0">
+                <a:latin typeface="Cascadia Mono" panose="020B0609020000020004" pitchFamily="49" charset="0"/>
+              </a:rPr>
+              <a:t> ? -</a:t>
+            </a:r>
+            <a:r>
+              <a:rPr lang="en-US" sz="1800" dirty="0" err="1">
+                <a:latin typeface="Cascadia Mono" panose="020B0609020000020004" pitchFamily="49" charset="0"/>
+              </a:rPr>
+              <a:t>transaction.amount</a:t>
+            </a:r>
+            <a:r>
+              <a:rPr lang="en-US" sz="1800" dirty="0">
+                <a:latin typeface="Cascadia Mono" panose="020B0609020000020004" pitchFamily="49" charset="0"/>
+              </a:rPr>
+              <a:t> : </a:t>
+            </a:r>
+            <a:r>
+              <a:rPr lang="en-US" sz="1800" dirty="0" err="1">
+                <a:latin typeface="Cascadia Mono" panose="020B0609020000020004" pitchFamily="49" charset="0"/>
+              </a:rPr>
+              <a:t>transaction.amount</a:t>
+            </a:r>
+            <a:r>
+              <a:rPr lang="en-US" sz="1800" dirty="0">
+                <a:latin typeface="Cascadia Mono" panose="020B0609020000020004" pitchFamily="49" charset="0"/>
+              </a:rPr>
+              <a:t>)</a:t>
+            </a:r>
+          </a:p>
+          <a:p>
+            <a:r>
+              <a:rPr lang="en-US" sz="1800" dirty="0">
+                <a:latin typeface="Cascadia Mono" panose="020B0609020000020004" pitchFamily="49" charset="0"/>
+              </a:rPr>
+              <a:t>    },</a:t>
+            </a:r>
+          </a:p>
+          <a:p>
+            <a:r>
+              <a:rPr lang="en-US" sz="1800" dirty="0">
+                <a:latin typeface="Cascadia Mono" panose="020B0609020000020004" pitchFamily="49" charset="0"/>
+              </a:rPr>
+              <a:t>    new </a:t>
+            </a:r>
+            <a:r>
+              <a:rPr lang="en-US" sz="1800" dirty="0" err="1">
+                <a:latin typeface="Cascadia Mono" panose="020B0609020000020004" pitchFamily="49" charset="0"/>
+              </a:rPr>
+              <a:t>TransactionalBatchPatchItemRequestOptions</a:t>
+            </a:r>
+            <a:r>
+              <a:rPr lang="en-US" sz="1800" dirty="0">
+                <a:latin typeface="Cascadia Mono" panose="020B0609020000020004" pitchFamily="49" charset="0"/>
+              </a:rPr>
+              <a:t>()</a:t>
+            </a:r>
+          </a:p>
+          <a:p>
+            <a:r>
+              <a:rPr lang="en-US" sz="1800" dirty="0">
+                <a:latin typeface="Cascadia Mono" panose="020B0609020000020004" pitchFamily="49" charset="0"/>
+              </a:rPr>
+              <a:t>    {</a:t>
+            </a:r>
+          </a:p>
+          <a:p>
+            <a:r>
+              <a:rPr lang="en-US" sz="1800" dirty="0">
+                <a:latin typeface="Cascadia Mono" panose="020B0609020000020004" pitchFamily="49" charset="0"/>
+              </a:rPr>
+              <a:t>        </a:t>
+            </a:r>
+            <a:r>
+              <a:rPr lang="en-US" sz="1800" dirty="0" err="1">
+                <a:latin typeface="Cascadia Mono" panose="020B0609020000020004" pitchFamily="49" charset="0"/>
+              </a:rPr>
+              <a:t>IfMatchEtag</a:t>
+            </a:r>
+            <a:r>
+              <a:rPr lang="en-US" sz="1800" dirty="0">
+                <a:latin typeface="Cascadia Mono" panose="020B0609020000020004" pitchFamily="49" charset="0"/>
+              </a:rPr>
+              <a:t> = </a:t>
+            </a:r>
+            <a:r>
+              <a:rPr lang="en-US" sz="1800" dirty="0" err="1">
+                <a:latin typeface="Cascadia Mono" panose="020B0609020000020004" pitchFamily="49" charset="0"/>
+              </a:rPr>
+              <a:t>responseRead.</a:t>
+            </a:r>
+            <a:r>
+              <a:rPr lang="en-US" sz="1800" dirty="0" err="1">
+                <a:solidFill>
+                  <a:schemeClr val="accent1"/>
+                </a:solidFill>
+                <a:latin typeface="Cascadia Mono" panose="020B0609020000020004" pitchFamily="49" charset="0"/>
+              </a:rPr>
+              <a:t>ETag</a:t>
+            </a:r>
+            <a:endParaRPr lang="en-US" sz="1800" dirty="0">
+              <a:solidFill>
+                <a:schemeClr val="accent1"/>
+              </a:solidFill>
+              <a:latin typeface="Cascadia Mono" panose="020B0609020000020004" pitchFamily="49" charset="0"/>
+            </a:endParaRPr>
+          </a:p>
+          <a:p>
+            <a:r>
+              <a:rPr lang="en-US" sz="1800" dirty="0">
+                <a:latin typeface="Cascadia Mono" panose="020B0609020000020004" pitchFamily="49" charset="0"/>
+              </a:rPr>
+              <a:t>    }</a:t>
+            </a:r>
+          </a:p>
+          <a:p>
+            <a:r>
+              <a:rPr lang="en-US" sz="1800" dirty="0">
+                <a:latin typeface="Cascadia Mono" panose="020B0609020000020004" pitchFamily="49" charset="0"/>
+              </a:rPr>
+              <a:t>);</a:t>
+            </a:r>
+          </a:p>
+          <a:p>
+            <a:r>
+              <a:rPr lang="en-US" sz="1800" dirty="0" err="1">
+                <a:solidFill>
+                  <a:srgbClr val="FFFF00"/>
+                </a:solidFill>
+                <a:latin typeface="Cascadia Mono" panose="020B0609020000020004" pitchFamily="49" charset="0"/>
+              </a:rPr>
+              <a:t>batch</a:t>
+            </a:r>
+            <a:r>
+              <a:rPr lang="en-US" sz="1800" dirty="0" err="1">
+                <a:latin typeface="Cascadia Mono" panose="020B0609020000020004" pitchFamily="49" charset="0"/>
+              </a:rPr>
+              <a:t>.</a:t>
+            </a:r>
+            <a:r>
+              <a:rPr lang="en-US" sz="1800" dirty="0" err="1">
+                <a:solidFill>
+                  <a:schemeClr val="accent4"/>
+                </a:solidFill>
+                <a:latin typeface="Cascadia Mono" panose="020B0609020000020004" pitchFamily="49" charset="0"/>
+              </a:rPr>
+              <a:t>CreateItem</a:t>
+            </a:r>
+            <a:r>
+              <a:rPr lang="en-US" sz="1800" dirty="0">
+                <a:latin typeface="Cascadia Mono" panose="020B0609020000020004" pitchFamily="49" charset="0"/>
+              </a:rPr>
+              <a:t>&lt;</a:t>
+            </a:r>
+            <a:r>
+              <a:rPr lang="en-US" sz="1800" dirty="0">
+                <a:solidFill>
+                  <a:schemeClr val="accent1"/>
+                </a:solidFill>
+                <a:latin typeface="Cascadia Mono" panose="020B0609020000020004" pitchFamily="49" charset="0"/>
+              </a:rPr>
+              <a:t>Transaction</a:t>
+            </a:r>
+            <a:r>
+              <a:rPr lang="en-US" sz="1800" dirty="0">
+                <a:latin typeface="Cascadia Mono" panose="020B0609020000020004" pitchFamily="49" charset="0"/>
+              </a:rPr>
+              <a:t>&gt;(</a:t>
+            </a:r>
+            <a:r>
+              <a:rPr lang="en-US" sz="1800" b="1" dirty="0">
+                <a:latin typeface="Cascadia Mono" panose="020B0609020000020004" pitchFamily="49" charset="0"/>
+              </a:rPr>
+              <a:t>transaction</a:t>
+            </a:r>
+            <a:r>
+              <a:rPr lang="en-US" sz="1800" dirty="0">
+                <a:latin typeface="Cascadia Mono" panose="020B0609020000020004" pitchFamily="49" charset="0"/>
+              </a:rPr>
+              <a:t>);</a:t>
+            </a:r>
+          </a:p>
+          <a:p>
+            <a:endParaRPr lang="en-US" sz="1800" dirty="0">
+              <a:latin typeface="Cascadia Mono" panose="020B0609020000020004" pitchFamily="49" charset="0"/>
+            </a:endParaRPr>
+          </a:p>
+          <a:p>
+            <a:r>
+              <a:rPr lang="en-US" sz="1800" dirty="0">
+                <a:latin typeface="Cascadia Mono" panose="020B0609020000020004" pitchFamily="49" charset="0"/>
+              </a:rPr>
+              <a:t>var </a:t>
+            </a:r>
+            <a:r>
+              <a:rPr lang="en-US" sz="1800" dirty="0" err="1">
+                <a:solidFill>
+                  <a:srgbClr val="FFFF00"/>
+                </a:solidFill>
+                <a:latin typeface="Cascadia Mono" panose="020B0609020000020004" pitchFamily="49" charset="0"/>
+              </a:rPr>
+              <a:t>responseBatch</a:t>
+            </a:r>
+            <a:r>
+              <a:rPr lang="en-US" sz="1800" dirty="0">
+                <a:latin typeface="Cascadia Mono" panose="020B0609020000020004" pitchFamily="49" charset="0"/>
+              </a:rPr>
+              <a:t> = await </a:t>
+            </a:r>
+            <a:r>
+              <a:rPr lang="en-US" sz="1800" dirty="0" err="1">
+                <a:solidFill>
+                  <a:srgbClr val="FFFF00"/>
+                </a:solidFill>
+                <a:latin typeface="Cascadia Mono" panose="020B0609020000020004" pitchFamily="49" charset="0"/>
+              </a:rPr>
+              <a:t>batch</a:t>
+            </a:r>
+            <a:r>
+              <a:rPr lang="en-US" sz="1800" dirty="0" err="1">
+                <a:latin typeface="Cascadia Mono" panose="020B0609020000020004" pitchFamily="49" charset="0"/>
+              </a:rPr>
+              <a:t>.</a:t>
+            </a:r>
+            <a:r>
+              <a:rPr lang="en-US" sz="1800" dirty="0" err="1">
+                <a:solidFill>
+                  <a:schemeClr val="accent4"/>
+                </a:solidFill>
+                <a:latin typeface="Cascadia Mono" panose="020B0609020000020004" pitchFamily="49" charset="0"/>
+              </a:rPr>
+              <a:t>ExecuteAsync</a:t>
+            </a:r>
+            <a:r>
+              <a:rPr lang="en-US" sz="1800" dirty="0">
+                <a:latin typeface="Cascadia Mono" panose="020B0609020000020004" pitchFamily="49" charset="0"/>
+              </a:rPr>
+              <a:t>();</a:t>
+            </a:r>
+            <a:endParaRPr lang="en-US" dirty="0"/>
+          </a:p>
+        </p:txBody>
+      </p:sp>
+    </p:spTree>
+    <p:extLst>
+      <p:ext uri="{BB962C8B-B14F-4D97-AF65-F5344CB8AC3E}">
+        <p14:creationId xmlns:p14="http://schemas.microsoft.com/office/powerpoint/2010/main" val="1742702882"/>
+      </p:ext>
+    </p:extLst>
+  </p:cSld>
+  <p:clrMapOvr>
+    <a:masterClrMapping/>
+  </p:clrMapOvr>
+  <p:transition>
+    <p:fade/>
+  </p:transition>
+</p:sld>
+</file>
+
+<file path=ppt/slides/slide12.xml><?xml version="1.0" encoding="utf-8"?>
 <p:sld xmlns:a="http://schemas.openxmlformats.org/drawingml/2006/main" xmlns:r="http://schemas.openxmlformats.org/officeDocument/2006/relationships" xmlns:p="http://schemas.openxmlformats.org/presentationml/2006/main">
   <p:cSld>
     <p:spTree>
@@ -19533,7 +21426,7 @@
 </p:sld>
 </file>
 
-<file path=ppt/slides/slide11.xml><?xml version="1.0" encoding="utf-8"?>
+<file path=ppt/slides/slide13.xml><?xml version="1.0" encoding="utf-8"?>
 <p:sld xmlns:a="http://schemas.openxmlformats.org/drawingml/2006/main" xmlns:r="http://schemas.openxmlformats.org/officeDocument/2006/relationships" xmlns:p="http://schemas.openxmlformats.org/presentationml/2006/main">
   <p:cSld>
     <p:spTree>
@@ -23700,7 +25593,7 @@
 </p:sld>
 </file>
 
-<file path=ppt/slides/slide12.xml><?xml version="1.0" encoding="utf-8"?>
+<file path=ppt/slides/slide14.xml><?xml version="1.0" encoding="utf-8"?>
 <p:sld xmlns:a="http://schemas.openxmlformats.org/drawingml/2006/main" xmlns:r="http://schemas.openxmlformats.org/officeDocument/2006/relationships" xmlns:p="http://schemas.openxmlformats.org/presentationml/2006/main">
   <p:cSld>
     <p:spTree>
@@ -23930,7 +25823,7 @@
 </p:sld>
 </file>
 
-<file path=ppt/slides/slide13.xml><?xml version="1.0" encoding="utf-8"?>
+<file path=ppt/slides/slide15.xml><?xml version="1.0" encoding="utf-8"?>
 <p:sld xmlns:a="http://schemas.openxmlformats.org/drawingml/2006/main" xmlns:r="http://schemas.openxmlformats.org/officeDocument/2006/relationships" xmlns:p="http://schemas.openxmlformats.org/presentationml/2006/main">
   <p:cSld>
     <p:spTree>
@@ -24042,7 +25935,7 @@
 </p:sld>
 </file>
 
-<file path=ppt/slides/slide14.xml><?xml version="1.0" encoding="utf-8"?>
+<file path=ppt/slides/slide16.xml><?xml version="1.0" encoding="utf-8"?>
 <p:sld xmlns:a="http://schemas.openxmlformats.org/drawingml/2006/main" xmlns:r="http://schemas.openxmlformats.org/officeDocument/2006/relationships" xmlns:p="http://schemas.openxmlformats.org/presentationml/2006/main">
   <p:cSld>
     <p:spTree>
@@ -24207,373 +26100,6 @@
     <p:extLst>
       <p:ext uri="{BB962C8B-B14F-4D97-AF65-F5344CB8AC3E}">
         <p14:creationId xmlns:p14="http://schemas.microsoft.com/office/powerpoint/2010/main" val="3693466064"/>
-      </p:ext>
-    </p:extLst>
-  </p:cSld>
-  <p:clrMapOvr>
-    <a:masterClrMapping/>
-  </p:clrMapOvr>
-  <p:transition>
-    <p:fade/>
-  </p:transition>
-</p:sld>
-</file>
-
-<file path=ppt/slides/slide15.xml><?xml version="1.0" encoding="utf-8"?>
-<p:sld xmlns:a="http://schemas.openxmlformats.org/drawingml/2006/main" xmlns:r="http://schemas.openxmlformats.org/officeDocument/2006/relationships" xmlns:p="http://schemas.openxmlformats.org/presentationml/2006/main">
-  <p:cSld>
-    <p:spTree>
-      <p:nvGrpSpPr>
-        <p:cNvPr id="1" name=""/>
-        <p:cNvGrpSpPr/>
-        <p:nvPr/>
-      </p:nvGrpSpPr>
-      <p:grpSpPr>
-        <a:xfrm>
-          <a:off x="0" y="0"/>
-          <a:ext cx="0" cy="0"/>
-          <a:chOff x="0" y="0"/>
-          <a:chExt cx="0" cy="0"/>
-        </a:xfrm>
-      </p:grpSpPr>
-      <p:sp>
-        <p:nvSpPr>
-          <p:cNvPr id="2" name="Title 1">
-            <a:extLst>
-              <a:ext uri="{FF2B5EF4-FFF2-40B4-BE49-F238E27FC236}">
-                <a16:creationId xmlns:a16="http://schemas.microsoft.com/office/drawing/2014/main" id="{69D2623F-0629-4017-9AFA-1E52CD042452}"/>
-              </a:ext>
-            </a:extLst>
-          </p:cNvPr>
-          <p:cNvSpPr>
-            <a:spLocks noGrp="1"/>
-          </p:cNvSpPr>
-          <p:nvPr>
-            <p:ph type="title"/>
-          </p:nvPr>
-        </p:nvSpPr>
-        <p:spPr>
-          <a:xfrm>
-            <a:off x="584199" y="209440"/>
-            <a:ext cx="9288535" cy="926407"/>
-          </a:xfrm>
-        </p:spPr>
-        <p:txBody>
-          <a:bodyPr/>
-          <a:lstStyle/>
-          <a:p>
-            <a:r>
-              <a:rPr lang="en-US" dirty="0"/>
-              <a:t>Challenge 2: Account for and Count the Accounts</a:t>
-            </a:r>
-          </a:p>
-        </p:txBody>
-      </p:sp>
-      <p:sp>
-        <p:nvSpPr>
-          <p:cNvPr id="4" name="TextBox 3">
-            <a:extLst>
-              <a:ext uri="{FF2B5EF4-FFF2-40B4-BE49-F238E27FC236}">
-                <a16:creationId xmlns:a16="http://schemas.microsoft.com/office/drawing/2014/main" id="{1CC078BE-0A60-49C8-8EDA-2EBC51A5DC70}"/>
-              </a:ext>
-            </a:extLst>
-          </p:cNvPr>
-          <p:cNvSpPr txBox="1"/>
-          <p:nvPr/>
-        </p:nvSpPr>
-        <p:spPr>
-          <a:xfrm>
-            <a:off x="584200" y="1396137"/>
-            <a:ext cx="11036300" cy="2862322"/>
-          </a:xfrm>
-          <a:prstGeom prst="rect">
-            <a:avLst/>
-          </a:prstGeom>
-          <a:noFill/>
-        </p:spPr>
-        <p:txBody>
-          <a:bodyPr wrap="square">
-            <a:spAutoFit/>
-          </a:bodyPr>
-          <a:lstStyle/>
-          <a:p>
-            <a:pPr algn="l" rtl="0" fontAlgn="base"/>
-            <a:r>
-              <a:rPr lang="en-US" sz="2000" b="0" i="0" dirty="0">
-                <a:effectLst/>
-              </a:rPr>
-              <a:t>In this challenge,</a:t>
-            </a:r>
-            <a:r>
-              <a:rPr lang="en-US" sz="2000" dirty="0"/>
-              <a:t> Run the data generator to load the sample account and member data.</a:t>
-            </a:r>
-          </a:p>
-          <a:p>
-            <a:pPr algn="l" rtl="0" fontAlgn="base"/>
-            <a:endParaRPr lang="en-US" sz="2000" b="0" i="0" dirty="0">
-              <a:effectLst/>
-            </a:endParaRPr>
-          </a:p>
-          <a:p>
-            <a:pPr algn="l" rtl="0" fontAlgn="base"/>
-            <a:r>
-              <a:rPr lang="en-US" sz="2000" b="1" i="0" dirty="0">
-                <a:effectLst/>
-              </a:rPr>
-              <a:t>Learning objectives: </a:t>
-            </a:r>
-          </a:p>
-          <a:p>
-            <a:pPr algn="l" rtl="0" fontAlgn="base"/>
-            <a:endParaRPr lang="en-US" sz="2000" b="0" i="0" dirty="0">
-              <a:effectLst/>
-            </a:endParaRPr>
-          </a:p>
-          <a:p>
-            <a:pPr marL="342900" indent="-342900" algn="l" rtl="0" fontAlgn="base">
-              <a:buFont typeface="Arial" panose="020B0604020202020204" pitchFamily="34" charset="0"/>
-              <a:buChar char="•"/>
-            </a:pPr>
-            <a:r>
-              <a:rPr lang="en-US" sz="2000" b="0" i="0" dirty="0">
-                <a:effectLst/>
-              </a:rPr>
-              <a:t>Learn how to check for the existence of data in Azure Cosmos DB in a data-loading process</a:t>
-            </a:r>
-            <a:br>
-              <a:rPr lang="en-US" sz="2000" b="0" i="0" dirty="0">
-                <a:effectLst/>
-              </a:rPr>
-            </a:br>
-            <a:endParaRPr lang="en-US" sz="2000" b="0" i="0" dirty="0">
-              <a:effectLst/>
-            </a:endParaRPr>
-          </a:p>
-          <a:p>
-            <a:pPr marL="342900" indent="-342900" algn="l" rtl="0" fontAlgn="base">
-              <a:buFont typeface="Arial" panose="020B0604020202020204" pitchFamily="34" charset="0"/>
-              <a:buChar char="•"/>
-            </a:pPr>
-            <a:r>
-              <a:rPr lang="en-US" sz="2000" dirty="0"/>
-              <a:t>Generate mock data with a given schema</a:t>
-            </a:r>
-            <a:br>
-              <a:rPr lang="en-US" sz="2000" dirty="0"/>
-            </a:br>
-            <a:endParaRPr lang="en-US" sz="2000" dirty="0"/>
-          </a:p>
-          <a:p>
-            <a:pPr marL="342900" indent="-342900" algn="l" rtl="0" fontAlgn="base">
-              <a:buFont typeface="Arial" panose="020B0604020202020204" pitchFamily="34" charset="0"/>
-              <a:buChar char="•"/>
-            </a:pPr>
-            <a:r>
-              <a:rPr lang="en-US" sz="2000" b="0" i="0" dirty="0">
-                <a:effectLst/>
-              </a:rPr>
-              <a:t>Run parallel batch or continuous processing to load larger volumes of data</a:t>
-            </a:r>
-          </a:p>
-        </p:txBody>
-      </p:sp>
-    </p:spTree>
-    <p:extLst>
-      <p:ext uri="{BB962C8B-B14F-4D97-AF65-F5344CB8AC3E}">
-        <p14:creationId xmlns:p14="http://schemas.microsoft.com/office/powerpoint/2010/main" val="3229930525"/>
-      </p:ext>
-    </p:extLst>
-  </p:cSld>
-  <p:clrMapOvr>
-    <a:masterClrMapping/>
-  </p:clrMapOvr>
-  <p:transition>
-    <p:fade/>
-  </p:transition>
-</p:sld>
-</file>
-
-<file path=ppt/slides/slide16.xml><?xml version="1.0" encoding="utf-8"?>
-<p:sld xmlns:a="http://schemas.openxmlformats.org/drawingml/2006/main" xmlns:r="http://schemas.openxmlformats.org/officeDocument/2006/relationships" xmlns:p="http://schemas.openxmlformats.org/presentationml/2006/main">
-  <p:cSld>
-    <p:spTree>
-      <p:nvGrpSpPr>
-        <p:cNvPr id="1" name=""/>
-        <p:cNvGrpSpPr/>
-        <p:nvPr/>
-      </p:nvGrpSpPr>
-      <p:grpSpPr>
-        <a:xfrm>
-          <a:off x="0" y="0"/>
-          <a:ext cx="0" cy="0"/>
-          <a:chOff x="0" y="0"/>
-          <a:chExt cx="0" cy="0"/>
-        </a:xfrm>
-      </p:grpSpPr>
-      <p:sp>
-        <p:nvSpPr>
-          <p:cNvPr id="2" name="Title 1">
-            <a:extLst>
-              <a:ext uri="{FF2B5EF4-FFF2-40B4-BE49-F238E27FC236}">
-                <a16:creationId xmlns:a16="http://schemas.microsoft.com/office/drawing/2014/main" id="{69D2623F-0629-4017-9AFA-1E52CD042452}"/>
-              </a:ext>
-            </a:extLst>
-          </p:cNvPr>
-          <p:cNvSpPr>
-            <a:spLocks noGrp="1"/>
-          </p:cNvSpPr>
-          <p:nvPr>
-            <p:ph type="title"/>
-          </p:nvPr>
-        </p:nvSpPr>
-        <p:spPr>
-          <a:xfrm>
-            <a:off x="584199" y="209440"/>
-            <a:ext cx="10518565" cy="495520"/>
-          </a:xfrm>
-        </p:spPr>
-        <p:txBody>
-          <a:bodyPr/>
-          <a:lstStyle/>
-          <a:p>
-            <a:r>
-              <a:rPr lang="en-US" dirty="0"/>
-              <a:t>Challenge 3: Visualize World Peace </a:t>
-            </a:r>
-            <a:r>
-              <a:rPr lang="en-US" sz="1400" dirty="0"/>
-              <a:t>… or at least the members, accounts, and transaction data</a:t>
-            </a:r>
-          </a:p>
-        </p:txBody>
-      </p:sp>
-      <p:sp>
-        <p:nvSpPr>
-          <p:cNvPr id="4" name="TextBox 3">
-            <a:extLst>
-              <a:ext uri="{FF2B5EF4-FFF2-40B4-BE49-F238E27FC236}">
-                <a16:creationId xmlns:a16="http://schemas.microsoft.com/office/drawing/2014/main" id="{C66AB271-DFBE-48F7-9D8A-116CBE3C573C}"/>
-              </a:ext>
-            </a:extLst>
-          </p:cNvPr>
-          <p:cNvSpPr txBox="1"/>
-          <p:nvPr/>
-        </p:nvSpPr>
-        <p:spPr>
-          <a:xfrm>
-            <a:off x="584200" y="1396137"/>
-            <a:ext cx="11036300" cy="3785652"/>
-          </a:xfrm>
-          <a:prstGeom prst="rect">
-            <a:avLst/>
-          </a:prstGeom>
-          <a:noFill/>
-        </p:spPr>
-        <p:txBody>
-          <a:bodyPr wrap="square">
-            <a:spAutoFit/>
-          </a:bodyPr>
-          <a:lstStyle/>
-          <a:p>
-            <a:pPr algn="l" rtl="0" fontAlgn="base"/>
-            <a:r>
-              <a:rPr lang="en-US" sz="2000" b="0" i="0" dirty="0">
-                <a:effectLst/>
-              </a:rPr>
-              <a:t>In this challenge,</a:t>
-            </a:r>
-            <a:r>
-              <a:rPr lang="en-US" sz="2000" dirty="0"/>
-              <a:t> participants</a:t>
-            </a:r>
-            <a:r>
-              <a:rPr lang="en-US" sz="2000" b="0" i="0" dirty="0">
-                <a:effectLst/>
-              </a:rPr>
-              <a:t> will </a:t>
-            </a:r>
-            <a:r>
-              <a:rPr lang="en-US" sz="2000" dirty="0"/>
-              <a:t>wire up the Members, Account Summary, and Transaction Statement functionality to load the data from Cosmos DB and present it in the UI and see the end-to-end solution action.</a:t>
-            </a:r>
-            <a:endParaRPr lang="en-US" sz="2000" b="0" i="0" dirty="0">
-              <a:effectLst/>
-            </a:endParaRPr>
-          </a:p>
-          <a:p>
-            <a:pPr algn="l" rtl="0" fontAlgn="base"/>
-            <a:endParaRPr lang="en-US" sz="2000" b="0" i="0" dirty="0">
-              <a:effectLst/>
-            </a:endParaRPr>
-          </a:p>
-          <a:p>
-            <a:pPr algn="l" rtl="0" fontAlgn="base"/>
-            <a:r>
-              <a:rPr lang="en-US" sz="2000" b="1" i="0" dirty="0">
-                <a:effectLst/>
-              </a:rPr>
-              <a:t>Learning objectives: </a:t>
-            </a:r>
-          </a:p>
-          <a:p>
-            <a:pPr algn="l" rtl="0" fontAlgn="base"/>
-            <a:endParaRPr lang="en-US" sz="2000" b="0" i="0" dirty="0">
-              <a:effectLst/>
-            </a:endParaRPr>
-          </a:p>
-          <a:p>
-            <a:pPr marL="342900" indent="-342900" algn="l" rtl="0" fontAlgn="base">
-              <a:buFont typeface="Arial" panose="020B0604020202020204" pitchFamily="34" charset="0"/>
-              <a:buChar char="•"/>
-            </a:pPr>
-            <a:r>
-              <a:rPr lang="en-US" sz="2000" b="0" i="0" dirty="0">
-                <a:effectLst/>
-              </a:rPr>
-              <a:t>How to conduct batch write operations to Azure Cosmos DB</a:t>
-            </a:r>
-            <a:br>
-              <a:rPr lang="en-US" sz="2000" b="0" i="0" dirty="0">
-                <a:effectLst/>
-              </a:rPr>
-            </a:br>
-            <a:endParaRPr lang="en-US" sz="2000" b="0" i="0" dirty="0">
-              <a:effectLst/>
-            </a:endParaRPr>
-          </a:p>
-          <a:p>
-            <a:pPr marL="342900" indent="-342900" algn="l" rtl="0" fontAlgn="base">
-              <a:buFont typeface="Arial" panose="020B0604020202020204" pitchFamily="34" charset="0"/>
-              <a:buChar char="•"/>
-            </a:pPr>
-            <a:r>
-              <a:rPr lang="en-US" sz="2000" dirty="0"/>
-              <a:t>Understand the core application functionality and its data; useful for later challenges</a:t>
-            </a:r>
-            <a:br>
-              <a:rPr lang="en-US" sz="2000" dirty="0"/>
-            </a:br>
-            <a:endParaRPr lang="en-US" sz="2000" dirty="0"/>
-          </a:p>
-          <a:p>
-            <a:pPr marL="342900" indent="-342900" algn="l" rtl="0" fontAlgn="base">
-              <a:buFont typeface="Arial" panose="020B0604020202020204" pitchFamily="34" charset="0"/>
-              <a:buChar char="•"/>
-            </a:pPr>
-            <a:r>
-              <a:rPr lang="en-US" sz="2000" b="0" i="0" dirty="0">
-                <a:effectLst/>
-              </a:rPr>
-              <a:t>How to conduct patch operations using the Azure Cosmos DB SDK and observe how those operations merge when patching the same document across regions</a:t>
-            </a:r>
-          </a:p>
-        </p:txBody>
-      </p:sp>
-    </p:spTree>
-    <p:extLst>
-      <p:ext uri="{BB962C8B-B14F-4D97-AF65-F5344CB8AC3E}">
-        <p14:creationId xmlns:p14="http://schemas.microsoft.com/office/powerpoint/2010/main" val="3214549841"/>
       </p:ext>
     </p:extLst>
   </p:cSld>
@@ -24621,8 +26147,8 @@
         </p:nvSpPr>
         <p:spPr>
           <a:xfrm>
-            <a:off x="584200" y="209440"/>
-            <a:ext cx="7440582" cy="495520"/>
+            <a:off x="584199" y="209440"/>
+            <a:ext cx="9288535" cy="926407"/>
           </a:xfrm>
         </p:spPr>
         <p:txBody>
@@ -24631,7 +26157,7 @@
           <a:p>
             <a:r>
               <a:rPr lang="en-US" dirty="0"/>
-              <a:t>Challenge 4: This Challenge is Questionable</a:t>
+              <a:t>Challenge 2: Account for and Count the Accounts</a:t>
             </a:r>
           </a:p>
         </p:txBody>
@@ -24641,7 +26167,7 @@
           <p:cNvPr id="4" name="TextBox 3">
             <a:extLst>
               <a:ext uri="{FF2B5EF4-FFF2-40B4-BE49-F238E27FC236}">
-                <a16:creationId xmlns:a16="http://schemas.microsoft.com/office/drawing/2014/main" id="{CD037916-DF96-4B73-B2C1-764F918DCF34}"/>
+                <a16:creationId xmlns:a16="http://schemas.microsoft.com/office/drawing/2014/main" id="{1CC078BE-0A60-49C8-8EDA-2EBC51A5DC70}"/>
               </a:ext>
             </a:extLst>
           </p:cNvPr>
@@ -24651,7 +26177,7 @@
         <p:spPr>
           <a:xfrm>
             <a:off x="584200" y="1396137"/>
-            <a:ext cx="11036300" cy="2554545"/>
+            <a:ext cx="11036300" cy="2862322"/>
           </a:xfrm>
           <a:prstGeom prst="rect">
             <a:avLst/>
@@ -24673,13 +26199,7 @@
             </a:r>
             <a:r>
               <a:rPr lang="en-US" sz="2000" dirty="0"/>
-              <a:t> participants</a:t>
-            </a:r>
-            <a:r>
-              <a:rPr lang="en-US" sz="2000" b="0" i="0" dirty="0">
-                <a:effectLst/>
-              </a:rPr>
-              <a:t> will add functionality to the transactions screen that allows the user to ask questions about a member's transactions using natural language and viewing the results.</a:t>
+              <a:t> Run the data generator to load the sample account and member data.</a:t>
             </a:r>
           </a:p>
           <a:p>
@@ -24709,26 +26229,44 @@
               <a:buChar char="•"/>
             </a:pPr>
             <a:r>
-              <a:rPr lang="en-US" sz="2000" dirty="0"/>
-              <a:t>U</a:t>
-            </a:r>
-            <a:r>
               <a:rPr lang="en-US" sz="2000" b="0" i="0" dirty="0">
                 <a:effectLst/>
               </a:rPr>
-              <a:t>se the Microsoft Semantic Kernel with Azure OpenAI to create a </a:t>
-            </a:r>
-            <a:r>
-              <a:rPr lang="en-US" sz="2000" b="0" i="0" dirty="0" err="1">
-                <a:effectLst/>
-              </a:rPr>
-              <a:t>SemanticFunction</a:t>
-            </a:r>
-            <a:r>
+              <a:t>Learn how to check for the existence of data in Azure Cosmos DB in a data-loading process</a:t>
+            </a:r>
+            <a:br>
               <a:rPr lang="en-US" sz="2000" b="0" i="0" dirty="0">
                 <a:effectLst/>
               </a:rPr>
-              <a:t> that will respond with the results of the user’s question</a:t>
+            </a:br>
+            <a:endParaRPr lang="en-US" sz="2000" b="0" i="0" dirty="0">
+              <a:effectLst/>
+            </a:endParaRPr>
+          </a:p>
+          <a:p>
+            <a:pPr marL="342900" indent="-342900" algn="l" rtl="0" fontAlgn="base">
+              <a:buFont typeface="Arial" panose="020B0604020202020204" pitchFamily="34" charset="0"/>
+              <a:buChar char="•"/>
+            </a:pPr>
+            <a:r>
+              <a:rPr lang="en-US" sz="2000" dirty="0"/>
+              <a:t>Generate mock data with a given schema</a:t>
+            </a:r>
+            <a:br>
+              <a:rPr lang="en-US" sz="2000" dirty="0"/>
+            </a:br>
+            <a:endParaRPr lang="en-US" sz="2000" dirty="0"/>
+          </a:p>
+          <a:p>
+            <a:pPr marL="342900" indent="-342900" algn="l" rtl="0" fontAlgn="base">
+              <a:buFont typeface="Arial" panose="020B0604020202020204" pitchFamily="34" charset="0"/>
+              <a:buChar char="•"/>
+            </a:pPr>
+            <a:r>
+              <a:rPr lang="en-US" sz="2000" b="0" i="0" dirty="0">
+                <a:effectLst/>
+              </a:rPr>
+              <a:t>Run parallel batch or continuous processing to load larger volumes of data</a:t>
             </a:r>
           </a:p>
         </p:txBody>
@@ -24736,7 +26274,7 @@
     </p:spTree>
     <p:extLst>
       <p:ext uri="{BB962C8B-B14F-4D97-AF65-F5344CB8AC3E}">
-        <p14:creationId xmlns:p14="http://schemas.microsoft.com/office/powerpoint/2010/main" val="2643562220"/>
+        <p14:creationId xmlns:p14="http://schemas.microsoft.com/office/powerpoint/2010/main" val="3229930525"/>
       </p:ext>
     </p:extLst>
   </p:cSld>
@@ -24784,8 +26322,8 @@
         </p:nvSpPr>
         <p:spPr>
           <a:xfrm>
-            <a:off x="584200" y="209440"/>
-            <a:ext cx="7440582" cy="495520"/>
+            <a:off x="584199" y="209440"/>
+            <a:ext cx="10518565" cy="710964"/>
           </a:xfrm>
         </p:spPr>
         <p:txBody>
@@ -24794,7 +26332,11 @@
           <a:p>
             <a:r>
               <a:rPr lang="en-US" dirty="0"/>
-              <a:t>Challenge 5: Home Improvement: AI Edition</a:t>
+              <a:t>Challenge 3: Visualize World (Global) Peace </a:t>
+            </a:r>
+            <a:r>
+              <a:rPr lang="en-US" sz="1400" dirty="0"/>
+              <a:t>… or at least the members, accounts, and transaction data</a:t>
             </a:r>
           </a:p>
         </p:txBody>
@@ -24804,7 +26346,7 @@
           <p:cNvPr id="4" name="TextBox 3">
             <a:extLst>
               <a:ext uri="{FF2B5EF4-FFF2-40B4-BE49-F238E27FC236}">
-                <a16:creationId xmlns:a16="http://schemas.microsoft.com/office/drawing/2014/main" id="{3B0099AB-0385-4248-B70E-F201157859DD}"/>
+                <a16:creationId xmlns:a16="http://schemas.microsoft.com/office/drawing/2014/main" id="{C66AB271-DFBE-48F7-9D8A-116CBE3C573C}"/>
               </a:ext>
             </a:extLst>
           </p:cNvPr>
@@ -24814,7 +26356,7 @@
         <p:spPr>
           <a:xfrm>
             <a:off x="584200" y="1396137"/>
-            <a:ext cx="11036300" cy="1938992"/>
+            <a:ext cx="11036300" cy="5016758"/>
           </a:xfrm>
           <a:prstGeom prst="rect">
             <a:avLst/>
@@ -24846,14 +26388,11 @@
             </a:r>
             <a:r>
               <a:rPr lang="en-US" sz="2000" dirty="0"/>
-              <a:t>i</a:t>
-            </a:r>
-            <a:r>
-              <a:rPr lang="en-US" sz="2000" b="0" i="0" dirty="0">
-                <a:effectLst/>
-              </a:rPr>
-              <a:t>mprove the prompt text to reduce any dependency on the model's parametric knowledge and improve the handling of numeric computations.</a:t>
-            </a:r>
+              <a:t>wire up the Members, Account Summary, and Transaction Statement functionality to load the data from Cosmos DB and present it in the UI and see the end-to-end solution action. They will also complete the global index code that associates members with their accounts.</a:t>
+            </a:r>
+            <a:endParaRPr lang="en-US" sz="2000" b="0" i="0" dirty="0">
+              <a:effectLst/>
+            </a:endParaRPr>
           </a:p>
           <a:p>
             <a:pPr algn="l" rtl="0" fontAlgn="base"/>
@@ -24885,7 +26424,60 @@
               <a:rPr lang="en-US" sz="2000" b="0" i="0" dirty="0">
                 <a:effectLst/>
               </a:rPr>
-              <a:t>TBD</a:t>
+              <a:t>How to conduct batch write operations to Azure Cosmos DB</a:t>
+            </a:r>
+            <a:br>
+              <a:rPr lang="en-US" sz="2000" b="0" i="0" dirty="0">
+                <a:effectLst/>
+              </a:rPr>
+            </a:br>
+            <a:endParaRPr lang="en-US" sz="2000" b="0" i="0" dirty="0">
+              <a:effectLst/>
+            </a:endParaRPr>
+          </a:p>
+          <a:p>
+            <a:pPr marL="342900" indent="-342900" algn="l" rtl="0" fontAlgn="base">
+              <a:buFont typeface="Arial" panose="020B0604020202020204" pitchFamily="34" charset="0"/>
+              <a:buChar char="•"/>
+            </a:pPr>
+            <a:r>
+              <a:rPr lang="en-US" sz="2000" dirty="0"/>
+              <a:t>Understand the core application functionality and its data; useful for later challenges</a:t>
+            </a:r>
+            <a:br>
+              <a:rPr lang="en-US" sz="2000" dirty="0"/>
+            </a:br>
+            <a:endParaRPr lang="en-US" sz="2000" dirty="0"/>
+          </a:p>
+          <a:p>
+            <a:pPr marL="342900" indent="-342900" algn="l" rtl="0" fontAlgn="base">
+              <a:buFont typeface="Arial" panose="020B0604020202020204" pitchFamily="34" charset="0"/>
+              <a:buChar char="•"/>
+            </a:pPr>
+            <a:r>
+              <a:rPr lang="en-US" sz="2000" b="0" i="0" dirty="0">
+                <a:effectLst/>
+              </a:rPr>
+              <a:t>How to conduct patch operations using the Azure Cosmos DB SDK</a:t>
+            </a:r>
+          </a:p>
+          <a:p>
+            <a:pPr marL="342900" indent="-342900" algn="l" rtl="0" fontAlgn="base">
+              <a:buFont typeface="Arial" panose="020B0604020202020204" pitchFamily="34" charset="0"/>
+              <a:buChar char="•"/>
+            </a:pPr>
+            <a:endParaRPr lang="en-US" sz="2000" dirty="0"/>
+          </a:p>
+          <a:p>
+            <a:pPr marL="342900" indent="-342900" algn="l" rtl="0" fontAlgn="base">
+              <a:buFont typeface="Arial" panose="020B0604020202020204" pitchFamily="34" charset="0"/>
+              <a:buChar char="•"/>
+            </a:pPr>
+            <a:r>
+              <a:rPr lang="en-US" sz="2000" b="0" i="0" dirty="0">
+                <a:effectLst/>
+              </a:rPr>
+              <a:t>Using a global index to associate related documents in Cosmos DB that do not share a common partition key (or even container) and to look up the relationship without a cross-partition query</a:t>
             </a:r>
           </a:p>
         </p:txBody>
@@ -24893,7 +26485,7 @@
     </p:spTree>
     <p:extLst>
       <p:ext uri="{BB962C8B-B14F-4D97-AF65-F5344CB8AC3E}">
-        <p14:creationId xmlns:p14="http://schemas.microsoft.com/office/powerpoint/2010/main" val="4248767057"/>
+        <p14:creationId xmlns:p14="http://schemas.microsoft.com/office/powerpoint/2010/main" val="3214549841"/>
       </p:ext>
     </p:extLst>
   </p:cSld>
@@ -24925,10 +26517,10 @@
       </p:grpSpPr>
       <p:sp>
         <p:nvSpPr>
-          <p:cNvPr id="16" name="Title 15">
+          <p:cNvPr id="2" name="Title 1">
             <a:extLst>
               <a:ext uri="{FF2B5EF4-FFF2-40B4-BE49-F238E27FC236}">
-                <a16:creationId xmlns:a16="http://schemas.microsoft.com/office/drawing/2014/main" id="{593510F3-A491-4515-B369-8F8B55D118FA}"/>
+                <a16:creationId xmlns:a16="http://schemas.microsoft.com/office/drawing/2014/main" id="{69D2623F-0629-4017-9AFA-1E52CD042452}"/>
               </a:ext>
             </a:extLst>
           </p:cNvPr>
@@ -24941,8 +26533,8 @@
         </p:nvSpPr>
         <p:spPr>
           <a:xfrm>
-            <a:off x="369047" y="2640668"/>
-            <a:ext cx="4052346" cy="495520"/>
+            <a:off x="584200" y="209440"/>
+            <a:ext cx="7440582" cy="495520"/>
           </a:xfrm>
         </p:spPr>
         <p:txBody>
@@ -24950,72 +26542,105 @@
           <a:lstStyle/>
           <a:p>
             <a:r>
-              <a:rPr lang="en-US"/>
-              <a:t>Coach solutions folder</a:t>
+              <a:rPr lang="en-US" dirty="0"/>
+              <a:t>Challenge 4: This Challenge is Questionable</a:t>
             </a:r>
           </a:p>
         </p:txBody>
       </p:sp>
       <p:sp>
         <p:nvSpPr>
-          <p:cNvPr id="17" name="Title 15">
+          <p:cNvPr id="4" name="TextBox 3">
             <a:extLst>
               <a:ext uri="{FF2B5EF4-FFF2-40B4-BE49-F238E27FC236}">
-                <a16:creationId xmlns:a16="http://schemas.microsoft.com/office/drawing/2014/main" id="{BC7B19C1-225B-4AE6-9F94-8D3BCE539746}"/>
+                <a16:creationId xmlns:a16="http://schemas.microsoft.com/office/drawing/2014/main" id="{CD037916-DF96-4B73-B2C1-764F918DCF34}"/>
               </a:ext>
             </a:extLst>
           </p:cNvPr>
-          <p:cNvSpPr txBox="1">
-            <a:spLocks/>
-          </p:cNvSpPr>
+          <p:cNvSpPr txBox="1"/>
           <p:nvPr/>
         </p:nvSpPr>
         <p:spPr>
           <a:xfrm>
-            <a:off x="369046" y="3181240"/>
-            <a:ext cx="7734429" cy="495520"/>
+            <a:off x="584200" y="1396137"/>
+            <a:ext cx="11036300" cy="2554545"/>
           </a:xfrm>
           <a:prstGeom prst="rect">
             <a:avLst/>
           </a:prstGeom>
+          <a:noFill/>
         </p:spPr>
         <p:txBody>
-          <a:bodyPr vert="horz" wrap="square" lIns="0" tIns="64008" rIns="0" bIns="0" rtlCol="0" anchor="t">
+          <a:bodyPr wrap="square">
             <a:spAutoFit/>
           </a:bodyPr>
-          <a:lstStyle>
-            <a:lvl1pPr algn="l" defTabSz="932742" rtl="0" eaLnBrk="1" latinLnBrk="0" hangingPunct="1">
-              <a:lnSpc>
-                <a:spcPct val="100000"/>
-              </a:lnSpc>
-              <a:spcBef>
-                <a:spcPct val="0"/>
-              </a:spcBef>
-              <a:buNone/>
-              <a:defRPr lang="en-US" sz="2800" b="0" kern="1200" cap="none" spc="0" baseline="0">
-                <a:ln w="3175">
-                  <a:noFill/>
-                </a:ln>
-                <a:solidFill>
-                  <a:schemeClr val="tx1"/>
-                </a:solidFill>
+          <a:lstStyle/>
+          <a:p>
+            <a:pPr algn="l" rtl="0" fontAlgn="base"/>
+            <a:r>
+              <a:rPr lang="en-US" sz="2000" b="0" i="0" dirty="0">
                 <a:effectLst/>
-                <a:latin typeface="+mj-lt"/>
-                <a:ea typeface="+mn-ea"/>
-                <a:cs typeface="Segoe UI" panose="020B0502040204020203" pitchFamily="34" charset="0"/>
-              </a:defRPr>
-            </a:lvl1pPr>
-          </a:lstStyle>
-          <a:p>
-            <a:r>
-              <a:rPr lang="en-US" dirty="0">
-                <a:hlinkClick r:id="rId2"/>
               </a:rPr>
-              <a:t>https://aka.ms/</a:t>
-            </a:r>
-            <a:r>
-              <a:rPr lang="en-US" dirty="0"/>
-              <a:t>TBD</a:t>
+              <a:t>In this challenge,</a:t>
+            </a:r>
+            <a:r>
+              <a:rPr lang="en-US" sz="2000" dirty="0"/>
+              <a:t> participants</a:t>
+            </a:r>
+            <a:r>
+              <a:rPr lang="en-US" sz="2000" b="0" i="0" dirty="0">
+                <a:effectLst/>
+              </a:rPr>
+              <a:t> will add functionality to the transactions screen that allows the user to ask questions about a member's transactions using natural language and viewing the results.</a:t>
+            </a:r>
+          </a:p>
+          <a:p>
+            <a:pPr algn="l" rtl="0" fontAlgn="base"/>
+            <a:endParaRPr lang="en-US" sz="2000" b="0" i="0" dirty="0">
+              <a:effectLst/>
+            </a:endParaRPr>
+          </a:p>
+          <a:p>
+            <a:pPr algn="l" rtl="0" fontAlgn="base"/>
+            <a:r>
+              <a:rPr lang="en-US" sz="2000" b="1" i="0" dirty="0">
+                <a:effectLst/>
+              </a:rPr>
+              <a:t>Learning objectives: </a:t>
+            </a:r>
+          </a:p>
+          <a:p>
+            <a:pPr algn="l" rtl="0" fontAlgn="base"/>
+            <a:endParaRPr lang="en-US" sz="2000" b="0" i="0" dirty="0">
+              <a:effectLst/>
+            </a:endParaRPr>
+          </a:p>
+          <a:p>
+            <a:pPr marL="342900" indent="-342900" algn="l" rtl="0" fontAlgn="base">
+              <a:buFont typeface="Arial" panose="020B0604020202020204" pitchFamily="34" charset="0"/>
+              <a:buChar char="•"/>
+            </a:pPr>
+            <a:r>
+              <a:rPr lang="en-US" sz="2000" dirty="0"/>
+              <a:t>U</a:t>
+            </a:r>
+            <a:r>
+              <a:rPr lang="en-US" sz="2000" b="0" i="0" dirty="0">
+                <a:effectLst/>
+              </a:rPr>
+              <a:t>se the Microsoft Semantic Kernel with Azure OpenAI to create a </a:t>
+            </a:r>
+            <a:r>
+              <a:rPr lang="en-US" sz="2000" b="0" i="0" dirty="0" err="1">
+                <a:effectLst/>
+              </a:rPr>
+              <a:t>SemanticFunction</a:t>
+            </a:r>
+            <a:r>
+              <a:rPr lang="en-US" sz="2000" b="0" i="0" dirty="0">
+                <a:effectLst/>
+              </a:rPr>
+              <a:t> that will respond with the results of the user’s question</a:t>
             </a:r>
           </a:p>
         </p:txBody>
@@ -25023,7 +26648,7 @@
     </p:spTree>
     <p:extLst>
       <p:ext uri="{BB962C8B-B14F-4D97-AF65-F5344CB8AC3E}">
-        <p14:creationId xmlns:p14="http://schemas.microsoft.com/office/powerpoint/2010/main" val="2944877281"/>
+        <p14:creationId xmlns:p14="http://schemas.microsoft.com/office/powerpoint/2010/main" val="2643562220"/>
       </p:ext>
     </p:extLst>
   </p:cSld>
@@ -25233,6 +26858,293 @@
 </file>
 
 <file path=ppt/slides/slide20.xml><?xml version="1.0" encoding="utf-8"?>
+<p:sld xmlns:a="http://schemas.openxmlformats.org/drawingml/2006/main" xmlns:r="http://schemas.openxmlformats.org/officeDocument/2006/relationships" xmlns:p="http://schemas.openxmlformats.org/presentationml/2006/main">
+  <p:cSld>
+    <p:spTree>
+      <p:nvGrpSpPr>
+        <p:cNvPr id="1" name=""/>
+        <p:cNvGrpSpPr/>
+        <p:nvPr/>
+      </p:nvGrpSpPr>
+      <p:grpSpPr>
+        <a:xfrm>
+          <a:off x="0" y="0"/>
+          <a:ext cx="0" cy="0"/>
+          <a:chOff x="0" y="0"/>
+          <a:chExt cx="0" cy="0"/>
+        </a:xfrm>
+      </p:grpSpPr>
+      <p:sp>
+        <p:nvSpPr>
+          <p:cNvPr id="2" name="Title 1">
+            <a:extLst>
+              <a:ext uri="{FF2B5EF4-FFF2-40B4-BE49-F238E27FC236}">
+                <a16:creationId xmlns:a16="http://schemas.microsoft.com/office/drawing/2014/main" id="{69D2623F-0629-4017-9AFA-1E52CD042452}"/>
+              </a:ext>
+            </a:extLst>
+          </p:cNvPr>
+          <p:cNvSpPr>
+            <a:spLocks noGrp="1"/>
+          </p:cNvSpPr>
+          <p:nvPr>
+            <p:ph type="title"/>
+          </p:nvPr>
+        </p:nvSpPr>
+        <p:spPr>
+          <a:xfrm>
+            <a:off x="584200" y="209440"/>
+            <a:ext cx="7440582" cy="495520"/>
+          </a:xfrm>
+        </p:spPr>
+        <p:txBody>
+          <a:bodyPr/>
+          <a:lstStyle/>
+          <a:p>
+            <a:r>
+              <a:rPr lang="en-US" dirty="0"/>
+              <a:t>Challenge 5: Home Improvement: AI Edition</a:t>
+            </a:r>
+          </a:p>
+        </p:txBody>
+      </p:sp>
+      <p:sp>
+        <p:nvSpPr>
+          <p:cNvPr id="4" name="TextBox 3">
+            <a:extLst>
+              <a:ext uri="{FF2B5EF4-FFF2-40B4-BE49-F238E27FC236}">
+                <a16:creationId xmlns:a16="http://schemas.microsoft.com/office/drawing/2014/main" id="{3B0099AB-0385-4248-B70E-F201157859DD}"/>
+              </a:ext>
+            </a:extLst>
+          </p:cNvPr>
+          <p:cNvSpPr txBox="1"/>
+          <p:nvPr/>
+        </p:nvSpPr>
+        <p:spPr>
+          <a:xfrm>
+            <a:off x="584200" y="1396137"/>
+            <a:ext cx="11036300" cy="1938992"/>
+          </a:xfrm>
+          <a:prstGeom prst="rect">
+            <a:avLst/>
+          </a:prstGeom>
+          <a:noFill/>
+        </p:spPr>
+        <p:txBody>
+          <a:bodyPr wrap="square">
+            <a:spAutoFit/>
+          </a:bodyPr>
+          <a:lstStyle/>
+          <a:p>
+            <a:pPr algn="l" rtl="0" fontAlgn="base"/>
+            <a:r>
+              <a:rPr lang="en-US" sz="2000" b="0" i="0" dirty="0">
+                <a:effectLst/>
+              </a:rPr>
+              <a:t>In this challenge,</a:t>
+            </a:r>
+            <a:r>
+              <a:rPr lang="en-US" sz="2000" dirty="0"/>
+              <a:t> participants</a:t>
+            </a:r>
+            <a:r>
+              <a:rPr lang="en-US" sz="2000" b="0" i="0" dirty="0">
+                <a:effectLst/>
+              </a:rPr>
+              <a:t> will </a:t>
+            </a:r>
+            <a:r>
+              <a:rPr lang="en-US" sz="2000" dirty="0"/>
+              <a:t>i</a:t>
+            </a:r>
+            <a:r>
+              <a:rPr lang="en-US" sz="2000" b="0" i="0" dirty="0">
+                <a:effectLst/>
+              </a:rPr>
+              <a:t>mprove the prompt text to reduce any dependency on the model's parametric knowledge and improve the handling of numeric computations.</a:t>
+            </a:r>
+          </a:p>
+          <a:p>
+            <a:pPr algn="l" rtl="0" fontAlgn="base"/>
+            <a:endParaRPr lang="en-US" sz="2000" b="0" i="0" dirty="0">
+              <a:effectLst/>
+            </a:endParaRPr>
+          </a:p>
+          <a:p>
+            <a:pPr algn="l" rtl="0" fontAlgn="base"/>
+            <a:r>
+              <a:rPr lang="en-US" sz="2000" b="1" i="0" dirty="0">
+                <a:effectLst/>
+              </a:rPr>
+              <a:t>Learning objectives: </a:t>
+            </a:r>
+          </a:p>
+          <a:p>
+            <a:pPr algn="l" rtl="0" fontAlgn="base"/>
+            <a:endParaRPr lang="en-US" sz="2000" b="0" i="0" dirty="0">
+              <a:effectLst/>
+            </a:endParaRPr>
+          </a:p>
+          <a:p>
+            <a:pPr marL="342900" indent="-342900" algn="l" rtl="0" fontAlgn="base">
+              <a:buFont typeface="Arial" panose="020B0604020202020204" pitchFamily="34" charset="0"/>
+              <a:buChar char="•"/>
+            </a:pPr>
+            <a:r>
+              <a:rPr lang="en-US" sz="2000" b="0" i="0" dirty="0">
+                <a:effectLst/>
+              </a:rPr>
+              <a:t>TBD</a:t>
+            </a:r>
+          </a:p>
+        </p:txBody>
+      </p:sp>
+    </p:spTree>
+    <p:extLst>
+      <p:ext uri="{BB962C8B-B14F-4D97-AF65-F5344CB8AC3E}">
+        <p14:creationId xmlns:p14="http://schemas.microsoft.com/office/powerpoint/2010/main" val="4248767057"/>
+      </p:ext>
+    </p:extLst>
+  </p:cSld>
+  <p:clrMapOvr>
+    <a:masterClrMapping/>
+  </p:clrMapOvr>
+  <p:transition>
+    <p:fade/>
+  </p:transition>
+</p:sld>
+</file>
+
+<file path=ppt/slides/slide21.xml><?xml version="1.0" encoding="utf-8"?>
+<p:sld xmlns:a="http://schemas.openxmlformats.org/drawingml/2006/main" xmlns:r="http://schemas.openxmlformats.org/officeDocument/2006/relationships" xmlns:p="http://schemas.openxmlformats.org/presentationml/2006/main">
+  <p:cSld>
+    <p:spTree>
+      <p:nvGrpSpPr>
+        <p:cNvPr id="1" name=""/>
+        <p:cNvGrpSpPr/>
+        <p:nvPr/>
+      </p:nvGrpSpPr>
+      <p:grpSpPr>
+        <a:xfrm>
+          <a:off x="0" y="0"/>
+          <a:ext cx="0" cy="0"/>
+          <a:chOff x="0" y="0"/>
+          <a:chExt cx="0" cy="0"/>
+        </a:xfrm>
+      </p:grpSpPr>
+      <p:sp>
+        <p:nvSpPr>
+          <p:cNvPr id="16" name="Title 15">
+            <a:extLst>
+              <a:ext uri="{FF2B5EF4-FFF2-40B4-BE49-F238E27FC236}">
+                <a16:creationId xmlns:a16="http://schemas.microsoft.com/office/drawing/2014/main" id="{593510F3-A491-4515-B369-8F8B55D118FA}"/>
+              </a:ext>
+            </a:extLst>
+          </p:cNvPr>
+          <p:cNvSpPr>
+            <a:spLocks noGrp="1"/>
+          </p:cNvSpPr>
+          <p:nvPr>
+            <p:ph type="title"/>
+          </p:nvPr>
+        </p:nvSpPr>
+        <p:spPr>
+          <a:xfrm>
+            <a:off x="369047" y="2640668"/>
+            <a:ext cx="4052346" cy="495520"/>
+          </a:xfrm>
+        </p:spPr>
+        <p:txBody>
+          <a:bodyPr/>
+          <a:lstStyle/>
+          <a:p>
+            <a:r>
+              <a:rPr lang="en-US"/>
+              <a:t>Coach solutions folder</a:t>
+            </a:r>
+          </a:p>
+        </p:txBody>
+      </p:sp>
+      <p:sp>
+        <p:nvSpPr>
+          <p:cNvPr id="17" name="Title 15">
+            <a:extLst>
+              <a:ext uri="{FF2B5EF4-FFF2-40B4-BE49-F238E27FC236}">
+                <a16:creationId xmlns:a16="http://schemas.microsoft.com/office/drawing/2014/main" id="{BC7B19C1-225B-4AE6-9F94-8D3BCE539746}"/>
+              </a:ext>
+            </a:extLst>
+          </p:cNvPr>
+          <p:cNvSpPr txBox="1">
+            <a:spLocks/>
+          </p:cNvSpPr>
+          <p:nvPr/>
+        </p:nvSpPr>
+        <p:spPr>
+          <a:xfrm>
+            <a:off x="369046" y="3181240"/>
+            <a:ext cx="7734429" cy="495520"/>
+          </a:xfrm>
+          <a:prstGeom prst="rect">
+            <a:avLst/>
+          </a:prstGeom>
+        </p:spPr>
+        <p:txBody>
+          <a:bodyPr vert="horz" wrap="square" lIns="0" tIns="64008" rIns="0" bIns="0" rtlCol="0" anchor="t">
+            <a:spAutoFit/>
+          </a:bodyPr>
+          <a:lstStyle>
+            <a:lvl1pPr algn="l" defTabSz="932742" rtl="0" eaLnBrk="1" latinLnBrk="0" hangingPunct="1">
+              <a:lnSpc>
+                <a:spcPct val="100000"/>
+              </a:lnSpc>
+              <a:spcBef>
+                <a:spcPct val="0"/>
+              </a:spcBef>
+              <a:buNone/>
+              <a:defRPr lang="en-US" sz="2800" b="0" kern="1200" cap="none" spc="0" baseline="0">
+                <a:ln w="3175">
+                  <a:noFill/>
+                </a:ln>
+                <a:solidFill>
+                  <a:schemeClr val="tx1"/>
+                </a:solidFill>
+                <a:effectLst/>
+                <a:latin typeface="+mj-lt"/>
+                <a:ea typeface="+mn-ea"/>
+                <a:cs typeface="Segoe UI" panose="020B0502040204020203" pitchFamily="34" charset="0"/>
+              </a:defRPr>
+            </a:lvl1pPr>
+          </a:lstStyle>
+          <a:p>
+            <a:r>
+              <a:rPr lang="en-US" dirty="0">
+                <a:hlinkClick r:id="rId2"/>
+              </a:rPr>
+              <a:t>https://aka.ms/</a:t>
+            </a:r>
+            <a:r>
+              <a:rPr lang="en-US" dirty="0"/>
+              <a:t>TBD</a:t>
+            </a:r>
+          </a:p>
+        </p:txBody>
+      </p:sp>
+    </p:spTree>
+    <p:extLst>
+      <p:ext uri="{BB962C8B-B14F-4D97-AF65-F5344CB8AC3E}">
+        <p14:creationId xmlns:p14="http://schemas.microsoft.com/office/powerpoint/2010/main" val="2944877281"/>
+      </p:ext>
+    </p:extLst>
+  </p:cSld>
+  <p:clrMapOvr>
+    <a:masterClrMapping/>
+  </p:clrMapOvr>
+  <p:transition>
+    <p:fade/>
+  </p:transition>
+</p:sld>
+</file>
+
+<file path=ppt/slides/slide22.xml><?xml version="1.0" encoding="utf-8"?>
 <p:sld xmlns:a="http://schemas.openxmlformats.org/drawingml/2006/main" xmlns:r="http://schemas.openxmlformats.org/officeDocument/2006/relationships" xmlns:p="http://schemas.openxmlformats.org/presentationml/2006/main">
   <p:cSld>
     <p:spTree>
@@ -25794,8 +27706,8 @@
         </p:nvSpPr>
         <p:spPr>
           <a:xfrm>
-            <a:off x="586390" y="1434370"/>
-            <a:ext cx="11018520" cy="4875181"/>
+            <a:off x="586740" y="1212533"/>
+            <a:ext cx="11018520" cy="5244513"/>
           </a:xfrm>
         </p:spPr>
         <p:txBody>
@@ -25813,7 +27725,7 @@
           <a:p>
             <a:r>
               <a:rPr lang="en-US" sz="2400" dirty="0"/>
-              <a:t>Transaction data is replicated across multiple geographic regions for both reads and writes, while maintaining consistency. Updates are made efficiently with the patch operation.</a:t>
+              <a:t>Transaction data is replicated across multiple geographic regions for both reads and writes, while maintaining consistency. Updates are made efficiently with the patch operation with ACID guarantees, an important feature when dealing with payments.</a:t>
             </a:r>
           </a:p>
           <a:p>
@@ -25849,6 +27761,11 @@
   <p:transition>
     <p:fade/>
   </p:transition>
+  <p:extLst>
+    <p:ext uri="{6950BFC3-D8DA-4A85-94F7-54DA5524770B}">
+      <p188:commentRel xmlns:p188="http://schemas.microsoft.com/office/powerpoint/2018/8/main" r:id="rId3"/>
+    </p:ext>
+  </p:extLst>
 </p:sld>
 </file>
 
@@ -25871,22 +27788,20 @@
       </p:grpSpPr>
       <p:sp>
         <p:nvSpPr>
-          <p:cNvPr id="112" name="Rectangle 111">
+          <p:cNvPr id="192" name="Rectangle 191">
             <a:extLst>
               <a:ext uri="{FF2B5EF4-FFF2-40B4-BE49-F238E27FC236}">
-                <a16:creationId xmlns:a16="http://schemas.microsoft.com/office/drawing/2014/main" id="{ECE41535-39F8-99B1-8730-09E4C1248118}"/>
+                <a16:creationId xmlns:a16="http://schemas.microsoft.com/office/drawing/2014/main" id="{F21AA5CD-112A-7DF6-D8C6-779669711C9A}"/>
               </a:ext>
             </a:extLst>
           </p:cNvPr>
-          <p:cNvSpPr>
-            <a:spLocks noGrp="1" noRot="1" noMove="1" noResize="1" noEditPoints="1" noAdjustHandles="1" noChangeArrowheads="1" noChangeShapeType="1"/>
-          </p:cNvSpPr>
+          <p:cNvSpPr/>
           <p:nvPr/>
         </p:nvSpPr>
         <p:spPr bwMode="auto">
           <a:xfrm>
-            <a:off x="1151467" y="939800"/>
-            <a:ext cx="9781727" cy="5545667"/>
+            <a:off x="0" y="1013708"/>
+            <a:ext cx="12192000" cy="5357004"/>
           </a:xfrm>
           <a:prstGeom prst="rect">
             <a:avLst/>
@@ -25944,2317 +27859,6 @@
       </p:sp>
       <p:sp>
         <p:nvSpPr>
-          <p:cNvPr id="32" name="Rectangle 31">
-            <a:extLst>
-              <a:ext uri="{FF2B5EF4-FFF2-40B4-BE49-F238E27FC236}">
-                <a16:creationId xmlns:a16="http://schemas.microsoft.com/office/drawing/2014/main" id="{B7751F52-D472-B867-C503-1CA989DD2989}"/>
-              </a:ext>
-            </a:extLst>
-          </p:cNvPr>
-          <p:cNvSpPr/>
-          <p:nvPr/>
-        </p:nvSpPr>
-        <p:spPr bwMode="auto">
-          <a:xfrm>
-            <a:off x="5442080" y="2473960"/>
-            <a:ext cx="958720" cy="2057402"/>
-          </a:xfrm>
-          <a:prstGeom prst="rect">
-            <a:avLst/>
-          </a:prstGeom>
-          <a:solidFill>
-            <a:schemeClr val="tx1">
-              <a:lumMod val="95000"/>
-            </a:schemeClr>
-          </a:solidFill>
-          <a:ln>
-            <a:noFill/>
-            <a:headEnd type="none" w="med" len="med"/>
-            <a:tailEnd type="none" w="med" len="med"/>
-          </a:ln>
-          <a:effectLst/>
-        </p:spPr>
-        <p:style>
-          <a:lnRef idx="1">
-            <a:schemeClr val="accent2"/>
-          </a:lnRef>
-          <a:fillRef idx="3">
-            <a:schemeClr val="accent2"/>
-          </a:fillRef>
-          <a:effectRef idx="2">
-            <a:schemeClr val="accent2"/>
-          </a:effectRef>
-          <a:fontRef idx="minor">
-            <a:schemeClr val="lt1"/>
-          </a:fontRef>
-        </p:style>
-        <p:txBody>
-          <a:bodyPr rot="0" spcFirstLastPara="0" vertOverflow="overflow" horzOverflow="overflow" vert="horz" wrap="square" lIns="182880" tIns="146304" rIns="182880" bIns="146304" numCol="1" spcCol="0" rtlCol="0" fromWordArt="0" anchor="t" anchorCtr="0" forceAA="0" compatLnSpc="1">
-            <a:prstTxWarp prst="textNoShape">
-              <a:avLst/>
-            </a:prstTxWarp>
-            <a:noAutofit/>
-          </a:bodyPr>
-          <a:lstStyle/>
-          <a:p>
-            <a:pPr algn="l" defTabSz="932472" fontAlgn="base">
-              <a:spcBef>
-                <a:spcPct val="0"/>
-              </a:spcBef>
-              <a:spcAft>
-                <a:spcPct val="0"/>
-              </a:spcAft>
-            </a:pPr>
-            <a:endParaRPr lang="en-US" sz="2000" dirty="0" err="1">
-              <a:solidFill>
-                <a:srgbClr val="000000"/>
-              </a:solidFill>
-              <a:ea typeface="Segoe UI" pitchFamily="34" charset="0"/>
-              <a:cs typeface="Segoe UI" pitchFamily="34" charset="0"/>
-            </a:endParaRPr>
-          </a:p>
-        </p:txBody>
-      </p:sp>
-      <p:grpSp>
-        <p:nvGrpSpPr>
-          <p:cNvPr id="224" name="Group 223">
-            <a:extLst>
-              <a:ext uri="{FF2B5EF4-FFF2-40B4-BE49-F238E27FC236}">
-                <a16:creationId xmlns:a16="http://schemas.microsoft.com/office/drawing/2014/main" id="{42D2B3C6-3B92-0BD7-8C53-9D3944B4AFF0}"/>
-              </a:ext>
-            </a:extLst>
-          </p:cNvPr>
-          <p:cNvGrpSpPr/>
-          <p:nvPr/>
-        </p:nvGrpSpPr>
-        <p:grpSpPr>
-          <a:xfrm>
-            <a:off x="2272358" y="1161942"/>
-            <a:ext cx="7467760" cy="4534115"/>
-            <a:chOff x="2759407" y="1241136"/>
-            <a:chExt cx="7386335" cy="4999845"/>
-          </a:xfrm>
-          <a:noFill/>
-        </p:grpSpPr>
-        <p:sp>
-          <p:nvSpPr>
-            <p:cNvPr id="225" name="Rectangle: Rounded Corners 224">
-              <a:extLst>
-                <a:ext uri="{FF2B5EF4-FFF2-40B4-BE49-F238E27FC236}">
-                  <a16:creationId xmlns:a16="http://schemas.microsoft.com/office/drawing/2014/main" id="{A1033CD5-33A5-0D25-563E-F66BDDE7C19A}"/>
-                </a:ext>
-              </a:extLst>
-            </p:cNvPr>
-            <p:cNvSpPr/>
-            <p:nvPr/>
-          </p:nvSpPr>
-          <p:spPr>
-            <a:xfrm>
-              <a:off x="2759407" y="1241136"/>
-              <a:ext cx="7386335" cy="4999845"/>
-            </a:xfrm>
-            <a:prstGeom prst="roundRect">
-              <a:avLst>
-                <a:gd name="adj" fmla="val 1749"/>
-              </a:avLst>
-            </a:prstGeom>
-            <a:grpFill/>
-            <a:ln w="19050" cap="flat" cmpd="sng" algn="ctr">
-              <a:solidFill>
-                <a:srgbClr val="38C0F0"/>
-              </a:solidFill>
-              <a:prstDash val="dash"/>
-              <a:miter lim="800000"/>
-            </a:ln>
-            <a:effectLst/>
-          </p:spPr>
-          <p:txBody>
-            <a:bodyPr rtlCol="0" anchor="ctr"/>
-            <a:lstStyle/>
-            <a:p>
-              <a:pPr marL="0" marR="0" lvl="0" indent="0" algn="ctr" defTabSz="914400" eaLnBrk="1" fontAlgn="auto" latinLnBrk="0" hangingPunct="1">
-                <a:lnSpc>
-                  <a:spcPct val="80000"/>
-                </a:lnSpc>
-                <a:spcBef>
-                  <a:spcPts val="0"/>
-                </a:spcBef>
-                <a:spcAft>
-                  <a:spcPts val="0"/>
-                </a:spcAft>
-                <a:buClrTx/>
-                <a:buSzTx/>
-                <a:buFontTx/>
-                <a:buNone/>
-                <a:tabLst/>
-                <a:defRPr/>
-              </a:pPr>
-              <a:endParaRPr kumimoji="0" lang="en-US" sz="1400" b="0" i="0" u="none" strike="noStrike" kern="0" cap="none" spc="0" normalizeH="0" baseline="0" noProof="0">
-                <a:ln>
-                  <a:noFill/>
-                </a:ln>
-                <a:solidFill>
-                  <a:prstClr val="black">
-                    <a:lumMod val="75000"/>
-                  </a:prstClr>
-                </a:solidFill>
-                <a:effectLst/>
-                <a:highlight>
-                  <a:srgbClr val="E7F3F5"/>
-                </a:highlight>
-                <a:uLnTx/>
-                <a:uFillTx/>
-                <a:latin typeface="Segoe UI Light" panose="020B0502040204020203" pitchFamily="34" charset="0"/>
-                <a:ea typeface="+mn-ea"/>
-                <a:cs typeface="Segoe UI Light" panose="020B0502040204020203" pitchFamily="34" charset="0"/>
-              </a:endParaRPr>
-            </a:p>
-          </p:txBody>
-        </p:sp>
-        <p:pic>
-          <p:nvPicPr>
-            <p:cNvPr id="226" name="Picture 2" descr="See the source image">
-              <a:extLst>
-                <a:ext uri="{FF2B5EF4-FFF2-40B4-BE49-F238E27FC236}">
-                  <a16:creationId xmlns:a16="http://schemas.microsoft.com/office/drawing/2014/main" id="{68B3E51B-614F-E731-F25D-CB093BFC57FA}"/>
-                </a:ext>
-              </a:extLst>
-            </p:cNvPr>
-            <p:cNvPicPr>
-              <a:picLocks noChangeAspect="1" noChangeArrowheads="1"/>
-            </p:cNvPicPr>
-            <p:nvPr/>
-          </p:nvPicPr>
-          <p:blipFill>
-            <a:blip r:embed="rId3">
-              <a:extLst>
-                <a:ext uri="{28A0092B-C50C-407E-A947-70E740481C1C}">
-                  <a14:useLocalDpi xmlns:a14="http://schemas.microsoft.com/office/drawing/2010/main" val="0"/>
-                </a:ext>
-              </a:extLst>
-            </a:blip>
-            <a:srcRect/>
-            <a:stretch>
-              <a:fillRect/>
-            </a:stretch>
-          </p:blipFill>
-          <p:spPr bwMode="auto">
-            <a:xfrm>
-              <a:off x="2849716" y="1313834"/>
-              <a:ext cx="407676" cy="434719"/>
-            </a:xfrm>
-            <a:prstGeom prst="rect">
-              <a:avLst/>
-            </a:prstGeom>
-            <a:grpFill/>
-          </p:spPr>
-        </p:pic>
-      </p:grpSp>
-      <p:sp>
-        <p:nvSpPr>
-          <p:cNvPr id="37" name="Rectangle 36">
-            <a:extLst>
-              <a:ext uri="{FF2B5EF4-FFF2-40B4-BE49-F238E27FC236}">
-                <a16:creationId xmlns:a16="http://schemas.microsoft.com/office/drawing/2014/main" id="{7C496A1D-B5FA-74AB-658C-A6CC240EC97D}"/>
-              </a:ext>
-            </a:extLst>
-          </p:cNvPr>
-          <p:cNvSpPr/>
-          <p:nvPr/>
-        </p:nvSpPr>
-        <p:spPr bwMode="auto">
-          <a:xfrm>
-            <a:off x="2446269" y="3103315"/>
-            <a:ext cx="2148080" cy="1478845"/>
-          </a:xfrm>
-          <a:prstGeom prst="rect">
-            <a:avLst/>
-          </a:prstGeom>
-          <a:solidFill>
-            <a:schemeClr val="tx1"/>
-          </a:solidFill>
-          <a:ln>
-            <a:noFill/>
-            <a:headEnd type="none" w="med" len="med"/>
-            <a:tailEnd type="none" w="med" len="med"/>
-          </a:ln>
-          <a:effectLst/>
-        </p:spPr>
-        <p:style>
-          <a:lnRef idx="1">
-            <a:schemeClr val="accent2"/>
-          </a:lnRef>
-          <a:fillRef idx="3">
-            <a:schemeClr val="accent2"/>
-          </a:fillRef>
-          <a:effectRef idx="2">
-            <a:schemeClr val="accent2"/>
-          </a:effectRef>
-          <a:fontRef idx="minor">
-            <a:schemeClr val="lt1"/>
-          </a:fontRef>
-        </p:style>
-        <p:txBody>
-          <a:bodyPr rot="0" spcFirstLastPara="0" vertOverflow="overflow" horzOverflow="overflow" vert="horz" wrap="square" lIns="182880" tIns="146304" rIns="182880" bIns="146304" numCol="1" spcCol="0" rtlCol="0" fromWordArt="0" anchor="t" anchorCtr="0" forceAA="0" compatLnSpc="1">
-            <a:prstTxWarp prst="textNoShape">
-              <a:avLst/>
-            </a:prstTxWarp>
-            <a:noAutofit/>
-          </a:bodyPr>
-          <a:lstStyle/>
-          <a:p>
-            <a:pPr algn="l" defTabSz="932472" fontAlgn="base">
-              <a:spcBef>
-                <a:spcPct val="0"/>
-              </a:spcBef>
-              <a:spcAft>
-                <a:spcPct val="0"/>
-              </a:spcAft>
-            </a:pPr>
-            <a:endParaRPr lang="en-US" sz="2000" dirty="0" err="1">
-              <a:solidFill>
-                <a:srgbClr val="000000"/>
-              </a:solidFill>
-              <a:ea typeface="Segoe UI" pitchFamily="34" charset="0"/>
-              <a:cs typeface="Segoe UI" pitchFamily="34" charset="0"/>
-            </a:endParaRPr>
-          </a:p>
-        </p:txBody>
-      </p:sp>
-      <p:sp>
-        <p:nvSpPr>
-          <p:cNvPr id="237" name="Rectangle: Rounded Corners 236">
-            <a:extLst>
-              <a:ext uri="{FF2B5EF4-FFF2-40B4-BE49-F238E27FC236}">
-                <a16:creationId xmlns:a16="http://schemas.microsoft.com/office/drawing/2014/main" id="{C975B166-37DF-20C2-48C8-E8A9D74D767A}"/>
-              </a:ext>
-            </a:extLst>
-          </p:cNvPr>
-          <p:cNvSpPr/>
-          <p:nvPr/>
-        </p:nvSpPr>
-        <p:spPr>
-          <a:xfrm>
-            <a:off x="1353828" y="1151939"/>
-            <a:ext cx="820239" cy="4534115"/>
-          </a:xfrm>
-          <a:prstGeom prst="roundRect">
-            <a:avLst>
-              <a:gd name="adj" fmla="val 5446"/>
-            </a:avLst>
-          </a:prstGeom>
-          <a:solidFill>
-            <a:srgbClr val="5B9BD5">
-              <a:lumMod val="20000"/>
-              <a:lumOff val="80000"/>
-            </a:srgbClr>
-          </a:solidFill>
-          <a:ln w="12700" cap="flat" cmpd="sng" algn="ctr">
-            <a:noFill/>
-            <a:prstDash val="solid"/>
-            <a:miter lim="800000"/>
-          </a:ln>
-          <a:effectLst/>
-        </p:spPr>
-        <p:txBody>
-          <a:bodyPr lIns="90311" tIns="45156" rIns="90311" bIns="45156" rtlCol="0" anchor="ctr"/>
-          <a:lstStyle/>
-          <a:p>
-            <a:pPr marL="0" marR="0" lvl="0" indent="0" algn="ctr" defTabSz="914400" eaLnBrk="1" fontAlgn="auto" latinLnBrk="0" hangingPunct="1">
-              <a:lnSpc>
-                <a:spcPct val="80000"/>
-              </a:lnSpc>
-              <a:spcBef>
-                <a:spcPts val="0"/>
-              </a:spcBef>
-              <a:spcAft>
-                <a:spcPts val="0"/>
-              </a:spcAft>
-              <a:buClrTx/>
-              <a:buSzTx/>
-              <a:buFontTx/>
-              <a:buNone/>
-              <a:tabLst/>
-              <a:defRPr/>
-            </a:pPr>
-            <a:endParaRPr kumimoji="0" lang="en-US" sz="1600" b="0" i="0" u="none" strike="noStrike" kern="0" cap="none" spc="0" normalizeH="0" baseline="0" noProof="0" dirty="0">
-              <a:ln>
-                <a:noFill/>
-              </a:ln>
-              <a:solidFill>
-                <a:prstClr val="white"/>
-              </a:solidFill>
-              <a:effectLst/>
-              <a:uLnTx/>
-              <a:uFillTx/>
-              <a:latin typeface="Segoe UI Light" panose="020B0502040204020203" pitchFamily="34" charset="0"/>
-              <a:ea typeface="+mn-ea"/>
-              <a:cs typeface="Segoe UI Light" panose="020B0502040204020203" pitchFamily="34" charset="0"/>
-            </a:endParaRPr>
-          </a:p>
-        </p:txBody>
-      </p:sp>
-      <p:sp>
-        <p:nvSpPr>
-          <p:cNvPr id="238" name="TextBox 237">
-            <a:extLst>
-              <a:ext uri="{FF2B5EF4-FFF2-40B4-BE49-F238E27FC236}">
-                <a16:creationId xmlns:a16="http://schemas.microsoft.com/office/drawing/2014/main" id="{51A10BF3-C02E-01D9-F3E5-DD76E39C6346}"/>
-              </a:ext>
-            </a:extLst>
-          </p:cNvPr>
-          <p:cNvSpPr txBox="1"/>
-          <p:nvPr/>
-        </p:nvSpPr>
-        <p:spPr>
-          <a:xfrm>
-            <a:off x="1362057" y="1252985"/>
-            <a:ext cx="768409" cy="291238"/>
-          </a:xfrm>
-          <a:prstGeom prst="rect">
-            <a:avLst/>
-          </a:prstGeom>
-          <a:noFill/>
-        </p:spPr>
-        <p:txBody>
-          <a:bodyPr wrap="square" lIns="0" tIns="0" rIns="0" bIns="44581" rtlCol="0" anchor="t">
-            <a:spAutoFit/>
-          </a:bodyPr>
-          <a:lstStyle/>
-          <a:p>
-            <a:pPr algn="ctr">
-              <a:lnSpc>
-                <a:spcPct val="80000"/>
-              </a:lnSpc>
-              <a:defRPr/>
-            </a:pPr>
-            <a:r>
-              <a:rPr lang="en-US" sz="1000" b="1" dirty="0">
-                <a:solidFill>
-                  <a:prstClr val="black"/>
-                </a:solidFill>
-                <a:latin typeface="Segoe UI Light" panose="020B0502040204020203" pitchFamily="34" charset="0"/>
-                <a:cs typeface="Segoe UI Light" panose="020B0502040204020203" pitchFamily="34" charset="0"/>
-              </a:rPr>
-              <a:t>DATA SOURCES</a:t>
-            </a:r>
-          </a:p>
-        </p:txBody>
-      </p:sp>
-      <p:sp>
-        <p:nvSpPr>
-          <p:cNvPr id="250" name="Rectangle: Rounded Corners 249">
-            <a:extLst>
-              <a:ext uri="{FF2B5EF4-FFF2-40B4-BE49-F238E27FC236}">
-                <a16:creationId xmlns:a16="http://schemas.microsoft.com/office/drawing/2014/main" id="{9557A632-CBCD-CB1F-C623-DEF21630B315}"/>
-              </a:ext>
-            </a:extLst>
-          </p:cNvPr>
-          <p:cNvSpPr/>
-          <p:nvPr/>
-        </p:nvSpPr>
-        <p:spPr>
-          <a:xfrm>
-            <a:off x="9834114" y="1161642"/>
-            <a:ext cx="857144" cy="4534115"/>
-          </a:xfrm>
-          <a:prstGeom prst="roundRect">
-            <a:avLst>
-              <a:gd name="adj" fmla="val 5446"/>
-            </a:avLst>
-          </a:prstGeom>
-          <a:solidFill>
-            <a:srgbClr val="5B9BD5">
-              <a:lumMod val="20000"/>
-              <a:lumOff val="80000"/>
-            </a:srgbClr>
-          </a:solidFill>
-          <a:ln w="12700" cap="flat" cmpd="sng" algn="ctr">
-            <a:noFill/>
-            <a:prstDash val="solid"/>
-            <a:miter lim="800000"/>
-          </a:ln>
-          <a:effectLst/>
-        </p:spPr>
-        <p:txBody>
-          <a:bodyPr lIns="90311" tIns="45156" rIns="90311" bIns="45156" rtlCol="0" anchor="ctr"/>
-          <a:lstStyle/>
-          <a:p>
-            <a:pPr marL="0" marR="0" lvl="0" indent="0" algn="ctr" defTabSz="914400" eaLnBrk="1" fontAlgn="auto" latinLnBrk="0" hangingPunct="1">
-              <a:lnSpc>
-                <a:spcPct val="80000"/>
-              </a:lnSpc>
-              <a:spcBef>
-                <a:spcPts val="0"/>
-              </a:spcBef>
-              <a:spcAft>
-                <a:spcPts val="0"/>
-              </a:spcAft>
-              <a:buClrTx/>
-              <a:buSzTx/>
-              <a:buFontTx/>
-              <a:buNone/>
-              <a:tabLst/>
-              <a:defRPr/>
-            </a:pPr>
-            <a:endParaRPr kumimoji="0" lang="en-US" sz="1600" b="0" i="0" u="none" strike="noStrike" kern="0" cap="none" spc="0" normalizeH="0" baseline="0" noProof="0" dirty="0">
-              <a:ln>
-                <a:noFill/>
-              </a:ln>
-              <a:solidFill>
-                <a:prstClr val="white"/>
-              </a:solidFill>
-              <a:effectLst/>
-              <a:uLnTx/>
-              <a:uFillTx/>
-              <a:latin typeface="Segoe UI Light" panose="020B0502040204020203" pitchFamily="34" charset="0"/>
-              <a:ea typeface="+mn-ea"/>
-              <a:cs typeface="Segoe UI Light" panose="020B0502040204020203" pitchFamily="34" charset="0"/>
-            </a:endParaRPr>
-          </a:p>
-        </p:txBody>
-      </p:sp>
-      <p:sp>
-        <p:nvSpPr>
-          <p:cNvPr id="251" name="TextBox 250">
-            <a:extLst>
-              <a:ext uri="{FF2B5EF4-FFF2-40B4-BE49-F238E27FC236}">
-                <a16:creationId xmlns:a16="http://schemas.microsoft.com/office/drawing/2014/main" id="{B5B2B29D-04C6-B6AA-39F4-D5C2F6C91F58}"/>
-              </a:ext>
-            </a:extLst>
-          </p:cNvPr>
-          <p:cNvSpPr txBox="1"/>
-          <p:nvPr/>
-        </p:nvSpPr>
-        <p:spPr>
-          <a:xfrm>
-            <a:off x="9890333" y="1270621"/>
-            <a:ext cx="768409" cy="172680"/>
-          </a:xfrm>
-          <a:prstGeom prst="rect">
-            <a:avLst/>
-          </a:prstGeom>
-          <a:noFill/>
-        </p:spPr>
-        <p:txBody>
-          <a:bodyPr wrap="square" lIns="0" tIns="0" rIns="0" bIns="44581" rtlCol="0" anchor="t">
-            <a:spAutoFit/>
-          </a:bodyPr>
-          <a:lstStyle/>
-          <a:p>
-            <a:pPr algn="ctr">
-              <a:lnSpc>
-                <a:spcPct val="80000"/>
-              </a:lnSpc>
-              <a:defRPr/>
-            </a:pPr>
-            <a:r>
-              <a:rPr lang="en-US" sz="1000" b="1" dirty="0">
-                <a:solidFill>
-                  <a:prstClr val="black"/>
-                </a:solidFill>
-                <a:latin typeface="Segoe UI Light" panose="020B0502040204020203" pitchFamily="34" charset="0"/>
-                <a:cs typeface="Segoe UI Light" panose="020B0502040204020203" pitchFamily="34" charset="0"/>
-              </a:rPr>
-              <a:t>CONSUMERS</a:t>
-            </a:r>
-          </a:p>
-        </p:txBody>
-      </p:sp>
-      <p:grpSp>
-        <p:nvGrpSpPr>
-          <p:cNvPr id="252" name="Group 251">
-            <a:extLst>
-              <a:ext uri="{FF2B5EF4-FFF2-40B4-BE49-F238E27FC236}">
-                <a16:creationId xmlns:a16="http://schemas.microsoft.com/office/drawing/2014/main" id="{F5BF54BC-A735-511D-2A5A-1727C2ABE9F8}"/>
-              </a:ext>
-            </a:extLst>
-          </p:cNvPr>
-          <p:cNvGrpSpPr/>
-          <p:nvPr/>
-        </p:nvGrpSpPr>
-        <p:grpSpPr>
-          <a:xfrm>
-            <a:off x="10102823" y="3296359"/>
-            <a:ext cx="350292" cy="656937"/>
-            <a:chOff x="10323770" y="2273625"/>
-            <a:chExt cx="354670" cy="665149"/>
-          </a:xfrm>
-        </p:grpSpPr>
-        <p:sp>
-          <p:nvSpPr>
-            <p:cNvPr id="253" name="TextBox 252">
-              <a:extLst>
-                <a:ext uri="{FF2B5EF4-FFF2-40B4-BE49-F238E27FC236}">
-                  <a16:creationId xmlns:a16="http://schemas.microsoft.com/office/drawing/2014/main" id="{BDFB508F-52C9-B356-5E78-03A208728FB1}"/>
-                </a:ext>
-              </a:extLst>
-            </p:cNvPr>
-            <p:cNvSpPr txBox="1"/>
-            <p:nvPr/>
-          </p:nvSpPr>
-          <p:spPr>
-            <a:xfrm>
-              <a:off x="10339225" y="2668256"/>
-              <a:ext cx="339215" cy="270518"/>
-            </a:xfrm>
-            <a:prstGeom prst="rect">
-              <a:avLst/>
-            </a:prstGeom>
-            <a:noFill/>
-          </p:spPr>
-          <p:txBody>
-            <a:bodyPr wrap="none" lIns="0" tIns="0" rIns="0" bIns="45138" rtlCol="0">
-              <a:spAutoFit/>
-            </a:bodyPr>
-            <a:lstStyle/>
-            <a:p>
-              <a:pPr marL="0" marR="0" lvl="0" indent="0" defTabSz="914400" eaLnBrk="1" fontAlgn="auto" latinLnBrk="0" hangingPunct="1">
-                <a:lnSpc>
-                  <a:spcPct val="80000"/>
-                </a:lnSpc>
-                <a:spcBef>
-                  <a:spcPts val="0"/>
-                </a:spcBef>
-                <a:spcAft>
-                  <a:spcPts val="0"/>
-                </a:spcAft>
-                <a:buClrTx/>
-                <a:buSzTx/>
-                <a:buFontTx/>
-                <a:buNone/>
-                <a:tabLst/>
-                <a:defRPr/>
-              </a:pPr>
-              <a:r>
-                <a:rPr kumimoji="0" lang="en-US" sz="900" b="0" i="0" u="none" strike="noStrike" kern="0" cap="none" spc="0" normalizeH="0" baseline="0" noProof="0" dirty="0">
-                  <a:ln>
-                    <a:noFill/>
-                  </a:ln>
-                  <a:solidFill>
-                    <a:prstClr val="black"/>
-                  </a:solidFill>
-                  <a:effectLst/>
-                  <a:uLnTx/>
-                  <a:uFillTx/>
-                  <a:latin typeface="Segoe UI Light" panose="020B0502040204020203" pitchFamily="34" charset="0"/>
-                  <a:cs typeface="Segoe UI Light" panose="020B0502040204020203" pitchFamily="34" charset="0"/>
-                </a:rPr>
-                <a:t>Agents</a:t>
-              </a:r>
-            </a:p>
-            <a:p>
-              <a:pPr marL="0" marR="0" lvl="0" indent="0" defTabSz="914400" eaLnBrk="1" fontAlgn="auto" latinLnBrk="0" hangingPunct="1">
-                <a:lnSpc>
-                  <a:spcPct val="80000"/>
-                </a:lnSpc>
-                <a:spcBef>
-                  <a:spcPts val="0"/>
-                </a:spcBef>
-                <a:spcAft>
-                  <a:spcPts val="0"/>
-                </a:spcAft>
-                <a:buClrTx/>
-                <a:buSzTx/>
-                <a:buFontTx/>
-                <a:buNone/>
-                <a:tabLst/>
-                <a:defRPr/>
-              </a:pPr>
-              <a:endParaRPr kumimoji="0" lang="en-US" sz="900" b="0" i="0" u="none" strike="noStrike" kern="0" cap="none" spc="0" normalizeH="0" baseline="0" noProof="0" dirty="0">
-                <a:ln>
-                  <a:noFill/>
-                </a:ln>
-                <a:solidFill>
-                  <a:prstClr val="black"/>
-                </a:solidFill>
-                <a:effectLst/>
-                <a:uLnTx/>
-                <a:uFillTx/>
-                <a:latin typeface="Segoe UI Light" panose="020B0502040204020203" pitchFamily="34" charset="0"/>
-                <a:cs typeface="Segoe UI Light" panose="020B0502040204020203" pitchFamily="34" charset="0"/>
-              </a:endParaRPr>
-            </a:p>
-          </p:txBody>
-        </p:sp>
-        <p:grpSp>
-          <p:nvGrpSpPr>
-            <p:cNvPr id="254" name="Group 253">
-              <a:extLst>
-                <a:ext uri="{FF2B5EF4-FFF2-40B4-BE49-F238E27FC236}">
-                  <a16:creationId xmlns:a16="http://schemas.microsoft.com/office/drawing/2014/main" id="{156B64D9-F6F5-943F-00E8-5D0A81644FBC}"/>
-                </a:ext>
-              </a:extLst>
-            </p:cNvPr>
-            <p:cNvGrpSpPr/>
-            <p:nvPr/>
-          </p:nvGrpSpPr>
-          <p:grpSpPr>
-            <a:xfrm>
-              <a:off x="10323770" y="2273625"/>
-              <a:ext cx="341631" cy="298972"/>
-              <a:chOff x="10385106" y="1921164"/>
-              <a:chExt cx="341631" cy="298972"/>
-            </a:xfrm>
-          </p:grpSpPr>
-          <p:sp>
-            <p:nvSpPr>
-              <p:cNvPr id="255" name="Freeform: Shape 254">
-                <a:extLst>
-                  <a:ext uri="{FF2B5EF4-FFF2-40B4-BE49-F238E27FC236}">
-                    <a16:creationId xmlns:a16="http://schemas.microsoft.com/office/drawing/2014/main" id="{EB514881-FFC1-8862-B023-5B5A7008DDBE}"/>
-                  </a:ext>
-                </a:extLst>
-              </p:cNvPr>
-              <p:cNvSpPr/>
-              <p:nvPr/>
-            </p:nvSpPr>
-            <p:spPr>
-              <a:xfrm>
-                <a:off x="10385106" y="2001742"/>
-                <a:ext cx="132555" cy="92387"/>
-              </a:xfrm>
-              <a:custGeom>
-                <a:avLst/>
-                <a:gdLst>
-                  <a:gd name="connsiteX0" fmla="*/ 100750 w 142754"/>
-                  <a:gd name="connsiteY0" fmla="*/ 99972 h 99495"/>
-                  <a:gd name="connsiteX1" fmla="*/ 0 w 142754"/>
-                  <a:gd name="connsiteY1" fmla="*/ 99972 h 99495"/>
-                  <a:gd name="connsiteX2" fmla="*/ 0 w 142754"/>
-                  <a:gd name="connsiteY2" fmla="*/ 87556 h 99495"/>
-                  <a:gd name="connsiteX3" fmla="*/ 68825 w 142754"/>
-                  <a:gd name="connsiteY3" fmla="*/ 0 h 99495"/>
-                  <a:gd name="connsiteX4" fmla="*/ 117578 w 142754"/>
-                  <a:gd name="connsiteY4" fmla="*/ 0 h 99495"/>
-                  <a:gd name="connsiteX5" fmla="*/ 146388 w 142754"/>
-                  <a:gd name="connsiteY5" fmla="*/ 12675 h 99495"/>
-                </a:gdLst>
-                <a:ahLst/>
-                <a:cxnLst>
-                  <a:cxn ang="0">
-                    <a:pos x="connsiteX0" y="connsiteY0"/>
-                  </a:cxn>
-                  <a:cxn ang="0">
-                    <a:pos x="connsiteX1" y="connsiteY1"/>
-                  </a:cxn>
-                  <a:cxn ang="0">
-                    <a:pos x="connsiteX2" y="connsiteY2"/>
-                  </a:cxn>
-                  <a:cxn ang="0">
-                    <a:pos x="connsiteX3" y="connsiteY3"/>
-                  </a:cxn>
-                  <a:cxn ang="0">
-                    <a:pos x="connsiteX4" y="connsiteY4"/>
-                  </a:cxn>
-                  <a:cxn ang="0">
-                    <a:pos x="connsiteX5" y="connsiteY5"/>
-                  </a:cxn>
-                </a:cxnLst>
-                <a:rect l="l" t="t" r="r" b="b"/>
-                <a:pathLst>
-                  <a:path w="142754" h="99495">
-                    <a:moveTo>
-                      <a:pt x="100750" y="99972"/>
-                    </a:moveTo>
-                    <a:lnTo>
-                      <a:pt x="0" y="99972"/>
-                    </a:lnTo>
-                    <a:lnTo>
-                      <a:pt x="0" y="87556"/>
-                    </a:lnTo>
-                    <a:cubicBezTo>
-                      <a:pt x="95" y="46022"/>
-                      <a:pt x="28489" y="9901"/>
-                      <a:pt x="68825" y="0"/>
-                    </a:cubicBezTo>
-                    <a:cubicBezTo>
-                      <a:pt x="84030" y="8246"/>
-                      <a:pt x="102373" y="8246"/>
-                      <a:pt x="117578" y="0"/>
-                    </a:cubicBezTo>
-                    <a:cubicBezTo>
-                      <a:pt x="127852" y="2498"/>
-                      <a:pt x="137605" y="6788"/>
-                      <a:pt x="146388" y="12675"/>
-                    </a:cubicBezTo>
-                  </a:path>
-                </a:pathLst>
-              </a:custGeom>
-              <a:noFill/>
-              <a:ln w="25400" cap="flat">
-                <a:solidFill>
-                  <a:sysClr val="windowText" lastClr="000000"/>
-                </a:solidFill>
-                <a:prstDash val="solid"/>
-                <a:round/>
-              </a:ln>
-            </p:spPr>
-            <p:txBody>
-              <a:bodyPr rtlCol="0" anchor="ctr"/>
-              <a:lstStyle/>
-              <a:p>
-                <a:pPr marL="0" marR="0" lvl="0" indent="0" defTabSz="914400" eaLnBrk="1" fontAlgn="auto" latinLnBrk="0" hangingPunct="1">
-                  <a:lnSpc>
-                    <a:spcPct val="80000"/>
-                  </a:lnSpc>
-                  <a:spcBef>
-                    <a:spcPts val="0"/>
-                  </a:spcBef>
-                  <a:spcAft>
-                    <a:spcPts val="0"/>
-                  </a:spcAft>
-                  <a:buClrTx/>
-                  <a:buSzTx/>
-                  <a:buFontTx/>
-                  <a:buNone/>
-                  <a:tabLst/>
-                  <a:defRPr/>
-                </a:pPr>
-                <a:endParaRPr kumimoji="0" lang="en-AU" sz="1400" b="0" i="0" u="none" strike="noStrike" kern="0" cap="none" spc="0" normalizeH="0" baseline="0" noProof="0">
-                  <a:ln>
-                    <a:noFill/>
-                  </a:ln>
-                  <a:solidFill>
-                    <a:prstClr val="black"/>
-                  </a:solidFill>
-                  <a:effectLst/>
-                  <a:uLnTx/>
-                  <a:uFillTx/>
-                  <a:latin typeface="Segoe UI Light" panose="020B0502040204020203" pitchFamily="34" charset="0"/>
-                  <a:cs typeface="Segoe UI Light" panose="020B0502040204020203" pitchFamily="34" charset="0"/>
-                </a:endParaRPr>
-              </a:p>
-            </p:txBody>
-          </p:sp>
-          <p:sp>
-            <p:nvSpPr>
-              <p:cNvPr id="256" name="Freeform: Shape 255">
-                <a:extLst>
-                  <a:ext uri="{FF2B5EF4-FFF2-40B4-BE49-F238E27FC236}">
-                    <a16:creationId xmlns:a16="http://schemas.microsoft.com/office/drawing/2014/main" id="{2D1E6F64-D2B9-4740-B1FE-7C2360CE2681}"/>
-                  </a:ext>
-                </a:extLst>
-              </p:cNvPr>
-              <p:cNvSpPr/>
-              <p:nvPr/>
-            </p:nvSpPr>
-            <p:spPr>
-              <a:xfrm>
-                <a:off x="10428459" y="1921164"/>
-                <a:ext cx="84353" cy="84353"/>
-              </a:xfrm>
-              <a:custGeom>
-                <a:avLst/>
-                <a:gdLst>
-                  <a:gd name="connsiteX0" fmla="*/ 68769 w 90843"/>
-                  <a:gd name="connsiteY0" fmla="*/ 86995 h 90843"/>
-                  <a:gd name="connsiteX1" fmla="*/ 86995 w 90843"/>
-                  <a:gd name="connsiteY1" fmla="*/ 23996 h 90843"/>
-                  <a:gd name="connsiteX2" fmla="*/ 23996 w 90843"/>
-                  <a:gd name="connsiteY2" fmla="*/ 5770 h 90843"/>
-                  <a:gd name="connsiteX3" fmla="*/ 5770 w 90843"/>
-                  <a:gd name="connsiteY3" fmla="*/ 68769 h 90843"/>
-                  <a:gd name="connsiteX4" fmla="*/ 23996 w 90843"/>
-                  <a:gd name="connsiteY4" fmla="*/ 86995 h 90843"/>
-                  <a:gd name="connsiteX5" fmla="*/ 68769 w 90843"/>
-                  <a:gd name="connsiteY5" fmla="*/ 86995 h 90843"/>
-                </a:gdLst>
-                <a:ahLst/>
-                <a:cxnLst>
-                  <a:cxn ang="0">
-                    <a:pos x="connsiteX0" y="connsiteY0"/>
-                  </a:cxn>
-                  <a:cxn ang="0">
-                    <a:pos x="connsiteX1" y="connsiteY1"/>
-                  </a:cxn>
-                  <a:cxn ang="0">
-                    <a:pos x="connsiteX2" y="connsiteY2"/>
-                  </a:cxn>
-                  <a:cxn ang="0">
-                    <a:pos x="connsiteX3" y="connsiteY3"/>
-                  </a:cxn>
-                  <a:cxn ang="0">
-                    <a:pos x="connsiteX4" y="connsiteY4"/>
-                  </a:cxn>
-                  <a:cxn ang="0">
-                    <a:pos x="connsiteX5" y="connsiteY5"/>
-                  </a:cxn>
-                </a:cxnLst>
-                <a:rect l="l" t="t" r="r" b="b"/>
-                <a:pathLst>
-                  <a:path w="90843" h="90843">
-                    <a:moveTo>
-                      <a:pt x="68769" y="86995"/>
-                    </a:moveTo>
-                    <a:cubicBezTo>
-                      <a:pt x="91198" y="74631"/>
-                      <a:pt x="99358" y="46425"/>
-                      <a:pt x="86995" y="23996"/>
-                    </a:cubicBezTo>
-                    <a:cubicBezTo>
-                      <a:pt x="74631" y="1566"/>
-                      <a:pt x="46425" y="-6594"/>
-                      <a:pt x="23996" y="5770"/>
-                    </a:cubicBezTo>
-                    <a:cubicBezTo>
-                      <a:pt x="1566" y="18134"/>
-                      <a:pt x="-6594" y="46339"/>
-                      <a:pt x="5770" y="68769"/>
-                    </a:cubicBezTo>
-                    <a:cubicBezTo>
-                      <a:pt x="10001" y="76444"/>
-                      <a:pt x="16320" y="82764"/>
-                      <a:pt x="23996" y="86995"/>
-                    </a:cubicBezTo>
-                    <a:cubicBezTo>
-                      <a:pt x="37948" y="94611"/>
-                      <a:pt x="54816" y="94611"/>
-                      <a:pt x="68769" y="86995"/>
-                    </a:cubicBezTo>
-                  </a:path>
-                </a:pathLst>
-              </a:custGeom>
-              <a:noFill/>
-              <a:ln w="25400" cap="flat">
-                <a:solidFill>
-                  <a:sysClr val="windowText" lastClr="000000"/>
-                </a:solidFill>
-                <a:prstDash val="solid"/>
-                <a:round/>
-              </a:ln>
-            </p:spPr>
-            <p:txBody>
-              <a:bodyPr rtlCol="0" anchor="ctr"/>
-              <a:lstStyle/>
-              <a:p>
-                <a:pPr marL="0" marR="0" lvl="0" indent="0" defTabSz="914400" eaLnBrk="1" fontAlgn="auto" latinLnBrk="0" hangingPunct="1">
-                  <a:lnSpc>
-                    <a:spcPct val="80000"/>
-                  </a:lnSpc>
-                  <a:spcBef>
-                    <a:spcPts val="0"/>
-                  </a:spcBef>
-                  <a:spcAft>
-                    <a:spcPts val="0"/>
-                  </a:spcAft>
-                  <a:buClrTx/>
-                  <a:buSzTx/>
-                  <a:buFontTx/>
-                  <a:buNone/>
-                  <a:tabLst/>
-                  <a:defRPr/>
-                </a:pPr>
-                <a:endParaRPr kumimoji="0" lang="en-AU" sz="1400" b="0" i="0" u="none" strike="noStrike" kern="0" cap="none" spc="0" normalizeH="0" baseline="0" noProof="0">
-                  <a:ln>
-                    <a:noFill/>
-                  </a:ln>
-                  <a:solidFill>
-                    <a:prstClr val="black"/>
-                  </a:solidFill>
-                  <a:effectLst/>
-                  <a:uLnTx/>
-                  <a:uFillTx/>
-                  <a:latin typeface="Segoe UI Light" panose="020B0502040204020203" pitchFamily="34" charset="0"/>
-                  <a:cs typeface="Segoe UI Light" panose="020B0502040204020203" pitchFamily="34" charset="0"/>
-                </a:endParaRPr>
-              </a:p>
-            </p:txBody>
-          </p:sp>
-          <p:sp>
-            <p:nvSpPr>
-              <p:cNvPr id="257" name="Freeform: Shape 256">
-                <a:extLst>
-                  <a:ext uri="{FF2B5EF4-FFF2-40B4-BE49-F238E27FC236}">
-                    <a16:creationId xmlns:a16="http://schemas.microsoft.com/office/drawing/2014/main" id="{F46602DE-6250-E379-781D-7CE6C6B3AC7B}"/>
-                  </a:ext>
-                </a:extLst>
-              </p:cNvPr>
-              <p:cNvSpPr/>
-              <p:nvPr/>
-            </p:nvSpPr>
-            <p:spPr>
-              <a:xfrm>
-                <a:off x="10594182" y="2001782"/>
-                <a:ext cx="132555" cy="92387"/>
-              </a:xfrm>
-              <a:custGeom>
-                <a:avLst/>
-                <a:gdLst>
-                  <a:gd name="connsiteX0" fmla="*/ 0 w 142754"/>
-                  <a:gd name="connsiteY0" fmla="*/ 12978 h 99495"/>
-                  <a:gd name="connsiteX1" fmla="*/ 29113 w 142754"/>
-                  <a:gd name="connsiteY1" fmla="*/ 0 h 99495"/>
-                  <a:gd name="connsiteX2" fmla="*/ 77953 w 142754"/>
-                  <a:gd name="connsiteY2" fmla="*/ 0 h 99495"/>
-                  <a:gd name="connsiteX3" fmla="*/ 146864 w 142754"/>
-                  <a:gd name="connsiteY3" fmla="*/ 87556 h 99495"/>
-                  <a:gd name="connsiteX4" fmla="*/ 146864 w 142754"/>
-                  <a:gd name="connsiteY4" fmla="*/ 99972 h 99495"/>
-                  <a:gd name="connsiteX5" fmla="*/ 46287 w 142754"/>
-                  <a:gd name="connsiteY5" fmla="*/ 99972 h 99495"/>
-                </a:gdLst>
-                <a:ahLst/>
-                <a:cxnLst>
-                  <a:cxn ang="0">
-                    <a:pos x="connsiteX0" y="connsiteY0"/>
-                  </a:cxn>
-                  <a:cxn ang="0">
-                    <a:pos x="connsiteX1" y="connsiteY1"/>
-                  </a:cxn>
-                  <a:cxn ang="0">
-                    <a:pos x="connsiteX2" y="connsiteY2"/>
-                  </a:cxn>
-                  <a:cxn ang="0">
-                    <a:pos x="connsiteX3" y="connsiteY3"/>
-                  </a:cxn>
-                  <a:cxn ang="0">
-                    <a:pos x="connsiteX4" y="connsiteY4"/>
-                  </a:cxn>
-                  <a:cxn ang="0">
-                    <a:pos x="connsiteX5" y="connsiteY5"/>
-                  </a:cxn>
-                </a:cxnLst>
-                <a:rect l="l" t="t" r="r" b="b"/>
-                <a:pathLst>
-                  <a:path w="142754" h="99495">
-                    <a:moveTo>
-                      <a:pt x="0" y="12978"/>
-                    </a:moveTo>
-                    <a:cubicBezTo>
-                      <a:pt x="8824" y="6899"/>
-                      <a:pt x="18694" y="2500"/>
-                      <a:pt x="29113" y="0"/>
-                    </a:cubicBezTo>
-                    <a:cubicBezTo>
-                      <a:pt x="44349" y="8246"/>
-                      <a:pt x="62717" y="8246"/>
-                      <a:pt x="77953" y="0"/>
-                    </a:cubicBezTo>
-                    <a:cubicBezTo>
-                      <a:pt x="118333" y="9854"/>
-                      <a:pt x="146775" y="45992"/>
-                      <a:pt x="146864" y="87556"/>
-                    </a:cubicBezTo>
-                    <a:lnTo>
-                      <a:pt x="146864" y="99972"/>
-                    </a:lnTo>
-                    <a:lnTo>
-                      <a:pt x="46287" y="99972"/>
-                    </a:lnTo>
-                  </a:path>
-                </a:pathLst>
-              </a:custGeom>
-              <a:noFill/>
-              <a:ln w="25400" cap="flat">
-                <a:solidFill>
-                  <a:sysClr val="windowText" lastClr="000000"/>
-                </a:solidFill>
-                <a:prstDash val="solid"/>
-                <a:round/>
-              </a:ln>
-            </p:spPr>
-            <p:txBody>
-              <a:bodyPr rtlCol="0" anchor="ctr"/>
-              <a:lstStyle/>
-              <a:p>
-                <a:pPr marL="0" marR="0" lvl="0" indent="0" defTabSz="914400" eaLnBrk="1" fontAlgn="auto" latinLnBrk="0" hangingPunct="1">
-                  <a:lnSpc>
-                    <a:spcPct val="80000"/>
-                  </a:lnSpc>
-                  <a:spcBef>
-                    <a:spcPts val="0"/>
-                  </a:spcBef>
-                  <a:spcAft>
-                    <a:spcPts val="0"/>
-                  </a:spcAft>
-                  <a:buClrTx/>
-                  <a:buSzTx/>
-                  <a:buFontTx/>
-                  <a:buNone/>
-                  <a:tabLst/>
-                  <a:defRPr/>
-                </a:pPr>
-                <a:endParaRPr kumimoji="0" lang="en-AU" sz="1400" b="0" i="0" u="none" strike="noStrike" kern="0" cap="none" spc="0" normalizeH="0" baseline="0" noProof="0">
-                  <a:ln>
-                    <a:noFill/>
-                  </a:ln>
-                  <a:solidFill>
-                    <a:prstClr val="black"/>
-                  </a:solidFill>
-                  <a:effectLst/>
-                  <a:uLnTx/>
-                  <a:uFillTx/>
-                  <a:latin typeface="Segoe UI Light" panose="020B0502040204020203" pitchFamily="34" charset="0"/>
-                  <a:cs typeface="Segoe UI Light" panose="020B0502040204020203" pitchFamily="34" charset="0"/>
-                </a:endParaRPr>
-              </a:p>
-            </p:txBody>
-          </p:sp>
-          <p:sp>
-            <p:nvSpPr>
-              <p:cNvPr id="258" name="Freeform: Shape 257">
-                <a:extLst>
-                  <a:ext uri="{FF2B5EF4-FFF2-40B4-BE49-F238E27FC236}">
-                    <a16:creationId xmlns:a16="http://schemas.microsoft.com/office/drawing/2014/main" id="{D0888ABB-DF1D-36C4-1070-7C4D6B76C7FD}"/>
-                  </a:ext>
-                </a:extLst>
-              </p:cNvPr>
-              <p:cNvSpPr/>
-              <p:nvPr/>
-            </p:nvSpPr>
-            <p:spPr>
-              <a:xfrm>
-                <a:off x="10600721" y="1921175"/>
-                <a:ext cx="84353" cy="84353"/>
-              </a:xfrm>
-              <a:custGeom>
-                <a:avLst/>
-                <a:gdLst>
-                  <a:gd name="connsiteX0" fmla="*/ 68790 w 90843"/>
-                  <a:gd name="connsiteY0" fmla="*/ 86983 h 90843"/>
-                  <a:gd name="connsiteX1" fmla="*/ 86983 w 90843"/>
-                  <a:gd name="connsiteY1" fmla="*/ 23974 h 90843"/>
-                  <a:gd name="connsiteX2" fmla="*/ 23974 w 90843"/>
-                  <a:gd name="connsiteY2" fmla="*/ 5782 h 90843"/>
-                  <a:gd name="connsiteX3" fmla="*/ 5782 w 90843"/>
-                  <a:gd name="connsiteY3" fmla="*/ 68790 h 90843"/>
-                  <a:gd name="connsiteX4" fmla="*/ 23974 w 90843"/>
-                  <a:gd name="connsiteY4" fmla="*/ 86983 h 90843"/>
-                  <a:gd name="connsiteX5" fmla="*/ 68790 w 90843"/>
-                  <a:gd name="connsiteY5" fmla="*/ 86983 h 90843"/>
-                </a:gdLst>
-                <a:ahLst/>
-                <a:cxnLst>
-                  <a:cxn ang="0">
-                    <a:pos x="connsiteX0" y="connsiteY0"/>
-                  </a:cxn>
-                  <a:cxn ang="0">
-                    <a:pos x="connsiteX1" y="connsiteY1"/>
-                  </a:cxn>
-                  <a:cxn ang="0">
-                    <a:pos x="connsiteX2" y="connsiteY2"/>
-                  </a:cxn>
-                  <a:cxn ang="0">
-                    <a:pos x="connsiteX3" y="connsiteY3"/>
-                  </a:cxn>
-                  <a:cxn ang="0">
-                    <a:pos x="connsiteX4" y="connsiteY4"/>
-                  </a:cxn>
-                  <a:cxn ang="0">
-                    <a:pos x="connsiteX5" y="connsiteY5"/>
-                  </a:cxn>
-                </a:cxnLst>
-                <a:rect l="l" t="t" r="r" b="b"/>
-                <a:pathLst>
-                  <a:path w="90843" h="90843">
-                    <a:moveTo>
-                      <a:pt x="68790" y="86983"/>
-                    </a:moveTo>
-                    <a:cubicBezTo>
-                      <a:pt x="91213" y="74607"/>
-                      <a:pt x="99358" y="46397"/>
-                      <a:pt x="86983" y="23974"/>
-                    </a:cubicBezTo>
-                    <a:cubicBezTo>
-                      <a:pt x="74607" y="1551"/>
-                      <a:pt x="46397" y="-6594"/>
-                      <a:pt x="23974" y="5782"/>
-                    </a:cubicBezTo>
-                    <a:cubicBezTo>
-                      <a:pt x="1551" y="18158"/>
-                      <a:pt x="-6594" y="46367"/>
-                      <a:pt x="5782" y="68790"/>
-                    </a:cubicBezTo>
-                    <a:cubicBezTo>
-                      <a:pt x="10009" y="76449"/>
-                      <a:pt x="16316" y="82756"/>
-                      <a:pt x="23974" y="86983"/>
-                    </a:cubicBezTo>
-                    <a:cubicBezTo>
-                      <a:pt x="37942" y="94599"/>
-                      <a:pt x="54822" y="94599"/>
-                      <a:pt x="68790" y="86983"/>
-                    </a:cubicBezTo>
-                  </a:path>
-                </a:pathLst>
-              </a:custGeom>
-              <a:noFill/>
-              <a:ln w="25400" cap="flat">
-                <a:solidFill>
-                  <a:sysClr val="windowText" lastClr="000000"/>
-                </a:solidFill>
-                <a:prstDash val="solid"/>
-                <a:round/>
-              </a:ln>
-            </p:spPr>
-            <p:txBody>
-              <a:bodyPr rtlCol="0" anchor="ctr"/>
-              <a:lstStyle/>
-              <a:p>
-                <a:pPr marL="0" marR="0" lvl="0" indent="0" defTabSz="914400" eaLnBrk="1" fontAlgn="auto" latinLnBrk="0" hangingPunct="1">
-                  <a:lnSpc>
-                    <a:spcPct val="80000"/>
-                  </a:lnSpc>
-                  <a:spcBef>
-                    <a:spcPts val="0"/>
-                  </a:spcBef>
-                  <a:spcAft>
-                    <a:spcPts val="0"/>
-                  </a:spcAft>
-                  <a:buClrTx/>
-                  <a:buSzTx/>
-                  <a:buFontTx/>
-                  <a:buNone/>
-                  <a:tabLst/>
-                  <a:defRPr/>
-                </a:pPr>
-                <a:endParaRPr kumimoji="0" lang="en-AU" sz="1400" b="0" i="0" u="none" strike="noStrike" kern="0" cap="none" spc="0" normalizeH="0" baseline="0" noProof="0">
-                  <a:ln>
-                    <a:noFill/>
-                  </a:ln>
-                  <a:solidFill>
-                    <a:prstClr val="black"/>
-                  </a:solidFill>
-                  <a:effectLst/>
-                  <a:uLnTx/>
-                  <a:uFillTx/>
-                  <a:latin typeface="Segoe UI Light" panose="020B0502040204020203" pitchFamily="34" charset="0"/>
-                  <a:cs typeface="Segoe UI Light" panose="020B0502040204020203" pitchFamily="34" charset="0"/>
-                </a:endParaRPr>
-              </a:p>
-            </p:txBody>
-          </p:sp>
-          <p:grpSp>
-            <p:nvGrpSpPr>
-              <p:cNvPr id="259" name="Group 258">
-                <a:extLst>
-                  <a:ext uri="{FF2B5EF4-FFF2-40B4-BE49-F238E27FC236}">
-                    <a16:creationId xmlns:a16="http://schemas.microsoft.com/office/drawing/2014/main" id="{7F818FB9-EB8D-27F9-E5A1-1128533E3C06}"/>
-                  </a:ext>
-                </a:extLst>
-              </p:cNvPr>
-              <p:cNvGrpSpPr/>
-              <p:nvPr/>
-            </p:nvGrpSpPr>
-            <p:grpSpPr>
-              <a:xfrm>
-                <a:off x="10455009" y="2016860"/>
-                <a:ext cx="205314" cy="203276"/>
-                <a:chOff x="10122609" y="2079094"/>
-                <a:chExt cx="263880" cy="261260"/>
-              </a:xfrm>
-            </p:grpSpPr>
-            <p:sp>
-              <p:nvSpPr>
-                <p:cNvPr id="260" name="Freeform: Shape 259">
-                  <a:extLst>
-                    <a:ext uri="{FF2B5EF4-FFF2-40B4-BE49-F238E27FC236}">
-                      <a16:creationId xmlns:a16="http://schemas.microsoft.com/office/drawing/2014/main" id="{BA6725F2-E9F8-15E3-A992-EF6569648488}"/>
-                    </a:ext>
-                  </a:extLst>
-                </p:cNvPr>
-                <p:cNvSpPr/>
-                <p:nvPr/>
-              </p:nvSpPr>
-              <p:spPr>
-                <a:xfrm>
-                  <a:off x="10122609" y="2201925"/>
-                  <a:ext cx="263880" cy="138429"/>
-                </a:xfrm>
-                <a:custGeom>
-                  <a:avLst/>
-                  <a:gdLst>
-                    <a:gd name="connsiteX0" fmla="*/ 263880 w 263879"/>
-                    <a:gd name="connsiteY0" fmla="*/ 123937 h 138428"/>
-                    <a:gd name="connsiteX1" fmla="*/ 263880 w 263879"/>
-                    <a:gd name="connsiteY1" fmla="*/ 141241 h 138428"/>
-                    <a:gd name="connsiteX2" fmla="*/ 0 w 263879"/>
-                    <a:gd name="connsiteY2" fmla="*/ 141241 h 138428"/>
-                    <a:gd name="connsiteX3" fmla="*/ 0 w 263879"/>
-                    <a:gd name="connsiteY3" fmla="*/ 123937 h 138428"/>
-                    <a:gd name="connsiteX4" fmla="*/ 97246 w 263879"/>
-                    <a:gd name="connsiteY4" fmla="*/ 0 h 138428"/>
-                    <a:gd name="connsiteX5" fmla="*/ 166461 w 263879"/>
-                    <a:gd name="connsiteY5" fmla="*/ 0 h 138428"/>
-                    <a:gd name="connsiteX6" fmla="*/ 263880 w 263879"/>
-                    <a:gd name="connsiteY6" fmla="*/ 123937 h 138428"/>
-                  </a:gdLst>
-                  <a:ahLst/>
-                  <a:cxnLst>
-                    <a:cxn ang="0">
-                      <a:pos x="connsiteX0" y="connsiteY0"/>
-                    </a:cxn>
-                    <a:cxn ang="0">
-                      <a:pos x="connsiteX1" y="connsiteY1"/>
-                    </a:cxn>
-                    <a:cxn ang="0">
-                      <a:pos x="connsiteX2" y="connsiteY2"/>
-                    </a:cxn>
-                    <a:cxn ang="0">
-                      <a:pos x="connsiteX3" y="connsiteY3"/>
-                    </a:cxn>
-                    <a:cxn ang="0">
-                      <a:pos x="connsiteX4" y="connsiteY4"/>
-                    </a:cxn>
-                    <a:cxn ang="0">
-                      <a:pos x="connsiteX5" y="connsiteY5"/>
-                    </a:cxn>
-                    <a:cxn ang="0">
-                      <a:pos x="connsiteX6" y="connsiteY6"/>
-                    </a:cxn>
-                  </a:cxnLst>
-                  <a:rect l="l" t="t" r="r" b="b"/>
-                  <a:pathLst>
-                    <a:path w="263879" h="138428">
-                      <a:moveTo>
-                        <a:pt x="263880" y="123937"/>
-                      </a:moveTo>
-                      <a:lnTo>
-                        <a:pt x="263880" y="141241"/>
-                      </a:lnTo>
-                      <a:lnTo>
-                        <a:pt x="0" y="141241"/>
-                      </a:lnTo>
-                      <a:lnTo>
-                        <a:pt x="0" y="123937"/>
-                      </a:lnTo>
-                      <a:cubicBezTo>
-                        <a:pt x="99" y="65192"/>
-                        <a:pt x="40211" y="14070"/>
-                        <a:pt x="97246" y="0"/>
-                      </a:cubicBezTo>
-                      <a:cubicBezTo>
-                        <a:pt x="118834" y="11700"/>
-                        <a:pt x="144872" y="11700"/>
-                        <a:pt x="166461" y="0"/>
-                      </a:cubicBezTo>
-                      <a:cubicBezTo>
-                        <a:pt x="223565" y="14003"/>
-                        <a:pt x="263762" y="65141"/>
-                        <a:pt x="263880" y="123937"/>
-                      </a:cubicBezTo>
-                      <a:close/>
-                    </a:path>
-                  </a:pathLst>
-                </a:custGeom>
-                <a:noFill/>
-                <a:ln w="25400" cap="flat">
-                  <a:solidFill>
-                    <a:sysClr val="windowText" lastClr="000000"/>
-                  </a:solidFill>
-                  <a:prstDash val="solid"/>
-                  <a:round/>
-                </a:ln>
-              </p:spPr>
-              <p:txBody>
-                <a:bodyPr rtlCol="0" anchor="ctr"/>
-                <a:lstStyle/>
-                <a:p>
-                  <a:pPr marL="0" marR="0" lvl="0" indent="0" defTabSz="914400" eaLnBrk="1" fontAlgn="auto" latinLnBrk="0" hangingPunct="1">
-                    <a:lnSpc>
-                      <a:spcPct val="80000"/>
-                    </a:lnSpc>
-                    <a:spcBef>
-                      <a:spcPts val="0"/>
-                    </a:spcBef>
-                    <a:spcAft>
-                      <a:spcPts val="0"/>
-                    </a:spcAft>
-                    <a:buClrTx/>
-                    <a:buSzTx/>
-                    <a:buFontTx/>
-                    <a:buNone/>
-                    <a:tabLst/>
-                    <a:defRPr/>
-                  </a:pPr>
-                  <a:endParaRPr kumimoji="0" lang="en-AU" sz="1400" b="0" i="0" u="none" strike="noStrike" kern="0" cap="none" spc="0" normalizeH="0" baseline="0" noProof="0">
-                    <a:ln>
-                      <a:noFill/>
-                    </a:ln>
-                    <a:solidFill>
-                      <a:prstClr val="black"/>
-                    </a:solidFill>
-                    <a:effectLst/>
-                    <a:uLnTx/>
-                    <a:uFillTx/>
-                    <a:latin typeface="Segoe UI Light" panose="020B0502040204020203" pitchFamily="34" charset="0"/>
-                    <a:cs typeface="Segoe UI Light" panose="020B0502040204020203" pitchFamily="34" charset="0"/>
-                  </a:endParaRPr>
-                </a:p>
-              </p:txBody>
-            </p:sp>
-            <p:sp>
-              <p:nvSpPr>
-                <p:cNvPr id="261" name="Freeform: Shape 260">
-                  <a:extLst>
-                    <a:ext uri="{FF2B5EF4-FFF2-40B4-BE49-F238E27FC236}">
-                      <a16:creationId xmlns:a16="http://schemas.microsoft.com/office/drawing/2014/main" id="{8C0BD4FC-5C01-948D-EFCD-BA8AE2EA5789}"/>
-                    </a:ext>
-                  </a:extLst>
-                </p:cNvPr>
-                <p:cNvSpPr/>
-                <p:nvPr/>
-              </p:nvSpPr>
-              <p:spPr>
-                <a:xfrm>
-                  <a:off x="10188567" y="2079094"/>
-                  <a:ext cx="129777" cy="129777"/>
-                </a:xfrm>
-                <a:custGeom>
-                  <a:avLst/>
-                  <a:gdLst>
-                    <a:gd name="connsiteX0" fmla="*/ 97345 w 129776"/>
-                    <a:gd name="connsiteY0" fmla="*/ 123091 h 129776"/>
-                    <a:gd name="connsiteX1" fmla="*/ 123091 w 129776"/>
-                    <a:gd name="connsiteY1" fmla="*/ 33927 h 129776"/>
-                    <a:gd name="connsiteX2" fmla="*/ 33927 w 129776"/>
-                    <a:gd name="connsiteY2" fmla="*/ 8181 h 129776"/>
-                    <a:gd name="connsiteX3" fmla="*/ 8181 w 129776"/>
-                    <a:gd name="connsiteY3" fmla="*/ 97345 h 129776"/>
-                    <a:gd name="connsiteX4" fmla="*/ 33927 w 129776"/>
-                    <a:gd name="connsiteY4" fmla="*/ 123091 h 129776"/>
-                    <a:gd name="connsiteX5" fmla="*/ 97345 w 129776"/>
-                    <a:gd name="connsiteY5" fmla="*/ 123091 h 129776"/>
-                  </a:gdLst>
-                  <a:ahLst/>
-                  <a:cxnLst>
-                    <a:cxn ang="0">
-                      <a:pos x="connsiteX0" y="connsiteY0"/>
-                    </a:cxn>
-                    <a:cxn ang="0">
-                      <a:pos x="connsiteX1" y="connsiteY1"/>
-                    </a:cxn>
-                    <a:cxn ang="0">
-                      <a:pos x="connsiteX2" y="connsiteY2"/>
-                    </a:cxn>
-                    <a:cxn ang="0">
-                      <a:pos x="connsiteX3" y="connsiteY3"/>
-                    </a:cxn>
-                    <a:cxn ang="0">
-                      <a:pos x="connsiteX4" y="connsiteY4"/>
-                    </a:cxn>
-                    <a:cxn ang="0">
-                      <a:pos x="connsiteX5" y="connsiteY5"/>
-                    </a:cxn>
-                  </a:cxnLst>
-                  <a:rect l="l" t="t" r="r" b="b"/>
-                  <a:pathLst>
-                    <a:path w="129776" h="129776">
-                      <a:moveTo>
-                        <a:pt x="97345" y="123091"/>
-                      </a:moveTo>
-                      <a:cubicBezTo>
-                        <a:pt x="129076" y="105578"/>
-                        <a:pt x="140603" y="65659"/>
-                        <a:pt x="123091" y="33927"/>
-                      </a:cubicBezTo>
-                      <a:cubicBezTo>
-                        <a:pt x="105578" y="2196"/>
-                        <a:pt x="65659" y="-9331"/>
-                        <a:pt x="33927" y="8181"/>
-                      </a:cubicBezTo>
-                      <a:cubicBezTo>
-                        <a:pt x="2196" y="25694"/>
-                        <a:pt x="-9331" y="65614"/>
-                        <a:pt x="8181" y="97345"/>
-                      </a:cubicBezTo>
-                      <a:cubicBezTo>
-                        <a:pt x="14163" y="108183"/>
-                        <a:pt x="23089" y="117109"/>
-                        <a:pt x="33927" y="123091"/>
-                      </a:cubicBezTo>
-                      <a:cubicBezTo>
-                        <a:pt x="53690" y="133878"/>
-                        <a:pt x="77582" y="133878"/>
-                        <a:pt x="97345" y="123091"/>
-                      </a:cubicBezTo>
-                    </a:path>
-                  </a:pathLst>
-                </a:custGeom>
-                <a:noFill/>
-                <a:ln w="25400" cap="flat">
-                  <a:solidFill>
-                    <a:sysClr val="windowText" lastClr="000000"/>
-                  </a:solidFill>
-                  <a:prstDash val="solid"/>
-                  <a:round/>
-                </a:ln>
-              </p:spPr>
-              <p:txBody>
-                <a:bodyPr rtlCol="0" anchor="ctr"/>
-                <a:lstStyle/>
-                <a:p>
-                  <a:pPr marL="0" marR="0" lvl="0" indent="0" defTabSz="914400" eaLnBrk="1" fontAlgn="auto" latinLnBrk="0" hangingPunct="1">
-                    <a:lnSpc>
-                      <a:spcPct val="80000"/>
-                    </a:lnSpc>
-                    <a:spcBef>
-                      <a:spcPts val="0"/>
-                    </a:spcBef>
-                    <a:spcAft>
-                      <a:spcPts val="0"/>
-                    </a:spcAft>
-                    <a:buClrTx/>
-                    <a:buSzTx/>
-                    <a:buFontTx/>
-                    <a:buNone/>
-                    <a:tabLst/>
-                    <a:defRPr/>
-                  </a:pPr>
-                  <a:endParaRPr kumimoji="0" lang="en-AU" sz="1400" b="0" i="0" u="none" strike="noStrike" kern="0" cap="none" spc="0" normalizeH="0" baseline="0" noProof="0">
-                    <a:ln>
-                      <a:noFill/>
-                    </a:ln>
-                    <a:solidFill>
-                      <a:prstClr val="black"/>
-                    </a:solidFill>
-                    <a:effectLst/>
-                    <a:uLnTx/>
-                    <a:uFillTx/>
-                    <a:latin typeface="Segoe UI Light" panose="020B0502040204020203" pitchFamily="34" charset="0"/>
-                    <a:cs typeface="Segoe UI Light" panose="020B0502040204020203" pitchFamily="34" charset="0"/>
-                  </a:endParaRPr>
-                </a:p>
-              </p:txBody>
-            </p:sp>
-          </p:grpSp>
-        </p:grpSp>
-      </p:grpSp>
-      <p:grpSp>
-        <p:nvGrpSpPr>
-          <p:cNvPr id="267" name="Group 266">
-            <a:extLst>
-              <a:ext uri="{FF2B5EF4-FFF2-40B4-BE49-F238E27FC236}">
-                <a16:creationId xmlns:a16="http://schemas.microsoft.com/office/drawing/2014/main" id="{D4BEA67A-DBF9-96CD-C164-2CB5EACCDE82}"/>
-              </a:ext>
-            </a:extLst>
-          </p:cNvPr>
-          <p:cNvGrpSpPr/>
-          <p:nvPr/>
-        </p:nvGrpSpPr>
-        <p:grpSpPr>
-          <a:xfrm>
-            <a:off x="1372786" y="3768528"/>
-            <a:ext cx="793002" cy="510110"/>
-            <a:chOff x="993155" y="3098194"/>
-            <a:chExt cx="802915" cy="516486"/>
-          </a:xfrm>
-        </p:grpSpPr>
-        <p:sp>
-          <p:nvSpPr>
-            <p:cNvPr id="268" name="TextBox 267">
-              <a:extLst>
-                <a:ext uri="{FF2B5EF4-FFF2-40B4-BE49-F238E27FC236}">
-                  <a16:creationId xmlns:a16="http://schemas.microsoft.com/office/drawing/2014/main" id="{4F4B248B-5753-BC7B-7188-681457291877}"/>
-                </a:ext>
-              </a:extLst>
-            </p:cNvPr>
-            <p:cNvSpPr txBox="1"/>
-            <p:nvPr/>
-          </p:nvSpPr>
-          <p:spPr>
-            <a:xfrm>
-              <a:off x="993155" y="3296824"/>
-              <a:ext cx="802915" cy="317856"/>
-            </a:xfrm>
-            <a:prstGeom prst="rect">
-              <a:avLst/>
-            </a:prstGeom>
-            <a:noFill/>
-          </p:spPr>
-          <p:txBody>
-            <a:bodyPr wrap="square" rtlCol="0">
-              <a:spAutoFit/>
-            </a:bodyPr>
-            <a:lstStyle>
-              <a:defPPr>
-                <a:defRPr lang="en-US"/>
-              </a:defPPr>
-              <a:lvl1pPr marL="0" defTabSz="914400" eaLnBrk="1" latinLnBrk="0" hangingPunct="1">
-                <a:lnSpc>
-                  <a:spcPct val="80000"/>
-                </a:lnSpc>
-                <a:defRPr sz="800">
-                  <a:latin typeface="Graphik" panose="020B0503030202060203" pitchFamily="34" charset="77"/>
-                </a:defRPr>
-              </a:lvl1pPr>
-              <a:lvl2pPr marL="457200" defTabSz="914400" eaLnBrk="1" latinLnBrk="0" hangingPunct="1">
-                <a:defRPr sz="1800">
-                  <a:latin typeface="+mn-lt"/>
-                </a:defRPr>
-              </a:lvl2pPr>
-              <a:lvl3pPr marL="914400" defTabSz="914400" eaLnBrk="1" latinLnBrk="0" hangingPunct="1">
-                <a:defRPr sz="1800">
-                  <a:latin typeface="+mn-lt"/>
-                </a:defRPr>
-              </a:lvl3pPr>
-              <a:lvl4pPr marL="1371600" defTabSz="914400" eaLnBrk="1" latinLnBrk="0" hangingPunct="1">
-                <a:defRPr sz="1800">
-                  <a:latin typeface="+mn-lt"/>
-                </a:defRPr>
-              </a:lvl4pPr>
-              <a:lvl5pPr marL="1828800" defTabSz="914400" eaLnBrk="1" latinLnBrk="0" hangingPunct="1">
-                <a:defRPr sz="1800">
-                  <a:latin typeface="+mn-lt"/>
-                </a:defRPr>
-              </a:lvl5pPr>
-              <a:lvl6pPr marL="2286000" defTabSz="914400">
-                <a:defRPr sz="1800">
-                  <a:latin typeface="+mn-lt"/>
-                </a:defRPr>
-              </a:lvl6pPr>
-              <a:lvl7pPr marL="2743200" defTabSz="914400">
-                <a:defRPr sz="1800">
-                  <a:latin typeface="+mn-lt"/>
-                </a:defRPr>
-              </a:lvl7pPr>
-              <a:lvl8pPr marL="3200400" defTabSz="914400">
-                <a:defRPr sz="1800">
-                  <a:latin typeface="+mn-lt"/>
-                </a:defRPr>
-              </a:lvl8pPr>
-              <a:lvl9pPr marL="3657600" defTabSz="914400">
-                <a:defRPr sz="1800">
-                  <a:latin typeface="+mn-lt"/>
-                </a:defRPr>
-              </a:lvl9pPr>
-            </a:lstStyle>
-            <a:p>
-              <a:pPr algn="ctr">
-                <a:defRPr/>
-              </a:pPr>
-              <a:endParaRPr lang="en-US" sz="900" dirty="0">
-                <a:solidFill>
-                  <a:prstClr val="black"/>
-                </a:solidFill>
-                <a:latin typeface="Segoe UI Light" panose="020B0502040204020203" pitchFamily="34" charset="0"/>
-                <a:cs typeface="Segoe UI Light" panose="020B0502040204020203" pitchFamily="34" charset="0"/>
-              </a:endParaRPr>
-            </a:p>
-            <a:p>
-              <a:pPr algn="ctr">
-                <a:defRPr/>
-              </a:pPr>
-              <a:r>
-                <a:rPr lang="en-US" sz="900" dirty="0">
-                  <a:solidFill>
-                    <a:prstClr val="black"/>
-                  </a:solidFill>
-                  <a:latin typeface="Segoe UI Light" panose="020B0502040204020203" pitchFamily="34" charset="0"/>
-                  <a:cs typeface="Segoe UI Light" panose="020B0502040204020203" pitchFamily="34" charset="0"/>
-                </a:rPr>
-                <a:t>Files</a:t>
-              </a:r>
-            </a:p>
-          </p:txBody>
-        </p:sp>
-        <p:pic>
-          <p:nvPicPr>
-            <p:cNvPr id="269" name="Picture 268">
-              <a:extLst>
-                <a:ext uri="{FF2B5EF4-FFF2-40B4-BE49-F238E27FC236}">
-                  <a16:creationId xmlns:a16="http://schemas.microsoft.com/office/drawing/2014/main" id="{2B599838-9DBF-A87D-FE89-5B4633361254}"/>
-                </a:ext>
-              </a:extLst>
-            </p:cNvPr>
-            <p:cNvPicPr>
-              <a:picLocks noChangeAspect="1"/>
-            </p:cNvPicPr>
-            <p:nvPr/>
-          </p:nvPicPr>
-          <p:blipFill>
-            <a:blip r:embed="rId4"/>
-            <a:stretch>
-              <a:fillRect/>
-            </a:stretch>
-          </p:blipFill>
-          <p:spPr>
-            <a:xfrm>
-              <a:off x="1234544" y="3098194"/>
-              <a:ext cx="304410" cy="304410"/>
-            </a:xfrm>
-            <a:prstGeom prst="rect">
-              <a:avLst/>
-            </a:prstGeom>
-            <a:ln>
-              <a:noFill/>
-            </a:ln>
-          </p:spPr>
-        </p:pic>
-      </p:grpSp>
-      <p:grpSp>
-        <p:nvGrpSpPr>
-          <p:cNvPr id="270" name="Group 269">
-            <a:extLst>
-              <a:ext uri="{FF2B5EF4-FFF2-40B4-BE49-F238E27FC236}">
-                <a16:creationId xmlns:a16="http://schemas.microsoft.com/office/drawing/2014/main" id="{60F88A11-4A32-72EB-12EE-BBED8E5065CC}"/>
-              </a:ext>
-            </a:extLst>
-          </p:cNvPr>
-          <p:cNvGrpSpPr/>
-          <p:nvPr/>
-        </p:nvGrpSpPr>
-        <p:grpSpPr>
-          <a:xfrm>
-            <a:off x="1309043" y="1899641"/>
-            <a:ext cx="858145" cy="525419"/>
-            <a:chOff x="324437" y="4146064"/>
-            <a:chExt cx="1322109" cy="621094"/>
-          </a:xfrm>
-        </p:grpSpPr>
-        <p:sp>
-          <p:nvSpPr>
-            <p:cNvPr id="271" name="TextBox 454">
-              <a:extLst>
-                <a:ext uri="{FF2B5EF4-FFF2-40B4-BE49-F238E27FC236}">
-                  <a16:creationId xmlns:a16="http://schemas.microsoft.com/office/drawing/2014/main" id="{C599DD26-A221-48A5-BA78-978EE563782C}"/>
-                </a:ext>
-              </a:extLst>
-            </p:cNvPr>
-            <p:cNvSpPr txBox="1"/>
-            <p:nvPr/>
-          </p:nvSpPr>
-          <p:spPr>
-            <a:xfrm>
-              <a:off x="324437" y="4527036"/>
-              <a:ext cx="1322109" cy="240122"/>
-            </a:xfrm>
-            <a:prstGeom prst="rect">
-              <a:avLst/>
-            </a:prstGeom>
-            <a:noFill/>
-          </p:spPr>
-          <p:txBody>
-            <a:bodyPr wrap="square" rtlCol="0">
-              <a:spAutoFit/>
-            </a:bodyPr>
-            <a:lstStyle>
-              <a:defPPr>
-                <a:defRPr lang="en-US"/>
-              </a:defPPr>
-              <a:lvl1pPr marL="0" algn="l" defTabSz="914400" rtl="0" eaLnBrk="1" latinLnBrk="0" hangingPunct="1">
-                <a:defRPr sz="1800" kern="1200">
-                  <a:solidFill>
-                    <a:schemeClr val="tx1"/>
-                  </a:solidFill>
-                  <a:latin typeface="+mn-lt"/>
-                  <a:ea typeface="+mn-ea"/>
-                  <a:cs typeface="+mn-cs"/>
-                </a:defRPr>
-              </a:lvl1pPr>
-              <a:lvl2pPr marL="457200" algn="l" defTabSz="914400" rtl="0" eaLnBrk="1" latinLnBrk="0" hangingPunct="1">
-                <a:defRPr sz="1800" kern="1200">
-                  <a:solidFill>
-                    <a:schemeClr val="tx1"/>
-                  </a:solidFill>
-                  <a:latin typeface="+mn-lt"/>
-                  <a:ea typeface="+mn-ea"/>
-                  <a:cs typeface="+mn-cs"/>
-                </a:defRPr>
-              </a:lvl2pPr>
-              <a:lvl3pPr marL="914400" algn="l" defTabSz="914400" rtl="0" eaLnBrk="1" latinLnBrk="0" hangingPunct="1">
-                <a:defRPr sz="1800" kern="1200">
-                  <a:solidFill>
-                    <a:schemeClr val="tx1"/>
-                  </a:solidFill>
-                  <a:latin typeface="+mn-lt"/>
-                  <a:ea typeface="+mn-ea"/>
-                  <a:cs typeface="+mn-cs"/>
-                </a:defRPr>
-              </a:lvl3pPr>
-              <a:lvl4pPr marL="1371600" algn="l" defTabSz="914400" rtl="0" eaLnBrk="1" latinLnBrk="0" hangingPunct="1">
-                <a:defRPr sz="1800" kern="1200">
-                  <a:solidFill>
-                    <a:schemeClr val="tx1"/>
-                  </a:solidFill>
-                  <a:latin typeface="+mn-lt"/>
-                  <a:ea typeface="+mn-ea"/>
-                  <a:cs typeface="+mn-cs"/>
-                </a:defRPr>
-              </a:lvl4pPr>
-              <a:lvl5pPr marL="1828800" algn="l" defTabSz="914400" rtl="0" eaLnBrk="1" latinLnBrk="0" hangingPunct="1">
-                <a:defRPr sz="1800" kern="1200">
-                  <a:solidFill>
-                    <a:schemeClr val="tx1"/>
-                  </a:solidFill>
-                  <a:latin typeface="+mn-lt"/>
-                  <a:ea typeface="+mn-ea"/>
-                  <a:cs typeface="+mn-cs"/>
-                </a:defRPr>
-              </a:lvl5pPr>
-              <a:lvl6pPr marL="2286000" algn="l" defTabSz="914400" rtl="0" eaLnBrk="1" latinLnBrk="0" hangingPunct="1">
-                <a:defRPr sz="1800" kern="1200">
-                  <a:solidFill>
-                    <a:schemeClr val="tx1"/>
-                  </a:solidFill>
-                  <a:latin typeface="+mn-lt"/>
-                  <a:ea typeface="+mn-ea"/>
-                  <a:cs typeface="+mn-cs"/>
-                </a:defRPr>
-              </a:lvl6pPr>
-              <a:lvl7pPr marL="2743200" algn="l" defTabSz="914400" rtl="0" eaLnBrk="1" latinLnBrk="0" hangingPunct="1">
-                <a:defRPr sz="1800" kern="1200">
-                  <a:solidFill>
-                    <a:schemeClr val="tx1"/>
-                  </a:solidFill>
-                  <a:latin typeface="+mn-lt"/>
-                  <a:ea typeface="+mn-ea"/>
-                  <a:cs typeface="+mn-cs"/>
-                </a:defRPr>
-              </a:lvl7pPr>
-              <a:lvl8pPr marL="3200400" algn="l" defTabSz="914400" rtl="0" eaLnBrk="1" latinLnBrk="0" hangingPunct="1">
-                <a:defRPr sz="1800" kern="1200">
-                  <a:solidFill>
-                    <a:schemeClr val="tx1"/>
-                  </a:solidFill>
-                  <a:latin typeface="+mn-lt"/>
-                  <a:ea typeface="+mn-ea"/>
-                  <a:cs typeface="+mn-cs"/>
-                </a:defRPr>
-              </a:lvl8pPr>
-              <a:lvl9pPr marL="3657600" algn="l" defTabSz="914400" rtl="0" eaLnBrk="1" latinLnBrk="0" hangingPunct="1">
-                <a:defRPr sz="1800" kern="1200">
-                  <a:solidFill>
-                    <a:schemeClr val="tx1"/>
-                  </a:solidFill>
-                  <a:latin typeface="+mn-lt"/>
-                  <a:ea typeface="+mn-ea"/>
-                  <a:cs typeface="+mn-cs"/>
-                </a:defRPr>
-              </a:lvl9pPr>
-            </a:lstStyle>
-            <a:p>
-              <a:pPr algn="ctr">
-                <a:lnSpc>
-                  <a:spcPct val="80000"/>
-                </a:lnSpc>
-                <a:defRPr/>
-              </a:pPr>
-              <a:r>
-                <a:rPr lang="en-US" sz="900" dirty="0">
-                  <a:solidFill>
-                    <a:prstClr val="black"/>
-                  </a:solidFill>
-                  <a:latin typeface="Segoe UI Light" panose="020B0502040204020203" pitchFamily="34" charset="0"/>
-                  <a:cs typeface="Segoe UI Light" panose="020B0502040204020203" pitchFamily="34" charset="0"/>
-                </a:rPr>
-                <a:t>Databases</a:t>
-              </a:r>
-            </a:p>
-          </p:txBody>
-        </p:sp>
-        <p:pic>
-          <p:nvPicPr>
-            <p:cNvPr id="272" name="Picture 271" descr="Image result for database image transparent">
-              <a:extLst>
-                <a:ext uri="{FF2B5EF4-FFF2-40B4-BE49-F238E27FC236}">
-                  <a16:creationId xmlns:a16="http://schemas.microsoft.com/office/drawing/2014/main" id="{A8366BF8-BE06-ACD0-306E-8A978F6CEB37}"/>
-                </a:ext>
-              </a:extLst>
-            </p:cNvPr>
-            <p:cNvPicPr>
-              <a:picLocks noChangeAspect="1" noChangeArrowheads="1"/>
-            </p:cNvPicPr>
-            <p:nvPr/>
-          </p:nvPicPr>
-          <p:blipFill>
-            <a:blip r:embed="rId5" cstate="print">
-              <a:biLevel thresh="75000"/>
-              <a:extLst>
-                <a:ext uri="{28A0092B-C50C-407E-A947-70E740481C1C}">
-                  <a14:useLocalDpi xmlns:a14="http://schemas.microsoft.com/office/drawing/2010/main" val="0"/>
-                </a:ext>
-              </a:extLst>
-            </a:blip>
-            <a:srcRect/>
-            <a:stretch>
-              <a:fillRect/>
-            </a:stretch>
-          </p:blipFill>
-          <p:spPr bwMode="auto">
-            <a:xfrm>
-              <a:off x="773235" y="4146064"/>
-              <a:ext cx="480272" cy="358319"/>
-            </a:xfrm>
-            <a:prstGeom prst="rect">
-              <a:avLst/>
-            </a:prstGeom>
-            <a:noFill/>
-            <a:extLst>
-              <a:ext uri="{909E8E84-426E-40DD-AFC4-6F175D3DCCD1}">
-                <a14:hiddenFill xmlns:a14="http://schemas.microsoft.com/office/drawing/2010/main">
-                  <a:solidFill>
-                    <a:srgbClr val="FFFFFF"/>
-                  </a:solidFill>
-                </a14:hiddenFill>
-              </a:ext>
-            </a:extLst>
-          </p:spPr>
-        </p:pic>
-      </p:grpSp>
-      <p:grpSp>
-        <p:nvGrpSpPr>
-          <p:cNvPr id="273" name="Group 272">
-            <a:extLst>
-              <a:ext uri="{FF2B5EF4-FFF2-40B4-BE49-F238E27FC236}">
-                <a16:creationId xmlns:a16="http://schemas.microsoft.com/office/drawing/2014/main" id="{6577D64D-48B0-4ABD-96AE-2B52AB0C71F0}"/>
-              </a:ext>
-            </a:extLst>
-          </p:cNvPr>
-          <p:cNvGrpSpPr/>
-          <p:nvPr/>
-        </p:nvGrpSpPr>
-        <p:grpSpPr>
-          <a:xfrm>
-            <a:off x="1528424" y="2844449"/>
-            <a:ext cx="456503" cy="636753"/>
-            <a:chOff x="1168938" y="3822652"/>
-            <a:chExt cx="462209" cy="644714"/>
-          </a:xfrm>
-        </p:grpSpPr>
-        <p:sp>
-          <p:nvSpPr>
-            <p:cNvPr id="274" name="TextBox 273">
-              <a:extLst>
-                <a:ext uri="{FF2B5EF4-FFF2-40B4-BE49-F238E27FC236}">
-                  <a16:creationId xmlns:a16="http://schemas.microsoft.com/office/drawing/2014/main" id="{1FC892CC-A43C-B498-F926-7D83F675D3D1}"/>
-                </a:ext>
-              </a:extLst>
-            </p:cNvPr>
-            <p:cNvSpPr txBox="1"/>
-            <p:nvPr/>
-          </p:nvSpPr>
-          <p:spPr>
-            <a:xfrm>
-              <a:off x="1168938" y="3925139"/>
-              <a:ext cx="462209" cy="542227"/>
-            </a:xfrm>
-            <a:prstGeom prst="rect">
-              <a:avLst/>
-            </a:prstGeom>
-            <a:noFill/>
-          </p:spPr>
-          <p:txBody>
-            <a:bodyPr wrap="square" rtlCol="0">
-              <a:spAutoFit/>
-            </a:bodyPr>
-            <a:lstStyle>
-              <a:defPPr>
-                <a:defRPr lang="en-US"/>
-              </a:defPPr>
-              <a:lvl1pPr marL="0" defTabSz="914400" eaLnBrk="1" latinLnBrk="0" hangingPunct="1">
-                <a:lnSpc>
-                  <a:spcPct val="80000"/>
-                </a:lnSpc>
-                <a:defRPr sz="800">
-                  <a:latin typeface="Graphik" panose="020B0503030202060203" pitchFamily="34" charset="77"/>
-                </a:defRPr>
-              </a:lvl1pPr>
-              <a:lvl2pPr marL="457200" defTabSz="914400" eaLnBrk="1" latinLnBrk="0" hangingPunct="1">
-                <a:defRPr sz="1800">
-                  <a:latin typeface="+mn-lt"/>
-                </a:defRPr>
-              </a:lvl2pPr>
-              <a:lvl3pPr marL="914400" defTabSz="914400" eaLnBrk="1" latinLnBrk="0" hangingPunct="1">
-                <a:defRPr sz="1800">
-                  <a:latin typeface="+mn-lt"/>
-                </a:defRPr>
-              </a:lvl3pPr>
-              <a:lvl4pPr marL="1371600" defTabSz="914400" eaLnBrk="1" latinLnBrk="0" hangingPunct="1">
-                <a:defRPr sz="1800">
-                  <a:latin typeface="+mn-lt"/>
-                </a:defRPr>
-              </a:lvl4pPr>
-              <a:lvl5pPr marL="1828800" defTabSz="914400" eaLnBrk="1" latinLnBrk="0" hangingPunct="1">
-                <a:defRPr sz="1800">
-                  <a:latin typeface="+mn-lt"/>
-                </a:defRPr>
-              </a:lvl5pPr>
-              <a:lvl6pPr marL="2286000" defTabSz="914400">
-                <a:defRPr sz="1800">
-                  <a:latin typeface="+mn-lt"/>
-                </a:defRPr>
-              </a:lvl6pPr>
-              <a:lvl7pPr marL="2743200" defTabSz="914400">
-                <a:defRPr sz="1800">
-                  <a:latin typeface="+mn-lt"/>
-                </a:defRPr>
-              </a:lvl7pPr>
-              <a:lvl8pPr marL="3200400" defTabSz="914400">
-                <a:defRPr sz="1800">
-                  <a:latin typeface="+mn-lt"/>
-                </a:defRPr>
-              </a:lvl8pPr>
-              <a:lvl9pPr marL="3657600" defTabSz="914400">
-                <a:defRPr sz="1800">
-                  <a:latin typeface="+mn-lt"/>
-                </a:defRPr>
-              </a:lvl9pPr>
-            </a:lstStyle>
-            <a:p>
-              <a:pPr>
-                <a:defRPr/>
-              </a:pPr>
-              <a:endParaRPr lang="en-US" sz="900" dirty="0">
-                <a:solidFill>
-                  <a:prstClr val="black"/>
-                </a:solidFill>
-                <a:latin typeface="Segoe UI Light" panose="020B0502040204020203" pitchFamily="34" charset="0"/>
-                <a:cs typeface="Segoe UI Light" panose="020B0502040204020203" pitchFamily="34" charset="0"/>
-              </a:endParaRPr>
-            </a:p>
-            <a:p>
-              <a:pPr>
-                <a:defRPr/>
-              </a:pPr>
-              <a:r>
-                <a:rPr lang="en-US" sz="900" dirty="0">
-                  <a:solidFill>
-                    <a:prstClr val="black"/>
-                  </a:solidFill>
-                  <a:latin typeface="Segoe UI Light" panose="020B0502040204020203" pitchFamily="34" charset="0"/>
-                  <a:cs typeface="Segoe UI Light" panose="020B0502040204020203" pitchFamily="34" charset="0"/>
-                </a:rPr>
-                <a:t> Apps</a:t>
-              </a:r>
-            </a:p>
-            <a:p>
-              <a:pPr>
-                <a:defRPr/>
-              </a:pPr>
-              <a:endParaRPr lang="en-US" sz="900" dirty="0">
-                <a:solidFill>
-                  <a:prstClr val="black"/>
-                </a:solidFill>
-                <a:latin typeface="Segoe UI Light" panose="020B0502040204020203" pitchFamily="34" charset="0"/>
-                <a:cs typeface="Segoe UI Light" panose="020B0502040204020203" pitchFamily="34" charset="0"/>
-              </a:endParaRPr>
-            </a:p>
-          </p:txBody>
-        </p:sp>
-        <p:pic>
-          <p:nvPicPr>
-            <p:cNvPr id="275" name="Picture 274" descr="A picture containing text, monitor, display, dark&#10;&#10;Description automatically generated">
-              <a:extLst>
-                <a:ext uri="{FF2B5EF4-FFF2-40B4-BE49-F238E27FC236}">
-                  <a16:creationId xmlns:a16="http://schemas.microsoft.com/office/drawing/2014/main" id="{6D6E2760-E13C-0C71-1B8C-7F06CD5E458D}"/>
-                </a:ext>
-              </a:extLst>
-            </p:cNvPr>
-            <p:cNvPicPr>
-              <a:picLocks noChangeAspect="1"/>
-            </p:cNvPicPr>
-            <p:nvPr/>
-          </p:nvPicPr>
-          <p:blipFill>
-            <a:blip r:embed="rId6"/>
-            <a:stretch>
-              <a:fillRect/>
-            </a:stretch>
-          </p:blipFill>
-          <p:spPr>
-            <a:xfrm>
-              <a:off x="1234544" y="3822652"/>
-              <a:ext cx="313993" cy="313993"/>
-            </a:xfrm>
-            <a:prstGeom prst="rect">
-              <a:avLst/>
-            </a:prstGeom>
-          </p:spPr>
-        </p:pic>
-      </p:grpSp>
-      <p:grpSp>
-        <p:nvGrpSpPr>
-          <p:cNvPr id="2" name="Group 1">
-            <a:extLst>
-              <a:ext uri="{FF2B5EF4-FFF2-40B4-BE49-F238E27FC236}">
-                <a16:creationId xmlns:a16="http://schemas.microsoft.com/office/drawing/2014/main" id="{050AC54E-4B30-4ABF-2FF2-F13F84658B08}"/>
-              </a:ext>
-            </a:extLst>
-          </p:cNvPr>
-          <p:cNvGrpSpPr/>
-          <p:nvPr/>
-        </p:nvGrpSpPr>
-        <p:grpSpPr>
-          <a:xfrm>
-            <a:off x="6917966" y="3228564"/>
-            <a:ext cx="822960" cy="538230"/>
-            <a:chOff x="8337734" y="5054548"/>
-            <a:chExt cx="822960" cy="538230"/>
-          </a:xfrm>
-        </p:grpSpPr>
-        <p:sp>
-          <p:nvSpPr>
-            <p:cNvPr id="265" name="Rectangle 264">
-              <a:extLst>
-                <a:ext uri="{FF2B5EF4-FFF2-40B4-BE49-F238E27FC236}">
-                  <a16:creationId xmlns:a16="http://schemas.microsoft.com/office/drawing/2014/main" id="{1BD0B2D2-48A7-F62C-6E34-B417A19583F1}"/>
-                </a:ext>
-              </a:extLst>
-            </p:cNvPr>
-            <p:cNvSpPr/>
-            <p:nvPr/>
-          </p:nvSpPr>
-          <p:spPr>
-            <a:xfrm>
-              <a:off x="8337734" y="5351771"/>
-              <a:ext cx="822960" cy="241007"/>
-            </a:xfrm>
-            <a:prstGeom prst="rect">
-              <a:avLst/>
-            </a:prstGeom>
-            <a:noFill/>
-            <a:ln w="6350" cap="flat" cmpd="sng" algn="ctr">
-              <a:noFill/>
-              <a:prstDash val="solid"/>
-              <a:miter lim="800000"/>
-            </a:ln>
-            <a:effectLst/>
-          </p:spPr>
-          <p:txBody>
-            <a:bodyPr rtlCol="0" anchor="t"/>
-            <a:lstStyle/>
-            <a:p>
-              <a:pPr marL="0" marR="0" lvl="0" indent="0" algn="ctr" defTabSz="685800" eaLnBrk="1" fontAlgn="auto" latinLnBrk="0" hangingPunct="1">
-                <a:lnSpc>
-                  <a:spcPct val="80000"/>
-                </a:lnSpc>
-                <a:spcBef>
-                  <a:spcPts val="0"/>
-                </a:spcBef>
-                <a:spcAft>
-                  <a:spcPts val="0"/>
-                </a:spcAft>
-                <a:buClrTx/>
-                <a:buSzTx/>
-                <a:buFontTx/>
-                <a:buNone/>
-                <a:tabLst/>
-                <a:defRPr/>
-              </a:pPr>
-              <a:r>
-                <a:rPr kumimoji="0" lang="en-US" sz="700" b="1" i="0" u="none" strike="noStrike" kern="0" cap="none" spc="0" normalizeH="0" baseline="0" noProof="0" dirty="0">
-                  <a:ln>
-                    <a:noFill/>
-                  </a:ln>
-                  <a:solidFill>
-                    <a:srgbClr val="002D5D"/>
-                  </a:solidFill>
-                  <a:effectLst/>
-                  <a:uLnTx/>
-                  <a:uFillTx/>
-                  <a:latin typeface="Segoe UI Light" panose="020B0502040204020203" pitchFamily="34" charset="0"/>
-                  <a:ea typeface="+mn-ea"/>
-                  <a:cs typeface="Segoe UI Light" panose="020B0502040204020203" pitchFamily="34" charset="0"/>
-                </a:rPr>
-                <a:t>Azure Front Door</a:t>
-              </a:r>
-            </a:p>
-          </p:txBody>
-        </p:sp>
-        <p:pic>
-          <p:nvPicPr>
-            <p:cNvPr id="302" name="Picture 2">
-              <a:extLst>
-                <a:ext uri="{FF2B5EF4-FFF2-40B4-BE49-F238E27FC236}">
-                  <a16:creationId xmlns:a16="http://schemas.microsoft.com/office/drawing/2014/main" id="{FA7E04E5-DCBA-9D62-9D89-73BA56950734}"/>
-                </a:ext>
-              </a:extLst>
-            </p:cNvPr>
-            <p:cNvPicPr>
-              <a:picLocks noChangeAspect="1" noChangeArrowheads="1"/>
-            </p:cNvPicPr>
-            <p:nvPr/>
-          </p:nvPicPr>
-          <p:blipFill>
-            <a:blip r:embed="rId7">
-              <a:extLst>
-                <a:ext uri="{28A0092B-C50C-407E-A947-70E740481C1C}">
-                  <a14:useLocalDpi xmlns:a14="http://schemas.microsoft.com/office/drawing/2010/main" val="0"/>
-                </a:ext>
-                <a:ext uri="{96DAC541-7B7A-43D3-8B79-37D633B846F1}">
-                  <asvg:svgBlip xmlns:asvg="http://schemas.microsoft.com/office/drawing/2016/SVG/main" r:embed="rId8"/>
-                </a:ext>
-              </a:extLst>
-            </a:blip>
-            <a:srcRect/>
-            <a:stretch/>
-          </p:blipFill>
-          <p:spPr bwMode="auto">
-            <a:xfrm>
-              <a:off x="8588127" y="5054548"/>
-              <a:ext cx="329184" cy="329184"/>
-            </a:xfrm>
-            <a:prstGeom prst="rect">
-              <a:avLst/>
-            </a:prstGeom>
-            <a:noFill/>
-            <a:extLst>
-              <a:ext uri="{909E8E84-426E-40DD-AFC4-6F175D3DCCD1}">
-                <a14:hiddenFill xmlns:a14="http://schemas.microsoft.com/office/drawing/2010/main">
-                  <a:solidFill>
-                    <a:srgbClr val="FFFFFF"/>
-                  </a:solidFill>
-                </a14:hiddenFill>
-              </a:ext>
-            </a:extLst>
-          </p:spPr>
-        </p:pic>
-      </p:grpSp>
-      <p:grpSp>
-        <p:nvGrpSpPr>
-          <p:cNvPr id="314" name="Group 313">
-            <a:extLst>
-              <a:ext uri="{FF2B5EF4-FFF2-40B4-BE49-F238E27FC236}">
-                <a16:creationId xmlns:a16="http://schemas.microsoft.com/office/drawing/2014/main" id="{2450D46D-27EF-F3B3-4380-A3F215EC9119}"/>
-              </a:ext>
-            </a:extLst>
-          </p:cNvPr>
-          <p:cNvGrpSpPr/>
-          <p:nvPr/>
-        </p:nvGrpSpPr>
-        <p:grpSpPr>
-          <a:xfrm>
-            <a:off x="3837001" y="2200497"/>
-            <a:ext cx="914400" cy="578280"/>
-            <a:chOff x="7235828" y="3147550"/>
-            <a:chExt cx="914400" cy="578280"/>
-          </a:xfrm>
-        </p:grpSpPr>
-        <p:sp>
-          <p:nvSpPr>
-            <p:cNvPr id="315" name="Rectangle 314">
-              <a:extLst>
-                <a:ext uri="{FF2B5EF4-FFF2-40B4-BE49-F238E27FC236}">
-                  <a16:creationId xmlns:a16="http://schemas.microsoft.com/office/drawing/2014/main" id="{A2BB0E73-35D2-DBE6-FB4C-F96A6FC76E43}"/>
-                </a:ext>
-              </a:extLst>
-            </p:cNvPr>
-            <p:cNvSpPr/>
-            <p:nvPr/>
-          </p:nvSpPr>
-          <p:spPr>
-            <a:xfrm>
-              <a:off x="7235828" y="3484823"/>
-              <a:ext cx="914400" cy="241007"/>
-            </a:xfrm>
-            <a:prstGeom prst="rect">
-              <a:avLst/>
-            </a:prstGeom>
-            <a:noFill/>
-            <a:ln w="6350" cap="flat" cmpd="sng" algn="ctr">
-              <a:noFill/>
-              <a:prstDash val="solid"/>
-              <a:miter lim="800000"/>
-            </a:ln>
-            <a:effectLst/>
-          </p:spPr>
-          <p:txBody>
-            <a:bodyPr rtlCol="0" anchor="t"/>
-            <a:lstStyle/>
-            <a:p>
-              <a:pPr marL="0" marR="0" lvl="0" indent="0" algn="ctr" defTabSz="685800" eaLnBrk="1" fontAlgn="auto" latinLnBrk="0" hangingPunct="1">
-                <a:lnSpc>
-                  <a:spcPct val="80000"/>
-                </a:lnSpc>
-                <a:spcBef>
-                  <a:spcPts val="0"/>
-                </a:spcBef>
-                <a:spcAft>
-                  <a:spcPts val="0"/>
-                </a:spcAft>
-                <a:buClrTx/>
-                <a:buSzTx/>
-                <a:buFontTx/>
-                <a:buNone/>
-                <a:tabLst/>
-                <a:defRPr/>
-              </a:pPr>
-              <a:r>
-                <a:rPr kumimoji="0" lang="en-US" sz="700" b="1" i="0" u="none" strike="noStrike" kern="0" cap="none" spc="0" normalizeH="0" baseline="0" noProof="0" dirty="0">
-                  <a:ln>
-                    <a:noFill/>
-                  </a:ln>
-                  <a:solidFill>
-                    <a:srgbClr val="002D5D"/>
-                  </a:solidFill>
-                  <a:effectLst/>
-                  <a:uLnTx/>
-                  <a:uFillTx/>
-                  <a:latin typeface="Segoe UI Light" panose="020B0502040204020203" pitchFamily="34" charset="0"/>
-                  <a:ea typeface="+mn-ea"/>
-                  <a:cs typeface="Segoe UI Light" panose="020B0502040204020203" pitchFamily="34" charset="0"/>
-                </a:rPr>
-                <a:t>Completions API Azure OpenAI </a:t>
-              </a:r>
-              <a:endParaRPr kumimoji="0" lang="en-US" sz="800" b="1" i="0" u="none" strike="noStrike" kern="0" cap="none" spc="0" normalizeH="0" baseline="0" noProof="0" dirty="0">
-                <a:ln>
-                  <a:noFill/>
-                </a:ln>
-                <a:solidFill>
-                  <a:srgbClr val="002D5D"/>
-                </a:solidFill>
-                <a:effectLst/>
-                <a:uLnTx/>
-                <a:uFillTx/>
-                <a:latin typeface="Segoe UI Light" panose="020B0502040204020203" pitchFamily="34" charset="0"/>
-                <a:ea typeface="+mn-ea"/>
-                <a:cs typeface="Segoe UI Light" panose="020B0502040204020203" pitchFamily="34" charset="0"/>
-              </a:endParaRPr>
-            </a:p>
-          </p:txBody>
-        </p:sp>
-        <p:pic>
-          <p:nvPicPr>
-            <p:cNvPr id="316" name="Picture 4" descr="OpenAI Logo">
-              <a:extLst>
-                <a:ext uri="{FF2B5EF4-FFF2-40B4-BE49-F238E27FC236}">
-                  <a16:creationId xmlns:a16="http://schemas.microsoft.com/office/drawing/2014/main" id="{CBECA9BA-E59C-595F-288D-31CD4E848DC2}"/>
-                </a:ext>
-              </a:extLst>
-            </p:cNvPr>
-            <p:cNvPicPr>
-              <a:picLocks noChangeAspect="1" noChangeArrowheads="1"/>
-            </p:cNvPicPr>
-            <p:nvPr/>
-          </p:nvPicPr>
-          <p:blipFill>
-            <a:blip r:embed="rId9">
-              <a:extLst>
-                <a:ext uri="{28A0092B-C50C-407E-A947-70E740481C1C}">
-                  <a14:useLocalDpi xmlns:a14="http://schemas.microsoft.com/office/drawing/2010/main" val="0"/>
-                </a:ext>
-              </a:extLst>
-            </a:blip>
-            <a:srcRect/>
-            <a:stretch>
-              <a:fillRect/>
-            </a:stretch>
-          </p:blipFill>
-          <p:spPr bwMode="auto">
-            <a:xfrm>
-              <a:off x="7541248" y="3147550"/>
-              <a:ext cx="318918" cy="323317"/>
-            </a:xfrm>
-            <a:prstGeom prst="rect">
-              <a:avLst/>
-            </a:prstGeom>
-            <a:noFill/>
-            <a:extLst>
-              <a:ext uri="{909E8E84-426E-40DD-AFC4-6F175D3DCCD1}">
-                <a14:hiddenFill xmlns:a14="http://schemas.microsoft.com/office/drawing/2010/main">
-                  <a:solidFill>
-                    <a:srgbClr val="FFFFFF"/>
-                  </a:solidFill>
-                </a14:hiddenFill>
-              </a:ext>
-            </a:extLst>
-          </p:spPr>
-        </p:pic>
-      </p:grpSp>
-      <p:sp>
-        <p:nvSpPr>
           <p:cNvPr id="333" name="TextBox 332">
             <a:extLst>
               <a:ext uri="{FF2B5EF4-FFF2-40B4-BE49-F238E27FC236}">
@@ -28294,12 +27898,80 @@
           </a:p>
         </p:txBody>
       </p:sp>
+      <p:sp>
+        <p:nvSpPr>
+          <p:cNvPr id="81" name="Rectangle 80">
+            <a:extLst>
+              <a:ext uri="{FF2B5EF4-FFF2-40B4-BE49-F238E27FC236}">
+                <a16:creationId xmlns:a16="http://schemas.microsoft.com/office/drawing/2014/main" id="{87008D77-EB90-37CB-0EC7-BF98DD03AAD7}"/>
+              </a:ext>
+            </a:extLst>
+          </p:cNvPr>
+          <p:cNvSpPr/>
+          <p:nvPr/>
+        </p:nvSpPr>
+        <p:spPr>
+          <a:xfrm>
+            <a:off x="1043796" y="1013708"/>
+            <a:ext cx="10127412" cy="5357004"/>
+          </a:xfrm>
+          <a:prstGeom prst="rect">
+            <a:avLst/>
+          </a:prstGeom>
+          <a:noFill/>
+          <a:ln w="28575" cap="flat" cmpd="sng" algn="ctr">
+            <a:solidFill>
+              <a:srgbClr val="00B0F0"/>
+            </a:solidFill>
+            <a:prstDash val="dash"/>
+            <a:miter lim="800000"/>
+          </a:ln>
+          <a:effectLst/>
+        </p:spPr>
+        <p:txBody>
+          <a:bodyPr rtlCol="0" anchor="ctr"/>
+          <a:lstStyle/>
+          <a:p>
+            <a:pPr marL="0" marR="0" lvl="0" indent="0" algn="ctr" defTabSz="914400" eaLnBrk="1" fontAlgn="auto" latinLnBrk="0" hangingPunct="1">
+              <a:lnSpc>
+                <a:spcPct val="100000"/>
+              </a:lnSpc>
+              <a:spcBef>
+                <a:spcPts val="0"/>
+              </a:spcBef>
+              <a:spcAft>
+                <a:spcPts val="0"/>
+              </a:spcAft>
+              <a:buClrTx/>
+              <a:buSzTx/>
+              <a:buFontTx/>
+              <a:buNone/>
+              <a:tabLst/>
+              <a:defRPr/>
+            </a:pPr>
+            <a:endParaRPr kumimoji="0" lang="en-US" sz="1800" b="0" i="0" u="none" strike="noStrike" kern="0" cap="none" spc="0" normalizeH="0" baseline="0" noProof="0">
+              <a:ln>
+                <a:noFill/>
+              </a:ln>
+              <a:solidFill>
+                <a:prstClr val="white"/>
+              </a:solidFill>
+              <a:effectLst/>
+              <a:uLnTx/>
+              <a:uFillTx/>
+              <a:latin typeface="Calibri" panose="020F0502020204030204"/>
+              <a:ea typeface="+mn-ea"/>
+              <a:cs typeface="+mn-cs"/>
+            </a:endParaRPr>
+          </a:p>
+        </p:txBody>
+      </p:sp>
       <p:grpSp>
         <p:nvGrpSpPr>
-          <p:cNvPr id="6" name="Group 5">
+          <p:cNvPr id="82" name="Group 81">
             <a:extLst>
               <a:ext uri="{FF2B5EF4-FFF2-40B4-BE49-F238E27FC236}">
-                <a16:creationId xmlns:a16="http://schemas.microsoft.com/office/drawing/2014/main" id="{423D9F2E-F569-46B9-E5AB-57EE8F574B6E}"/>
+                <a16:creationId xmlns:a16="http://schemas.microsoft.com/office/drawing/2014/main" id="{2457A4B1-765F-9AB8-BDED-5537AFAFB4C3}"/>
               </a:ext>
             </a:extLst>
           </p:cNvPr>
@@ -28308,588 +27980,18 @@
         </p:nvGrpSpPr>
         <p:grpSpPr>
           <a:xfrm>
-            <a:off x="8007548" y="3223570"/>
-            <a:ext cx="822960" cy="515264"/>
-            <a:chOff x="8337734" y="5077514"/>
-            <a:chExt cx="822960" cy="515264"/>
-          </a:xfrm>
-        </p:grpSpPr>
-        <p:sp>
-          <p:nvSpPr>
-            <p:cNvPr id="7" name="Rectangle 6">
-              <a:extLst>
-                <a:ext uri="{FF2B5EF4-FFF2-40B4-BE49-F238E27FC236}">
-                  <a16:creationId xmlns:a16="http://schemas.microsoft.com/office/drawing/2014/main" id="{6341B130-ACA5-10F2-15FB-3E248521E754}"/>
-                </a:ext>
-              </a:extLst>
-            </p:cNvPr>
-            <p:cNvSpPr/>
-            <p:nvPr/>
-          </p:nvSpPr>
-          <p:spPr>
-            <a:xfrm>
-              <a:off x="8337734" y="5351771"/>
-              <a:ext cx="822960" cy="241007"/>
-            </a:xfrm>
-            <a:prstGeom prst="rect">
-              <a:avLst/>
-            </a:prstGeom>
-            <a:noFill/>
-            <a:ln w="6350" cap="flat" cmpd="sng" algn="ctr">
-              <a:noFill/>
-              <a:prstDash val="solid"/>
-              <a:miter lim="800000"/>
-            </a:ln>
-            <a:effectLst/>
-          </p:spPr>
-          <p:txBody>
-            <a:bodyPr rtlCol="0" anchor="t"/>
-            <a:lstStyle/>
-            <a:p>
-              <a:pPr marL="0" marR="0" lvl="0" indent="0" algn="ctr" defTabSz="685800" eaLnBrk="1" fontAlgn="auto" latinLnBrk="0" hangingPunct="1">
-                <a:lnSpc>
-                  <a:spcPct val="80000"/>
-                </a:lnSpc>
-                <a:spcBef>
-                  <a:spcPts val="0"/>
-                </a:spcBef>
-                <a:spcAft>
-                  <a:spcPts val="0"/>
-                </a:spcAft>
-                <a:buClrTx/>
-                <a:buSzTx/>
-                <a:buFontTx/>
-                <a:buNone/>
-                <a:tabLst/>
-                <a:defRPr/>
-              </a:pPr>
-              <a:r>
-                <a:rPr kumimoji="0" lang="en-US" sz="700" b="1" i="0" u="none" strike="noStrike" kern="0" cap="none" spc="0" normalizeH="0" baseline="0" noProof="0" dirty="0">
-                  <a:ln>
-                    <a:noFill/>
-                  </a:ln>
-                  <a:solidFill>
-                    <a:srgbClr val="002D5D"/>
-                  </a:solidFill>
-                  <a:effectLst/>
-                  <a:uLnTx/>
-                  <a:uFillTx/>
-                  <a:latin typeface="Segoe UI Light" panose="020B0502040204020203" pitchFamily="34" charset="0"/>
-                  <a:ea typeface="+mn-ea"/>
-                  <a:cs typeface="Segoe UI Light" panose="020B0502040204020203" pitchFamily="34" charset="0"/>
-                </a:rPr>
-                <a:t>Account Management Static Web App</a:t>
-              </a:r>
-            </a:p>
-          </p:txBody>
-        </p:sp>
-        <p:pic>
-          <p:nvPicPr>
-            <p:cNvPr id="8" name="Picture 2">
-              <a:extLst>
-                <a:ext uri="{FF2B5EF4-FFF2-40B4-BE49-F238E27FC236}">
-                  <a16:creationId xmlns:a16="http://schemas.microsoft.com/office/drawing/2014/main" id="{4BFEA827-49CC-7699-5D74-7E6B767E1C75}"/>
-                </a:ext>
-              </a:extLst>
-            </p:cNvPr>
-            <p:cNvPicPr>
-              <a:picLocks noChangeAspect="1" noChangeArrowheads="1"/>
-            </p:cNvPicPr>
-            <p:nvPr/>
-          </p:nvPicPr>
-          <p:blipFill>
-            <a:blip r:embed="rId10">
-              <a:extLst>
-                <a:ext uri="{28A0092B-C50C-407E-A947-70E740481C1C}">
-                  <a14:useLocalDpi xmlns:a14="http://schemas.microsoft.com/office/drawing/2010/main" val="0"/>
-                </a:ext>
-              </a:extLst>
-            </a:blip>
-            <a:srcRect/>
-            <a:stretch/>
-          </p:blipFill>
-          <p:spPr bwMode="auto">
-            <a:xfrm>
-              <a:off x="8588127" y="5077514"/>
-              <a:ext cx="329184" cy="283251"/>
-            </a:xfrm>
-            <a:prstGeom prst="rect">
-              <a:avLst/>
-            </a:prstGeom>
-            <a:noFill/>
-            <a:extLst>
-              <a:ext uri="{909E8E84-426E-40DD-AFC4-6F175D3DCCD1}">
-                <a14:hiddenFill xmlns:a14="http://schemas.microsoft.com/office/drawing/2010/main">
-                  <a:solidFill>
-                    <a:srgbClr val="FFFFFF"/>
-                  </a:solidFill>
-                </a14:hiddenFill>
-              </a:ext>
-            </a:extLst>
-          </p:spPr>
-        </p:pic>
-      </p:grpSp>
-      <p:grpSp>
-        <p:nvGrpSpPr>
-          <p:cNvPr id="31" name="Group 30">
-            <a:extLst>
-              <a:ext uri="{FF2B5EF4-FFF2-40B4-BE49-F238E27FC236}">
-                <a16:creationId xmlns:a16="http://schemas.microsoft.com/office/drawing/2014/main" id="{72EB86BB-8B27-0A9B-F715-DCEBA8D5FCA1}"/>
-              </a:ext>
-            </a:extLst>
-          </p:cNvPr>
-          <p:cNvGrpSpPr/>
-          <p:nvPr/>
-        </p:nvGrpSpPr>
-        <p:grpSpPr>
-          <a:xfrm>
-            <a:off x="5471857" y="2537770"/>
-            <a:ext cx="871220" cy="1942958"/>
-            <a:chOff x="5339404" y="2411674"/>
-            <a:chExt cx="871220" cy="1942958"/>
-          </a:xfrm>
-        </p:grpSpPr>
-        <p:grpSp>
-          <p:nvGrpSpPr>
-            <p:cNvPr id="3" name="Group 2">
-              <a:extLst>
-                <a:ext uri="{FF2B5EF4-FFF2-40B4-BE49-F238E27FC236}">
-                  <a16:creationId xmlns:a16="http://schemas.microsoft.com/office/drawing/2014/main" id="{BFFA37F4-CFCA-9C72-DEF9-BFDF85B30458}"/>
-                </a:ext>
-              </a:extLst>
-            </p:cNvPr>
-            <p:cNvGrpSpPr/>
-            <p:nvPr/>
-          </p:nvGrpSpPr>
-          <p:grpSpPr>
-            <a:xfrm>
-              <a:off x="5379499" y="2411674"/>
-              <a:ext cx="822960" cy="515264"/>
-              <a:chOff x="8337734" y="5077514"/>
-              <a:chExt cx="822960" cy="515264"/>
-            </a:xfrm>
-          </p:grpSpPr>
-          <p:sp>
-            <p:nvSpPr>
-              <p:cNvPr id="4" name="Rectangle 3">
-                <a:extLst>
-                  <a:ext uri="{FF2B5EF4-FFF2-40B4-BE49-F238E27FC236}">
-                    <a16:creationId xmlns:a16="http://schemas.microsoft.com/office/drawing/2014/main" id="{1BFDDCE5-DA73-A8F4-684A-BEC60FD4B603}"/>
-                  </a:ext>
-                </a:extLst>
-              </p:cNvPr>
-              <p:cNvSpPr/>
-              <p:nvPr/>
-            </p:nvSpPr>
-            <p:spPr>
-              <a:xfrm>
-                <a:off x="8337734" y="5351771"/>
-                <a:ext cx="822960" cy="241007"/>
-              </a:xfrm>
-              <a:prstGeom prst="rect">
-                <a:avLst/>
-              </a:prstGeom>
-              <a:noFill/>
-              <a:ln w="6350" cap="flat" cmpd="sng" algn="ctr">
-                <a:noFill/>
-                <a:prstDash val="solid"/>
-                <a:miter lim="800000"/>
-              </a:ln>
-              <a:effectLst/>
-            </p:spPr>
-            <p:txBody>
-              <a:bodyPr rtlCol="0" anchor="t"/>
-              <a:lstStyle/>
-              <a:p>
-                <a:pPr marL="0" marR="0" lvl="0" indent="0" algn="ctr" defTabSz="685800" eaLnBrk="1" fontAlgn="auto" latinLnBrk="0" hangingPunct="1">
-                  <a:lnSpc>
-                    <a:spcPct val="80000"/>
-                  </a:lnSpc>
-                  <a:spcBef>
-                    <a:spcPts val="0"/>
-                  </a:spcBef>
-                  <a:spcAft>
-                    <a:spcPts val="0"/>
-                  </a:spcAft>
-                  <a:buClrTx/>
-                  <a:buSzTx/>
-                  <a:buFontTx/>
-                  <a:buNone/>
-                  <a:tabLst/>
-                  <a:defRPr/>
-                </a:pPr>
-                <a:r>
-                  <a:rPr kumimoji="0" lang="en-US" sz="700" b="1" i="0" u="none" strike="noStrike" kern="0" cap="none" spc="0" normalizeH="0" baseline="0" noProof="0" dirty="0">
-                    <a:ln>
-                      <a:noFill/>
-                    </a:ln>
-                    <a:solidFill>
-                      <a:srgbClr val="002D5D"/>
-                    </a:solidFill>
-                    <a:effectLst/>
-                    <a:uLnTx/>
-                    <a:uFillTx/>
-                    <a:latin typeface="Segoe UI Light" panose="020B0502040204020203" pitchFamily="34" charset="0"/>
-                    <a:ea typeface="+mn-ea"/>
-                    <a:cs typeface="Segoe UI Light" panose="020B0502040204020203" pitchFamily="34" charset="0"/>
-                  </a:rPr>
-                  <a:t>Payments API Azure Functions</a:t>
-                </a:r>
-              </a:p>
-            </p:txBody>
-          </p:sp>
-          <p:pic>
-            <p:nvPicPr>
-              <p:cNvPr id="5" name="Picture 2">
-                <a:extLst>
-                  <a:ext uri="{FF2B5EF4-FFF2-40B4-BE49-F238E27FC236}">
-                    <a16:creationId xmlns:a16="http://schemas.microsoft.com/office/drawing/2014/main" id="{19689AAE-1B0F-C281-69F8-EF83F533B0CF}"/>
-                  </a:ext>
-                </a:extLst>
-              </p:cNvPr>
-              <p:cNvPicPr>
-                <a:picLocks noChangeAspect="1" noChangeArrowheads="1"/>
-              </p:cNvPicPr>
-              <p:nvPr/>
-            </p:nvPicPr>
-            <p:blipFill>
-              <a:blip r:embed="rId11">
-                <a:extLst>
-                  <a:ext uri="{28A0092B-C50C-407E-A947-70E740481C1C}">
-                    <a14:useLocalDpi xmlns:a14="http://schemas.microsoft.com/office/drawing/2010/main" val="0"/>
-                  </a:ext>
-                  <a:ext uri="{96DAC541-7B7A-43D3-8B79-37D633B846F1}">
-                    <asvg:svgBlip xmlns:asvg="http://schemas.microsoft.com/office/drawing/2016/SVG/main" r:embed="rId12"/>
-                  </a:ext>
-                </a:extLst>
-              </a:blip>
-              <a:srcRect/>
-              <a:stretch/>
-            </p:blipFill>
-            <p:spPr bwMode="auto">
-              <a:xfrm>
-                <a:off x="8611093" y="5077514"/>
-                <a:ext cx="283251" cy="283251"/>
-              </a:xfrm>
-              <a:prstGeom prst="rect">
-                <a:avLst/>
-              </a:prstGeom>
-              <a:noFill/>
-              <a:extLst>
-                <a:ext uri="{909E8E84-426E-40DD-AFC4-6F175D3DCCD1}">
-                  <a14:hiddenFill xmlns:a14="http://schemas.microsoft.com/office/drawing/2010/main">
-                    <a:solidFill>
-                      <a:srgbClr val="FFFFFF"/>
-                    </a:solidFill>
-                  </a14:hiddenFill>
-                </a:ext>
-              </a:extLst>
-            </p:spPr>
-          </p:pic>
-        </p:grpSp>
-        <p:grpSp>
-          <p:nvGrpSpPr>
-            <p:cNvPr id="11" name="Group 10">
-              <a:extLst>
-                <a:ext uri="{FF2B5EF4-FFF2-40B4-BE49-F238E27FC236}">
-                  <a16:creationId xmlns:a16="http://schemas.microsoft.com/office/drawing/2014/main" id="{B22C6D6C-89AD-0E4B-5F12-BE44BD4F64E0}"/>
-                </a:ext>
-              </a:extLst>
-            </p:cNvPr>
-            <p:cNvGrpSpPr/>
-            <p:nvPr/>
-          </p:nvGrpSpPr>
-          <p:grpSpPr>
-            <a:xfrm>
-              <a:off x="5387664" y="3142156"/>
-              <a:ext cx="822960" cy="515264"/>
-              <a:chOff x="8337734" y="5077514"/>
-              <a:chExt cx="822960" cy="515264"/>
-            </a:xfrm>
-          </p:grpSpPr>
-          <p:sp>
-            <p:nvSpPr>
-              <p:cNvPr id="12" name="Rectangle 11">
-                <a:extLst>
-                  <a:ext uri="{FF2B5EF4-FFF2-40B4-BE49-F238E27FC236}">
-                    <a16:creationId xmlns:a16="http://schemas.microsoft.com/office/drawing/2014/main" id="{46605C32-7191-F4B5-FF41-AA765707843B}"/>
-                  </a:ext>
-                </a:extLst>
-              </p:cNvPr>
-              <p:cNvSpPr/>
-              <p:nvPr/>
-            </p:nvSpPr>
-            <p:spPr>
-              <a:xfrm>
-                <a:off x="8337734" y="5351771"/>
-                <a:ext cx="822960" cy="241007"/>
-              </a:xfrm>
-              <a:prstGeom prst="rect">
-                <a:avLst/>
-              </a:prstGeom>
-              <a:noFill/>
-              <a:ln w="6350" cap="flat" cmpd="sng" algn="ctr">
-                <a:noFill/>
-                <a:prstDash val="solid"/>
-                <a:miter lim="800000"/>
-              </a:ln>
-              <a:effectLst/>
-            </p:spPr>
-            <p:txBody>
-              <a:bodyPr rtlCol="0" anchor="t"/>
-              <a:lstStyle/>
-              <a:p>
-                <a:pPr marL="0" marR="0" lvl="0" indent="0" algn="ctr" defTabSz="685800" eaLnBrk="1" fontAlgn="auto" latinLnBrk="0" hangingPunct="1">
-                  <a:lnSpc>
-                    <a:spcPct val="80000"/>
-                  </a:lnSpc>
-                  <a:spcBef>
-                    <a:spcPts val="0"/>
-                  </a:spcBef>
-                  <a:spcAft>
-                    <a:spcPts val="0"/>
-                  </a:spcAft>
-                  <a:buClrTx/>
-                  <a:buSzTx/>
-                  <a:buFontTx/>
-                  <a:buNone/>
-                  <a:tabLst/>
-                  <a:defRPr/>
-                </a:pPr>
-                <a:r>
-                  <a:rPr kumimoji="0" lang="en-US" sz="700" b="1" i="0" u="none" strike="noStrike" kern="0" cap="none" spc="0" normalizeH="0" baseline="0" noProof="0" dirty="0">
-                    <a:ln>
-                      <a:noFill/>
-                    </a:ln>
-                    <a:solidFill>
-                      <a:srgbClr val="002D5D"/>
-                    </a:solidFill>
-                    <a:effectLst/>
-                    <a:uLnTx/>
-                    <a:uFillTx/>
-                    <a:latin typeface="Segoe UI Light" panose="020B0502040204020203" pitchFamily="34" charset="0"/>
-                    <a:ea typeface="+mn-ea"/>
-                    <a:cs typeface="Segoe UI Light" panose="020B0502040204020203" pitchFamily="34" charset="0"/>
-                  </a:rPr>
-                  <a:t>Payments API Azure Functions</a:t>
-                </a:r>
-              </a:p>
-            </p:txBody>
-          </p:sp>
-          <p:pic>
-            <p:nvPicPr>
-              <p:cNvPr id="13" name="Picture 2">
-                <a:extLst>
-                  <a:ext uri="{FF2B5EF4-FFF2-40B4-BE49-F238E27FC236}">
-                    <a16:creationId xmlns:a16="http://schemas.microsoft.com/office/drawing/2014/main" id="{69770D46-10F4-FE81-4A15-C86A4DEA127C}"/>
-                  </a:ext>
-                </a:extLst>
-              </p:cNvPr>
-              <p:cNvPicPr>
-                <a:picLocks noChangeAspect="1" noChangeArrowheads="1"/>
-              </p:cNvPicPr>
-              <p:nvPr/>
-            </p:nvPicPr>
-            <p:blipFill>
-              <a:blip r:embed="rId11">
-                <a:extLst>
-                  <a:ext uri="{28A0092B-C50C-407E-A947-70E740481C1C}">
-                    <a14:useLocalDpi xmlns:a14="http://schemas.microsoft.com/office/drawing/2010/main" val="0"/>
-                  </a:ext>
-                  <a:ext uri="{96DAC541-7B7A-43D3-8B79-37D633B846F1}">
-                    <asvg:svgBlip xmlns:asvg="http://schemas.microsoft.com/office/drawing/2016/SVG/main" r:embed="rId12"/>
-                  </a:ext>
-                </a:extLst>
-              </a:blip>
-              <a:srcRect/>
-              <a:stretch/>
-            </p:blipFill>
-            <p:spPr bwMode="auto">
-              <a:xfrm>
-                <a:off x="8611093" y="5077514"/>
-                <a:ext cx="283251" cy="283251"/>
-              </a:xfrm>
-              <a:prstGeom prst="rect">
-                <a:avLst/>
-              </a:prstGeom>
-              <a:noFill/>
-              <a:extLst>
-                <a:ext uri="{909E8E84-426E-40DD-AFC4-6F175D3DCCD1}">
-                  <a14:hiddenFill xmlns:a14="http://schemas.microsoft.com/office/drawing/2010/main">
-                    <a:solidFill>
-                      <a:srgbClr val="FFFFFF"/>
-                    </a:solidFill>
-                  </a14:hiddenFill>
-                </a:ext>
-              </a:extLst>
-            </p:spPr>
-          </p:pic>
-        </p:grpSp>
-        <p:grpSp>
-          <p:nvGrpSpPr>
-            <p:cNvPr id="14" name="Group 13">
-              <a:extLst>
-                <a:ext uri="{FF2B5EF4-FFF2-40B4-BE49-F238E27FC236}">
-                  <a16:creationId xmlns:a16="http://schemas.microsoft.com/office/drawing/2014/main" id="{69E9B9A1-AC82-53DE-9E51-948AE5A75F4A}"/>
-                </a:ext>
-              </a:extLst>
-            </p:cNvPr>
-            <p:cNvGrpSpPr/>
-            <p:nvPr/>
-          </p:nvGrpSpPr>
-          <p:grpSpPr>
-            <a:xfrm>
-              <a:off x="5339404" y="3839368"/>
-              <a:ext cx="822960" cy="515264"/>
-              <a:chOff x="8337734" y="5077514"/>
-              <a:chExt cx="822960" cy="515264"/>
-            </a:xfrm>
-          </p:grpSpPr>
-          <p:sp>
-            <p:nvSpPr>
-              <p:cNvPr id="15" name="Rectangle 14">
-                <a:extLst>
-                  <a:ext uri="{FF2B5EF4-FFF2-40B4-BE49-F238E27FC236}">
-                    <a16:creationId xmlns:a16="http://schemas.microsoft.com/office/drawing/2014/main" id="{C754EB3F-3F34-A23D-512C-5AE9BFE217B4}"/>
-                  </a:ext>
-                </a:extLst>
-              </p:cNvPr>
-              <p:cNvSpPr/>
-              <p:nvPr/>
-            </p:nvSpPr>
-            <p:spPr>
-              <a:xfrm>
-                <a:off x="8337734" y="5351771"/>
-                <a:ext cx="822960" cy="241007"/>
-              </a:xfrm>
-              <a:prstGeom prst="rect">
-                <a:avLst/>
-              </a:prstGeom>
-              <a:noFill/>
-              <a:ln w="6350" cap="flat" cmpd="sng" algn="ctr">
-                <a:noFill/>
-                <a:prstDash val="solid"/>
-                <a:miter lim="800000"/>
-              </a:ln>
-              <a:effectLst/>
-            </p:spPr>
-            <p:txBody>
-              <a:bodyPr rtlCol="0" anchor="t"/>
-              <a:lstStyle/>
-              <a:p>
-                <a:pPr marL="0" marR="0" lvl="0" indent="0" algn="ctr" defTabSz="685800" eaLnBrk="1" fontAlgn="auto" latinLnBrk="0" hangingPunct="1">
-                  <a:lnSpc>
-                    <a:spcPct val="80000"/>
-                  </a:lnSpc>
-                  <a:spcBef>
-                    <a:spcPts val="0"/>
-                  </a:spcBef>
-                  <a:spcAft>
-                    <a:spcPts val="0"/>
-                  </a:spcAft>
-                  <a:buClrTx/>
-                  <a:buSzTx/>
-                  <a:buFontTx/>
-                  <a:buNone/>
-                  <a:tabLst/>
-                  <a:defRPr/>
-                </a:pPr>
-                <a:r>
-                  <a:rPr kumimoji="0" lang="en-US" sz="700" b="1" i="0" u="none" strike="noStrike" kern="0" cap="none" spc="0" normalizeH="0" baseline="0" noProof="0" dirty="0">
-                    <a:ln>
-                      <a:noFill/>
-                    </a:ln>
-                    <a:solidFill>
-                      <a:srgbClr val="002D5D"/>
-                    </a:solidFill>
-                    <a:effectLst/>
-                    <a:uLnTx/>
-                    <a:uFillTx/>
-                    <a:latin typeface="Segoe UI Light" panose="020B0502040204020203" pitchFamily="34" charset="0"/>
-                    <a:ea typeface="+mn-ea"/>
-                    <a:cs typeface="Segoe UI Light" panose="020B0502040204020203" pitchFamily="34" charset="0"/>
-                  </a:rPr>
-                  <a:t>Payments API Azure Functions</a:t>
-                </a:r>
-              </a:p>
-            </p:txBody>
-          </p:sp>
-          <p:pic>
-            <p:nvPicPr>
-              <p:cNvPr id="16" name="Picture 2">
-                <a:extLst>
-                  <a:ext uri="{FF2B5EF4-FFF2-40B4-BE49-F238E27FC236}">
-                    <a16:creationId xmlns:a16="http://schemas.microsoft.com/office/drawing/2014/main" id="{00CD855F-E220-484A-59DF-799491DBDA50}"/>
-                  </a:ext>
-                </a:extLst>
-              </p:cNvPr>
-              <p:cNvPicPr>
-                <a:picLocks noChangeAspect="1" noChangeArrowheads="1"/>
-              </p:cNvPicPr>
-              <p:nvPr/>
-            </p:nvPicPr>
-            <p:blipFill>
-              <a:blip r:embed="rId11">
-                <a:extLst>
-                  <a:ext uri="{28A0092B-C50C-407E-A947-70E740481C1C}">
-                    <a14:useLocalDpi xmlns:a14="http://schemas.microsoft.com/office/drawing/2010/main" val="0"/>
-                  </a:ext>
-                  <a:ext uri="{96DAC541-7B7A-43D3-8B79-37D633B846F1}">
-                    <asvg:svgBlip xmlns:asvg="http://schemas.microsoft.com/office/drawing/2016/SVG/main" r:embed="rId12"/>
-                  </a:ext>
-                </a:extLst>
-              </a:blip>
-              <a:srcRect/>
-              <a:stretch/>
-            </p:blipFill>
-            <p:spPr bwMode="auto">
-              <a:xfrm>
-                <a:off x="8611093" y="5077514"/>
-                <a:ext cx="283251" cy="283251"/>
-              </a:xfrm>
-              <a:prstGeom prst="rect">
-                <a:avLst/>
-              </a:prstGeom>
-              <a:noFill/>
-              <a:extLst>
-                <a:ext uri="{909E8E84-426E-40DD-AFC4-6F175D3DCCD1}">
-                  <a14:hiddenFill xmlns:a14="http://schemas.microsoft.com/office/drawing/2010/main">
-                    <a:solidFill>
-                      <a:srgbClr val="FFFFFF"/>
-                    </a:solidFill>
-                  </a14:hiddenFill>
-                </a:ext>
-              </a:extLst>
-            </p:spPr>
-          </p:pic>
-        </p:grpSp>
-      </p:grpSp>
-      <p:grpSp>
-        <p:nvGrpSpPr>
-          <p:cNvPr id="30" name="Group 29">
-            <a:extLst>
-              <a:ext uri="{FF2B5EF4-FFF2-40B4-BE49-F238E27FC236}">
-                <a16:creationId xmlns:a16="http://schemas.microsoft.com/office/drawing/2014/main" id="{4538FA07-E9FC-4873-D07D-51C51485ADA8}"/>
-              </a:ext>
-            </a:extLst>
-          </p:cNvPr>
-          <p:cNvGrpSpPr/>
-          <p:nvPr/>
-        </p:nvGrpSpPr>
-        <p:grpSpPr>
-          <a:xfrm>
-            <a:off x="2520084" y="3195209"/>
-            <a:ext cx="2074265" cy="1336153"/>
-            <a:chOff x="2520084" y="3195209"/>
-            <a:chExt cx="2074265" cy="1336153"/>
+            <a:off x="1277073" y="2994126"/>
+            <a:ext cx="3883134" cy="2540697"/>
+            <a:chOff x="1230974" y="1895511"/>
+            <a:chExt cx="4943272" cy="3234335"/>
           </a:xfrm>
         </p:grpSpPr>
         <p:pic>
           <p:nvPicPr>
-            <p:cNvPr id="23" name="Picture 22">
+            <p:cNvPr id="83" name="Picture 82">
               <a:extLst>
                 <a:ext uri="{FF2B5EF4-FFF2-40B4-BE49-F238E27FC236}">
-                  <a16:creationId xmlns:a16="http://schemas.microsoft.com/office/drawing/2014/main" id="{7C95401E-9F02-32FC-A97E-FFEF23C13ED0}"/>
+                  <a16:creationId xmlns:a16="http://schemas.microsoft.com/office/drawing/2014/main" id="{32872D07-6A0C-4453-DC2F-0BFDB2ED46F0}"/>
                 </a:ext>
               </a:extLst>
             </p:cNvPr>
@@ -28899,15 +28001,15 @@
             <p:nvPr/>
           </p:nvPicPr>
           <p:blipFill>
-            <a:blip r:embed="rId13"/>
+            <a:blip r:embed="rId4"/>
             <a:stretch>
               <a:fillRect/>
             </a:stretch>
           </p:blipFill>
           <p:spPr>
             <a:xfrm>
-              <a:off x="2570149" y="3227182"/>
-              <a:ext cx="2016873" cy="1304180"/>
+              <a:off x="1325595" y="1895511"/>
+              <a:ext cx="4848651" cy="3234335"/>
             </a:xfrm>
             <a:prstGeom prst="rect">
               <a:avLst/>
@@ -28916,10 +28018,10 @@
         </p:pic>
         <p:grpSp>
           <p:nvGrpSpPr>
-            <p:cNvPr id="19" name="Group 18">
+            <p:cNvPr id="84" name="Group 83">
               <a:extLst>
                 <a:ext uri="{FF2B5EF4-FFF2-40B4-BE49-F238E27FC236}">
-                  <a16:creationId xmlns:a16="http://schemas.microsoft.com/office/drawing/2014/main" id="{86B087DC-17B6-FA7E-0ED5-3C0C798ED3CC}"/>
+                  <a16:creationId xmlns:a16="http://schemas.microsoft.com/office/drawing/2014/main" id="{EE5C26ED-A582-3ADB-E677-68041976B735}"/>
                 </a:ext>
               </a:extLst>
             </p:cNvPr>
@@ -28928,166 +28030,111 @@
           </p:nvGrpSpPr>
           <p:grpSpPr>
             <a:xfrm>
-              <a:off x="2520084" y="3195209"/>
-              <a:ext cx="822960" cy="493504"/>
-              <a:chOff x="8337734" y="5099274"/>
-              <a:chExt cx="822960" cy="493504"/>
+              <a:off x="1230974" y="2225271"/>
+              <a:ext cx="1534970" cy="1034931"/>
+              <a:chOff x="558114" y="1319497"/>
+              <a:chExt cx="1534970" cy="1034931"/>
             </a:xfrm>
           </p:grpSpPr>
-          <p:sp>
-            <p:nvSpPr>
-              <p:cNvPr id="20" name="Rectangle 19">
+          <p:pic>
+            <p:nvPicPr>
+              <p:cNvPr id="91" name="Graphic 90">
                 <a:extLst>
                   <a:ext uri="{FF2B5EF4-FFF2-40B4-BE49-F238E27FC236}">
-                    <a16:creationId xmlns:a16="http://schemas.microsoft.com/office/drawing/2014/main" id="{8DB7802D-7180-A0A1-EBF2-E6AC4655A03D}"/>
+                    <a16:creationId xmlns:a16="http://schemas.microsoft.com/office/drawing/2014/main" id="{CC579F37-7175-44F9-8E9B-F3184E9444EB}"/>
                   </a:ext>
                 </a:extLst>
               </p:cNvPr>
-              <p:cNvSpPr/>
+              <p:cNvPicPr>
+                <a:picLocks noChangeAspect="1"/>
+              </p:cNvPicPr>
+              <p:nvPr/>
+            </p:nvPicPr>
+            <p:blipFill>
+              <a:blip r:embed="rId5">
+                <a:extLst>
+                  <a:ext uri="{28A0092B-C50C-407E-A947-70E740481C1C}">
+                    <a14:useLocalDpi xmlns:a14="http://schemas.microsoft.com/office/drawing/2010/main" val="0"/>
+                  </a:ext>
+                  <a:ext uri="{96DAC541-7B7A-43D3-8B79-37D633B846F1}">
+                    <asvg:svgBlip xmlns:asvg="http://schemas.microsoft.com/office/drawing/2016/SVG/main" r:embed="rId6"/>
+                  </a:ext>
+                </a:extLst>
+              </a:blip>
+              <a:stretch>
+                <a:fillRect/>
+              </a:stretch>
+            </p:blipFill>
+            <p:spPr>
+              <a:xfrm>
+                <a:off x="1042587" y="1319497"/>
+                <a:ext cx="566016" cy="566016"/>
+              </a:xfrm>
+              <a:prstGeom prst="rect">
+                <a:avLst/>
+              </a:prstGeom>
+            </p:spPr>
+          </p:pic>
+          <p:sp>
+            <p:nvSpPr>
+              <p:cNvPr id="92" name="TextBox 91">
+                <a:extLst>
+                  <a:ext uri="{FF2B5EF4-FFF2-40B4-BE49-F238E27FC236}">
+                    <a16:creationId xmlns:a16="http://schemas.microsoft.com/office/drawing/2014/main" id="{D652DF17-C78C-4DA0-623E-63F41D43D689}"/>
+                  </a:ext>
+                </a:extLst>
+              </p:cNvPr>
+              <p:cNvSpPr txBox="1"/>
               <p:nvPr/>
             </p:nvSpPr>
             <p:spPr>
               <a:xfrm>
-                <a:off x="8337734" y="5351771"/>
-                <a:ext cx="822960" cy="241007"/>
+                <a:off x="558114" y="1805904"/>
+                <a:ext cx="1534970" cy="548524"/>
               </a:xfrm>
               <a:prstGeom prst="rect">
                 <a:avLst/>
               </a:prstGeom>
               <a:noFill/>
-              <a:ln w="6350" cap="flat" cmpd="sng" algn="ctr">
-                <a:noFill/>
-                <a:prstDash val="solid"/>
-                <a:miter lim="800000"/>
-              </a:ln>
-              <a:effectLst/>
             </p:spPr>
             <p:txBody>
-              <a:bodyPr rtlCol="0" anchor="t"/>
+              <a:bodyPr wrap="none" rtlCol="0">
+                <a:spAutoFit/>
+              </a:bodyPr>
               <a:lstStyle/>
               <a:p>
-                <a:pPr marL="0" marR="0" lvl="0" indent="0" algn="ctr" defTabSz="685800" eaLnBrk="1" fontAlgn="auto" latinLnBrk="0" hangingPunct="1">
-                  <a:lnSpc>
-                    <a:spcPct val="80000"/>
-                  </a:lnSpc>
-                  <a:spcBef>
-                    <a:spcPts val="0"/>
-                  </a:spcBef>
-                  <a:spcAft>
-                    <a:spcPts val="0"/>
-                  </a:spcAft>
-                  <a:buClrTx/>
-                  <a:buSzTx/>
-                  <a:buFontTx/>
-                  <a:buNone/>
-                  <a:tabLst/>
-                  <a:defRPr/>
-                </a:pPr>
+                <a:pPr algn="ctr"/>
                 <a:r>
-                  <a:rPr kumimoji="0" lang="en-US" sz="700" b="1" i="0" u="none" strike="noStrike" kern="0" cap="none" spc="0" normalizeH="0" baseline="0" noProof="0" dirty="0">
-                    <a:ln>
-                      <a:noFill/>
-                    </a:ln>
+                  <a:rPr lang="en-US" sz="1100" dirty="0">
                     <a:solidFill>
-                      <a:srgbClr val="002D5D"/>
+                      <a:prstClr val="black"/>
                     </a:solidFill>
-                    <a:effectLst/>
-                    <a:uLnTx/>
-                    <a:uFillTx/>
-                    <a:latin typeface="Segoe UI Light" panose="020B0502040204020203" pitchFamily="34" charset="0"/>
-                    <a:ea typeface="+mn-ea"/>
-                    <a:cs typeface="Segoe UI Light" panose="020B0502040204020203" pitchFamily="34" charset="0"/>
+                    <a:latin typeface="Calibri" panose="020F0502020204030204"/>
                   </a:rPr>
                   <a:t>Account Data</a:t>
                 </a:r>
-                <a:br>
-                  <a:rPr kumimoji="0" lang="en-US" sz="700" b="1" i="0" u="none" strike="noStrike" kern="0" cap="none" spc="0" normalizeH="0" baseline="0" noProof="0" dirty="0">
-                    <a:ln>
-                      <a:noFill/>
-                    </a:ln>
+              </a:p>
+              <a:p>
+                <a:pPr algn="ctr"/>
+                <a:r>
+                  <a:rPr lang="en-US" sz="1100" b="1" dirty="0">
                     <a:solidFill>
-                      <a:srgbClr val="002D5D"/>
+                      <a:prstClr val="black"/>
                     </a:solidFill>
-                    <a:effectLst/>
-                    <a:uLnTx/>
-                    <a:uFillTx/>
-                    <a:latin typeface="Segoe UI Light" panose="020B0502040204020203" pitchFamily="34" charset="0"/>
-                    <a:ea typeface="+mn-ea"/>
-                    <a:cs typeface="Segoe UI Light" panose="020B0502040204020203" pitchFamily="34" charset="0"/>
+                    <a:latin typeface="Calibri" panose="020F0502020204030204"/>
                   </a:rPr>
-                </a:br>
-                <a:r>
-                  <a:rPr kumimoji="0" lang="en-US" sz="700" b="1" i="0" u="none" strike="noStrike" kern="0" cap="none" spc="0" normalizeH="0" baseline="0" noProof="0" dirty="0">
-                    <a:ln>
-                      <a:noFill/>
-                    </a:ln>
-                    <a:solidFill>
-                      <a:srgbClr val="002D5D"/>
-                    </a:solidFill>
-                    <a:effectLst/>
-                    <a:uLnTx/>
-                    <a:uFillTx/>
-                    <a:latin typeface="Segoe UI Light" panose="020B0502040204020203" pitchFamily="34" charset="0"/>
-                    <a:ea typeface="+mn-ea"/>
-                    <a:cs typeface="Segoe UI Light" panose="020B0502040204020203" pitchFamily="34" charset="0"/>
-                  </a:rPr>
-                  <a:t>Cosmos DB</a:t>
+                  <a:t>Azure Cosmos DB</a:t>
                 </a:r>
               </a:p>
             </p:txBody>
           </p:sp>
-          <p:pic>
-            <p:nvPicPr>
-              <p:cNvPr id="21" name="Picture 2">
-                <a:extLst>
-                  <a:ext uri="{FF2B5EF4-FFF2-40B4-BE49-F238E27FC236}">
-                    <a16:creationId xmlns:a16="http://schemas.microsoft.com/office/drawing/2014/main" id="{3BED0786-C480-3FC6-ED16-4FE3DE3D0691}"/>
-                  </a:ext>
-                </a:extLst>
-              </p:cNvPr>
-              <p:cNvPicPr>
-                <a:picLocks noChangeAspect="1" noChangeArrowheads="1"/>
-              </p:cNvPicPr>
-              <p:nvPr/>
-            </p:nvPicPr>
-            <p:blipFill>
-              <a:blip r:embed="rId14">
-                <a:extLst>
-                  <a:ext uri="{28A0092B-C50C-407E-A947-70E740481C1C}">
-                    <a14:useLocalDpi xmlns:a14="http://schemas.microsoft.com/office/drawing/2010/main" val="0"/>
-                  </a:ext>
-                </a:extLst>
-              </a:blip>
-              <a:srcRect/>
-              <a:stretch/>
-            </p:blipFill>
-            <p:spPr bwMode="auto">
-              <a:xfrm>
-                <a:off x="8588127" y="5099274"/>
-                <a:ext cx="329184" cy="239731"/>
-              </a:xfrm>
-              <a:prstGeom prst="rect">
-                <a:avLst/>
-              </a:prstGeom>
-              <a:noFill/>
-              <a:extLst>
-                <a:ext uri="{909E8E84-426E-40DD-AFC4-6F175D3DCCD1}">
-                  <a14:hiddenFill xmlns:a14="http://schemas.microsoft.com/office/drawing/2010/main">
-                    <a:solidFill>
-                      <a:srgbClr val="FFFFFF"/>
-                    </a:solidFill>
-                  </a14:hiddenFill>
-                </a:ext>
-              </a:extLst>
-            </p:spPr>
-          </p:pic>
         </p:grpSp>
         <p:grpSp>
           <p:nvGrpSpPr>
-            <p:cNvPr id="24" name="Group 23">
+            <p:cNvPr id="85" name="Group 84">
               <a:extLst>
                 <a:ext uri="{FF2B5EF4-FFF2-40B4-BE49-F238E27FC236}">
-                  <a16:creationId xmlns:a16="http://schemas.microsoft.com/office/drawing/2014/main" id="{188F284B-346D-CCDF-0F47-31948E876FD0}"/>
+                  <a16:creationId xmlns:a16="http://schemas.microsoft.com/office/drawing/2014/main" id="{73554331-2218-DE53-CDAF-9AC5D8CBC804}"/>
                 </a:ext>
               </a:extLst>
             </p:cNvPr>
@@ -29096,166 +28143,111 @@
           </p:nvGrpSpPr>
           <p:grpSpPr>
             <a:xfrm>
-              <a:off x="3771389" y="3688713"/>
-              <a:ext cx="822960" cy="493504"/>
-              <a:chOff x="8337734" y="5099274"/>
-              <a:chExt cx="822960" cy="493504"/>
+              <a:off x="1741915" y="3489782"/>
+              <a:ext cx="1534970" cy="1034931"/>
+              <a:chOff x="558114" y="1319497"/>
+              <a:chExt cx="1534970" cy="1034931"/>
             </a:xfrm>
           </p:grpSpPr>
-          <p:sp>
-            <p:nvSpPr>
-              <p:cNvPr id="25" name="Rectangle 24">
+          <p:pic>
+            <p:nvPicPr>
+              <p:cNvPr id="89" name="Graphic 88">
                 <a:extLst>
                   <a:ext uri="{FF2B5EF4-FFF2-40B4-BE49-F238E27FC236}">
-                    <a16:creationId xmlns:a16="http://schemas.microsoft.com/office/drawing/2014/main" id="{74004EC5-5DB8-6FC3-D9E9-FA4FC4F38CA3}"/>
+                    <a16:creationId xmlns:a16="http://schemas.microsoft.com/office/drawing/2014/main" id="{8E6DF053-6B9C-04E0-D8C5-18AA9C78B5F6}"/>
                   </a:ext>
                 </a:extLst>
               </p:cNvPr>
-              <p:cNvSpPr/>
+              <p:cNvPicPr>
+                <a:picLocks noChangeAspect="1"/>
+              </p:cNvPicPr>
+              <p:nvPr/>
+            </p:nvPicPr>
+            <p:blipFill>
+              <a:blip r:embed="rId5">
+                <a:extLst>
+                  <a:ext uri="{28A0092B-C50C-407E-A947-70E740481C1C}">
+                    <a14:useLocalDpi xmlns:a14="http://schemas.microsoft.com/office/drawing/2010/main" val="0"/>
+                  </a:ext>
+                  <a:ext uri="{96DAC541-7B7A-43D3-8B79-37D633B846F1}">
+                    <asvg:svgBlip xmlns:asvg="http://schemas.microsoft.com/office/drawing/2016/SVG/main" r:embed="rId6"/>
+                  </a:ext>
+                </a:extLst>
+              </a:blip>
+              <a:stretch>
+                <a:fillRect/>
+              </a:stretch>
+            </p:blipFill>
+            <p:spPr>
+              <a:xfrm>
+                <a:off x="1042587" y="1319497"/>
+                <a:ext cx="566016" cy="566016"/>
+              </a:xfrm>
+              <a:prstGeom prst="rect">
+                <a:avLst/>
+              </a:prstGeom>
+            </p:spPr>
+          </p:pic>
+          <p:sp>
+            <p:nvSpPr>
+              <p:cNvPr id="90" name="TextBox 89">
+                <a:extLst>
+                  <a:ext uri="{FF2B5EF4-FFF2-40B4-BE49-F238E27FC236}">
+                    <a16:creationId xmlns:a16="http://schemas.microsoft.com/office/drawing/2014/main" id="{FEF7BA34-9259-3426-02A9-857E1A6CE775}"/>
+                  </a:ext>
+                </a:extLst>
+              </p:cNvPr>
+              <p:cNvSpPr txBox="1"/>
               <p:nvPr/>
             </p:nvSpPr>
             <p:spPr>
               <a:xfrm>
-                <a:off x="8337734" y="5351771"/>
-                <a:ext cx="822960" cy="241007"/>
+                <a:off x="558114" y="1805904"/>
+                <a:ext cx="1534970" cy="548524"/>
               </a:xfrm>
               <a:prstGeom prst="rect">
                 <a:avLst/>
               </a:prstGeom>
               <a:noFill/>
-              <a:ln w="6350" cap="flat" cmpd="sng" algn="ctr">
-                <a:noFill/>
-                <a:prstDash val="solid"/>
-                <a:miter lim="800000"/>
-              </a:ln>
-              <a:effectLst/>
             </p:spPr>
             <p:txBody>
-              <a:bodyPr rtlCol="0" anchor="t"/>
+              <a:bodyPr wrap="none" rtlCol="0">
+                <a:spAutoFit/>
+              </a:bodyPr>
               <a:lstStyle/>
               <a:p>
-                <a:pPr marL="0" marR="0" lvl="0" indent="0" algn="ctr" defTabSz="685800" eaLnBrk="1" fontAlgn="auto" latinLnBrk="0" hangingPunct="1">
-                  <a:lnSpc>
-                    <a:spcPct val="80000"/>
-                  </a:lnSpc>
-                  <a:spcBef>
-                    <a:spcPts val="0"/>
-                  </a:spcBef>
-                  <a:spcAft>
-                    <a:spcPts val="0"/>
-                  </a:spcAft>
-                  <a:buClrTx/>
-                  <a:buSzTx/>
-                  <a:buFontTx/>
-                  <a:buNone/>
-                  <a:tabLst/>
-                  <a:defRPr/>
-                </a:pPr>
+                <a:pPr algn="ctr"/>
                 <a:r>
-                  <a:rPr kumimoji="0" lang="en-US" sz="700" b="1" i="0" u="none" strike="noStrike" kern="0" cap="none" spc="0" normalizeH="0" baseline="0" noProof="0" dirty="0">
-                    <a:ln>
-                      <a:noFill/>
-                    </a:ln>
+                  <a:rPr lang="en-US" sz="1100" dirty="0">
                     <a:solidFill>
-                      <a:srgbClr val="002D5D"/>
+                      <a:prstClr val="black"/>
                     </a:solidFill>
-                    <a:effectLst/>
-                    <a:uLnTx/>
-                    <a:uFillTx/>
-                    <a:latin typeface="Segoe UI Light" panose="020B0502040204020203" pitchFamily="34" charset="0"/>
-                    <a:ea typeface="+mn-ea"/>
-                    <a:cs typeface="Segoe UI Light" panose="020B0502040204020203" pitchFamily="34" charset="0"/>
+                    <a:latin typeface="Calibri" panose="020F0502020204030204"/>
                   </a:rPr>
                   <a:t>Account Data</a:t>
                 </a:r>
-                <a:br>
-                  <a:rPr kumimoji="0" lang="en-US" sz="700" b="1" i="0" u="none" strike="noStrike" kern="0" cap="none" spc="0" normalizeH="0" baseline="0" noProof="0" dirty="0">
-                    <a:ln>
-                      <a:noFill/>
-                    </a:ln>
+              </a:p>
+              <a:p>
+                <a:pPr algn="ctr"/>
+                <a:r>
+                  <a:rPr lang="en-US" sz="1100" b="1" dirty="0">
                     <a:solidFill>
-                      <a:srgbClr val="002D5D"/>
+                      <a:prstClr val="black"/>
                     </a:solidFill>
-                    <a:effectLst/>
-                    <a:uLnTx/>
-                    <a:uFillTx/>
-                    <a:latin typeface="Segoe UI Light" panose="020B0502040204020203" pitchFamily="34" charset="0"/>
-                    <a:ea typeface="+mn-ea"/>
-                    <a:cs typeface="Segoe UI Light" panose="020B0502040204020203" pitchFamily="34" charset="0"/>
+                    <a:latin typeface="Calibri" panose="020F0502020204030204"/>
                   </a:rPr>
-                </a:br>
-                <a:r>
-                  <a:rPr kumimoji="0" lang="en-US" sz="700" b="1" i="0" u="none" strike="noStrike" kern="0" cap="none" spc="0" normalizeH="0" baseline="0" noProof="0" dirty="0">
-                    <a:ln>
-                      <a:noFill/>
-                    </a:ln>
-                    <a:solidFill>
-                      <a:srgbClr val="002D5D"/>
-                    </a:solidFill>
-                    <a:effectLst/>
-                    <a:uLnTx/>
-                    <a:uFillTx/>
-                    <a:latin typeface="Segoe UI Light" panose="020B0502040204020203" pitchFamily="34" charset="0"/>
-                    <a:ea typeface="+mn-ea"/>
-                    <a:cs typeface="Segoe UI Light" panose="020B0502040204020203" pitchFamily="34" charset="0"/>
-                  </a:rPr>
-                  <a:t>Cosmos DB</a:t>
+                  <a:t>Azure Cosmos DB</a:t>
                 </a:r>
               </a:p>
             </p:txBody>
           </p:sp>
-          <p:pic>
-            <p:nvPicPr>
-              <p:cNvPr id="26" name="Picture 2">
-                <a:extLst>
-                  <a:ext uri="{FF2B5EF4-FFF2-40B4-BE49-F238E27FC236}">
-                    <a16:creationId xmlns:a16="http://schemas.microsoft.com/office/drawing/2014/main" id="{DF6448E0-78B3-8B89-3C11-23DA33ACD3DC}"/>
-                  </a:ext>
-                </a:extLst>
-              </p:cNvPr>
-              <p:cNvPicPr>
-                <a:picLocks noChangeAspect="1" noChangeArrowheads="1"/>
-              </p:cNvPicPr>
-              <p:nvPr/>
-            </p:nvPicPr>
-            <p:blipFill>
-              <a:blip r:embed="rId14">
-                <a:extLst>
-                  <a:ext uri="{28A0092B-C50C-407E-A947-70E740481C1C}">
-                    <a14:useLocalDpi xmlns:a14="http://schemas.microsoft.com/office/drawing/2010/main" val="0"/>
-                  </a:ext>
-                </a:extLst>
-              </a:blip>
-              <a:srcRect/>
-              <a:stretch/>
-            </p:blipFill>
-            <p:spPr bwMode="auto">
-              <a:xfrm>
-                <a:off x="8588127" y="5099274"/>
-                <a:ext cx="329184" cy="239731"/>
-              </a:xfrm>
-              <a:prstGeom prst="rect">
-                <a:avLst/>
-              </a:prstGeom>
-              <a:noFill/>
-              <a:extLst>
-                <a:ext uri="{909E8E84-426E-40DD-AFC4-6F175D3DCCD1}">
-                  <a14:hiddenFill xmlns:a14="http://schemas.microsoft.com/office/drawing/2010/main">
-                    <a:solidFill>
-                      <a:srgbClr val="FFFFFF"/>
-                    </a:solidFill>
-                  </a14:hiddenFill>
-                </a:ext>
-              </a:extLst>
-            </p:spPr>
-          </p:pic>
         </p:grpSp>
         <p:grpSp>
           <p:nvGrpSpPr>
-            <p:cNvPr id="27" name="Group 26">
+            <p:cNvPr id="86" name="Group 85">
               <a:extLst>
                 <a:ext uri="{FF2B5EF4-FFF2-40B4-BE49-F238E27FC236}">
-                  <a16:creationId xmlns:a16="http://schemas.microsoft.com/office/drawing/2014/main" id="{E6541D4D-8FA9-55CD-EC6C-5D625AD646C7}"/>
+                  <a16:creationId xmlns:a16="http://schemas.microsoft.com/office/drawing/2014/main" id="{D75CF494-D674-EE00-2A3A-E40742DF7D6B}"/>
                 </a:ext>
               </a:extLst>
             </p:cNvPr>
@@ -29264,380 +28256,1470 @@
           </p:nvGrpSpPr>
           <p:grpSpPr>
             <a:xfrm>
-              <a:off x="2581465" y="3898875"/>
-              <a:ext cx="822960" cy="493504"/>
-              <a:chOff x="8337734" y="5099274"/>
-              <a:chExt cx="822960" cy="493504"/>
+              <a:off x="4591897" y="3055808"/>
+              <a:ext cx="1534970" cy="1034931"/>
+              <a:chOff x="558114" y="1319497"/>
+              <a:chExt cx="1534970" cy="1034931"/>
             </a:xfrm>
           </p:grpSpPr>
-          <p:sp>
-            <p:nvSpPr>
-              <p:cNvPr id="28" name="Rectangle 27">
+          <p:pic>
+            <p:nvPicPr>
+              <p:cNvPr id="87" name="Graphic 86">
                 <a:extLst>
                   <a:ext uri="{FF2B5EF4-FFF2-40B4-BE49-F238E27FC236}">
-                    <a16:creationId xmlns:a16="http://schemas.microsoft.com/office/drawing/2014/main" id="{7FC2F89B-EFD5-2895-52FF-9F37CD589610}"/>
+                    <a16:creationId xmlns:a16="http://schemas.microsoft.com/office/drawing/2014/main" id="{3F441818-5457-D30D-22F4-6873BE27F681}"/>
                   </a:ext>
                 </a:extLst>
               </p:cNvPr>
-              <p:cNvSpPr/>
+              <p:cNvPicPr>
+                <a:picLocks noChangeAspect="1"/>
+              </p:cNvPicPr>
+              <p:nvPr/>
+            </p:nvPicPr>
+            <p:blipFill>
+              <a:blip r:embed="rId5">
+                <a:extLst>
+                  <a:ext uri="{28A0092B-C50C-407E-A947-70E740481C1C}">
+                    <a14:useLocalDpi xmlns:a14="http://schemas.microsoft.com/office/drawing/2010/main" val="0"/>
+                  </a:ext>
+                  <a:ext uri="{96DAC541-7B7A-43D3-8B79-37D633B846F1}">
+                    <asvg:svgBlip xmlns:asvg="http://schemas.microsoft.com/office/drawing/2016/SVG/main" r:embed="rId6"/>
+                  </a:ext>
+                </a:extLst>
+              </a:blip>
+              <a:stretch>
+                <a:fillRect/>
+              </a:stretch>
+            </p:blipFill>
+            <p:spPr>
+              <a:xfrm>
+                <a:off x="1042587" y="1319497"/>
+                <a:ext cx="566016" cy="566016"/>
+              </a:xfrm>
+              <a:prstGeom prst="rect">
+                <a:avLst/>
+              </a:prstGeom>
+            </p:spPr>
+          </p:pic>
+          <p:sp>
+            <p:nvSpPr>
+              <p:cNvPr id="88" name="TextBox 87">
+                <a:extLst>
+                  <a:ext uri="{FF2B5EF4-FFF2-40B4-BE49-F238E27FC236}">
+                    <a16:creationId xmlns:a16="http://schemas.microsoft.com/office/drawing/2014/main" id="{A5C2C57A-6757-22AB-A251-F02F3C7484B6}"/>
+                  </a:ext>
+                </a:extLst>
+              </p:cNvPr>
+              <p:cNvSpPr txBox="1"/>
               <p:nvPr/>
             </p:nvSpPr>
             <p:spPr>
               <a:xfrm>
-                <a:off x="8337734" y="5351771"/>
-                <a:ext cx="822960" cy="241007"/>
+                <a:off x="558114" y="1805904"/>
+                <a:ext cx="1534970" cy="548524"/>
               </a:xfrm>
               <a:prstGeom prst="rect">
                 <a:avLst/>
               </a:prstGeom>
               <a:noFill/>
-              <a:ln w="6350" cap="flat" cmpd="sng" algn="ctr">
-                <a:noFill/>
-                <a:prstDash val="solid"/>
-                <a:miter lim="800000"/>
-              </a:ln>
-              <a:effectLst/>
             </p:spPr>
             <p:txBody>
-              <a:bodyPr rtlCol="0" anchor="t"/>
+              <a:bodyPr wrap="none" rtlCol="0">
+                <a:spAutoFit/>
+              </a:bodyPr>
               <a:lstStyle/>
               <a:p>
-                <a:pPr marL="0" marR="0" lvl="0" indent="0" algn="ctr" defTabSz="685800" eaLnBrk="1" fontAlgn="auto" latinLnBrk="0" hangingPunct="1">
-                  <a:lnSpc>
-                    <a:spcPct val="80000"/>
-                  </a:lnSpc>
-                  <a:spcBef>
-                    <a:spcPts val="0"/>
-                  </a:spcBef>
-                  <a:spcAft>
-                    <a:spcPts val="0"/>
-                  </a:spcAft>
-                  <a:buClrTx/>
-                  <a:buSzTx/>
-                  <a:buFontTx/>
-                  <a:buNone/>
-                  <a:tabLst/>
-                  <a:defRPr/>
-                </a:pPr>
+                <a:pPr algn="ctr"/>
                 <a:r>
-                  <a:rPr kumimoji="0" lang="en-US" sz="700" b="1" i="0" u="none" strike="noStrike" kern="0" cap="none" spc="0" normalizeH="0" baseline="0" noProof="0" dirty="0">
-                    <a:ln>
-                      <a:noFill/>
-                    </a:ln>
+                  <a:rPr lang="en-US" sz="1100" dirty="0">
                     <a:solidFill>
-                      <a:srgbClr val="002D5D"/>
+                      <a:prstClr val="black"/>
                     </a:solidFill>
-                    <a:effectLst/>
-                    <a:uLnTx/>
-                    <a:uFillTx/>
-                    <a:latin typeface="Segoe UI Light" panose="020B0502040204020203" pitchFamily="34" charset="0"/>
-                    <a:ea typeface="+mn-ea"/>
-                    <a:cs typeface="Segoe UI Light" panose="020B0502040204020203" pitchFamily="34" charset="0"/>
+                    <a:latin typeface="Calibri" panose="020F0502020204030204"/>
                   </a:rPr>
                   <a:t>Account Data</a:t>
                 </a:r>
-                <a:br>
-                  <a:rPr kumimoji="0" lang="en-US" sz="700" b="1" i="0" u="none" strike="noStrike" kern="0" cap="none" spc="0" normalizeH="0" baseline="0" noProof="0" dirty="0">
-                    <a:ln>
-                      <a:noFill/>
-                    </a:ln>
+              </a:p>
+              <a:p>
+                <a:pPr algn="ctr"/>
+                <a:r>
+                  <a:rPr lang="en-US" sz="1100" b="1" dirty="0">
                     <a:solidFill>
-                      <a:srgbClr val="002D5D"/>
+                      <a:prstClr val="black"/>
                     </a:solidFill>
-                    <a:effectLst/>
-                    <a:uLnTx/>
-                    <a:uFillTx/>
-                    <a:latin typeface="Segoe UI Light" panose="020B0502040204020203" pitchFamily="34" charset="0"/>
-                    <a:ea typeface="+mn-ea"/>
-                    <a:cs typeface="Segoe UI Light" panose="020B0502040204020203" pitchFamily="34" charset="0"/>
+                    <a:latin typeface="Calibri" panose="020F0502020204030204"/>
                   </a:rPr>
-                </a:br>
-                <a:r>
-                  <a:rPr kumimoji="0" lang="en-US" sz="700" b="1" i="0" u="none" strike="noStrike" kern="0" cap="none" spc="0" normalizeH="0" baseline="0" noProof="0" dirty="0">
-                    <a:ln>
-                      <a:noFill/>
-                    </a:ln>
-                    <a:solidFill>
-                      <a:srgbClr val="002D5D"/>
-                    </a:solidFill>
-                    <a:effectLst/>
-                    <a:uLnTx/>
-                    <a:uFillTx/>
-                    <a:latin typeface="Segoe UI Light" panose="020B0502040204020203" pitchFamily="34" charset="0"/>
-                    <a:ea typeface="+mn-ea"/>
-                    <a:cs typeface="Segoe UI Light" panose="020B0502040204020203" pitchFamily="34" charset="0"/>
-                  </a:rPr>
-                  <a:t>Cosmos DB</a:t>
+                  <a:t>Azure Cosmos DB</a:t>
                 </a:r>
               </a:p>
             </p:txBody>
           </p:sp>
-          <p:pic>
-            <p:nvPicPr>
-              <p:cNvPr id="29" name="Picture 2">
-                <a:extLst>
-                  <a:ext uri="{FF2B5EF4-FFF2-40B4-BE49-F238E27FC236}">
-                    <a16:creationId xmlns:a16="http://schemas.microsoft.com/office/drawing/2014/main" id="{B2A62692-1B99-3555-DF55-8FEE2596A54A}"/>
-                  </a:ext>
-                </a:extLst>
-              </p:cNvPr>
-              <p:cNvPicPr>
-                <a:picLocks noChangeAspect="1" noChangeArrowheads="1"/>
-              </p:cNvPicPr>
-              <p:nvPr/>
-            </p:nvPicPr>
-            <p:blipFill>
-              <a:blip r:embed="rId14">
-                <a:extLst>
-                  <a:ext uri="{28A0092B-C50C-407E-A947-70E740481C1C}">
-                    <a14:useLocalDpi xmlns:a14="http://schemas.microsoft.com/office/drawing/2010/main" val="0"/>
-                  </a:ext>
-                </a:extLst>
-              </a:blip>
-              <a:srcRect/>
-              <a:stretch/>
-            </p:blipFill>
-            <p:spPr bwMode="auto">
-              <a:xfrm>
-                <a:off x="8588127" y="5099274"/>
-                <a:ext cx="329184" cy="239731"/>
-              </a:xfrm>
-              <a:prstGeom prst="rect">
-                <a:avLst/>
-              </a:prstGeom>
-              <a:noFill/>
+        </p:grpSp>
+      </p:grpSp>
+      <p:grpSp>
+        <p:nvGrpSpPr>
+          <p:cNvPr id="93" name="Group 92">
+            <a:extLst>
+              <a:ext uri="{FF2B5EF4-FFF2-40B4-BE49-F238E27FC236}">
+                <a16:creationId xmlns:a16="http://schemas.microsoft.com/office/drawing/2014/main" id="{4A1E3830-CFBC-512A-E3F7-252BFDBFC758}"/>
+              </a:ext>
+            </a:extLst>
+          </p:cNvPr>
+          <p:cNvGrpSpPr/>
+          <p:nvPr/>
+        </p:nvGrpSpPr>
+        <p:grpSpPr>
+          <a:xfrm>
+            <a:off x="8266174" y="3092303"/>
+            <a:ext cx="867545" cy="892719"/>
+            <a:chOff x="7343071" y="2711678"/>
+            <a:chExt cx="989119" cy="1017821"/>
+          </a:xfrm>
+        </p:grpSpPr>
+        <p:pic>
+          <p:nvPicPr>
+            <p:cNvPr id="94" name="Graphic 93">
               <a:extLst>
-                <a:ext uri="{909E8E84-426E-40DD-AFC4-6F175D3DCCD1}">
-                  <a14:hiddenFill xmlns:a14="http://schemas.microsoft.com/office/drawing/2010/main">
-                    <a:solidFill>
-                      <a:srgbClr val="FFFFFF"/>
-                    </a:solidFill>
-                  </a14:hiddenFill>
+                <a:ext uri="{FF2B5EF4-FFF2-40B4-BE49-F238E27FC236}">
+                  <a16:creationId xmlns:a16="http://schemas.microsoft.com/office/drawing/2014/main" id="{24BC7FEF-B895-2EF6-77EE-8F9550CB9460}"/>
                 </a:ext>
               </a:extLst>
-            </p:spPr>
-          </p:pic>
-        </p:grpSp>
+            </p:cNvPr>
+            <p:cNvPicPr>
+              <a:picLocks noChangeAspect="1"/>
+            </p:cNvPicPr>
+            <p:nvPr/>
+          </p:nvPicPr>
+          <p:blipFill>
+            <a:blip r:embed="rId7">
+              <a:extLst>
+                <a:ext uri="{28A0092B-C50C-407E-A947-70E740481C1C}">
+                  <a14:useLocalDpi xmlns:a14="http://schemas.microsoft.com/office/drawing/2010/main" val="0"/>
+                </a:ext>
+                <a:ext uri="{96DAC541-7B7A-43D3-8B79-37D633B846F1}">
+                  <asvg:svgBlip xmlns:asvg="http://schemas.microsoft.com/office/drawing/2016/SVG/main" r:embed="rId8"/>
+                </a:ext>
+              </a:extLst>
+            </a:blip>
+            <a:stretch>
+              <a:fillRect/>
+            </a:stretch>
+          </p:blipFill>
+          <p:spPr>
+            <a:xfrm>
+              <a:off x="7554622" y="2711678"/>
+              <a:ext cx="566015" cy="566015"/>
+            </a:xfrm>
+            <a:prstGeom prst="rect">
+              <a:avLst/>
+            </a:prstGeom>
+          </p:spPr>
+        </p:pic>
+        <p:sp>
+          <p:nvSpPr>
+            <p:cNvPr id="95" name="TextBox 94">
+              <a:extLst>
+                <a:ext uri="{FF2B5EF4-FFF2-40B4-BE49-F238E27FC236}">
+                  <a16:creationId xmlns:a16="http://schemas.microsoft.com/office/drawing/2014/main" id="{548CF796-9F03-97D6-BB44-EAC9A8946B16}"/>
+                </a:ext>
+              </a:extLst>
+            </p:cNvPr>
+            <p:cNvSpPr txBox="1"/>
+            <p:nvPr/>
+          </p:nvSpPr>
+          <p:spPr>
+            <a:xfrm>
+              <a:off x="7343071" y="3238229"/>
+              <a:ext cx="989119" cy="491270"/>
+            </a:xfrm>
+            <a:prstGeom prst="rect">
+              <a:avLst/>
+            </a:prstGeom>
+            <a:noFill/>
+          </p:spPr>
+          <p:txBody>
+            <a:bodyPr wrap="none" rtlCol="0">
+              <a:spAutoFit/>
+            </a:bodyPr>
+            <a:lstStyle/>
+            <a:p>
+              <a:pPr algn="ctr"/>
+              <a:r>
+                <a:rPr lang="en-US" sz="1100" b="1" dirty="0">
+                  <a:solidFill>
+                    <a:prstClr val="black"/>
+                  </a:solidFill>
+                  <a:latin typeface="Calibri" panose="020F0502020204030204"/>
+                </a:rPr>
+                <a:t>Azure Front</a:t>
+              </a:r>
+              <a:br>
+                <a:rPr lang="en-US" sz="1100" b="1" dirty="0">
+                  <a:solidFill>
+                    <a:prstClr val="black"/>
+                  </a:solidFill>
+                  <a:latin typeface="Calibri" panose="020F0502020204030204"/>
+                </a:rPr>
+              </a:br>
+              <a:r>
+                <a:rPr lang="en-US" sz="1100" b="1" dirty="0">
+                  <a:solidFill>
+                    <a:prstClr val="black"/>
+                  </a:solidFill>
+                  <a:latin typeface="Calibri" panose="020F0502020204030204"/>
+                </a:rPr>
+                <a:t>Door</a:t>
+              </a:r>
+            </a:p>
+          </p:txBody>
+        </p:sp>
+      </p:grpSp>
+      <p:grpSp>
+        <p:nvGrpSpPr>
+          <p:cNvPr id="96" name="Group 95">
+            <a:extLst>
+              <a:ext uri="{FF2B5EF4-FFF2-40B4-BE49-F238E27FC236}">
+                <a16:creationId xmlns:a16="http://schemas.microsoft.com/office/drawing/2014/main" id="{369B6F07-B1D4-C3F2-BA96-2D82961C0990}"/>
+              </a:ext>
+            </a:extLst>
+          </p:cNvPr>
+          <p:cNvGrpSpPr/>
+          <p:nvPr/>
+        </p:nvGrpSpPr>
+        <p:grpSpPr>
+          <a:xfrm>
+            <a:off x="5849381" y="3120378"/>
+            <a:ext cx="2023311" cy="1063867"/>
+            <a:chOff x="5989861" y="1576334"/>
+            <a:chExt cx="2556574" cy="1344259"/>
+          </a:xfrm>
+        </p:grpSpPr>
+        <p:pic>
+          <p:nvPicPr>
+            <p:cNvPr id="97" name="Graphic 96">
+              <a:extLst>
+                <a:ext uri="{FF2B5EF4-FFF2-40B4-BE49-F238E27FC236}">
+                  <a16:creationId xmlns:a16="http://schemas.microsoft.com/office/drawing/2014/main" id="{90CB6BB9-F66D-1975-6C94-195CF6965C0E}"/>
+                </a:ext>
+              </a:extLst>
+            </p:cNvPr>
+            <p:cNvPicPr>
+              <a:picLocks noChangeAspect="1"/>
+            </p:cNvPicPr>
+            <p:nvPr/>
+          </p:nvPicPr>
+          <p:blipFill>
+            <a:blip r:embed="rId9">
+              <a:extLst>
+                <a:ext uri="{28A0092B-C50C-407E-A947-70E740481C1C}">
+                  <a14:useLocalDpi xmlns:a14="http://schemas.microsoft.com/office/drawing/2010/main" val="0"/>
+                </a:ext>
+                <a:ext uri="{96DAC541-7B7A-43D3-8B79-37D633B846F1}">
+                  <asvg:svgBlip xmlns:asvg="http://schemas.microsoft.com/office/drawing/2016/SVG/main" r:embed="rId10"/>
+                </a:ext>
+              </a:extLst>
+            </a:blip>
+            <a:stretch>
+              <a:fillRect/>
+            </a:stretch>
+          </p:blipFill>
+          <p:spPr>
+            <a:xfrm>
+              <a:off x="6985137" y="1576334"/>
+              <a:ext cx="566015" cy="566015"/>
+            </a:xfrm>
+            <a:prstGeom prst="rect">
+              <a:avLst/>
+            </a:prstGeom>
+          </p:spPr>
+        </p:pic>
+        <p:sp>
+          <p:nvSpPr>
+            <p:cNvPr id="98" name="TextBox 97">
+              <a:extLst>
+                <a:ext uri="{FF2B5EF4-FFF2-40B4-BE49-F238E27FC236}">
+                  <a16:creationId xmlns:a16="http://schemas.microsoft.com/office/drawing/2014/main" id="{F5E26FE0-5028-361E-F002-40B52CECBA9C}"/>
+                </a:ext>
+              </a:extLst>
+            </p:cNvPr>
+            <p:cNvSpPr txBox="1"/>
+            <p:nvPr/>
+          </p:nvSpPr>
+          <p:spPr>
+            <a:xfrm>
+              <a:off x="5989861" y="2162250"/>
+              <a:ext cx="2556574" cy="758343"/>
+            </a:xfrm>
+            <a:prstGeom prst="rect">
+              <a:avLst/>
+            </a:prstGeom>
+            <a:noFill/>
+          </p:spPr>
+          <p:txBody>
+            <a:bodyPr wrap="none" rtlCol="0">
+              <a:spAutoFit/>
+            </a:bodyPr>
+            <a:lstStyle/>
+            <a:p>
+              <a:pPr algn="ctr"/>
+              <a:r>
+                <a:rPr lang="en-US" sz="1100" dirty="0">
+                  <a:solidFill>
+                    <a:prstClr val="black"/>
+                  </a:solidFill>
+                  <a:latin typeface="Calibri" panose="020F0502020204030204"/>
+                </a:rPr>
+                <a:t>Payments API /</a:t>
+              </a:r>
+            </a:p>
+            <a:p>
+              <a:pPr algn="ctr"/>
+              <a:r>
+                <a:rPr lang="en-US" sz="1100" dirty="0">
+                  <a:solidFill>
+                    <a:prstClr val="black"/>
+                  </a:solidFill>
+                  <a:latin typeface="Calibri" panose="020F0502020204030204"/>
+                </a:rPr>
+                <a:t>Worker Service</a:t>
+              </a:r>
+            </a:p>
+            <a:p>
+              <a:pPr algn="ctr"/>
+              <a:r>
+                <a:rPr lang="en-US" sz="1100" b="1" dirty="0">
+                  <a:solidFill>
+                    <a:prstClr val="black"/>
+                  </a:solidFill>
+                  <a:latin typeface="Calibri" panose="020F0502020204030204"/>
+                </a:rPr>
+                <a:t>Azure Kubernetes Service (AKS)</a:t>
+              </a:r>
+            </a:p>
+          </p:txBody>
+        </p:sp>
+      </p:grpSp>
+      <p:grpSp>
+        <p:nvGrpSpPr>
+          <p:cNvPr id="99" name="Group 98">
+            <a:extLst>
+              <a:ext uri="{FF2B5EF4-FFF2-40B4-BE49-F238E27FC236}">
+                <a16:creationId xmlns:a16="http://schemas.microsoft.com/office/drawing/2014/main" id="{5E5056C8-8520-9347-B131-EF970076D3B3}"/>
+              </a:ext>
+            </a:extLst>
+          </p:cNvPr>
+          <p:cNvGrpSpPr/>
+          <p:nvPr/>
+        </p:nvGrpSpPr>
+        <p:grpSpPr>
+          <a:xfrm>
+            <a:off x="9704829" y="3115448"/>
+            <a:ext cx="1088761" cy="1037884"/>
+            <a:chOff x="9694002" y="2541220"/>
+            <a:chExt cx="1346454" cy="1283535"/>
+          </a:xfrm>
+        </p:grpSpPr>
+        <p:pic>
+          <p:nvPicPr>
+            <p:cNvPr id="100" name="Graphic 99">
+              <a:extLst>
+                <a:ext uri="{FF2B5EF4-FFF2-40B4-BE49-F238E27FC236}">
+                  <a16:creationId xmlns:a16="http://schemas.microsoft.com/office/drawing/2014/main" id="{F1445A5E-F6DE-52B3-8660-9A915FCE652A}"/>
+                </a:ext>
+              </a:extLst>
+            </p:cNvPr>
+            <p:cNvPicPr>
+              <a:picLocks noChangeAspect="1"/>
+            </p:cNvPicPr>
+            <p:nvPr/>
+          </p:nvPicPr>
+          <p:blipFill>
+            <a:blip r:embed="rId11">
+              <a:extLst>
+                <a:ext uri="{28A0092B-C50C-407E-A947-70E740481C1C}">
+                  <a14:useLocalDpi xmlns:a14="http://schemas.microsoft.com/office/drawing/2010/main" val="0"/>
+                </a:ext>
+                <a:ext uri="{96DAC541-7B7A-43D3-8B79-37D633B846F1}">
+                  <asvg:svgBlip xmlns:asvg="http://schemas.microsoft.com/office/drawing/2016/SVG/main" r:embed="rId12"/>
+                </a:ext>
+              </a:extLst>
+            </a:blip>
+            <a:stretch>
+              <a:fillRect/>
+            </a:stretch>
+          </p:blipFill>
+          <p:spPr>
+            <a:xfrm>
+              <a:off x="10084218" y="2541220"/>
+              <a:ext cx="566015" cy="566015"/>
+            </a:xfrm>
+            <a:prstGeom prst="rect">
+              <a:avLst/>
+            </a:prstGeom>
+          </p:spPr>
+        </p:pic>
+        <p:sp>
+          <p:nvSpPr>
+            <p:cNvPr id="101" name="TextBox 100">
+              <a:extLst>
+                <a:ext uri="{FF2B5EF4-FFF2-40B4-BE49-F238E27FC236}">
+                  <a16:creationId xmlns:a16="http://schemas.microsoft.com/office/drawing/2014/main" id="{8AC4F82F-4817-A93E-4E4E-E2C0132D41C4}"/>
+                </a:ext>
+              </a:extLst>
+            </p:cNvPr>
+            <p:cNvSpPr txBox="1"/>
+            <p:nvPr/>
+          </p:nvSpPr>
+          <p:spPr>
+            <a:xfrm>
+              <a:off x="9694002" y="3082541"/>
+              <a:ext cx="1346454" cy="742214"/>
+            </a:xfrm>
+            <a:prstGeom prst="rect">
+              <a:avLst/>
+            </a:prstGeom>
+            <a:noFill/>
+          </p:spPr>
+          <p:txBody>
+            <a:bodyPr wrap="none" rtlCol="0">
+              <a:spAutoFit/>
+            </a:bodyPr>
+            <a:lstStyle/>
+            <a:p>
+              <a:pPr algn="ctr"/>
+              <a:r>
+                <a:rPr lang="en-US" sz="1100" dirty="0">
+                  <a:solidFill>
+                    <a:prstClr val="black"/>
+                  </a:solidFill>
+                  <a:latin typeface="Calibri" panose="020F0502020204030204"/>
+                </a:rPr>
+                <a:t>Account</a:t>
+              </a:r>
+            </a:p>
+            <a:p>
+              <a:pPr algn="ctr"/>
+              <a:r>
+                <a:rPr lang="en-US" sz="1100" dirty="0">
+                  <a:solidFill>
+                    <a:prstClr val="black"/>
+                  </a:solidFill>
+                  <a:latin typeface="Calibri" panose="020F0502020204030204"/>
+                </a:rPr>
+                <a:t>Management</a:t>
+              </a:r>
+            </a:p>
+            <a:p>
+              <a:pPr algn="ctr"/>
+              <a:r>
+                <a:rPr lang="en-US" sz="1100" b="1" dirty="0">
+                  <a:solidFill>
+                    <a:prstClr val="black"/>
+                  </a:solidFill>
+                  <a:latin typeface="Calibri" panose="020F0502020204030204"/>
+                </a:rPr>
+                <a:t>Static Web App</a:t>
+              </a:r>
+            </a:p>
+          </p:txBody>
+        </p:sp>
+      </p:grpSp>
+      <p:grpSp>
+        <p:nvGrpSpPr>
+          <p:cNvPr id="102" name="Group 101">
+            <a:extLst>
+              <a:ext uri="{FF2B5EF4-FFF2-40B4-BE49-F238E27FC236}">
+                <a16:creationId xmlns:a16="http://schemas.microsoft.com/office/drawing/2014/main" id="{59270320-50CF-BC9B-43C4-FF2F669C5A93}"/>
+              </a:ext>
+            </a:extLst>
+          </p:cNvPr>
+          <p:cNvGrpSpPr/>
+          <p:nvPr/>
+        </p:nvGrpSpPr>
+        <p:grpSpPr>
+          <a:xfrm>
+            <a:off x="4014670" y="1620071"/>
+            <a:ext cx="1124026" cy="874318"/>
+            <a:chOff x="4014670" y="1313729"/>
+            <a:chExt cx="1124026" cy="874318"/>
+          </a:xfrm>
+        </p:grpSpPr>
+        <p:pic>
+          <p:nvPicPr>
+            <p:cNvPr id="103" name="Graphic 102">
+              <a:extLst>
+                <a:ext uri="{FF2B5EF4-FFF2-40B4-BE49-F238E27FC236}">
+                  <a16:creationId xmlns:a16="http://schemas.microsoft.com/office/drawing/2014/main" id="{820AD4F4-78AF-8790-F21B-63469F45CEA7}"/>
+                </a:ext>
+              </a:extLst>
+            </p:cNvPr>
+            <p:cNvPicPr>
+              <a:picLocks noChangeAspect="1"/>
+            </p:cNvPicPr>
+            <p:nvPr/>
+          </p:nvPicPr>
+          <p:blipFill>
+            <a:blip r:embed="rId13">
+              <a:extLst>
+                <a:ext uri="{28A0092B-C50C-407E-A947-70E740481C1C}">
+                  <a14:useLocalDpi xmlns:a14="http://schemas.microsoft.com/office/drawing/2010/main" val="0"/>
+                </a:ext>
+                <a:ext uri="{96DAC541-7B7A-43D3-8B79-37D633B846F1}">
+                  <asvg:svgBlip xmlns:asvg="http://schemas.microsoft.com/office/drawing/2016/SVG/main" r:embed="rId14"/>
+                </a:ext>
+              </a:extLst>
+            </a:blip>
+            <a:stretch>
+              <a:fillRect/>
+            </a:stretch>
+          </p:blipFill>
+          <p:spPr>
+            <a:xfrm>
+              <a:off x="4297782" y="1313729"/>
+              <a:ext cx="557796" cy="557796"/>
+            </a:xfrm>
+            <a:prstGeom prst="rect">
+              <a:avLst/>
+            </a:prstGeom>
+          </p:spPr>
+        </p:pic>
+        <p:sp>
+          <p:nvSpPr>
+            <p:cNvPr id="104" name="TextBox 103">
+              <a:extLst>
+                <a:ext uri="{FF2B5EF4-FFF2-40B4-BE49-F238E27FC236}">
+                  <a16:creationId xmlns:a16="http://schemas.microsoft.com/office/drawing/2014/main" id="{2C026766-18B1-86A4-D23D-D763D57E9C9D}"/>
+                </a:ext>
+              </a:extLst>
+            </p:cNvPr>
+            <p:cNvSpPr txBox="1"/>
+            <p:nvPr/>
+          </p:nvSpPr>
+          <p:spPr>
+            <a:xfrm>
+              <a:off x="4014670" y="1757160"/>
+              <a:ext cx="1124026" cy="430887"/>
+            </a:xfrm>
+            <a:prstGeom prst="rect">
+              <a:avLst/>
+            </a:prstGeom>
+            <a:noFill/>
+          </p:spPr>
+          <p:txBody>
+            <a:bodyPr wrap="none" rtlCol="0">
+              <a:spAutoFit/>
+            </a:bodyPr>
+            <a:lstStyle/>
+            <a:p>
+              <a:pPr algn="ctr"/>
+              <a:r>
+                <a:rPr lang="en-US" sz="1100" dirty="0">
+                  <a:solidFill>
+                    <a:prstClr val="black"/>
+                  </a:solidFill>
+                  <a:latin typeface="Calibri" panose="020F0502020204030204"/>
+                </a:rPr>
+                <a:t>Completions API</a:t>
+              </a:r>
+            </a:p>
+            <a:p>
+              <a:pPr algn="ctr"/>
+              <a:r>
+                <a:rPr lang="en-US" sz="1100" b="1" dirty="0">
+                  <a:solidFill>
+                    <a:prstClr val="black"/>
+                  </a:solidFill>
+                  <a:latin typeface="Calibri" panose="020F0502020204030204"/>
+                </a:rPr>
+                <a:t>Azure OpenAI</a:t>
+              </a:r>
+            </a:p>
+          </p:txBody>
+        </p:sp>
       </p:grpSp>
       <p:cxnSp>
         <p:nvCxnSpPr>
-          <p:cNvPr id="34" name="Connector: Elbow 33">
+          <p:cNvPr id="105" name="Connector: Elbow 104">
             <a:extLst>
               <a:ext uri="{FF2B5EF4-FFF2-40B4-BE49-F238E27FC236}">
-                <a16:creationId xmlns:a16="http://schemas.microsoft.com/office/drawing/2014/main" id="{26E1AA73-07EB-637A-7C55-4C6D76C40EE8}"/>
+                <a16:creationId xmlns:a16="http://schemas.microsoft.com/office/drawing/2014/main" id="{D5EA683F-1363-741F-47B3-D99A7CD9D561}"/>
               </a:ext>
             </a:extLst>
           </p:cNvPr>
           <p:cNvCxnSpPr>
             <a:cxnSpLocks/>
-            <a:stCxn id="32" idx="1"/>
-            <a:endCxn id="316" idx="3"/>
+            <a:stCxn id="97" idx="1"/>
+            <a:endCxn id="103" idx="3"/>
           </p:cNvCxnSpPr>
           <p:nvPr/>
         </p:nvCxnSpPr>
         <p:spPr>
           <a:xfrm rot="10800000">
-            <a:off x="4461340" y="2362157"/>
-            <a:ext cx="980741" cy="1140505"/>
+            <a:off x="4855579" y="1898969"/>
+            <a:ext cx="1781479" cy="1445386"/>
           </a:xfrm>
           <a:prstGeom prst="bentConnector3">
-            <a:avLst/>
+            <a:avLst>
+              <a:gd name="adj1" fmla="val 50000"/>
+            </a:avLst>
           </a:prstGeom>
-          <a:ln>
+          <a:noFill/>
+          <a:ln w="12700" cap="flat" cmpd="sng" algn="ctr">
             <a:solidFill>
-              <a:schemeClr val="accent2"/>
+              <a:srgbClr val="4472C4"/>
             </a:solidFill>
-            <a:headEnd type="none" w="lg" len="med"/>
+            <a:prstDash val="solid"/>
+            <a:miter lim="800000"/>
             <a:tailEnd type="triangle"/>
           </a:ln>
+          <a:effectLst/>
         </p:spPr>
-        <p:style>
-          <a:lnRef idx="1">
-            <a:schemeClr val="accent1"/>
-          </a:lnRef>
-          <a:fillRef idx="0">
-            <a:schemeClr val="accent1"/>
-          </a:fillRef>
-          <a:effectRef idx="0">
-            <a:schemeClr val="accent1"/>
-          </a:effectRef>
-          <a:fontRef idx="minor">
-            <a:schemeClr val="tx1"/>
-          </a:fontRef>
-        </p:style>
       </p:cxnSp>
       <p:cxnSp>
         <p:nvCxnSpPr>
-          <p:cNvPr id="36" name="Connector: Elbow 35">
+          <p:cNvPr id="106" name="Connector: Elbow 105">
             <a:extLst>
               <a:ext uri="{FF2B5EF4-FFF2-40B4-BE49-F238E27FC236}">
-                <a16:creationId xmlns:a16="http://schemas.microsoft.com/office/drawing/2014/main" id="{BC69AA85-0F0F-9C83-D8FD-9946C1754A4A}"/>
+                <a16:creationId xmlns:a16="http://schemas.microsoft.com/office/drawing/2014/main" id="{CD4EABA3-5336-6F2F-2D44-C999487FCB20}"/>
               </a:ext>
             </a:extLst>
           </p:cNvPr>
           <p:cNvCxnSpPr>
             <a:cxnSpLocks/>
-            <a:endCxn id="23" idx="3"/>
+            <a:endCxn id="83" idx="3"/>
           </p:cNvCxnSpPr>
           <p:nvPr/>
         </p:nvCxnSpPr>
         <p:spPr>
           <a:xfrm rot="10800000" flipV="1">
-            <a:off x="4587022" y="3688712"/>
-            <a:ext cx="855058" cy="190559"/>
+            <a:off x="5160207" y="3475479"/>
+            <a:ext cx="1476850" cy="788996"/>
           </a:xfrm>
           <a:prstGeom prst="bentConnector3">
-            <a:avLst/>
+            <a:avLst>
+              <a:gd name="adj1" fmla="val 60514"/>
+            </a:avLst>
           </a:prstGeom>
-          <a:ln>
+          <a:noFill/>
+          <a:ln w="12700" cap="flat" cmpd="sng" algn="ctr">
             <a:solidFill>
-              <a:schemeClr val="accent2"/>
+              <a:srgbClr val="4472C4"/>
             </a:solidFill>
-            <a:headEnd type="none" w="lg" len="med"/>
+            <a:prstDash val="solid"/>
+            <a:miter lim="800000"/>
             <a:tailEnd type="triangle"/>
           </a:ln>
+          <a:effectLst/>
         </p:spPr>
-        <p:style>
-          <a:lnRef idx="1">
-            <a:schemeClr val="accent1"/>
-          </a:lnRef>
-          <a:fillRef idx="0">
-            <a:schemeClr val="accent1"/>
-          </a:fillRef>
-          <a:effectRef idx="0">
-            <a:schemeClr val="accent1"/>
-          </a:effectRef>
-          <a:fontRef idx="minor">
-            <a:schemeClr val="tx1"/>
-          </a:fontRef>
-        </p:style>
       </p:cxnSp>
       <p:cxnSp>
         <p:nvCxnSpPr>
-          <p:cNvPr id="45" name="Straight Arrow Connector 44">
+          <p:cNvPr id="107" name="Connector: Elbow 47">
             <a:extLst>
               <a:ext uri="{FF2B5EF4-FFF2-40B4-BE49-F238E27FC236}">
-                <a16:creationId xmlns:a16="http://schemas.microsoft.com/office/drawing/2014/main" id="{FCC1CB12-444D-85AF-5607-7DB4AD091C40}"/>
+                <a16:creationId xmlns:a16="http://schemas.microsoft.com/office/drawing/2014/main" id="{ECF601CA-F506-A452-CD5A-E91582A054E0}"/>
               </a:ext>
             </a:extLst>
           </p:cNvPr>
           <p:cNvCxnSpPr>
             <a:cxnSpLocks/>
+            <a:stCxn id="100" idx="1"/>
+            <a:endCxn id="94" idx="3"/>
+          </p:cNvCxnSpPr>
+          <p:nvPr/>
+        </p:nvCxnSpPr>
+        <p:spPr>
+          <a:xfrm flipH="1" flipV="1">
+            <a:off x="8948168" y="3340526"/>
+            <a:ext cx="1072195" cy="3766"/>
+          </a:xfrm>
+          <a:prstGeom prst="straightConnector1">
+            <a:avLst/>
+          </a:prstGeom>
+          <a:noFill/>
+          <a:ln w="12700" cap="flat" cmpd="sng" algn="ctr">
+            <a:solidFill>
+              <a:srgbClr val="4472C4"/>
+            </a:solidFill>
+            <a:prstDash val="solid"/>
+            <a:miter lim="800000"/>
+            <a:tailEnd type="triangle"/>
+          </a:ln>
+          <a:effectLst/>
+        </p:spPr>
+      </p:cxnSp>
+      <p:cxnSp>
+        <p:nvCxnSpPr>
+          <p:cNvPr id="108" name="Connector: Elbow 47">
+            <a:extLst>
+              <a:ext uri="{FF2B5EF4-FFF2-40B4-BE49-F238E27FC236}">
+                <a16:creationId xmlns:a16="http://schemas.microsoft.com/office/drawing/2014/main" id="{EBCBE2C8-0705-7105-28C0-D8E51E2F487F}"/>
+              </a:ext>
+            </a:extLst>
+          </p:cNvPr>
+          <p:cNvCxnSpPr>
+            <a:cxnSpLocks/>
+            <a:stCxn id="94" idx="1"/>
+            <a:endCxn id="97" idx="3"/>
           </p:cNvCxnSpPr>
           <p:nvPr/>
         </p:nvCxnSpPr>
         <p:spPr>
           <a:xfrm flipH="1">
-            <a:off x="6400800" y="3423920"/>
-            <a:ext cx="767559" cy="0"/>
+            <a:off x="7085010" y="3340526"/>
+            <a:ext cx="1366713" cy="3829"/>
           </a:xfrm>
           <a:prstGeom prst="straightConnector1">
             <a:avLst/>
           </a:prstGeom>
-          <a:ln>
-            <a:headEnd type="none" w="lg" len="med"/>
+          <a:noFill/>
+          <a:ln w="12700" cap="flat" cmpd="sng" algn="ctr">
+            <a:solidFill>
+              <a:srgbClr val="4472C4"/>
+            </a:solidFill>
+            <a:prstDash val="solid"/>
+            <a:miter lim="800000"/>
             <a:tailEnd type="triangle"/>
           </a:ln>
+          <a:effectLst/>
         </p:spPr>
-        <p:style>
-          <a:lnRef idx="1">
-            <a:schemeClr val="accent2"/>
-          </a:lnRef>
-          <a:fillRef idx="0">
-            <a:schemeClr val="accent2"/>
-          </a:fillRef>
-          <a:effectRef idx="0">
-            <a:schemeClr val="accent2"/>
-          </a:effectRef>
-          <a:fontRef idx="minor">
-            <a:schemeClr val="tx1"/>
-          </a:fontRef>
-        </p:style>
       </p:cxnSp>
+      <p:sp>
+        <p:nvSpPr>
+          <p:cNvPr id="109" name="Rectangle 108">
+            <a:extLst>
+              <a:ext uri="{FF2B5EF4-FFF2-40B4-BE49-F238E27FC236}">
+                <a16:creationId xmlns:a16="http://schemas.microsoft.com/office/drawing/2014/main" id="{DB50888A-98B7-3000-06BA-24344385936B}"/>
+              </a:ext>
+            </a:extLst>
+          </p:cNvPr>
+          <p:cNvSpPr/>
+          <p:nvPr/>
+        </p:nvSpPr>
+        <p:spPr>
+          <a:xfrm>
+            <a:off x="0" y="1013708"/>
+            <a:ext cx="933605" cy="5357004"/>
+          </a:xfrm>
+          <a:prstGeom prst="rect">
+            <a:avLst/>
+          </a:prstGeom>
+          <a:solidFill>
+            <a:srgbClr val="4472C4">
+              <a:lumMod val="20000"/>
+              <a:lumOff val="80000"/>
+            </a:srgbClr>
+          </a:solidFill>
+          <a:ln w="12700" cap="flat" cmpd="sng" algn="ctr">
+            <a:noFill/>
+            <a:prstDash val="solid"/>
+            <a:miter lim="800000"/>
+          </a:ln>
+          <a:effectLst/>
+        </p:spPr>
+        <p:txBody>
+          <a:bodyPr rtlCol="0" anchor="ctr"/>
+          <a:lstStyle/>
+          <a:p>
+            <a:pPr marL="0" marR="0" lvl="0" indent="0" algn="ctr" defTabSz="914400" eaLnBrk="1" fontAlgn="auto" latinLnBrk="0" hangingPunct="1">
+              <a:lnSpc>
+                <a:spcPct val="100000"/>
+              </a:lnSpc>
+              <a:spcBef>
+                <a:spcPts val="0"/>
+              </a:spcBef>
+              <a:spcAft>
+                <a:spcPts val="0"/>
+              </a:spcAft>
+              <a:buClrTx/>
+              <a:buSzTx/>
+              <a:buFontTx/>
+              <a:buNone/>
+              <a:tabLst/>
+              <a:defRPr/>
+            </a:pPr>
+            <a:endParaRPr kumimoji="0" lang="en-US" sz="1800" b="0" i="0" u="none" strike="noStrike" kern="0" cap="none" spc="0" normalizeH="0" baseline="0" noProof="0" dirty="0">
+              <a:ln>
+                <a:noFill/>
+              </a:ln>
+              <a:solidFill>
+                <a:prstClr val="white"/>
+              </a:solidFill>
+              <a:effectLst/>
+              <a:uLnTx/>
+              <a:uFillTx/>
+              <a:latin typeface="Calibri" panose="020F0502020204030204"/>
+              <a:ea typeface="+mn-ea"/>
+              <a:cs typeface="+mn-cs"/>
+            </a:endParaRPr>
+          </a:p>
+        </p:txBody>
+      </p:sp>
+      <p:sp>
+        <p:nvSpPr>
+          <p:cNvPr id="110" name="TextBox 109">
+            <a:extLst>
+              <a:ext uri="{FF2B5EF4-FFF2-40B4-BE49-F238E27FC236}">
+                <a16:creationId xmlns:a16="http://schemas.microsoft.com/office/drawing/2014/main" id="{50432D6B-8689-4897-1B5F-4A725F4F381B}"/>
+              </a:ext>
+            </a:extLst>
+          </p:cNvPr>
+          <p:cNvSpPr txBox="1"/>
+          <p:nvPr/>
+        </p:nvSpPr>
+        <p:spPr>
+          <a:xfrm>
+            <a:off x="47832" y="1152263"/>
+            <a:ext cx="765338" cy="461665"/>
+          </a:xfrm>
+          <a:prstGeom prst="rect">
+            <a:avLst/>
+          </a:prstGeom>
+          <a:noFill/>
+        </p:spPr>
+        <p:txBody>
+          <a:bodyPr wrap="none" rtlCol="0">
+            <a:spAutoFit/>
+          </a:bodyPr>
+          <a:lstStyle/>
+          <a:p>
+            <a:pPr algn="ctr"/>
+            <a:r>
+              <a:rPr lang="en-US" sz="1200" dirty="0">
+                <a:solidFill>
+                  <a:prstClr val="black"/>
+                </a:solidFill>
+                <a:latin typeface="Calibri" panose="020F0502020204030204"/>
+              </a:rPr>
+              <a:t>DATA</a:t>
+            </a:r>
+          </a:p>
+          <a:p>
+            <a:pPr algn="ctr"/>
+            <a:r>
+              <a:rPr lang="en-US" sz="1200" dirty="0">
+                <a:solidFill>
+                  <a:prstClr val="black"/>
+                </a:solidFill>
+                <a:latin typeface="Calibri" panose="020F0502020204030204"/>
+              </a:rPr>
+              <a:t>SOURCES</a:t>
+            </a:r>
+          </a:p>
+        </p:txBody>
+      </p:sp>
+      <p:grpSp>
+        <p:nvGrpSpPr>
+          <p:cNvPr id="111" name="Group 110">
+            <a:extLst>
+              <a:ext uri="{FF2B5EF4-FFF2-40B4-BE49-F238E27FC236}">
+                <a16:creationId xmlns:a16="http://schemas.microsoft.com/office/drawing/2014/main" id="{49917E3A-FF39-A6CF-48A0-2691DD4EC479}"/>
+              </a:ext>
+            </a:extLst>
+          </p:cNvPr>
+          <p:cNvGrpSpPr/>
+          <p:nvPr/>
+        </p:nvGrpSpPr>
+        <p:grpSpPr>
+          <a:xfrm>
+            <a:off x="40547" y="1898968"/>
+            <a:ext cx="772969" cy="726226"/>
+            <a:chOff x="40547" y="1592626"/>
+            <a:chExt cx="772969" cy="726226"/>
+          </a:xfrm>
+        </p:grpSpPr>
+        <p:pic>
+          <p:nvPicPr>
+            <p:cNvPr id="113" name="Graphic 112" descr="Database with solid fill">
+              <a:extLst>
+                <a:ext uri="{FF2B5EF4-FFF2-40B4-BE49-F238E27FC236}">
+                  <a16:creationId xmlns:a16="http://schemas.microsoft.com/office/drawing/2014/main" id="{FA3C8194-C1F5-D924-454C-5AB71A4C0042}"/>
+                </a:ext>
+              </a:extLst>
+            </p:cNvPr>
+            <p:cNvPicPr>
+              <a:picLocks noChangeAspect="1"/>
+            </p:cNvPicPr>
+            <p:nvPr/>
+          </p:nvPicPr>
+          <p:blipFill>
+            <a:blip r:embed="rId15">
+              <a:extLst>
+                <a:ext uri="{28A0092B-C50C-407E-A947-70E740481C1C}">
+                  <a14:useLocalDpi xmlns:a14="http://schemas.microsoft.com/office/drawing/2010/main" val="0"/>
+                </a:ext>
+                <a:ext uri="{96DAC541-7B7A-43D3-8B79-37D633B846F1}">
+                  <asvg:svgBlip xmlns:asvg="http://schemas.microsoft.com/office/drawing/2016/SVG/main" r:embed="rId16"/>
+                </a:ext>
+              </a:extLst>
+            </a:blip>
+            <a:stretch>
+              <a:fillRect/>
+            </a:stretch>
+          </p:blipFill>
+          <p:spPr>
+            <a:xfrm>
+              <a:off x="189208" y="1592626"/>
+              <a:ext cx="475648" cy="475648"/>
+            </a:xfrm>
+            <a:prstGeom prst="rect">
+              <a:avLst/>
+            </a:prstGeom>
+          </p:spPr>
+        </p:pic>
+        <p:sp>
+          <p:nvSpPr>
+            <p:cNvPr id="114" name="TextBox 113">
+              <a:extLst>
+                <a:ext uri="{FF2B5EF4-FFF2-40B4-BE49-F238E27FC236}">
+                  <a16:creationId xmlns:a16="http://schemas.microsoft.com/office/drawing/2014/main" id="{CDA72B1A-5B33-CC89-FD7D-E6CCB7B89B50}"/>
+                </a:ext>
+              </a:extLst>
+            </p:cNvPr>
+            <p:cNvSpPr txBox="1"/>
+            <p:nvPr/>
+          </p:nvSpPr>
+          <p:spPr>
+            <a:xfrm>
+              <a:off x="40547" y="2057242"/>
+              <a:ext cx="772969" cy="261610"/>
+            </a:xfrm>
+            <a:prstGeom prst="rect">
+              <a:avLst/>
+            </a:prstGeom>
+            <a:noFill/>
+          </p:spPr>
+          <p:txBody>
+            <a:bodyPr wrap="none" rtlCol="0">
+              <a:spAutoFit/>
+            </a:bodyPr>
+            <a:lstStyle/>
+            <a:p>
+              <a:pPr algn="ctr"/>
+              <a:r>
+                <a:rPr lang="en-US" sz="1100" dirty="0">
+                  <a:solidFill>
+                    <a:prstClr val="black"/>
+                  </a:solidFill>
+                  <a:latin typeface="Calibri" panose="020F0502020204030204"/>
+                </a:rPr>
+                <a:t>Databases</a:t>
+              </a:r>
+              <a:endParaRPr lang="en-US" sz="1100" b="1" dirty="0">
+                <a:solidFill>
+                  <a:prstClr val="black"/>
+                </a:solidFill>
+                <a:latin typeface="Calibri" panose="020F0502020204030204"/>
+              </a:endParaRPr>
+            </a:p>
+          </p:txBody>
+        </p:sp>
+      </p:grpSp>
+      <p:grpSp>
+        <p:nvGrpSpPr>
+          <p:cNvPr id="115" name="Group 114">
+            <a:extLst>
+              <a:ext uri="{FF2B5EF4-FFF2-40B4-BE49-F238E27FC236}">
+                <a16:creationId xmlns:a16="http://schemas.microsoft.com/office/drawing/2014/main" id="{A4241A42-E75B-51A2-18EB-5005B80FBEDC}"/>
+              </a:ext>
+            </a:extLst>
+          </p:cNvPr>
+          <p:cNvGrpSpPr/>
+          <p:nvPr/>
+        </p:nvGrpSpPr>
+        <p:grpSpPr>
+          <a:xfrm>
+            <a:off x="189208" y="2856624"/>
+            <a:ext cx="475648" cy="726226"/>
+            <a:chOff x="189208" y="1592626"/>
+            <a:chExt cx="475648" cy="726226"/>
+          </a:xfrm>
+        </p:grpSpPr>
+        <p:pic>
+          <p:nvPicPr>
+            <p:cNvPr id="116" name="Graphic 115" descr="Monitor with solid fill">
+              <a:extLst>
+                <a:ext uri="{FF2B5EF4-FFF2-40B4-BE49-F238E27FC236}">
+                  <a16:creationId xmlns:a16="http://schemas.microsoft.com/office/drawing/2014/main" id="{1F65F866-52B8-00DE-0FAD-91B86FB60EBA}"/>
+                </a:ext>
+              </a:extLst>
+            </p:cNvPr>
+            <p:cNvPicPr>
+              <a:picLocks noChangeAspect="1"/>
+            </p:cNvPicPr>
+            <p:nvPr/>
+          </p:nvPicPr>
+          <p:blipFill>
+            <a:blip r:embed="rId17">
+              <a:extLst>
+                <a:ext uri="{28A0092B-C50C-407E-A947-70E740481C1C}">
+                  <a14:useLocalDpi xmlns:a14="http://schemas.microsoft.com/office/drawing/2010/main" val="0"/>
+                </a:ext>
+                <a:ext uri="{96DAC541-7B7A-43D3-8B79-37D633B846F1}">
+                  <asvg:svgBlip xmlns:asvg="http://schemas.microsoft.com/office/drawing/2016/SVG/main" r:embed="rId18"/>
+                </a:ext>
+              </a:extLst>
+            </a:blip>
+            <a:srcRect/>
+            <a:stretch/>
+          </p:blipFill>
+          <p:spPr>
+            <a:xfrm>
+              <a:off x="189208" y="1592626"/>
+              <a:ext cx="475648" cy="475648"/>
+            </a:xfrm>
+            <a:prstGeom prst="rect">
+              <a:avLst/>
+            </a:prstGeom>
+          </p:spPr>
+        </p:pic>
+        <p:sp>
+          <p:nvSpPr>
+            <p:cNvPr id="117" name="TextBox 116">
+              <a:extLst>
+                <a:ext uri="{FF2B5EF4-FFF2-40B4-BE49-F238E27FC236}">
+                  <a16:creationId xmlns:a16="http://schemas.microsoft.com/office/drawing/2014/main" id="{1F6ABECC-22F0-700F-EF3B-106D5C934AF5}"/>
+                </a:ext>
+              </a:extLst>
+            </p:cNvPr>
+            <p:cNvSpPr txBox="1"/>
+            <p:nvPr/>
+          </p:nvSpPr>
+          <p:spPr>
+            <a:xfrm>
+              <a:off x="192832" y="2057242"/>
+              <a:ext cx="468398" cy="261610"/>
+            </a:xfrm>
+            <a:prstGeom prst="rect">
+              <a:avLst/>
+            </a:prstGeom>
+            <a:noFill/>
+          </p:spPr>
+          <p:txBody>
+            <a:bodyPr wrap="none" rtlCol="0">
+              <a:spAutoFit/>
+            </a:bodyPr>
+            <a:lstStyle/>
+            <a:p>
+              <a:pPr algn="ctr"/>
+              <a:r>
+                <a:rPr lang="en-US" sz="1100" dirty="0">
+                  <a:solidFill>
+                    <a:prstClr val="black"/>
+                  </a:solidFill>
+                  <a:latin typeface="Calibri" panose="020F0502020204030204"/>
+                </a:rPr>
+                <a:t>Apps</a:t>
+              </a:r>
+              <a:endParaRPr lang="en-US" sz="1100" b="1" dirty="0">
+                <a:solidFill>
+                  <a:prstClr val="black"/>
+                </a:solidFill>
+                <a:latin typeface="Calibri" panose="020F0502020204030204"/>
+              </a:endParaRPr>
+            </a:p>
+          </p:txBody>
+        </p:sp>
+      </p:grpSp>
+      <p:grpSp>
+        <p:nvGrpSpPr>
+          <p:cNvPr id="118" name="Group 117">
+            <a:extLst>
+              <a:ext uri="{FF2B5EF4-FFF2-40B4-BE49-F238E27FC236}">
+                <a16:creationId xmlns:a16="http://schemas.microsoft.com/office/drawing/2014/main" id="{778AB4F6-CB19-AC37-48D8-9FC1A2732845}"/>
+              </a:ext>
+            </a:extLst>
+          </p:cNvPr>
+          <p:cNvGrpSpPr/>
+          <p:nvPr/>
+        </p:nvGrpSpPr>
+        <p:grpSpPr>
+          <a:xfrm>
+            <a:off x="186807" y="3892264"/>
+            <a:ext cx="475648" cy="726226"/>
+            <a:chOff x="189208" y="1592626"/>
+            <a:chExt cx="475648" cy="726226"/>
+          </a:xfrm>
+        </p:grpSpPr>
+        <p:pic>
+          <p:nvPicPr>
+            <p:cNvPr id="119" name="Graphic 118" descr="Paper with solid fill">
+              <a:extLst>
+                <a:ext uri="{FF2B5EF4-FFF2-40B4-BE49-F238E27FC236}">
+                  <a16:creationId xmlns:a16="http://schemas.microsoft.com/office/drawing/2014/main" id="{85F9B7A9-943C-2F10-4B3D-9216B81624F7}"/>
+                </a:ext>
+              </a:extLst>
+            </p:cNvPr>
+            <p:cNvPicPr>
+              <a:picLocks noChangeAspect="1"/>
+            </p:cNvPicPr>
+            <p:nvPr/>
+          </p:nvPicPr>
+          <p:blipFill>
+            <a:blip r:embed="rId19">
+              <a:extLst>
+                <a:ext uri="{28A0092B-C50C-407E-A947-70E740481C1C}">
+                  <a14:useLocalDpi xmlns:a14="http://schemas.microsoft.com/office/drawing/2010/main" val="0"/>
+                </a:ext>
+                <a:ext uri="{96DAC541-7B7A-43D3-8B79-37D633B846F1}">
+                  <asvg:svgBlip xmlns:asvg="http://schemas.microsoft.com/office/drawing/2016/SVG/main" r:embed="rId20"/>
+                </a:ext>
+              </a:extLst>
+            </a:blip>
+            <a:srcRect/>
+            <a:stretch/>
+          </p:blipFill>
+          <p:spPr>
+            <a:xfrm>
+              <a:off x="189208" y="1592626"/>
+              <a:ext cx="475648" cy="475648"/>
+            </a:xfrm>
+            <a:prstGeom prst="rect">
+              <a:avLst/>
+            </a:prstGeom>
+          </p:spPr>
+        </p:pic>
+        <p:sp>
+          <p:nvSpPr>
+            <p:cNvPr id="120" name="TextBox 119">
+              <a:extLst>
+                <a:ext uri="{FF2B5EF4-FFF2-40B4-BE49-F238E27FC236}">
+                  <a16:creationId xmlns:a16="http://schemas.microsoft.com/office/drawing/2014/main" id="{BF8DDA94-619A-47AF-3B46-78B8214C68D4}"/>
+                </a:ext>
+              </a:extLst>
+            </p:cNvPr>
+            <p:cNvSpPr txBox="1"/>
+            <p:nvPr/>
+          </p:nvSpPr>
+          <p:spPr>
+            <a:xfrm>
+              <a:off x="208062" y="2057242"/>
+              <a:ext cx="437940" cy="261610"/>
+            </a:xfrm>
+            <a:prstGeom prst="rect">
+              <a:avLst/>
+            </a:prstGeom>
+            <a:noFill/>
+          </p:spPr>
+          <p:txBody>
+            <a:bodyPr wrap="none" rtlCol="0">
+              <a:spAutoFit/>
+            </a:bodyPr>
+            <a:lstStyle/>
+            <a:p>
+              <a:pPr algn="ctr"/>
+              <a:r>
+                <a:rPr lang="en-US" sz="1100" dirty="0">
+                  <a:solidFill>
+                    <a:prstClr val="black"/>
+                  </a:solidFill>
+                  <a:latin typeface="Calibri" panose="020F0502020204030204"/>
+                </a:rPr>
+                <a:t>Files</a:t>
+              </a:r>
+              <a:endParaRPr lang="en-US" sz="1100" b="1" dirty="0">
+                <a:solidFill>
+                  <a:prstClr val="black"/>
+                </a:solidFill>
+                <a:latin typeface="Calibri" panose="020F0502020204030204"/>
+              </a:endParaRPr>
+            </a:p>
+          </p:txBody>
+        </p:sp>
+      </p:grpSp>
+      <p:sp>
+        <p:nvSpPr>
+          <p:cNvPr id="121" name="Rectangle 120">
+            <a:extLst>
+              <a:ext uri="{FF2B5EF4-FFF2-40B4-BE49-F238E27FC236}">
+                <a16:creationId xmlns:a16="http://schemas.microsoft.com/office/drawing/2014/main" id="{73BE6D83-6BED-6435-2A5C-B0BA838CF086}"/>
+              </a:ext>
+            </a:extLst>
+          </p:cNvPr>
+          <p:cNvSpPr/>
+          <p:nvPr/>
+        </p:nvSpPr>
+        <p:spPr>
+          <a:xfrm>
+            <a:off x="11281399" y="1013708"/>
+            <a:ext cx="933605" cy="5357004"/>
+          </a:xfrm>
+          <a:prstGeom prst="rect">
+            <a:avLst/>
+          </a:prstGeom>
+          <a:solidFill>
+            <a:srgbClr val="4472C4">
+              <a:lumMod val="20000"/>
+              <a:lumOff val="80000"/>
+            </a:srgbClr>
+          </a:solidFill>
+          <a:ln w="12700" cap="flat" cmpd="sng" algn="ctr">
+            <a:noFill/>
+            <a:prstDash val="solid"/>
+            <a:miter lim="800000"/>
+          </a:ln>
+          <a:effectLst/>
+        </p:spPr>
+        <p:txBody>
+          <a:bodyPr rtlCol="0" anchor="ctr"/>
+          <a:lstStyle/>
+          <a:p>
+            <a:pPr marL="0" marR="0" lvl="0" indent="0" algn="ctr" defTabSz="914400" eaLnBrk="1" fontAlgn="auto" latinLnBrk="0" hangingPunct="1">
+              <a:lnSpc>
+                <a:spcPct val="100000"/>
+              </a:lnSpc>
+              <a:spcBef>
+                <a:spcPts val="0"/>
+              </a:spcBef>
+              <a:spcAft>
+                <a:spcPts val="0"/>
+              </a:spcAft>
+              <a:buClrTx/>
+              <a:buSzTx/>
+              <a:buFontTx/>
+              <a:buNone/>
+              <a:tabLst/>
+              <a:defRPr/>
+            </a:pPr>
+            <a:endParaRPr kumimoji="0" lang="en-US" sz="1800" b="0" i="0" u="none" strike="noStrike" kern="0" cap="none" spc="0" normalizeH="0" baseline="0" noProof="0" dirty="0">
+              <a:ln>
+                <a:noFill/>
+              </a:ln>
+              <a:solidFill>
+                <a:prstClr val="white"/>
+              </a:solidFill>
+              <a:effectLst/>
+              <a:uLnTx/>
+              <a:uFillTx/>
+              <a:latin typeface="Calibri" panose="020F0502020204030204"/>
+              <a:ea typeface="+mn-ea"/>
+              <a:cs typeface="+mn-cs"/>
+            </a:endParaRPr>
+          </a:p>
+        </p:txBody>
+      </p:sp>
+      <p:sp>
+        <p:nvSpPr>
+          <p:cNvPr id="122" name="TextBox 121">
+            <a:extLst>
+              <a:ext uri="{FF2B5EF4-FFF2-40B4-BE49-F238E27FC236}">
+                <a16:creationId xmlns:a16="http://schemas.microsoft.com/office/drawing/2014/main" id="{AEA263CD-3EF6-E335-DCB0-CA8057E99030}"/>
+              </a:ext>
+            </a:extLst>
+          </p:cNvPr>
+          <p:cNvSpPr txBox="1"/>
+          <p:nvPr/>
+        </p:nvSpPr>
+        <p:spPr>
+          <a:xfrm>
+            <a:off x="11250406" y="1155818"/>
+            <a:ext cx="995594" cy="276999"/>
+          </a:xfrm>
+          <a:prstGeom prst="rect">
+            <a:avLst/>
+          </a:prstGeom>
+          <a:noFill/>
+        </p:spPr>
+        <p:txBody>
+          <a:bodyPr wrap="none" rtlCol="0">
+            <a:spAutoFit/>
+          </a:bodyPr>
+          <a:lstStyle/>
+          <a:p>
+            <a:pPr algn="ctr"/>
+            <a:r>
+              <a:rPr lang="en-US" sz="1200" dirty="0">
+                <a:solidFill>
+                  <a:prstClr val="black"/>
+                </a:solidFill>
+                <a:latin typeface="Calibri" panose="020F0502020204030204"/>
+              </a:rPr>
+              <a:t>CONSUMERS</a:t>
+            </a:r>
+          </a:p>
+        </p:txBody>
+      </p:sp>
+      <p:grpSp>
+        <p:nvGrpSpPr>
+          <p:cNvPr id="123" name="Group 122">
+            <a:extLst>
+              <a:ext uri="{FF2B5EF4-FFF2-40B4-BE49-F238E27FC236}">
+                <a16:creationId xmlns:a16="http://schemas.microsoft.com/office/drawing/2014/main" id="{80BFDEAC-91FB-8794-1B61-1ED2B8214747}"/>
+              </a:ext>
+            </a:extLst>
+          </p:cNvPr>
+          <p:cNvGrpSpPr/>
+          <p:nvPr/>
+        </p:nvGrpSpPr>
+        <p:grpSpPr>
+          <a:xfrm>
+            <a:off x="11471411" y="3105208"/>
+            <a:ext cx="577402" cy="726226"/>
+            <a:chOff x="138331" y="1592626"/>
+            <a:chExt cx="577402" cy="726226"/>
+          </a:xfrm>
+        </p:grpSpPr>
+        <p:pic>
+          <p:nvPicPr>
+            <p:cNvPr id="124" name="Graphic 123" descr="Users with solid fill">
+              <a:extLst>
+                <a:ext uri="{FF2B5EF4-FFF2-40B4-BE49-F238E27FC236}">
+                  <a16:creationId xmlns:a16="http://schemas.microsoft.com/office/drawing/2014/main" id="{DDD8C9F9-5EF7-19C5-940D-ADF32A80606E}"/>
+                </a:ext>
+              </a:extLst>
+            </p:cNvPr>
+            <p:cNvPicPr>
+              <a:picLocks noChangeAspect="1"/>
+            </p:cNvPicPr>
+            <p:nvPr/>
+          </p:nvPicPr>
+          <p:blipFill>
+            <a:blip r:embed="rId21">
+              <a:extLst>
+                <a:ext uri="{28A0092B-C50C-407E-A947-70E740481C1C}">
+                  <a14:useLocalDpi xmlns:a14="http://schemas.microsoft.com/office/drawing/2010/main" val="0"/>
+                </a:ext>
+                <a:ext uri="{96DAC541-7B7A-43D3-8B79-37D633B846F1}">
+                  <asvg:svgBlip xmlns:asvg="http://schemas.microsoft.com/office/drawing/2016/SVG/main" r:embed="rId22"/>
+                </a:ext>
+              </a:extLst>
+            </a:blip>
+            <a:srcRect/>
+            <a:stretch/>
+          </p:blipFill>
+          <p:spPr>
+            <a:xfrm>
+              <a:off x="189208" y="1592626"/>
+              <a:ext cx="475648" cy="475648"/>
+            </a:xfrm>
+            <a:prstGeom prst="rect">
+              <a:avLst/>
+            </a:prstGeom>
+          </p:spPr>
+        </p:pic>
+        <p:sp>
+          <p:nvSpPr>
+            <p:cNvPr id="125" name="TextBox 124">
+              <a:extLst>
+                <a:ext uri="{FF2B5EF4-FFF2-40B4-BE49-F238E27FC236}">
+                  <a16:creationId xmlns:a16="http://schemas.microsoft.com/office/drawing/2014/main" id="{2F8F77A2-1B72-8884-79F3-6DAF3560F58F}"/>
+                </a:ext>
+              </a:extLst>
+            </p:cNvPr>
+            <p:cNvSpPr txBox="1"/>
+            <p:nvPr/>
+          </p:nvSpPr>
+          <p:spPr>
+            <a:xfrm>
+              <a:off x="138331" y="2057242"/>
+              <a:ext cx="577402" cy="261610"/>
+            </a:xfrm>
+            <a:prstGeom prst="rect">
+              <a:avLst/>
+            </a:prstGeom>
+            <a:noFill/>
+          </p:spPr>
+          <p:txBody>
+            <a:bodyPr wrap="none" rtlCol="0">
+              <a:spAutoFit/>
+            </a:bodyPr>
+            <a:lstStyle/>
+            <a:p>
+              <a:pPr algn="ctr"/>
+              <a:r>
+                <a:rPr lang="en-US" sz="1100" dirty="0">
+                  <a:solidFill>
+                    <a:prstClr val="black"/>
+                  </a:solidFill>
+                  <a:latin typeface="Calibri" panose="020F0502020204030204"/>
+                </a:rPr>
+                <a:t>Agents</a:t>
+              </a:r>
+              <a:endParaRPr lang="en-US" sz="1100" b="1" dirty="0">
+                <a:solidFill>
+                  <a:prstClr val="black"/>
+                </a:solidFill>
+                <a:latin typeface="Calibri" panose="020F0502020204030204"/>
+              </a:endParaRPr>
+            </a:p>
+          </p:txBody>
+        </p:sp>
+      </p:grpSp>
       <p:cxnSp>
         <p:nvCxnSpPr>
-          <p:cNvPr id="49" name="Straight Arrow Connector 48">
+          <p:cNvPr id="126" name="Connector: Elbow 47">
             <a:extLst>
               <a:ext uri="{FF2B5EF4-FFF2-40B4-BE49-F238E27FC236}">
-                <a16:creationId xmlns:a16="http://schemas.microsoft.com/office/drawing/2014/main" id="{9802182A-3617-5A04-74AB-D26BCD9C7B8C}"/>
+                <a16:creationId xmlns:a16="http://schemas.microsoft.com/office/drawing/2014/main" id="{1B4DD22B-3974-C1C0-0A87-63BEB087A3C9}"/>
               </a:ext>
             </a:extLst>
           </p:cNvPr>
           <p:cNvCxnSpPr>
             <a:cxnSpLocks/>
+            <a:stCxn id="124" idx="1"/>
+            <a:endCxn id="100" idx="3"/>
           </p:cNvCxnSpPr>
           <p:nvPr/>
         </p:nvCxnSpPr>
         <p:spPr>
           <a:xfrm flipH="1">
-            <a:off x="7497543" y="3418996"/>
-            <a:ext cx="767559" cy="0"/>
+            <a:off x="10478050" y="3343032"/>
+            <a:ext cx="1044238" cy="1260"/>
           </a:xfrm>
           <a:prstGeom prst="straightConnector1">
             <a:avLst/>
           </a:prstGeom>
-          <a:ln>
-            <a:headEnd type="none" w="lg" len="med"/>
+          <a:noFill/>
+          <a:ln w="12700" cap="flat" cmpd="sng" algn="ctr">
+            <a:solidFill>
+              <a:srgbClr val="4472C4"/>
+            </a:solidFill>
+            <a:prstDash val="solid"/>
+            <a:miter lim="800000"/>
             <a:tailEnd type="triangle"/>
           </a:ln>
+          <a:effectLst/>
         </p:spPr>
-        <p:style>
-          <a:lnRef idx="1">
-            <a:schemeClr val="accent2"/>
-          </a:lnRef>
-          <a:fillRef idx="0">
-            <a:schemeClr val="accent2"/>
-          </a:fillRef>
-          <a:effectRef idx="0">
-            <a:schemeClr val="accent2"/>
-          </a:effectRef>
-          <a:fontRef idx="minor">
-            <a:schemeClr val="tx1"/>
-          </a:fontRef>
-        </p:style>
       </p:cxnSp>
-      <p:cxnSp>
-        <p:nvCxnSpPr>
-          <p:cNvPr id="50" name="Straight Arrow Connector 49">
+      <p:pic>
+        <p:nvPicPr>
+          <p:cNvPr id="127" name="Graphic 126">
             <a:extLst>
               <a:ext uri="{FF2B5EF4-FFF2-40B4-BE49-F238E27FC236}">
-                <a16:creationId xmlns:a16="http://schemas.microsoft.com/office/drawing/2014/main" id="{2547536D-DCD6-1403-8508-43CC9A076F4A}"/>
+                <a16:creationId xmlns:a16="http://schemas.microsoft.com/office/drawing/2014/main" id="{E394A953-4F51-9357-D15B-B650962E69C6}"/>
               </a:ext>
             </a:extLst>
           </p:cNvPr>
-          <p:cNvCxnSpPr>
-            <a:cxnSpLocks/>
-          </p:cNvCxnSpPr>
+          <p:cNvPicPr>
+            <a:picLocks noChangeAspect="1"/>
+          </p:cNvPicPr>
           <p:nvPr/>
-        </p:nvCxnSpPr>
+        </p:nvPicPr>
+        <p:blipFill>
+          <a:blip r:embed="rId23">
+            <a:extLst>
+              <a:ext uri="{28A0092B-C50C-407E-A947-70E740481C1C}">
+                <a14:useLocalDpi xmlns:a14="http://schemas.microsoft.com/office/drawing/2010/main" val="0"/>
+              </a:ext>
+              <a:ext uri="{96DAC541-7B7A-43D3-8B79-37D633B846F1}">
+                <asvg:svgBlip xmlns:asvg="http://schemas.microsoft.com/office/drawing/2016/SVG/main" r:embed="rId24"/>
+              </a:ext>
+            </a:extLst>
+          </a:blip>
+          <a:stretch>
+            <a:fillRect/>
+          </a:stretch>
+        </p:blipFill>
         <p:spPr>
-          <a:xfrm flipH="1">
-            <a:off x="8587124" y="3409877"/>
-            <a:ext cx="1463040" cy="0"/>
+          <a:xfrm>
+            <a:off x="1277073" y="1174513"/>
+            <a:ext cx="557796" cy="557796"/>
           </a:xfrm>
-          <a:prstGeom prst="straightConnector1">
+          <a:prstGeom prst="rect">
             <a:avLst/>
           </a:prstGeom>
-          <a:ln>
-            <a:headEnd type="none" w="lg" len="med"/>
-            <a:tailEnd type="triangle"/>
-          </a:ln>
         </p:spPr>
-        <p:style>
-          <a:lnRef idx="1">
-            <a:schemeClr val="accent2"/>
-          </a:lnRef>
-          <a:fillRef idx="0">
-            <a:schemeClr val="accent2"/>
-          </a:fillRef>
-          <a:effectRef idx="0">
-            <a:schemeClr val="accent2"/>
-          </a:effectRef>
-          <a:fontRef idx="minor">
-            <a:schemeClr val="tx1"/>
-          </a:fontRef>
-        </p:style>
-      </p:cxnSp>
+      </p:pic>
     </p:spTree>
     <p:extLst>
       <p:ext uri="{BB962C8B-B14F-4D97-AF65-F5344CB8AC3E}">
@@ -29651,6 +29733,11 @@
   <p:transition>
     <p:fade/>
   </p:transition>
+  <p:extLst>
+    <p:ext uri="{6950BFC3-D8DA-4A85-94F7-54DA5524770B}">
+      <p188:commentRel xmlns:p188="http://schemas.microsoft.com/office/powerpoint/2018/8/main" r:id="rId3"/>
+    </p:ext>
+  </p:extLst>
 </p:sld>
 </file>
 
@@ -29727,15 +29814,20 @@
           <p:nvPr/>
         </p:nvPicPr>
         <p:blipFill>
-          <a:blip r:embed="rId3"/>
-          <a:stretch>
-            <a:fillRect/>
-          </a:stretch>
+          <a:blip r:embed="rId3">
+            <a:extLst>
+              <a:ext uri="{28A0092B-C50C-407E-A947-70E740481C1C}">
+                <a14:useLocalDpi xmlns:a14="http://schemas.microsoft.com/office/drawing/2010/main" val="0"/>
+              </a:ext>
+            </a:extLst>
+          </a:blip>
+          <a:srcRect/>
+          <a:stretch/>
         </p:blipFill>
         <p:spPr>
           <a:xfrm>
-            <a:off x="437859" y="1008462"/>
-            <a:ext cx="7800208" cy="3453627"/>
+            <a:off x="273856" y="1008462"/>
+            <a:ext cx="7578421" cy="3723776"/>
           </a:xfrm>
           <a:prstGeom prst="rect">
             <a:avLst/>
@@ -29744,10 +29836,10 @@
       </p:pic>
       <p:pic>
         <p:nvPicPr>
-          <p:cNvPr id="3" name="Picture 2">
+          <p:cNvPr id="4" name="Picture 3">
             <a:extLst>
               <a:ext uri="{FF2B5EF4-FFF2-40B4-BE49-F238E27FC236}">
-                <a16:creationId xmlns:a16="http://schemas.microsoft.com/office/drawing/2014/main" id="{891F7A73-D844-01C1-16CB-533FF077CAB1}"/>
+                <a16:creationId xmlns:a16="http://schemas.microsoft.com/office/drawing/2014/main" id="{39E4CD5D-B81E-AF22-FB44-7B0240606412}"/>
               </a:ext>
             </a:extLst>
           </p:cNvPr>
@@ -29756,22 +29848,23 @@
           </p:cNvPicPr>
           <p:nvPr/>
         </p:nvPicPr>
-        <p:blipFill rotWithShape="1">
+        <p:blipFill>
           <a:blip r:embed="rId4"/>
-          <a:srcRect l="973" t="3265" r="1018" b="4222"/>
-          <a:stretch/>
+          <a:stretch>
+            <a:fillRect/>
+          </a:stretch>
         </p:blipFill>
         <p:spPr>
           <a:xfrm>
-            <a:off x="6570133" y="3529347"/>
-            <a:ext cx="5122333" cy="2878667"/>
+            <a:off x="6690191" y="2769631"/>
+            <a:ext cx="5105662" cy="4400776"/>
           </a:xfrm>
           <a:prstGeom prst="rect">
             <a:avLst/>
           </a:prstGeom>
-          <a:ln>
+          <a:ln w="19050">
             <a:solidFill>
-              <a:schemeClr val="bg2"/>
+              <a:schemeClr val="bg1"/>
             </a:solidFill>
           </a:ln>
         </p:spPr>
@@ -29839,6 +29932,53 @@
       </p:sp>
       <p:pic>
         <p:nvPicPr>
+          <p:cNvPr id="1026" name="Picture 2" descr="Diagram of consistency as a spectrum starting with Strong and going to higher availability &amp; throughput along with lower latency with Eventual.">
+            <a:extLst>
+              <a:ext uri="{FF2B5EF4-FFF2-40B4-BE49-F238E27FC236}">
+                <a16:creationId xmlns:a16="http://schemas.microsoft.com/office/drawing/2014/main" id="{9D9FAAF0-A6C5-0827-2911-72E194670801}"/>
+              </a:ext>
+            </a:extLst>
+          </p:cNvPr>
+          <p:cNvPicPr>
+            <a:picLocks noChangeAspect="1" noChangeArrowheads="1"/>
+          </p:cNvPicPr>
+          <p:nvPr/>
+        </p:nvPicPr>
+        <p:blipFill>
+          <a:blip r:embed="rId4">
+            <a:extLst>
+              <a:ext uri="{28A0092B-C50C-407E-A947-70E740481C1C}">
+                <a14:useLocalDpi xmlns:a14="http://schemas.microsoft.com/office/drawing/2010/main" val="0"/>
+              </a:ext>
+            </a:extLst>
+          </a:blip>
+          <a:srcRect/>
+          <a:stretch>
+            <a:fillRect/>
+          </a:stretch>
+        </p:blipFill>
+        <p:spPr bwMode="auto">
+          <a:xfrm>
+            <a:off x="814900" y="5199804"/>
+            <a:ext cx="9906000" cy="2009775"/>
+          </a:xfrm>
+          <a:prstGeom prst="rect">
+            <a:avLst/>
+          </a:prstGeom>
+          <a:noFill/>
+          <a:extLst>
+            <a:ext uri="{909E8E84-426E-40DD-AFC4-6F175D3DCCD1}">
+              <a14:hiddenFill xmlns:a14="http://schemas.microsoft.com/office/drawing/2010/main">
+                <a:solidFill>
+                  <a:srgbClr val="FFFFFF"/>
+                </a:solidFill>
+              </a14:hiddenFill>
+            </a:ext>
+          </a:extLst>
+        </p:spPr>
+      </p:pic>
+      <p:pic>
+        <p:nvPicPr>
           <p:cNvPr id="7" name="Picture 6" descr="A screenshot of a cell phone&#10;&#10;Description automatically generated">
             <a:extLst>
               <a:ext uri="{FF2B5EF4-FFF2-40B4-BE49-F238E27FC236}">
@@ -29852,7 +29992,7 @@
           <p:nvPr/>
         </p:nvPicPr>
         <p:blipFill>
-          <a:blip r:embed="rId3">
+          <a:blip r:embed="rId5">
             <a:extLst>
               <a:ext uri="{28A0092B-C50C-407E-A947-70E740481C1C}">
                 <a14:useLocalDpi xmlns:a14="http://schemas.microsoft.com/office/drawing/2010/main" val="0"/>
@@ -29865,8 +30005,8 @@
         </p:blipFill>
         <p:spPr>
           <a:xfrm>
-            <a:off x="675690" y="1104419"/>
-            <a:ext cx="10493421" cy="5753095"/>
+            <a:off x="1619927" y="1079171"/>
+            <a:ext cx="8295946" cy="4548313"/>
           </a:xfrm>
           <a:prstGeom prst="rect">
             <a:avLst/>
@@ -29886,6 +30026,11 @@
   <p:transition>
     <p:fade/>
   </p:transition>
+  <p:extLst>
+    <p:ext uri="{6950BFC3-D8DA-4A85-94F7-54DA5524770B}">
+      <p188:commentRel xmlns:p188="http://schemas.microsoft.com/office/powerpoint/2018/8/main" r:id="rId3"/>
+    </p:ext>
+  </p:extLst>
 </p:sld>
 </file>
 
@@ -29929,14 +30074,14 @@
           <a:p>
             <a:r>
               <a:rPr lang="en-US" dirty="0"/>
-              <a:t>Bounded Staleness</a:t>
+              <a:t>Eventual Consistency</a:t>
             </a:r>
           </a:p>
         </p:txBody>
       </p:sp>
       <p:pic>
         <p:nvPicPr>
-          <p:cNvPr id="5" name="Picture 4" descr="A screenshot of a cell phone&#10;&#10;Description automatically generated">
+          <p:cNvPr id="5" name="Picture 4">
             <a:extLst>
               <a:ext uri="{FF2B5EF4-FFF2-40B4-BE49-F238E27FC236}">
                 <a16:creationId xmlns:a16="http://schemas.microsoft.com/office/drawing/2014/main" id="{C51E54B5-E4D9-4559-9985-CE519B0C21D8}"/>
@@ -29956,14 +30101,13 @@
               </a:ext>
             </a:extLst>
           </a:blip>
-          <a:stretch>
-            <a:fillRect/>
-          </a:stretch>
+          <a:srcRect/>
+          <a:stretch/>
         </p:blipFill>
         <p:spPr>
           <a:xfrm>
-            <a:off x="1391287" y="1358171"/>
-            <a:ext cx="9409427" cy="5499344"/>
+            <a:off x="1391287" y="1578902"/>
+            <a:ext cx="9409427" cy="5057882"/>
           </a:xfrm>
           <a:prstGeom prst="rect">
             <a:avLst/>
@@ -29973,7 +30117,7 @@
     </p:spTree>
     <p:extLst>
       <p:ext uri="{BB962C8B-B14F-4D97-AF65-F5344CB8AC3E}">
-        <p14:creationId xmlns:p14="http://schemas.microsoft.com/office/powerpoint/2010/main" val="2522544560"/>
+        <p14:creationId xmlns:p14="http://schemas.microsoft.com/office/powerpoint/2010/main" val="1422040720"/>
       </p:ext>
     </p:extLst>
   </p:cSld>
@@ -30088,7 +30232,7 @@
           <p:nvPr/>
         </p:nvPicPr>
         <p:blipFill>
-          <a:blip r:embed="rId2"/>
+          <a:blip r:embed="rId4"/>
           <a:stretch>
             <a:fillRect/>
           </a:stretch>
@@ -30116,6 +30260,11 @@
   <p:transition>
     <p:fade/>
   </p:transition>
+  <p:extLst>
+    <p:ext uri="{6950BFC3-D8DA-4A85-94F7-54DA5524770B}">
+      <p188:commentRel xmlns:p188="http://schemas.microsoft.com/office/powerpoint/2018/8/main" r:id="rId3"/>
+    </p:ext>
+  </p:extLst>
 </p:sld>
 </file>
 
@@ -30995,30 +31144,12 @@
 </file>
 
 <file path=customXml/item1.xml><?xml version="1.0" encoding="utf-8"?>
-<p:properties xmlns:p="http://schemas.microsoft.com/office/2006/metadata/properties" xmlns:xsi="http://www.w3.org/2001/XMLSchema-instance" xmlns:pc="http://schemas.microsoft.com/office/infopath/2007/PartnerControls">
-  <documentManagement>
-    <MediaServiceKeyPoints xmlns="675661ce-a921-4ef4-be83-dd19f3c4cc86" xsi:nil="true"/>
-    <MaterialType xmlns="675661ce-a921-4ef4-be83-dd19f3c4cc86">
-      <Value>Presentation Ready Deck</Value>
-    </MaterialType>
-    <Description xmlns="675661ce-a921-4ef4-be83-dd19f3c4cc86" xsi:nil="true"/>
-    <Tag xmlns="675661ce-a921-4ef4-be83-dd19f3c4cc86">
-      <Value>PM</Value>
-      <Value>Lead Coach</Value>
-      <Value>Coach</Value>
-    </Tag>
-    <OHOrder xmlns="675661ce-a921-4ef4-be83-dd19f3c4cc86" xsi:nil="true"/>
-    <Internal_x0020_MSFT xmlns="675661ce-a921-4ef4-be83-dd19f3c4cc86" xsi:nil="true"/>
-    <OrderNo_x002e_ xmlns="675661ce-a921-4ef4-be83-dd19f3c4cc86" xsi:nil="true"/>
-    <Sequence_x0020_of_x0020_Material xmlns="675661ce-a921-4ef4-be83-dd19f3c4cc86">4. Day of Event</Sequence_x0020_of_x0020_Material>
-    <_ip_UnifiedCompliancePolicyUIAction xmlns="http://schemas.microsoft.com/sharepoint/v3" xsi:nil="true"/>
-    <_ip_UnifiedCompliancePolicyProperties xmlns="http://schemas.microsoft.com/sharepoint/v3" xsi:nil="true"/>
-    <lcf76f155ced4ddcb4097134ff3c332f xmlns="675661ce-a921-4ef4-be83-dd19f3c4cc86">
-      <Terms xmlns="http://schemas.microsoft.com/office/infopath/2007/PartnerControls"/>
-    </lcf76f155ced4ddcb4097134ff3c332f>
-    <TaxCatchAll xmlns="230e9df3-be65-4c73-a93b-d1236ebd677e" xsi:nil="true"/>
-  </documentManagement>
-</p:properties>
+<?mso-contentType ?>
+<FormTemplates xmlns="http://schemas.microsoft.com/sharepoint/v3/contenttype/forms">
+  <Display>DocumentLibraryForm</Display>
+  <Edit>DocumentLibraryForm</Edit>
+  <New>DocumentLibraryForm</New>
+</FormTemplates>
 </file>
 
 <file path=customXml/item2.xml><?xml version="1.0" encoding="utf-8"?>
@@ -31362,29 +31493,36 @@
 </file>
 
 <file path=customXml/item3.xml><?xml version="1.0" encoding="utf-8"?>
-<?mso-contentType ?>
-<FormTemplates xmlns="http://schemas.microsoft.com/sharepoint/v3/contenttype/forms">
-  <Display>DocumentLibraryForm</Display>
-  <Edit>DocumentLibraryForm</Edit>
-  <New>DocumentLibraryForm</New>
-</FormTemplates>
+<p:properties xmlns:p="http://schemas.microsoft.com/office/2006/metadata/properties" xmlns:xsi="http://www.w3.org/2001/XMLSchema-instance" xmlns:pc="http://schemas.microsoft.com/office/infopath/2007/PartnerControls">
+  <documentManagement>
+    <MediaServiceKeyPoints xmlns="675661ce-a921-4ef4-be83-dd19f3c4cc86" xsi:nil="true"/>
+    <MaterialType xmlns="675661ce-a921-4ef4-be83-dd19f3c4cc86">
+      <Value>Presentation Ready Deck</Value>
+    </MaterialType>
+    <Description xmlns="675661ce-a921-4ef4-be83-dd19f3c4cc86" xsi:nil="true"/>
+    <Tag xmlns="675661ce-a921-4ef4-be83-dd19f3c4cc86">
+      <Value>PM</Value>
+      <Value>Lead Coach</Value>
+      <Value>Coach</Value>
+    </Tag>
+    <OHOrder xmlns="675661ce-a921-4ef4-be83-dd19f3c4cc86" xsi:nil="true"/>
+    <Internal_x0020_MSFT xmlns="675661ce-a921-4ef4-be83-dd19f3c4cc86" xsi:nil="true"/>
+    <OrderNo_x002e_ xmlns="675661ce-a921-4ef4-be83-dd19f3c4cc86" xsi:nil="true"/>
+    <Sequence_x0020_of_x0020_Material xmlns="675661ce-a921-4ef4-be83-dd19f3c4cc86">4. Day of Event</Sequence_x0020_of_x0020_Material>
+    <_ip_UnifiedCompliancePolicyUIAction xmlns="http://schemas.microsoft.com/sharepoint/v3" xsi:nil="true"/>
+    <_ip_UnifiedCompliancePolicyProperties xmlns="http://schemas.microsoft.com/sharepoint/v3" xsi:nil="true"/>
+    <lcf76f155ced4ddcb4097134ff3c332f xmlns="675661ce-a921-4ef4-be83-dd19f3c4cc86">
+      <Terms xmlns="http://schemas.microsoft.com/office/infopath/2007/PartnerControls"/>
+    </lcf76f155ced4ddcb4097134ff3c332f>
+    <TaxCatchAll xmlns="230e9df3-be65-4c73-a93b-d1236ebd677e" xsi:nil="true"/>
+  </documentManagement>
+</p:properties>
 </file>
 
 <file path=customXml/itemProps1.xml><?xml version="1.0" encoding="utf-8"?>
-<ds:datastoreItem xmlns:ds="http://schemas.openxmlformats.org/officeDocument/2006/customXml" ds:itemID="{0A9086BA-F6B1-41F0-8458-5D968EBBF04E}">
+<ds:datastoreItem xmlns:ds="http://schemas.openxmlformats.org/officeDocument/2006/customXml" ds:itemID="{91696345-23F8-4CDB-8A31-BEF0BEB16805}">
   <ds:schemaRefs>
-    <ds:schemaRef ds:uri="http://schemas.microsoft.com/office/2006/metadata/properties"/>
-    <ds:schemaRef ds:uri="http://purl.org/dc/elements/1.1/"/>
-    <ds:schemaRef ds:uri="http://purl.org/dc/dcmitype/"/>
-    <ds:schemaRef ds:uri="http://www.w3.org/XML/1998/namespace"/>
-    <ds:schemaRef ds:uri="http://schemas.microsoft.com/sharepoint/v3"/>
-    <ds:schemaRef ds:uri="4343a8c8-d2d9-429e-8dd3-28f02b2ba4f5"/>
-    <ds:schemaRef ds:uri="http://schemas.microsoft.com/office/2006/documentManagement/types"/>
-    <ds:schemaRef ds:uri="http://schemas.microsoft.com/office/infopath/2007/PartnerControls"/>
-    <ds:schemaRef ds:uri="http://schemas.openxmlformats.org/package/2006/metadata/core-properties"/>
-    <ds:schemaRef ds:uri="675661ce-a921-4ef4-be83-dd19f3c4cc86"/>
-    <ds:schemaRef ds:uri="http://purl.org/dc/terms/"/>
-    <ds:schemaRef ds:uri="230e9df3-be65-4c73-a93b-d1236ebd677e"/>
+    <ds:schemaRef ds:uri="http://schemas.microsoft.com/sharepoint/v3/contenttype/forms"/>
   </ds:schemaRefs>
 </ds:datastoreItem>
 </file>
@@ -31411,9 +31549,20 @@
 </file>
 
 <file path=customXml/itemProps3.xml><?xml version="1.0" encoding="utf-8"?>
-<ds:datastoreItem xmlns:ds="http://schemas.openxmlformats.org/officeDocument/2006/customXml" ds:itemID="{91696345-23F8-4CDB-8A31-BEF0BEB16805}">
+<ds:datastoreItem xmlns:ds="http://schemas.openxmlformats.org/officeDocument/2006/customXml" ds:itemID="{0A9086BA-F6B1-41F0-8458-5D968EBBF04E}">
   <ds:schemaRefs>
-    <ds:schemaRef ds:uri="http://schemas.microsoft.com/sharepoint/v3/contenttype/forms"/>
+    <ds:schemaRef ds:uri="http://schemas.microsoft.com/office/2006/metadata/properties"/>
+    <ds:schemaRef ds:uri="http://purl.org/dc/elements/1.1/"/>
+    <ds:schemaRef ds:uri="http://purl.org/dc/dcmitype/"/>
+    <ds:schemaRef ds:uri="http://www.w3.org/XML/1998/namespace"/>
+    <ds:schemaRef ds:uri="http://schemas.microsoft.com/sharepoint/v3"/>
+    <ds:schemaRef ds:uri="4343a8c8-d2d9-429e-8dd3-28f02b2ba4f5"/>
+    <ds:schemaRef ds:uri="http://schemas.microsoft.com/office/2006/documentManagement/types"/>
+    <ds:schemaRef ds:uri="http://schemas.microsoft.com/office/infopath/2007/PartnerControls"/>
+    <ds:schemaRef ds:uri="http://schemas.openxmlformats.org/package/2006/metadata/core-properties"/>
+    <ds:schemaRef ds:uri="675661ce-a921-4ef4-be83-dd19f3c4cc86"/>
+    <ds:schemaRef ds:uri="http://purl.org/dc/terms/"/>
+    <ds:schemaRef ds:uri="230e9df3-be65-4c73-a93b-d1236ebd677e"/>
   </ds:schemaRefs>
 </ds:datastoreItem>
 </file>
